--- a/Database/database.pptx
+++ b/Database/database.pptx
@@ -5,7 +5,7 @@
     <p:sldMasterId id="2147483648" r:id="rId1"/>
   </p:sldMasterIdLst>
   <p:notesMasterIdLst>
-    <p:notesMasterId r:id="rId20"/>
+    <p:notesMasterId r:id="rId21"/>
   </p:notesMasterIdLst>
   <p:sldIdLst>
     <p:sldId id="256" r:id="rId2"/>
@@ -22,10 +22,11 @@
     <p:sldId id="269" r:id="rId13"/>
     <p:sldId id="268" r:id="rId14"/>
     <p:sldId id="270" r:id="rId15"/>
-    <p:sldId id="271" r:id="rId16"/>
-    <p:sldId id="272" r:id="rId17"/>
-    <p:sldId id="273" r:id="rId18"/>
-    <p:sldId id="274" r:id="rId19"/>
+    <p:sldId id="275" r:id="rId16"/>
+    <p:sldId id="271" r:id="rId17"/>
+    <p:sldId id="272" r:id="rId18"/>
+    <p:sldId id="273" r:id="rId19"/>
+    <p:sldId id="274" r:id="rId20"/>
   </p:sldIdLst>
   <p:sldSz cx="12192000" cy="6858000"/>
   <p:notesSz cx="6858000" cy="9144000"/>
@@ -6861,7 +6862,7 @@
           <a:p>
             <a:fld id="{4253A8FE-3173-4767-A71C-0B7CC53597A5}" type="datetimeFigureOut">
               <a:rPr lang="zh-CN" altLang="en-US" smtClean="0"/>
-              <a:t>2018/11/7</a:t>
+              <a:t>2018/11/8</a:t>
             </a:fld>
             <a:endParaRPr lang="zh-CN" altLang="en-US"/>
           </a:p>
@@ -7299,7 +7300,7 @@
           <a:p>
             <a:fld id="{48A87A34-81AB-432B-8DAE-1953F412C126}" type="datetimeFigureOut">
               <a:rPr lang="en-US" dirty="0"/>
-              <a:t>11/7/2018</a:t>
+              <a:t>11/8/2018</a:t>
             </a:fld>
             <a:endParaRPr lang="en-US" dirty="0"/>
           </a:p>
@@ -7561,7 +7562,7 @@
           <a:p>
             <a:fld id="{48A87A34-81AB-432B-8DAE-1953F412C126}" type="datetimeFigureOut">
               <a:rPr lang="en-US" dirty="0"/>
-              <a:t>11/7/2018</a:t>
+              <a:t>11/8/2018</a:t>
             </a:fld>
             <a:endParaRPr lang="en-US" dirty="0"/>
           </a:p>
@@ -7788,7 +7789,7 @@
             <a:fld id="{48A87A34-81AB-432B-8DAE-1953F412C126}" type="datetimeFigureOut">
               <a:rPr lang="en-US" dirty="0"/>
               <a:pPr/>
-              <a:t>11/7/2018</a:t>
+              <a:t>11/8/2018</a:t>
             </a:fld>
             <a:endParaRPr lang="en-US" dirty="0"/>
           </a:p>
@@ -8094,7 +8095,7 @@
             <a:fld id="{48A87A34-81AB-432B-8DAE-1953F412C126}" type="datetimeFigureOut">
               <a:rPr lang="en-US" dirty="0"/>
               <a:pPr/>
-              <a:t>11/7/2018</a:t>
+              <a:t>11/8/2018</a:t>
             </a:fld>
             <a:endParaRPr lang="en-US" dirty="0"/>
           </a:p>
@@ -8563,7 +8564,7 @@
             <a:fld id="{48A87A34-81AB-432B-8DAE-1953F412C126}" type="datetimeFigureOut">
               <a:rPr lang="en-US" dirty="0"/>
               <a:pPr/>
-              <a:t>11/7/2018</a:t>
+              <a:t>11/8/2018</a:t>
             </a:fld>
             <a:endParaRPr lang="en-US" dirty="0"/>
           </a:p>
@@ -9105,7 +9106,7 @@
           <a:p>
             <a:fld id="{48A87A34-81AB-432B-8DAE-1953F412C126}" type="datetimeFigureOut">
               <a:rPr lang="en-US" dirty="0"/>
-              <a:t>11/7/2018</a:t>
+              <a:t>11/8/2018</a:t>
             </a:fld>
             <a:endParaRPr lang="en-US" dirty="0"/>
           </a:p>
@@ -9874,7 +9875,7 @@
           <a:p>
             <a:fld id="{48A87A34-81AB-432B-8DAE-1953F412C126}" type="datetimeFigureOut">
               <a:rPr lang="en-US" dirty="0"/>
-              <a:t>11/7/2018</a:t>
+              <a:t>11/8/2018</a:t>
             </a:fld>
             <a:endParaRPr lang="en-US" dirty="0"/>
           </a:p>
@@ -10044,7 +10045,7 @@
           <a:p>
             <a:fld id="{48A87A34-81AB-432B-8DAE-1953F412C126}" type="datetimeFigureOut">
               <a:rPr lang="en-US" dirty="0"/>
-              <a:t>11/7/2018</a:t>
+              <a:t>11/8/2018</a:t>
             </a:fld>
             <a:endParaRPr lang="en-US" dirty="0"/>
           </a:p>
@@ -10263,7 +10264,7 @@
             <a:fld id="{48A87A34-81AB-432B-8DAE-1953F412C126}" type="datetimeFigureOut">
               <a:rPr lang="en-US" dirty="0"/>
               <a:pPr/>
-              <a:t>11/7/2018</a:t>
+              <a:t>11/8/2018</a:t>
             </a:fld>
             <a:endParaRPr lang="en-US" dirty="0"/>
           </a:p>
@@ -10438,7 +10439,7 @@
           <a:p>
             <a:fld id="{48A87A34-81AB-432B-8DAE-1953F412C126}" type="datetimeFigureOut">
               <a:rPr lang="en-US" dirty="0"/>
-              <a:t>11/7/2018</a:t>
+              <a:t>11/8/2018</a:t>
             </a:fld>
             <a:endParaRPr lang="en-US" dirty="0"/>
           </a:p>
@@ -10723,7 +10724,7 @@
             <a:fld id="{48A87A34-81AB-432B-8DAE-1953F412C126}" type="datetimeFigureOut">
               <a:rPr lang="en-US" dirty="0"/>
               <a:pPr/>
-              <a:t>11/7/2018</a:t>
+              <a:t>11/8/2018</a:t>
             </a:fld>
             <a:endParaRPr lang="en-US" dirty="0"/>
           </a:p>
@@ -10960,7 +10961,7 @@
           <a:p>
             <a:fld id="{48A87A34-81AB-432B-8DAE-1953F412C126}" type="datetimeFigureOut">
               <a:rPr lang="en-US" dirty="0"/>
-              <a:t>11/7/2018</a:t>
+              <a:t>11/8/2018</a:t>
             </a:fld>
             <a:endParaRPr lang="en-US" dirty="0"/>
           </a:p>
@@ -11334,7 +11335,7 @@
           <a:p>
             <a:fld id="{48A87A34-81AB-432B-8DAE-1953F412C126}" type="datetimeFigureOut">
               <a:rPr lang="en-US" dirty="0"/>
-              <a:t>11/7/2018</a:t>
+              <a:t>11/8/2018</a:t>
             </a:fld>
             <a:endParaRPr lang="en-US" dirty="0"/>
           </a:p>
@@ -11447,7 +11448,7 @@
           <a:p>
             <a:fld id="{48A87A34-81AB-432B-8DAE-1953F412C126}" type="datetimeFigureOut">
               <a:rPr lang="en-US" dirty="0"/>
-              <a:t>11/7/2018</a:t>
+              <a:t>11/8/2018</a:t>
             </a:fld>
             <a:endParaRPr lang="en-US" dirty="0"/>
           </a:p>
@@ -11537,7 +11538,7 @@
           <a:p>
             <a:fld id="{48A87A34-81AB-432B-8DAE-1953F412C126}" type="datetimeFigureOut">
               <a:rPr lang="en-US" dirty="0"/>
-              <a:t>11/7/2018</a:t>
+              <a:t>11/8/2018</a:t>
             </a:fld>
             <a:endParaRPr lang="en-US" dirty="0"/>
           </a:p>
@@ -11781,7 +11782,7 @@
           <a:p>
             <a:fld id="{48A87A34-81AB-432B-8DAE-1953F412C126}" type="datetimeFigureOut">
               <a:rPr lang="en-US" dirty="0"/>
-              <a:t>11/7/2018</a:t>
+              <a:t>11/8/2018</a:t>
             </a:fld>
             <a:endParaRPr lang="en-US" dirty="0"/>
           </a:p>
@@ -12033,7 +12034,7 @@
           <a:p>
             <a:fld id="{48A87A34-81AB-432B-8DAE-1953F412C126}" type="datetimeFigureOut">
               <a:rPr lang="en-US" dirty="0"/>
-              <a:t>11/7/2018</a:t>
+              <a:t>11/8/2018</a:t>
             </a:fld>
             <a:endParaRPr lang="en-US" dirty="0"/>
           </a:p>
@@ -12272,7 +12273,7 @@
             <a:fld id="{48A87A34-81AB-432B-8DAE-1953F412C126}" type="datetimeFigureOut">
               <a:rPr lang="en-US" dirty="0"/>
               <a:pPr/>
-              <a:t>11/7/2018</a:t>
+              <a:t>11/8/2018</a:t>
             </a:fld>
             <a:endParaRPr lang="en-US" dirty="0"/>
           </a:p>
@@ -12788,13 +12789,13 @@
   <p:clrMapOvr>
     <a:masterClrMapping/>
   </p:clrMapOvr>
-  <mc:AlternateContent xmlns:mc="http://schemas.openxmlformats.org/markup-compatibility/2006">
-    <mc:Choice xmlns:p14="http://schemas.microsoft.com/office/powerpoint/2010/main" Requires="p14">
+  <mc:AlternateContent xmlns:mc="http://schemas.openxmlformats.org/markup-compatibility/2006" xmlns:p14="http://schemas.microsoft.com/office/powerpoint/2010/main">
+    <mc:Choice Requires="p14">
       <p:transition spd="slow" p14:dur="800">
         <p14:flythrough/>
       </p:transition>
     </mc:Choice>
-    <mc:Fallback>
+    <mc:Fallback xmlns="">
       <p:transition spd="slow">
         <p:fade/>
       </p:transition>
@@ -13848,13 +13849,13 @@
   <p:clrMapOvr>
     <a:masterClrMapping/>
   </p:clrMapOvr>
-  <mc:AlternateContent xmlns:mc="http://schemas.openxmlformats.org/markup-compatibility/2006">
-    <mc:Choice xmlns:p14="http://schemas.microsoft.com/office/powerpoint/2010/main" Requires="p14">
+  <mc:AlternateContent xmlns:mc="http://schemas.openxmlformats.org/markup-compatibility/2006" xmlns:p14="http://schemas.microsoft.com/office/powerpoint/2010/main">
+    <mc:Choice Requires="p14">
       <p:transition spd="slow" p14:dur="800">
         <p14:flythrough/>
       </p:transition>
     </mc:Choice>
-    <mc:Fallback>
+    <mc:Fallback xmlns="">
       <p:transition spd="slow">
         <p:fade/>
       </p:transition>
@@ -15587,13 +15588,13 @@
   <p:clrMapOvr>
     <a:masterClrMapping/>
   </p:clrMapOvr>
-  <mc:AlternateContent xmlns:mc="http://schemas.openxmlformats.org/markup-compatibility/2006">
-    <mc:Choice xmlns:p14="http://schemas.microsoft.com/office/powerpoint/2010/main" Requires="p14">
+  <mc:AlternateContent xmlns:mc="http://schemas.openxmlformats.org/markup-compatibility/2006" xmlns:p14="http://schemas.microsoft.com/office/powerpoint/2010/main">
+    <mc:Choice Requires="p14">
       <p:transition spd="slow" p14:dur="800">
         <p14:flythrough/>
       </p:transition>
     </mc:Choice>
-    <mc:Fallback>
+    <mc:Fallback xmlns="">
       <p:transition spd="slow">
         <p:fade/>
       </p:transition>
@@ -18770,13 +18771,13 @@
   <p:clrMapOvr>
     <a:masterClrMapping/>
   </p:clrMapOvr>
-  <mc:AlternateContent xmlns:mc="http://schemas.openxmlformats.org/markup-compatibility/2006">
-    <mc:Choice xmlns:p14="http://schemas.microsoft.com/office/powerpoint/2010/main" Requires="p14">
+  <mc:AlternateContent xmlns:mc="http://schemas.openxmlformats.org/markup-compatibility/2006" xmlns:p14="http://schemas.microsoft.com/office/powerpoint/2010/main">
+    <mc:Choice Requires="p14">
       <p:transition spd="slow" p14:dur="800">
         <p14:flythrough/>
       </p:transition>
     </mc:Choice>
-    <mc:Fallback>
+    <mc:Fallback xmlns="">
       <p:transition spd="slow">
         <p:fade/>
       </p:transition>
@@ -20601,13 +20602,13 @@
   <p:clrMapOvr>
     <a:masterClrMapping/>
   </p:clrMapOvr>
-  <mc:AlternateContent xmlns:mc="http://schemas.openxmlformats.org/markup-compatibility/2006">
-    <mc:Choice xmlns:p14="http://schemas.microsoft.com/office/powerpoint/2010/main" Requires="p14">
+  <mc:AlternateContent xmlns:mc="http://schemas.openxmlformats.org/markup-compatibility/2006" xmlns:p14="http://schemas.microsoft.com/office/powerpoint/2010/main">
+    <mc:Choice Requires="p14">
       <p:transition spd="slow" p14:dur="800">
         <p14:flythrough/>
       </p:transition>
     </mc:Choice>
-    <mc:Fallback>
+    <mc:Fallback xmlns="">
       <p:transition spd="slow">
         <p:fade/>
       </p:transition>
@@ -20617,6 +20618,1766 @@
 </file>
 
 <file path=ppt/slides/slide15.xml><?xml version="1.0" encoding="utf-8"?>
+<p:sld xmlns:a="http://schemas.openxmlformats.org/drawingml/2006/main" xmlns:r="http://schemas.openxmlformats.org/officeDocument/2006/relationships" xmlns:p="http://schemas.openxmlformats.org/presentationml/2006/main">
+  <p:cSld>
+    <p:spTree>
+      <p:nvGrpSpPr>
+        <p:cNvPr id="1" name=""/>
+        <p:cNvGrpSpPr/>
+        <p:nvPr/>
+      </p:nvGrpSpPr>
+      <p:grpSpPr>
+        <a:xfrm>
+          <a:off x="0" y="0"/>
+          <a:ext cx="0" cy="0"/>
+          <a:chOff x="0" y="0"/>
+          <a:chExt cx="0" cy="0"/>
+        </a:xfrm>
+      </p:grpSpPr>
+      <p:sp>
+        <p:nvSpPr>
+          <p:cNvPr id="2" name="Title 1">
+            <a:extLst>
+              <a:ext uri="{FF2B5EF4-FFF2-40B4-BE49-F238E27FC236}">
+                <a16:creationId xmlns:a16="http://schemas.microsoft.com/office/drawing/2014/main" id="{2EF348DD-BB15-4256-91C2-74F7C967166F}"/>
+              </a:ext>
+            </a:extLst>
+          </p:cNvPr>
+          <p:cNvSpPr>
+            <a:spLocks noGrp="1"/>
+          </p:cNvSpPr>
+          <p:nvPr>
+            <p:ph type="title"/>
+          </p:nvPr>
+        </p:nvSpPr>
+        <p:spPr>
+          <a:xfrm>
+            <a:off x="3305262" y="764373"/>
+            <a:ext cx="8200938" cy="636588"/>
+          </a:xfrm>
+        </p:spPr>
+        <p:txBody>
+          <a:bodyPr>
+            <a:normAutofit fontScale="90000"/>
+          </a:bodyPr>
+          <a:lstStyle/>
+          <a:p>
+            <a:r>
+              <a:rPr lang="en-US" altLang="zh-CN" dirty="0"/>
+              <a:t>CTE(Common Table Expressions)</a:t>
+            </a:r>
+            <a:endParaRPr lang="zh-CN" altLang="en-US" dirty="0"/>
+          </a:p>
+        </p:txBody>
+      </p:sp>
+      <p:sp>
+        <p:nvSpPr>
+          <p:cNvPr id="4" name="Rectangle 3">
+            <a:extLst>
+              <a:ext uri="{FF2B5EF4-FFF2-40B4-BE49-F238E27FC236}">
+                <a16:creationId xmlns:a16="http://schemas.microsoft.com/office/drawing/2014/main" id="{1072663C-D266-4D23-A545-459F6E167BE7}"/>
+              </a:ext>
+            </a:extLst>
+          </p:cNvPr>
+          <p:cNvSpPr/>
+          <p:nvPr/>
+        </p:nvSpPr>
+        <p:spPr>
+          <a:xfrm>
+            <a:off x="568354" y="1653080"/>
+            <a:ext cx="10937846" cy="4801314"/>
+          </a:xfrm>
+          <a:prstGeom prst="rect">
+            <a:avLst/>
+          </a:prstGeom>
+        </p:spPr>
+        <p:txBody>
+          <a:bodyPr wrap="square">
+            <a:spAutoFit/>
+          </a:bodyPr>
+          <a:lstStyle/>
+          <a:p>
+            <a:r>
+              <a:rPr lang="en-US" altLang="zh-CN" b="1" dirty="0">
+                <a:solidFill>
+                  <a:srgbClr val="0000FF"/>
+                </a:solidFill>
+                <a:latin typeface="Courier New" panose="02070309020205020404" pitchFamily="49" charset="0"/>
+              </a:rPr>
+              <a:t>WITH</a:t>
+            </a:r>
+            <a:r>
+              <a:rPr lang="en-US" altLang="zh-CN" dirty="0">
+                <a:solidFill>
+                  <a:srgbClr val="000000"/>
+                </a:solidFill>
+                <a:latin typeface="Courier New" panose="02070309020205020404" pitchFamily="49" charset="0"/>
+              </a:rPr>
+              <a:t> </a:t>
+            </a:r>
+            <a:r>
+              <a:rPr lang="en-US" altLang="zh-CN" dirty="0">
+                <a:solidFill>
+                  <a:srgbClr val="808000"/>
+                </a:solidFill>
+                <a:latin typeface="Courier New" panose="02070309020205020404" pitchFamily="49" charset="0"/>
+              </a:rPr>
+              <a:t>cte1</a:t>
+            </a:r>
+            <a:r>
+              <a:rPr lang="en-US" altLang="zh-CN" dirty="0">
+                <a:solidFill>
+                  <a:srgbClr val="000000"/>
+                </a:solidFill>
+                <a:latin typeface="Courier New" panose="02070309020205020404" pitchFamily="49" charset="0"/>
+              </a:rPr>
+              <a:t> </a:t>
+            </a:r>
+            <a:r>
+              <a:rPr lang="en-US" altLang="zh-CN" b="1" dirty="0">
+                <a:solidFill>
+                  <a:srgbClr val="0000FF"/>
+                </a:solidFill>
+                <a:latin typeface="Courier New" panose="02070309020205020404" pitchFamily="49" charset="0"/>
+              </a:rPr>
+              <a:t>AS</a:t>
+            </a:r>
+            <a:r>
+              <a:rPr lang="en-US" altLang="zh-CN" dirty="0">
+                <a:solidFill>
+                  <a:srgbClr val="0000FF"/>
+                </a:solidFill>
+                <a:latin typeface="Courier New" panose="02070309020205020404" pitchFamily="49" charset="0"/>
+              </a:rPr>
+              <a:t>(</a:t>
+            </a:r>
+          </a:p>
+          <a:p>
+            <a:r>
+              <a:rPr lang="en-US" altLang="zh-CN" b="1" dirty="0">
+                <a:solidFill>
+                  <a:srgbClr val="0000FF"/>
+                </a:solidFill>
+                <a:latin typeface="Courier New" panose="02070309020205020404" pitchFamily="49" charset="0"/>
+              </a:rPr>
+              <a:t>    SELECT</a:t>
+            </a:r>
+            <a:r>
+              <a:rPr lang="en-US" altLang="zh-CN" dirty="0">
+                <a:solidFill>
+                  <a:srgbClr val="000000"/>
+                </a:solidFill>
+                <a:latin typeface="Courier New" panose="02070309020205020404" pitchFamily="49" charset="0"/>
+              </a:rPr>
+              <a:t> </a:t>
+            </a:r>
+            <a:r>
+              <a:rPr lang="en-US" altLang="zh-CN" dirty="0">
+                <a:solidFill>
+                  <a:srgbClr val="808000"/>
+                </a:solidFill>
+                <a:latin typeface="Courier New" panose="02070309020205020404" pitchFamily="49" charset="0"/>
+              </a:rPr>
+              <a:t>mf</a:t>
+            </a:r>
+            <a:r>
+              <a:rPr lang="en-US" altLang="zh-CN" dirty="0">
+                <a:solidFill>
+                  <a:srgbClr val="0000FF"/>
+                </a:solidFill>
+                <a:latin typeface="Courier New" panose="02070309020205020404" pitchFamily="49" charset="0"/>
+              </a:rPr>
+              <a:t>,</a:t>
+            </a:r>
+            <a:r>
+              <a:rPr lang="en-US" altLang="zh-CN" dirty="0">
+                <a:solidFill>
+                  <a:srgbClr val="000000"/>
+                </a:solidFill>
+                <a:latin typeface="Courier New" panose="02070309020205020404" pitchFamily="49" charset="0"/>
+              </a:rPr>
+              <a:t> </a:t>
+            </a:r>
+            <a:r>
+              <a:rPr lang="en-US" altLang="zh-CN" dirty="0">
+                <a:solidFill>
+                  <a:srgbClr val="808000"/>
+                </a:solidFill>
+                <a:latin typeface="Courier New" panose="02070309020205020404" pitchFamily="49" charset="0"/>
+              </a:rPr>
+              <a:t>brand</a:t>
+            </a:r>
+            <a:r>
+              <a:rPr lang="en-US" altLang="zh-CN" dirty="0">
+                <a:solidFill>
+                  <a:srgbClr val="0000FF"/>
+                </a:solidFill>
+                <a:latin typeface="Courier New" panose="02070309020205020404" pitchFamily="49" charset="0"/>
+              </a:rPr>
+              <a:t>,</a:t>
+            </a:r>
+            <a:r>
+              <a:rPr lang="en-US" altLang="zh-CN" dirty="0">
+                <a:solidFill>
+                  <a:srgbClr val="000000"/>
+                </a:solidFill>
+                <a:latin typeface="Courier New" panose="02070309020205020404" pitchFamily="49" charset="0"/>
+              </a:rPr>
+              <a:t> </a:t>
+            </a:r>
+            <a:r>
+              <a:rPr lang="en-US" altLang="zh-CN" dirty="0">
+                <a:solidFill>
+                  <a:srgbClr val="808000"/>
+                </a:solidFill>
+                <a:latin typeface="Courier New" panose="02070309020205020404" pitchFamily="49" charset="0"/>
+              </a:rPr>
+              <a:t>series</a:t>
+            </a:r>
+            <a:r>
+              <a:rPr lang="en-US" altLang="zh-CN" dirty="0">
+                <a:solidFill>
+                  <a:srgbClr val="0000FF"/>
+                </a:solidFill>
+                <a:latin typeface="Courier New" panose="02070309020205020404" pitchFamily="49" charset="0"/>
+              </a:rPr>
+              <a:t>,</a:t>
+            </a:r>
+            <a:r>
+              <a:rPr lang="en-US" altLang="zh-CN" dirty="0">
+                <a:solidFill>
+                  <a:srgbClr val="000000"/>
+                </a:solidFill>
+                <a:latin typeface="Courier New" panose="02070309020205020404" pitchFamily="49" charset="0"/>
+              </a:rPr>
+              <a:t> </a:t>
+            </a:r>
+            <a:r>
+              <a:rPr lang="en-US" altLang="zh-CN" b="1" dirty="0">
+                <a:solidFill>
+                  <a:srgbClr val="000080"/>
+                </a:solidFill>
+                <a:latin typeface="Courier New" panose="02070309020205020404" pitchFamily="49" charset="0"/>
+              </a:rPr>
+              <a:t>max</a:t>
+            </a:r>
+            <a:r>
+              <a:rPr lang="en-US" altLang="zh-CN" dirty="0">
+                <a:solidFill>
+                  <a:srgbClr val="0000FF"/>
+                </a:solidFill>
+                <a:latin typeface="Courier New" panose="02070309020205020404" pitchFamily="49" charset="0"/>
+              </a:rPr>
+              <a:t>(</a:t>
+            </a:r>
+            <a:r>
+              <a:rPr lang="en-US" altLang="zh-CN" dirty="0" err="1">
+                <a:solidFill>
+                  <a:srgbClr val="808000"/>
+                </a:solidFill>
+                <a:latin typeface="Courier New" panose="02070309020205020404" pitchFamily="49" charset="0"/>
+              </a:rPr>
+              <a:t>fuelAve</a:t>
+            </a:r>
+            <a:r>
+              <a:rPr lang="en-US" altLang="zh-CN" dirty="0">
+                <a:solidFill>
+                  <a:srgbClr val="0000FF"/>
+                </a:solidFill>
+                <a:latin typeface="Courier New" panose="02070309020205020404" pitchFamily="49" charset="0"/>
+              </a:rPr>
+              <a:t>)</a:t>
+            </a:r>
+            <a:r>
+              <a:rPr lang="en-US" altLang="zh-CN" dirty="0">
+                <a:solidFill>
+                  <a:srgbClr val="000000"/>
+                </a:solidFill>
+                <a:latin typeface="Courier New" panose="02070309020205020404" pitchFamily="49" charset="0"/>
+              </a:rPr>
+              <a:t> </a:t>
+            </a:r>
+            <a:r>
+              <a:rPr lang="en-US" altLang="zh-CN" b="1" dirty="0">
+                <a:solidFill>
+                  <a:srgbClr val="0000FF"/>
+                </a:solidFill>
+                <a:latin typeface="Courier New" panose="02070309020205020404" pitchFamily="49" charset="0"/>
+              </a:rPr>
+              <a:t>as</a:t>
+            </a:r>
+            <a:r>
+              <a:rPr lang="en-US" altLang="zh-CN" dirty="0">
+                <a:solidFill>
+                  <a:srgbClr val="000000"/>
+                </a:solidFill>
+                <a:latin typeface="Courier New" panose="02070309020205020404" pitchFamily="49" charset="0"/>
+              </a:rPr>
+              <a:t> </a:t>
+            </a:r>
+            <a:r>
+              <a:rPr lang="en-US" altLang="zh-CN" dirty="0" err="1">
+                <a:solidFill>
+                  <a:srgbClr val="808000"/>
+                </a:solidFill>
+                <a:latin typeface="Courier New" panose="02070309020205020404" pitchFamily="49" charset="0"/>
+              </a:rPr>
+              <a:t>max_fuelAve</a:t>
+            </a:r>
+            <a:r>
+              <a:rPr lang="en-US" altLang="zh-CN" dirty="0">
+                <a:solidFill>
+                  <a:srgbClr val="000000"/>
+                </a:solidFill>
+                <a:latin typeface="Courier New" panose="02070309020205020404" pitchFamily="49" charset="0"/>
+              </a:rPr>
+              <a:t> </a:t>
+            </a:r>
+            <a:r>
+              <a:rPr lang="en-US" altLang="zh-CN" b="1" dirty="0">
+                <a:solidFill>
+                  <a:srgbClr val="0000FF"/>
+                </a:solidFill>
+                <a:latin typeface="Courier New" panose="02070309020205020404" pitchFamily="49" charset="0"/>
+              </a:rPr>
+              <a:t>FROM</a:t>
+            </a:r>
+            <a:r>
+              <a:rPr lang="en-US" altLang="zh-CN" dirty="0">
+                <a:solidFill>
+                  <a:srgbClr val="000000"/>
+                </a:solidFill>
+                <a:latin typeface="Courier New" panose="02070309020205020404" pitchFamily="49" charset="0"/>
+              </a:rPr>
+              <a:t> </a:t>
+            </a:r>
+            <a:r>
+              <a:rPr lang="en-US" altLang="zh-CN" dirty="0">
+                <a:solidFill>
+                  <a:srgbClr val="FF00FF"/>
+                </a:solidFill>
+                <a:latin typeface="Courier New" panose="02070309020205020404" pitchFamily="49" charset="0"/>
+              </a:rPr>
+              <a:t>v10k</a:t>
+            </a:r>
+          </a:p>
+          <a:p>
+            <a:r>
+              <a:rPr lang="en-US" altLang="zh-CN" b="1" dirty="0">
+                <a:solidFill>
+                  <a:srgbClr val="0000FF"/>
+                </a:solidFill>
+                <a:latin typeface="Courier New" panose="02070309020205020404" pitchFamily="49" charset="0"/>
+              </a:rPr>
+              <a:t>    GROUP</a:t>
+            </a:r>
+            <a:r>
+              <a:rPr lang="en-US" altLang="zh-CN" dirty="0">
+                <a:solidFill>
+                  <a:srgbClr val="000000"/>
+                </a:solidFill>
+                <a:latin typeface="Courier New" panose="02070309020205020404" pitchFamily="49" charset="0"/>
+              </a:rPr>
+              <a:t> </a:t>
+            </a:r>
+            <a:r>
+              <a:rPr lang="en-US" altLang="zh-CN" b="1" dirty="0">
+                <a:solidFill>
+                  <a:srgbClr val="0000FF"/>
+                </a:solidFill>
+                <a:latin typeface="Courier New" panose="02070309020205020404" pitchFamily="49" charset="0"/>
+              </a:rPr>
+              <a:t>BY</a:t>
+            </a:r>
+            <a:r>
+              <a:rPr lang="en-US" altLang="zh-CN" dirty="0">
+                <a:solidFill>
+                  <a:srgbClr val="000000"/>
+                </a:solidFill>
+                <a:latin typeface="Courier New" panose="02070309020205020404" pitchFamily="49" charset="0"/>
+              </a:rPr>
+              <a:t> </a:t>
+            </a:r>
+            <a:r>
+              <a:rPr lang="en-US" altLang="zh-CN" dirty="0">
+                <a:solidFill>
+                  <a:srgbClr val="808000"/>
+                </a:solidFill>
+                <a:latin typeface="Courier New" panose="02070309020205020404" pitchFamily="49" charset="0"/>
+              </a:rPr>
+              <a:t>mf</a:t>
+            </a:r>
+            <a:r>
+              <a:rPr lang="en-US" altLang="zh-CN" dirty="0">
+                <a:solidFill>
+                  <a:srgbClr val="0000FF"/>
+                </a:solidFill>
+                <a:latin typeface="Courier New" panose="02070309020205020404" pitchFamily="49" charset="0"/>
+              </a:rPr>
+              <a:t>,</a:t>
+            </a:r>
+            <a:r>
+              <a:rPr lang="en-US" altLang="zh-CN" dirty="0">
+                <a:solidFill>
+                  <a:srgbClr val="000000"/>
+                </a:solidFill>
+                <a:latin typeface="Courier New" panose="02070309020205020404" pitchFamily="49" charset="0"/>
+              </a:rPr>
+              <a:t> </a:t>
+            </a:r>
+            <a:r>
+              <a:rPr lang="en-US" altLang="zh-CN" dirty="0">
+                <a:solidFill>
+                  <a:srgbClr val="808000"/>
+                </a:solidFill>
+                <a:latin typeface="Courier New" panose="02070309020205020404" pitchFamily="49" charset="0"/>
+              </a:rPr>
+              <a:t>brand</a:t>
+            </a:r>
+            <a:r>
+              <a:rPr lang="en-US" altLang="zh-CN" dirty="0">
+                <a:solidFill>
+                  <a:srgbClr val="0000FF"/>
+                </a:solidFill>
+                <a:latin typeface="Courier New" panose="02070309020205020404" pitchFamily="49" charset="0"/>
+              </a:rPr>
+              <a:t>,</a:t>
+            </a:r>
+            <a:r>
+              <a:rPr lang="en-US" altLang="zh-CN" dirty="0">
+                <a:solidFill>
+                  <a:srgbClr val="000000"/>
+                </a:solidFill>
+                <a:latin typeface="Courier New" panose="02070309020205020404" pitchFamily="49" charset="0"/>
+              </a:rPr>
+              <a:t> </a:t>
+            </a:r>
+            <a:r>
+              <a:rPr lang="en-US" altLang="zh-CN" dirty="0">
+                <a:solidFill>
+                  <a:srgbClr val="808000"/>
+                </a:solidFill>
+                <a:latin typeface="Courier New" panose="02070309020205020404" pitchFamily="49" charset="0"/>
+              </a:rPr>
+              <a:t>series</a:t>
+            </a:r>
+          </a:p>
+          <a:p>
+            <a:r>
+              <a:rPr lang="en-US" altLang="zh-CN" dirty="0">
+                <a:solidFill>
+                  <a:srgbClr val="0000FF"/>
+                </a:solidFill>
+                <a:latin typeface="Courier New" panose="02070309020205020404" pitchFamily="49" charset="0"/>
+              </a:rPr>
+              <a:t>),</a:t>
+            </a:r>
+          </a:p>
+          <a:p>
+            <a:r>
+              <a:rPr lang="en-US" altLang="zh-CN" dirty="0">
+                <a:solidFill>
+                  <a:srgbClr val="808000"/>
+                </a:solidFill>
+                <a:latin typeface="Courier New" panose="02070309020205020404" pitchFamily="49" charset="0"/>
+              </a:rPr>
+              <a:t>cte2</a:t>
+            </a:r>
+            <a:r>
+              <a:rPr lang="en-US" altLang="zh-CN" dirty="0">
+                <a:solidFill>
+                  <a:srgbClr val="000000"/>
+                </a:solidFill>
+                <a:latin typeface="Courier New" panose="02070309020205020404" pitchFamily="49" charset="0"/>
+              </a:rPr>
+              <a:t> </a:t>
+            </a:r>
+            <a:r>
+              <a:rPr lang="en-US" altLang="zh-CN" b="1" dirty="0">
+                <a:solidFill>
+                  <a:srgbClr val="0000FF"/>
+                </a:solidFill>
+                <a:latin typeface="Courier New" panose="02070309020205020404" pitchFamily="49" charset="0"/>
+              </a:rPr>
+              <a:t>AS</a:t>
+            </a:r>
+            <a:r>
+              <a:rPr lang="en-US" altLang="zh-CN" dirty="0">
+                <a:solidFill>
+                  <a:srgbClr val="0000FF"/>
+                </a:solidFill>
+                <a:latin typeface="Courier New" panose="02070309020205020404" pitchFamily="49" charset="0"/>
+              </a:rPr>
+              <a:t>(</a:t>
+            </a:r>
+          </a:p>
+          <a:p>
+            <a:r>
+              <a:rPr lang="en-US" altLang="zh-CN" b="1" dirty="0">
+                <a:solidFill>
+                  <a:srgbClr val="0000FF"/>
+                </a:solidFill>
+                <a:latin typeface="Courier New" panose="02070309020205020404" pitchFamily="49" charset="0"/>
+              </a:rPr>
+              <a:t>    SELECT</a:t>
+            </a:r>
+            <a:r>
+              <a:rPr lang="en-US" altLang="zh-CN" dirty="0">
+                <a:solidFill>
+                  <a:srgbClr val="000000"/>
+                </a:solidFill>
+                <a:latin typeface="Courier New" panose="02070309020205020404" pitchFamily="49" charset="0"/>
+              </a:rPr>
+              <a:t> </a:t>
+            </a:r>
+            <a:r>
+              <a:rPr lang="en-US" altLang="zh-CN" dirty="0">
+                <a:solidFill>
+                  <a:srgbClr val="0000FF"/>
+                </a:solidFill>
+                <a:latin typeface="Courier New" panose="02070309020205020404" pitchFamily="49" charset="0"/>
+              </a:rPr>
+              <a:t>*</a:t>
+            </a:r>
+            <a:r>
+              <a:rPr lang="en-US" altLang="zh-CN" dirty="0">
+                <a:solidFill>
+                  <a:srgbClr val="000000"/>
+                </a:solidFill>
+                <a:latin typeface="Courier New" panose="02070309020205020404" pitchFamily="49" charset="0"/>
+              </a:rPr>
+              <a:t> </a:t>
+            </a:r>
+            <a:r>
+              <a:rPr lang="en-US" altLang="zh-CN" b="1" dirty="0">
+                <a:solidFill>
+                  <a:srgbClr val="0000FF"/>
+                </a:solidFill>
+                <a:latin typeface="Courier New" panose="02070309020205020404" pitchFamily="49" charset="0"/>
+              </a:rPr>
+              <a:t>FROM</a:t>
+            </a:r>
+            <a:r>
+              <a:rPr lang="en-US" altLang="zh-CN" dirty="0">
+                <a:solidFill>
+                  <a:srgbClr val="000000"/>
+                </a:solidFill>
+                <a:latin typeface="Courier New" panose="02070309020205020404" pitchFamily="49" charset="0"/>
+              </a:rPr>
+              <a:t> </a:t>
+            </a:r>
+            <a:r>
+              <a:rPr lang="en-US" altLang="zh-CN" dirty="0">
+                <a:solidFill>
+                  <a:srgbClr val="FF00FF"/>
+                </a:solidFill>
+                <a:latin typeface="Courier New" panose="02070309020205020404" pitchFamily="49" charset="0"/>
+              </a:rPr>
+              <a:t>v10k</a:t>
+            </a:r>
+            <a:r>
+              <a:rPr lang="en-US" altLang="zh-CN" dirty="0">
+                <a:solidFill>
+                  <a:srgbClr val="000000"/>
+                </a:solidFill>
+                <a:latin typeface="Courier New" panose="02070309020205020404" pitchFamily="49" charset="0"/>
+              </a:rPr>
+              <a:t> </a:t>
+            </a:r>
+            <a:r>
+              <a:rPr lang="en-US" altLang="zh-CN" b="1" dirty="0">
+                <a:solidFill>
+                  <a:srgbClr val="0000FF"/>
+                </a:solidFill>
+                <a:latin typeface="Courier New" panose="02070309020205020404" pitchFamily="49" charset="0"/>
+              </a:rPr>
+              <a:t>as</a:t>
+            </a:r>
+            <a:r>
+              <a:rPr lang="en-US" altLang="zh-CN" dirty="0">
+                <a:solidFill>
+                  <a:srgbClr val="000000"/>
+                </a:solidFill>
+                <a:latin typeface="Courier New" panose="02070309020205020404" pitchFamily="49" charset="0"/>
+              </a:rPr>
+              <a:t> </a:t>
+            </a:r>
+            <a:r>
+              <a:rPr lang="en-US" altLang="zh-CN" dirty="0">
+                <a:solidFill>
+                  <a:srgbClr val="808000"/>
+                </a:solidFill>
+                <a:latin typeface="Courier New" panose="02070309020205020404" pitchFamily="49" charset="0"/>
+              </a:rPr>
+              <a:t>v1</a:t>
+            </a:r>
+          </a:p>
+          <a:p>
+            <a:r>
+              <a:rPr lang="en-US" altLang="zh-CN" b="1" dirty="0">
+                <a:solidFill>
+                  <a:srgbClr val="0000FF"/>
+                </a:solidFill>
+                <a:latin typeface="Courier New" panose="02070309020205020404" pitchFamily="49" charset="0"/>
+              </a:rPr>
+              <a:t>    WHERE</a:t>
+            </a:r>
+            <a:r>
+              <a:rPr lang="en-US" altLang="zh-CN" dirty="0">
+                <a:solidFill>
+                  <a:srgbClr val="000000"/>
+                </a:solidFill>
+                <a:latin typeface="Courier New" panose="02070309020205020404" pitchFamily="49" charset="0"/>
+              </a:rPr>
+              <a:t> </a:t>
+            </a:r>
+            <a:r>
+              <a:rPr lang="en-US" altLang="zh-CN" dirty="0" err="1">
+                <a:solidFill>
+                  <a:srgbClr val="808000"/>
+                </a:solidFill>
+                <a:latin typeface="Courier New" panose="02070309020205020404" pitchFamily="49" charset="0"/>
+              </a:rPr>
+              <a:t>fuelAve</a:t>
+            </a:r>
+            <a:r>
+              <a:rPr lang="en-US" altLang="zh-CN" dirty="0">
+                <a:solidFill>
+                  <a:srgbClr val="000000"/>
+                </a:solidFill>
+                <a:latin typeface="Courier New" panose="02070309020205020404" pitchFamily="49" charset="0"/>
+              </a:rPr>
+              <a:t> </a:t>
+            </a:r>
+            <a:r>
+              <a:rPr lang="en-US" altLang="zh-CN" dirty="0">
+                <a:solidFill>
+                  <a:srgbClr val="0000FF"/>
+                </a:solidFill>
+                <a:latin typeface="Courier New" panose="02070309020205020404" pitchFamily="49" charset="0"/>
+              </a:rPr>
+              <a:t>=</a:t>
+            </a:r>
+            <a:r>
+              <a:rPr lang="en-US" altLang="zh-CN" dirty="0">
+                <a:solidFill>
+                  <a:srgbClr val="000000"/>
+                </a:solidFill>
+                <a:latin typeface="Courier New" panose="02070309020205020404" pitchFamily="49" charset="0"/>
+              </a:rPr>
+              <a:t> </a:t>
+            </a:r>
+            <a:r>
+              <a:rPr lang="en-US" altLang="zh-CN" dirty="0">
+                <a:solidFill>
+                  <a:srgbClr val="0000FF"/>
+                </a:solidFill>
+                <a:latin typeface="Courier New" panose="02070309020205020404" pitchFamily="49" charset="0"/>
+              </a:rPr>
+              <a:t>(</a:t>
+            </a:r>
+          </a:p>
+          <a:p>
+            <a:r>
+              <a:rPr lang="en-US" altLang="zh-CN" b="1" dirty="0">
+                <a:solidFill>
+                  <a:srgbClr val="0000FF"/>
+                </a:solidFill>
+                <a:latin typeface="Courier New" panose="02070309020205020404" pitchFamily="49" charset="0"/>
+              </a:rPr>
+              <a:t>        SELECT</a:t>
+            </a:r>
+            <a:r>
+              <a:rPr lang="en-US" altLang="zh-CN" dirty="0">
+                <a:solidFill>
+                  <a:srgbClr val="000000"/>
+                </a:solidFill>
+                <a:latin typeface="Courier New" panose="02070309020205020404" pitchFamily="49" charset="0"/>
+              </a:rPr>
+              <a:t> </a:t>
+            </a:r>
+            <a:r>
+              <a:rPr lang="en-US" altLang="zh-CN" dirty="0" err="1">
+                <a:solidFill>
+                  <a:srgbClr val="808000"/>
+                </a:solidFill>
+                <a:latin typeface="Courier New" panose="02070309020205020404" pitchFamily="49" charset="0"/>
+              </a:rPr>
+              <a:t>max_fuelAve</a:t>
+            </a:r>
+            <a:r>
+              <a:rPr lang="en-US" altLang="zh-CN" dirty="0">
+                <a:solidFill>
+                  <a:srgbClr val="000000"/>
+                </a:solidFill>
+                <a:latin typeface="Courier New" panose="02070309020205020404" pitchFamily="49" charset="0"/>
+              </a:rPr>
+              <a:t> </a:t>
+            </a:r>
+            <a:r>
+              <a:rPr lang="en-US" altLang="zh-CN" b="1" dirty="0">
+                <a:solidFill>
+                  <a:srgbClr val="0000FF"/>
+                </a:solidFill>
+                <a:latin typeface="Courier New" panose="02070309020205020404" pitchFamily="49" charset="0"/>
+              </a:rPr>
+              <a:t>FROM</a:t>
+            </a:r>
+            <a:r>
+              <a:rPr lang="en-US" altLang="zh-CN" dirty="0">
+                <a:solidFill>
+                  <a:srgbClr val="000000"/>
+                </a:solidFill>
+                <a:latin typeface="Courier New" panose="02070309020205020404" pitchFamily="49" charset="0"/>
+              </a:rPr>
+              <a:t> </a:t>
+            </a:r>
+            <a:r>
+              <a:rPr lang="en-US" altLang="zh-CN" dirty="0">
+                <a:solidFill>
+                  <a:srgbClr val="808000"/>
+                </a:solidFill>
+                <a:latin typeface="Courier New" panose="02070309020205020404" pitchFamily="49" charset="0"/>
+              </a:rPr>
+              <a:t>cte1</a:t>
+            </a:r>
+            <a:r>
+              <a:rPr lang="en-US" altLang="zh-CN" dirty="0">
+                <a:solidFill>
+                  <a:srgbClr val="000000"/>
+                </a:solidFill>
+                <a:latin typeface="Courier New" panose="02070309020205020404" pitchFamily="49" charset="0"/>
+              </a:rPr>
+              <a:t> </a:t>
+            </a:r>
+            <a:r>
+              <a:rPr lang="en-US" altLang="zh-CN" b="1" dirty="0">
+                <a:solidFill>
+                  <a:srgbClr val="0000FF"/>
+                </a:solidFill>
+                <a:latin typeface="Courier New" panose="02070309020205020404" pitchFamily="49" charset="0"/>
+              </a:rPr>
+              <a:t>as</a:t>
+            </a:r>
+            <a:r>
+              <a:rPr lang="en-US" altLang="zh-CN" dirty="0">
+                <a:solidFill>
+                  <a:srgbClr val="000000"/>
+                </a:solidFill>
+                <a:latin typeface="Courier New" panose="02070309020205020404" pitchFamily="49" charset="0"/>
+              </a:rPr>
+              <a:t> </a:t>
+            </a:r>
+            <a:r>
+              <a:rPr lang="en-US" altLang="zh-CN" dirty="0">
+                <a:solidFill>
+                  <a:srgbClr val="808000"/>
+                </a:solidFill>
+                <a:latin typeface="Courier New" panose="02070309020205020404" pitchFamily="49" charset="0"/>
+              </a:rPr>
+              <a:t>v2</a:t>
+            </a:r>
+          </a:p>
+          <a:p>
+            <a:r>
+              <a:rPr lang="en-US" altLang="zh-CN" b="1" dirty="0">
+                <a:solidFill>
+                  <a:srgbClr val="0000FF"/>
+                </a:solidFill>
+                <a:latin typeface="Courier New" panose="02070309020205020404" pitchFamily="49" charset="0"/>
+              </a:rPr>
+              <a:t>        WHERE</a:t>
+            </a:r>
+            <a:r>
+              <a:rPr lang="en-US" altLang="zh-CN" dirty="0">
+                <a:solidFill>
+                  <a:srgbClr val="000000"/>
+                </a:solidFill>
+                <a:latin typeface="Courier New" panose="02070309020205020404" pitchFamily="49" charset="0"/>
+              </a:rPr>
+              <a:t> </a:t>
+            </a:r>
+            <a:r>
+              <a:rPr lang="en-US" altLang="zh-CN" dirty="0">
+                <a:solidFill>
+                  <a:srgbClr val="808000"/>
+                </a:solidFill>
+                <a:latin typeface="Courier New" panose="02070309020205020404" pitchFamily="49" charset="0"/>
+              </a:rPr>
+              <a:t>v1</a:t>
+            </a:r>
+            <a:r>
+              <a:rPr lang="en-US" altLang="zh-CN" dirty="0">
+                <a:solidFill>
+                  <a:srgbClr val="0000FF"/>
+                </a:solidFill>
+                <a:latin typeface="Courier New" panose="02070309020205020404" pitchFamily="49" charset="0"/>
+              </a:rPr>
+              <a:t>.</a:t>
+            </a:r>
+            <a:r>
+              <a:rPr lang="en-US" altLang="zh-CN" dirty="0">
+                <a:solidFill>
+                  <a:srgbClr val="808000"/>
+                </a:solidFill>
+                <a:latin typeface="Courier New" panose="02070309020205020404" pitchFamily="49" charset="0"/>
+              </a:rPr>
+              <a:t>mf</a:t>
+            </a:r>
+            <a:r>
+              <a:rPr lang="en-US" altLang="zh-CN" dirty="0">
+                <a:solidFill>
+                  <a:srgbClr val="000000"/>
+                </a:solidFill>
+                <a:latin typeface="Courier New" panose="02070309020205020404" pitchFamily="49" charset="0"/>
+              </a:rPr>
+              <a:t> </a:t>
+            </a:r>
+            <a:r>
+              <a:rPr lang="en-US" altLang="zh-CN" dirty="0">
+                <a:solidFill>
+                  <a:srgbClr val="0000FF"/>
+                </a:solidFill>
+                <a:latin typeface="Courier New" panose="02070309020205020404" pitchFamily="49" charset="0"/>
+              </a:rPr>
+              <a:t>=</a:t>
+            </a:r>
+            <a:r>
+              <a:rPr lang="en-US" altLang="zh-CN" dirty="0">
+                <a:solidFill>
+                  <a:srgbClr val="000000"/>
+                </a:solidFill>
+                <a:latin typeface="Courier New" panose="02070309020205020404" pitchFamily="49" charset="0"/>
+              </a:rPr>
+              <a:t> </a:t>
+            </a:r>
+            <a:r>
+              <a:rPr lang="en-US" altLang="zh-CN" dirty="0">
+                <a:solidFill>
+                  <a:srgbClr val="808000"/>
+                </a:solidFill>
+                <a:latin typeface="Courier New" panose="02070309020205020404" pitchFamily="49" charset="0"/>
+              </a:rPr>
+              <a:t>v2</a:t>
+            </a:r>
+            <a:r>
+              <a:rPr lang="en-US" altLang="zh-CN" dirty="0">
+                <a:solidFill>
+                  <a:srgbClr val="0000FF"/>
+                </a:solidFill>
+                <a:latin typeface="Courier New" panose="02070309020205020404" pitchFamily="49" charset="0"/>
+              </a:rPr>
+              <a:t>.</a:t>
+            </a:r>
+            <a:r>
+              <a:rPr lang="en-US" altLang="zh-CN" dirty="0">
+                <a:solidFill>
+                  <a:srgbClr val="808000"/>
+                </a:solidFill>
+                <a:latin typeface="Courier New" panose="02070309020205020404" pitchFamily="49" charset="0"/>
+              </a:rPr>
+              <a:t>mf</a:t>
+            </a:r>
+            <a:r>
+              <a:rPr lang="en-US" altLang="zh-CN" dirty="0">
+                <a:solidFill>
+                  <a:srgbClr val="000000"/>
+                </a:solidFill>
+                <a:latin typeface="Courier New" panose="02070309020205020404" pitchFamily="49" charset="0"/>
+              </a:rPr>
+              <a:t> </a:t>
+            </a:r>
+            <a:r>
+              <a:rPr lang="en-US" altLang="zh-CN" b="1" dirty="0">
+                <a:solidFill>
+                  <a:srgbClr val="0000FF"/>
+                </a:solidFill>
+                <a:latin typeface="Courier New" panose="02070309020205020404" pitchFamily="49" charset="0"/>
+              </a:rPr>
+              <a:t>and</a:t>
+            </a:r>
+            <a:r>
+              <a:rPr lang="en-US" altLang="zh-CN" dirty="0">
+                <a:solidFill>
+                  <a:srgbClr val="000000"/>
+                </a:solidFill>
+                <a:latin typeface="Courier New" panose="02070309020205020404" pitchFamily="49" charset="0"/>
+              </a:rPr>
+              <a:t> </a:t>
+            </a:r>
+            <a:r>
+              <a:rPr lang="en-US" altLang="zh-CN" dirty="0">
+                <a:solidFill>
+                  <a:srgbClr val="808000"/>
+                </a:solidFill>
+                <a:latin typeface="Courier New" panose="02070309020205020404" pitchFamily="49" charset="0"/>
+              </a:rPr>
+              <a:t>v1</a:t>
+            </a:r>
+            <a:r>
+              <a:rPr lang="en-US" altLang="zh-CN" dirty="0">
+                <a:solidFill>
+                  <a:srgbClr val="0000FF"/>
+                </a:solidFill>
+                <a:latin typeface="Courier New" panose="02070309020205020404" pitchFamily="49" charset="0"/>
+              </a:rPr>
+              <a:t>.</a:t>
+            </a:r>
+            <a:r>
+              <a:rPr lang="en-US" altLang="zh-CN" dirty="0">
+                <a:solidFill>
+                  <a:srgbClr val="808000"/>
+                </a:solidFill>
+                <a:latin typeface="Courier New" panose="02070309020205020404" pitchFamily="49" charset="0"/>
+              </a:rPr>
+              <a:t>brand</a:t>
+            </a:r>
+            <a:r>
+              <a:rPr lang="en-US" altLang="zh-CN" dirty="0">
+                <a:solidFill>
+                  <a:srgbClr val="000000"/>
+                </a:solidFill>
+                <a:latin typeface="Courier New" panose="02070309020205020404" pitchFamily="49" charset="0"/>
+              </a:rPr>
+              <a:t> </a:t>
+            </a:r>
+            <a:r>
+              <a:rPr lang="en-US" altLang="zh-CN" dirty="0">
+                <a:solidFill>
+                  <a:srgbClr val="0000FF"/>
+                </a:solidFill>
+                <a:latin typeface="Courier New" panose="02070309020205020404" pitchFamily="49" charset="0"/>
+              </a:rPr>
+              <a:t>=</a:t>
+            </a:r>
+            <a:r>
+              <a:rPr lang="en-US" altLang="zh-CN" dirty="0">
+                <a:solidFill>
+                  <a:srgbClr val="000000"/>
+                </a:solidFill>
+                <a:latin typeface="Courier New" panose="02070309020205020404" pitchFamily="49" charset="0"/>
+              </a:rPr>
+              <a:t> </a:t>
+            </a:r>
+            <a:r>
+              <a:rPr lang="en-US" altLang="zh-CN" dirty="0">
+                <a:solidFill>
+                  <a:srgbClr val="808000"/>
+                </a:solidFill>
+                <a:latin typeface="Courier New" panose="02070309020205020404" pitchFamily="49" charset="0"/>
+              </a:rPr>
+              <a:t>v2</a:t>
+            </a:r>
+            <a:r>
+              <a:rPr lang="en-US" altLang="zh-CN" dirty="0">
+                <a:solidFill>
+                  <a:srgbClr val="0000FF"/>
+                </a:solidFill>
+                <a:latin typeface="Courier New" panose="02070309020205020404" pitchFamily="49" charset="0"/>
+              </a:rPr>
+              <a:t>.</a:t>
+            </a:r>
+            <a:r>
+              <a:rPr lang="en-US" altLang="zh-CN" dirty="0">
+                <a:solidFill>
+                  <a:srgbClr val="808000"/>
+                </a:solidFill>
+                <a:latin typeface="Courier New" panose="02070309020205020404" pitchFamily="49" charset="0"/>
+              </a:rPr>
+              <a:t>brand</a:t>
+            </a:r>
+            <a:r>
+              <a:rPr lang="en-US" altLang="zh-CN" dirty="0">
+                <a:solidFill>
+                  <a:srgbClr val="000000"/>
+                </a:solidFill>
+                <a:latin typeface="Courier New" panose="02070309020205020404" pitchFamily="49" charset="0"/>
+              </a:rPr>
+              <a:t> </a:t>
+            </a:r>
+            <a:r>
+              <a:rPr lang="en-US" altLang="zh-CN" b="1" dirty="0">
+                <a:solidFill>
+                  <a:srgbClr val="0000FF"/>
+                </a:solidFill>
+                <a:latin typeface="Courier New" panose="02070309020205020404" pitchFamily="49" charset="0"/>
+              </a:rPr>
+              <a:t>and</a:t>
+            </a:r>
+            <a:r>
+              <a:rPr lang="en-US" altLang="zh-CN" dirty="0">
+                <a:solidFill>
+                  <a:srgbClr val="000000"/>
+                </a:solidFill>
+                <a:latin typeface="Courier New" panose="02070309020205020404" pitchFamily="49" charset="0"/>
+              </a:rPr>
+              <a:t> </a:t>
+            </a:r>
+            <a:r>
+              <a:rPr lang="en-US" altLang="zh-CN" dirty="0">
+                <a:solidFill>
+                  <a:srgbClr val="808000"/>
+                </a:solidFill>
+                <a:latin typeface="Courier New" panose="02070309020205020404" pitchFamily="49" charset="0"/>
+              </a:rPr>
+              <a:t>v1</a:t>
+            </a:r>
+            <a:r>
+              <a:rPr lang="en-US" altLang="zh-CN" dirty="0">
+                <a:solidFill>
+                  <a:srgbClr val="0000FF"/>
+                </a:solidFill>
+                <a:latin typeface="Courier New" panose="02070309020205020404" pitchFamily="49" charset="0"/>
+              </a:rPr>
+              <a:t>.</a:t>
+            </a:r>
+            <a:r>
+              <a:rPr lang="en-US" altLang="zh-CN" dirty="0">
+                <a:solidFill>
+                  <a:srgbClr val="808000"/>
+                </a:solidFill>
+                <a:latin typeface="Courier New" panose="02070309020205020404" pitchFamily="49" charset="0"/>
+              </a:rPr>
+              <a:t>series</a:t>
+            </a:r>
+            <a:r>
+              <a:rPr lang="en-US" altLang="zh-CN" dirty="0">
+                <a:solidFill>
+                  <a:srgbClr val="000000"/>
+                </a:solidFill>
+                <a:latin typeface="Courier New" panose="02070309020205020404" pitchFamily="49" charset="0"/>
+              </a:rPr>
+              <a:t> </a:t>
+            </a:r>
+            <a:r>
+              <a:rPr lang="en-US" altLang="zh-CN" dirty="0">
+                <a:solidFill>
+                  <a:srgbClr val="0000FF"/>
+                </a:solidFill>
+                <a:latin typeface="Courier New" panose="02070309020205020404" pitchFamily="49" charset="0"/>
+              </a:rPr>
+              <a:t>=</a:t>
+            </a:r>
+            <a:r>
+              <a:rPr lang="en-US" altLang="zh-CN" dirty="0">
+                <a:solidFill>
+                  <a:srgbClr val="000000"/>
+                </a:solidFill>
+                <a:latin typeface="Courier New" panose="02070309020205020404" pitchFamily="49" charset="0"/>
+              </a:rPr>
+              <a:t> </a:t>
+            </a:r>
+            <a:r>
+              <a:rPr lang="en-US" altLang="zh-CN" dirty="0">
+                <a:solidFill>
+                  <a:srgbClr val="808000"/>
+                </a:solidFill>
+                <a:latin typeface="Courier New" panose="02070309020205020404" pitchFamily="49" charset="0"/>
+              </a:rPr>
+              <a:t>v2</a:t>
+            </a:r>
+            <a:r>
+              <a:rPr lang="en-US" altLang="zh-CN" dirty="0">
+                <a:solidFill>
+                  <a:srgbClr val="0000FF"/>
+                </a:solidFill>
+                <a:latin typeface="Courier New" panose="02070309020205020404" pitchFamily="49" charset="0"/>
+              </a:rPr>
+              <a:t>.</a:t>
+            </a:r>
+            <a:r>
+              <a:rPr lang="en-US" altLang="zh-CN" dirty="0">
+                <a:solidFill>
+                  <a:srgbClr val="808000"/>
+                </a:solidFill>
+                <a:latin typeface="Courier New" panose="02070309020205020404" pitchFamily="49" charset="0"/>
+              </a:rPr>
+              <a:t>series</a:t>
+            </a:r>
+          </a:p>
+          <a:p>
+            <a:r>
+              <a:rPr lang="en-US" altLang="zh-CN" dirty="0">
+                <a:solidFill>
+                  <a:srgbClr val="0000FF"/>
+                </a:solidFill>
+                <a:latin typeface="Courier New" panose="02070309020205020404" pitchFamily="49" charset="0"/>
+              </a:rPr>
+              <a:t>    )</a:t>
+            </a:r>
+          </a:p>
+          <a:p>
+            <a:r>
+              <a:rPr lang="en-US" altLang="zh-CN" dirty="0">
+                <a:solidFill>
+                  <a:srgbClr val="0000FF"/>
+                </a:solidFill>
+                <a:latin typeface="Courier New" panose="02070309020205020404" pitchFamily="49" charset="0"/>
+              </a:rPr>
+              <a:t>),</a:t>
+            </a:r>
+          </a:p>
+          <a:p>
+            <a:r>
+              <a:rPr lang="en-US" altLang="zh-CN" dirty="0">
+                <a:solidFill>
+                  <a:srgbClr val="808000"/>
+                </a:solidFill>
+                <a:latin typeface="Courier New" panose="02070309020205020404" pitchFamily="49" charset="0"/>
+              </a:rPr>
+              <a:t>cte3</a:t>
+            </a:r>
+            <a:r>
+              <a:rPr lang="en-US" altLang="zh-CN" dirty="0">
+                <a:solidFill>
+                  <a:srgbClr val="0000FF"/>
+                </a:solidFill>
+                <a:latin typeface="Courier New" panose="02070309020205020404" pitchFamily="49" charset="0"/>
+              </a:rPr>
+              <a:t>(</a:t>
+            </a:r>
+            <a:r>
+              <a:rPr lang="en-US" altLang="zh-CN" dirty="0">
+                <a:solidFill>
+                  <a:srgbClr val="808000"/>
+                </a:solidFill>
+                <a:latin typeface="Courier New" panose="02070309020205020404" pitchFamily="49" charset="0"/>
+              </a:rPr>
+              <a:t>mf</a:t>
+            </a:r>
+            <a:r>
+              <a:rPr lang="en-US" altLang="zh-CN" dirty="0">
+                <a:solidFill>
+                  <a:srgbClr val="0000FF"/>
+                </a:solidFill>
+                <a:latin typeface="Courier New" panose="02070309020205020404" pitchFamily="49" charset="0"/>
+              </a:rPr>
+              <a:t>,</a:t>
+            </a:r>
+            <a:r>
+              <a:rPr lang="en-US" altLang="zh-CN" dirty="0">
+                <a:solidFill>
+                  <a:srgbClr val="000000"/>
+                </a:solidFill>
+                <a:latin typeface="Courier New" panose="02070309020205020404" pitchFamily="49" charset="0"/>
+              </a:rPr>
+              <a:t> </a:t>
+            </a:r>
+            <a:r>
+              <a:rPr lang="en-US" altLang="zh-CN" dirty="0">
+                <a:solidFill>
+                  <a:srgbClr val="808000"/>
+                </a:solidFill>
+                <a:latin typeface="Courier New" panose="02070309020205020404" pitchFamily="49" charset="0"/>
+              </a:rPr>
+              <a:t>brand</a:t>
+            </a:r>
+            <a:r>
+              <a:rPr lang="en-US" altLang="zh-CN" dirty="0">
+                <a:solidFill>
+                  <a:srgbClr val="0000FF"/>
+                </a:solidFill>
+                <a:latin typeface="Courier New" panose="02070309020205020404" pitchFamily="49" charset="0"/>
+              </a:rPr>
+              <a:t>,</a:t>
+            </a:r>
+            <a:r>
+              <a:rPr lang="en-US" altLang="zh-CN" dirty="0">
+                <a:solidFill>
+                  <a:srgbClr val="000000"/>
+                </a:solidFill>
+                <a:latin typeface="Courier New" panose="02070309020205020404" pitchFamily="49" charset="0"/>
+              </a:rPr>
+              <a:t> </a:t>
+            </a:r>
+            <a:r>
+              <a:rPr lang="en-US" altLang="zh-CN" dirty="0">
+                <a:solidFill>
+                  <a:srgbClr val="808000"/>
+                </a:solidFill>
+                <a:latin typeface="Courier New" panose="02070309020205020404" pitchFamily="49" charset="0"/>
+              </a:rPr>
+              <a:t>series</a:t>
+            </a:r>
+            <a:r>
+              <a:rPr lang="en-US" altLang="zh-CN" dirty="0">
+                <a:solidFill>
+                  <a:srgbClr val="0000FF"/>
+                </a:solidFill>
+                <a:latin typeface="Courier New" panose="02070309020205020404" pitchFamily="49" charset="0"/>
+              </a:rPr>
+              <a:t>,</a:t>
+            </a:r>
+            <a:r>
+              <a:rPr lang="en-US" altLang="zh-CN" dirty="0">
+                <a:solidFill>
+                  <a:srgbClr val="000000"/>
+                </a:solidFill>
+                <a:latin typeface="Courier New" panose="02070309020205020404" pitchFamily="49" charset="0"/>
+              </a:rPr>
+              <a:t> </a:t>
+            </a:r>
+            <a:r>
+              <a:rPr lang="en-US" altLang="zh-CN" dirty="0" err="1">
+                <a:solidFill>
+                  <a:srgbClr val="808000"/>
+                </a:solidFill>
+                <a:latin typeface="Courier New" panose="02070309020205020404" pitchFamily="49" charset="0"/>
+              </a:rPr>
+              <a:t>max_vin</a:t>
+            </a:r>
+            <a:r>
+              <a:rPr lang="en-US" altLang="zh-CN" dirty="0">
+                <a:solidFill>
+                  <a:srgbClr val="0000FF"/>
+                </a:solidFill>
+                <a:latin typeface="Courier New" panose="02070309020205020404" pitchFamily="49" charset="0"/>
+              </a:rPr>
+              <a:t>)</a:t>
+            </a:r>
+            <a:r>
+              <a:rPr lang="en-US" altLang="zh-CN" dirty="0">
+                <a:solidFill>
+                  <a:srgbClr val="000000"/>
+                </a:solidFill>
+                <a:latin typeface="Courier New" panose="02070309020205020404" pitchFamily="49" charset="0"/>
+              </a:rPr>
+              <a:t> </a:t>
+            </a:r>
+            <a:r>
+              <a:rPr lang="en-US" altLang="zh-CN" b="1" dirty="0">
+                <a:solidFill>
+                  <a:srgbClr val="0000FF"/>
+                </a:solidFill>
+                <a:latin typeface="Courier New" panose="02070309020205020404" pitchFamily="49" charset="0"/>
+              </a:rPr>
+              <a:t>AS</a:t>
+            </a:r>
+            <a:r>
+              <a:rPr lang="en-US" altLang="zh-CN" dirty="0">
+                <a:solidFill>
+                  <a:srgbClr val="0000FF"/>
+                </a:solidFill>
+                <a:latin typeface="Courier New" panose="02070309020205020404" pitchFamily="49" charset="0"/>
+              </a:rPr>
+              <a:t>(</a:t>
+            </a:r>
+          </a:p>
+          <a:p>
+            <a:r>
+              <a:rPr lang="en-US" altLang="zh-CN" b="1" dirty="0">
+                <a:solidFill>
+                  <a:srgbClr val="0000FF"/>
+                </a:solidFill>
+                <a:latin typeface="Courier New" panose="02070309020205020404" pitchFamily="49" charset="0"/>
+              </a:rPr>
+              <a:t>    SELECT</a:t>
+            </a:r>
+            <a:r>
+              <a:rPr lang="en-US" altLang="zh-CN" dirty="0">
+                <a:solidFill>
+                  <a:srgbClr val="000000"/>
+                </a:solidFill>
+                <a:latin typeface="Courier New" panose="02070309020205020404" pitchFamily="49" charset="0"/>
+              </a:rPr>
+              <a:t> </a:t>
+            </a:r>
+            <a:r>
+              <a:rPr lang="en-US" altLang="zh-CN" dirty="0">
+                <a:solidFill>
+                  <a:srgbClr val="808000"/>
+                </a:solidFill>
+                <a:latin typeface="Courier New" panose="02070309020205020404" pitchFamily="49" charset="0"/>
+              </a:rPr>
+              <a:t>mf</a:t>
+            </a:r>
+            <a:r>
+              <a:rPr lang="en-US" altLang="zh-CN" dirty="0">
+                <a:solidFill>
+                  <a:srgbClr val="0000FF"/>
+                </a:solidFill>
+                <a:latin typeface="Courier New" panose="02070309020205020404" pitchFamily="49" charset="0"/>
+              </a:rPr>
+              <a:t>,</a:t>
+            </a:r>
+            <a:r>
+              <a:rPr lang="en-US" altLang="zh-CN" dirty="0">
+                <a:solidFill>
+                  <a:srgbClr val="000000"/>
+                </a:solidFill>
+                <a:latin typeface="Courier New" panose="02070309020205020404" pitchFamily="49" charset="0"/>
+              </a:rPr>
+              <a:t> </a:t>
+            </a:r>
+            <a:r>
+              <a:rPr lang="en-US" altLang="zh-CN" dirty="0">
+                <a:solidFill>
+                  <a:srgbClr val="808000"/>
+                </a:solidFill>
+                <a:latin typeface="Courier New" panose="02070309020205020404" pitchFamily="49" charset="0"/>
+              </a:rPr>
+              <a:t>brand</a:t>
+            </a:r>
+            <a:r>
+              <a:rPr lang="en-US" altLang="zh-CN" dirty="0">
+                <a:solidFill>
+                  <a:srgbClr val="0000FF"/>
+                </a:solidFill>
+                <a:latin typeface="Courier New" panose="02070309020205020404" pitchFamily="49" charset="0"/>
+              </a:rPr>
+              <a:t>,</a:t>
+            </a:r>
+            <a:r>
+              <a:rPr lang="en-US" altLang="zh-CN" dirty="0">
+                <a:solidFill>
+                  <a:srgbClr val="000000"/>
+                </a:solidFill>
+                <a:latin typeface="Courier New" panose="02070309020205020404" pitchFamily="49" charset="0"/>
+              </a:rPr>
+              <a:t> </a:t>
+            </a:r>
+            <a:r>
+              <a:rPr lang="en-US" altLang="zh-CN" dirty="0">
+                <a:solidFill>
+                  <a:srgbClr val="808000"/>
+                </a:solidFill>
+                <a:latin typeface="Courier New" panose="02070309020205020404" pitchFamily="49" charset="0"/>
+              </a:rPr>
+              <a:t>series</a:t>
+            </a:r>
+            <a:r>
+              <a:rPr lang="en-US" altLang="zh-CN" dirty="0">
+                <a:solidFill>
+                  <a:srgbClr val="0000FF"/>
+                </a:solidFill>
+                <a:latin typeface="Courier New" panose="02070309020205020404" pitchFamily="49" charset="0"/>
+              </a:rPr>
+              <a:t>,</a:t>
+            </a:r>
+            <a:r>
+              <a:rPr lang="en-US" altLang="zh-CN" dirty="0">
+                <a:solidFill>
+                  <a:srgbClr val="000000"/>
+                </a:solidFill>
+                <a:latin typeface="Courier New" panose="02070309020205020404" pitchFamily="49" charset="0"/>
+              </a:rPr>
+              <a:t> </a:t>
+            </a:r>
+            <a:r>
+              <a:rPr lang="en-US" altLang="zh-CN" b="1" dirty="0">
+                <a:solidFill>
+                  <a:srgbClr val="000080"/>
+                </a:solidFill>
+                <a:latin typeface="Courier New" panose="02070309020205020404" pitchFamily="49" charset="0"/>
+              </a:rPr>
+              <a:t>max</a:t>
+            </a:r>
+            <a:r>
+              <a:rPr lang="en-US" altLang="zh-CN" dirty="0">
+                <a:solidFill>
+                  <a:srgbClr val="0000FF"/>
+                </a:solidFill>
+                <a:latin typeface="Courier New" panose="02070309020205020404" pitchFamily="49" charset="0"/>
+              </a:rPr>
+              <a:t>(</a:t>
+            </a:r>
+            <a:r>
+              <a:rPr lang="en-US" altLang="zh-CN" dirty="0">
+                <a:solidFill>
+                  <a:srgbClr val="808000"/>
+                </a:solidFill>
+                <a:latin typeface="Courier New" panose="02070309020205020404" pitchFamily="49" charset="0"/>
+              </a:rPr>
+              <a:t>vin</a:t>
+            </a:r>
+            <a:r>
+              <a:rPr lang="en-US" altLang="zh-CN" dirty="0">
+                <a:solidFill>
+                  <a:srgbClr val="0000FF"/>
+                </a:solidFill>
+                <a:latin typeface="Courier New" panose="02070309020205020404" pitchFamily="49" charset="0"/>
+              </a:rPr>
+              <a:t>)</a:t>
+            </a:r>
+            <a:r>
+              <a:rPr lang="en-US" altLang="zh-CN" dirty="0">
+                <a:solidFill>
+                  <a:srgbClr val="000000"/>
+                </a:solidFill>
+                <a:latin typeface="Courier New" panose="02070309020205020404" pitchFamily="49" charset="0"/>
+              </a:rPr>
+              <a:t> </a:t>
+            </a:r>
+            <a:r>
+              <a:rPr lang="en-US" altLang="zh-CN" b="1" dirty="0">
+                <a:solidFill>
+                  <a:srgbClr val="0000FF"/>
+                </a:solidFill>
+                <a:latin typeface="Courier New" panose="02070309020205020404" pitchFamily="49" charset="0"/>
+              </a:rPr>
+              <a:t>FROM</a:t>
+            </a:r>
+            <a:r>
+              <a:rPr lang="en-US" altLang="zh-CN" dirty="0">
+                <a:solidFill>
+                  <a:srgbClr val="000000"/>
+                </a:solidFill>
+                <a:latin typeface="Courier New" panose="02070309020205020404" pitchFamily="49" charset="0"/>
+              </a:rPr>
+              <a:t> </a:t>
+            </a:r>
+            <a:r>
+              <a:rPr lang="en-US" altLang="zh-CN" dirty="0">
+                <a:solidFill>
+                  <a:srgbClr val="808000"/>
+                </a:solidFill>
+                <a:latin typeface="Courier New" panose="02070309020205020404" pitchFamily="49" charset="0"/>
+              </a:rPr>
+              <a:t>cte2</a:t>
+            </a:r>
+          </a:p>
+          <a:p>
+            <a:r>
+              <a:rPr lang="en-US" altLang="zh-CN" b="1" dirty="0">
+                <a:solidFill>
+                  <a:srgbClr val="0000FF"/>
+                </a:solidFill>
+                <a:latin typeface="Courier New" panose="02070309020205020404" pitchFamily="49" charset="0"/>
+              </a:rPr>
+              <a:t>    GROUP</a:t>
+            </a:r>
+            <a:r>
+              <a:rPr lang="en-US" altLang="zh-CN" dirty="0">
+                <a:solidFill>
+                  <a:srgbClr val="000000"/>
+                </a:solidFill>
+                <a:latin typeface="Courier New" panose="02070309020205020404" pitchFamily="49" charset="0"/>
+              </a:rPr>
+              <a:t> </a:t>
+            </a:r>
+            <a:r>
+              <a:rPr lang="en-US" altLang="zh-CN" b="1" dirty="0">
+                <a:solidFill>
+                  <a:srgbClr val="0000FF"/>
+                </a:solidFill>
+                <a:latin typeface="Courier New" panose="02070309020205020404" pitchFamily="49" charset="0"/>
+              </a:rPr>
+              <a:t>BY</a:t>
+            </a:r>
+            <a:r>
+              <a:rPr lang="en-US" altLang="zh-CN" dirty="0">
+                <a:solidFill>
+                  <a:srgbClr val="000000"/>
+                </a:solidFill>
+                <a:latin typeface="Courier New" panose="02070309020205020404" pitchFamily="49" charset="0"/>
+              </a:rPr>
+              <a:t> </a:t>
+            </a:r>
+            <a:r>
+              <a:rPr lang="en-US" altLang="zh-CN" dirty="0">
+                <a:solidFill>
+                  <a:srgbClr val="808000"/>
+                </a:solidFill>
+                <a:latin typeface="Courier New" panose="02070309020205020404" pitchFamily="49" charset="0"/>
+              </a:rPr>
+              <a:t>mf</a:t>
+            </a:r>
+            <a:r>
+              <a:rPr lang="en-US" altLang="zh-CN" dirty="0">
+                <a:solidFill>
+                  <a:srgbClr val="0000FF"/>
+                </a:solidFill>
+                <a:latin typeface="Courier New" panose="02070309020205020404" pitchFamily="49" charset="0"/>
+              </a:rPr>
+              <a:t>,</a:t>
+            </a:r>
+            <a:r>
+              <a:rPr lang="en-US" altLang="zh-CN" dirty="0">
+                <a:solidFill>
+                  <a:srgbClr val="000000"/>
+                </a:solidFill>
+                <a:latin typeface="Courier New" panose="02070309020205020404" pitchFamily="49" charset="0"/>
+              </a:rPr>
+              <a:t> </a:t>
+            </a:r>
+            <a:r>
+              <a:rPr lang="en-US" altLang="zh-CN" dirty="0">
+                <a:solidFill>
+                  <a:srgbClr val="808000"/>
+                </a:solidFill>
+                <a:latin typeface="Courier New" panose="02070309020205020404" pitchFamily="49" charset="0"/>
+              </a:rPr>
+              <a:t>brand</a:t>
+            </a:r>
+            <a:r>
+              <a:rPr lang="en-US" altLang="zh-CN" dirty="0">
+                <a:solidFill>
+                  <a:srgbClr val="0000FF"/>
+                </a:solidFill>
+                <a:latin typeface="Courier New" panose="02070309020205020404" pitchFamily="49" charset="0"/>
+              </a:rPr>
+              <a:t>,</a:t>
+            </a:r>
+            <a:r>
+              <a:rPr lang="en-US" altLang="zh-CN" dirty="0">
+                <a:solidFill>
+                  <a:srgbClr val="000000"/>
+                </a:solidFill>
+                <a:latin typeface="Courier New" panose="02070309020205020404" pitchFamily="49" charset="0"/>
+              </a:rPr>
+              <a:t> </a:t>
+            </a:r>
+            <a:r>
+              <a:rPr lang="en-US" altLang="zh-CN" dirty="0">
+                <a:solidFill>
+                  <a:srgbClr val="808000"/>
+                </a:solidFill>
+                <a:latin typeface="Courier New" panose="02070309020205020404" pitchFamily="49" charset="0"/>
+              </a:rPr>
+              <a:t>series</a:t>
+            </a:r>
+          </a:p>
+          <a:p>
+            <a:r>
+              <a:rPr lang="en-US" altLang="zh-CN" dirty="0">
+                <a:solidFill>
+                  <a:srgbClr val="0000FF"/>
+                </a:solidFill>
+                <a:latin typeface="Courier New" panose="02070309020205020404" pitchFamily="49" charset="0"/>
+              </a:rPr>
+              <a:t>)</a:t>
+            </a:r>
+          </a:p>
+          <a:p>
+            <a:r>
+              <a:rPr lang="en-US" altLang="zh-CN" b="1" dirty="0">
+                <a:solidFill>
+                  <a:srgbClr val="0000FF"/>
+                </a:solidFill>
+                <a:latin typeface="Courier New" panose="02070309020205020404" pitchFamily="49" charset="0"/>
+              </a:rPr>
+              <a:t>SELECT</a:t>
+            </a:r>
+            <a:r>
+              <a:rPr lang="en-US" altLang="zh-CN" dirty="0">
+                <a:solidFill>
+                  <a:srgbClr val="000000"/>
+                </a:solidFill>
+                <a:latin typeface="Courier New" panose="02070309020205020404" pitchFamily="49" charset="0"/>
+              </a:rPr>
+              <a:t> </a:t>
+            </a:r>
+            <a:r>
+              <a:rPr lang="en-US" altLang="zh-CN" dirty="0">
+                <a:solidFill>
+                  <a:srgbClr val="0000FF"/>
+                </a:solidFill>
+                <a:latin typeface="Courier New" panose="02070309020205020404" pitchFamily="49" charset="0"/>
+              </a:rPr>
+              <a:t>*</a:t>
+            </a:r>
+            <a:r>
+              <a:rPr lang="en-US" altLang="zh-CN" dirty="0">
+                <a:solidFill>
+                  <a:srgbClr val="000000"/>
+                </a:solidFill>
+                <a:latin typeface="Courier New" panose="02070309020205020404" pitchFamily="49" charset="0"/>
+              </a:rPr>
+              <a:t> </a:t>
+            </a:r>
+            <a:r>
+              <a:rPr lang="en-US" altLang="zh-CN" b="1" dirty="0">
+                <a:solidFill>
+                  <a:srgbClr val="0000FF"/>
+                </a:solidFill>
+                <a:latin typeface="Courier New" panose="02070309020205020404" pitchFamily="49" charset="0"/>
+              </a:rPr>
+              <a:t>FROM</a:t>
+            </a:r>
+            <a:r>
+              <a:rPr lang="en-US" altLang="zh-CN" dirty="0">
+                <a:solidFill>
+                  <a:srgbClr val="000000"/>
+                </a:solidFill>
+                <a:latin typeface="Courier New" panose="02070309020205020404" pitchFamily="49" charset="0"/>
+              </a:rPr>
+              <a:t> </a:t>
+            </a:r>
+            <a:r>
+              <a:rPr lang="en-US" altLang="zh-CN" dirty="0">
+                <a:solidFill>
+                  <a:srgbClr val="808000"/>
+                </a:solidFill>
+                <a:latin typeface="Courier New" panose="02070309020205020404" pitchFamily="49" charset="0"/>
+              </a:rPr>
+              <a:t>cte2</a:t>
+            </a:r>
+          </a:p>
+          <a:p>
+            <a:r>
+              <a:rPr lang="en-US" altLang="zh-CN" b="1" dirty="0">
+                <a:solidFill>
+                  <a:srgbClr val="0000FF"/>
+                </a:solidFill>
+                <a:latin typeface="Courier New" panose="02070309020205020404" pitchFamily="49" charset="0"/>
+              </a:rPr>
+              <a:t>WHERE</a:t>
+            </a:r>
+            <a:r>
+              <a:rPr lang="en-US" altLang="zh-CN" dirty="0">
+                <a:solidFill>
+                  <a:srgbClr val="000000"/>
+                </a:solidFill>
+                <a:latin typeface="Courier New" panose="02070309020205020404" pitchFamily="49" charset="0"/>
+              </a:rPr>
+              <a:t> </a:t>
+            </a:r>
+            <a:r>
+              <a:rPr lang="en-US" altLang="zh-CN" dirty="0">
+                <a:solidFill>
+                  <a:srgbClr val="808000"/>
+                </a:solidFill>
+                <a:latin typeface="Courier New" panose="02070309020205020404" pitchFamily="49" charset="0"/>
+              </a:rPr>
+              <a:t>vin</a:t>
+            </a:r>
+            <a:r>
+              <a:rPr lang="en-US" altLang="zh-CN" dirty="0">
+                <a:solidFill>
+                  <a:srgbClr val="000000"/>
+                </a:solidFill>
+                <a:latin typeface="Courier New" panose="02070309020205020404" pitchFamily="49" charset="0"/>
+              </a:rPr>
+              <a:t> </a:t>
+            </a:r>
+            <a:r>
+              <a:rPr lang="en-US" altLang="zh-CN" b="1" dirty="0">
+                <a:solidFill>
+                  <a:srgbClr val="000080"/>
+                </a:solidFill>
+                <a:latin typeface="Courier New" panose="02070309020205020404" pitchFamily="49" charset="0"/>
+              </a:rPr>
+              <a:t>in</a:t>
+            </a:r>
+            <a:r>
+              <a:rPr lang="en-US" altLang="zh-CN" dirty="0">
+                <a:solidFill>
+                  <a:srgbClr val="000000"/>
+                </a:solidFill>
+                <a:latin typeface="Courier New" panose="02070309020205020404" pitchFamily="49" charset="0"/>
+              </a:rPr>
+              <a:t> </a:t>
+            </a:r>
+            <a:r>
+              <a:rPr lang="en-US" altLang="zh-CN" dirty="0">
+                <a:solidFill>
+                  <a:srgbClr val="0000FF"/>
+                </a:solidFill>
+                <a:latin typeface="Courier New" panose="02070309020205020404" pitchFamily="49" charset="0"/>
+              </a:rPr>
+              <a:t>(</a:t>
+            </a:r>
+            <a:r>
+              <a:rPr lang="en-US" altLang="zh-CN" b="1" dirty="0">
+                <a:solidFill>
+                  <a:srgbClr val="0000FF"/>
+                </a:solidFill>
+                <a:latin typeface="Courier New" panose="02070309020205020404" pitchFamily="49" charset="0"/>
+              </a:rPr>
+              <a:t>SELECT</a:t>
+            </a:r>
+            <a:r>
+              <a:rPr lang="en-US" altLang="zh-CN" dirty="0">
+                <a:solidFill>
+                  <a:srgbClr val="000000"/>
+                </a:solidFill>
+                <a:latin typeface="Courier New" panose="02070309020205020404" pitchFamily="49" charset="0"/>
+              </a:rPr>
+              <a:t> </a:t>
+            </a:r>
+            <a:r>
+              <a:rPr lang="en-US" altLang="zh-CN" dirty="0" err="1">
+                <a:solidFill>
+                  <a:srgbClr val="808000"/>
+                </a:solidFill>
+                <a:latin typeface="Courier New" panose="02070309020205020404" pitchFamily="49" charset="0"/>
+              </a:rPr>
+              <a:t>max_vin</a:t>
+            </a:r>
+            <a:r>
+              <a:rPr lang="en-US" altLang="zh-CN" dirty="0">
+                <a:solidFill>
+                  <a:srgbClr val="000000"/>
+                </a:solidFill>
+                <a:latin typeface="Courier New" panose="02070309020205020404" pitchFamily="49" charset="0"/>
+              </a:rPr>
+              <a:t> </a:t>
+            </a:r>
+            <a:r>
+              <a:rPr lang="en-US" altLang="zh-CN" b="1" dirty="0">
+                <a:solidFill>
+                  <a:srgbClr val="0000FF"/>
+                </a:solidFill>
+                <a:latin typeface="Courier New" panose="02070309020205020404" pitchFamily="49" charset="0"/>
+              </a:rPr>
+              <a:t>FROM</a:t>
+            </a:r>
+            <a:r>
+              <a:rPr lang="en-US" altLang="zh-CN" dirty="0">
+                <a:solidFill>
+                  <a:srgbClr val="000000"/>
+                </a:solidFill>
+                <a:latin typeface="Courier New" panose="02070309020205020404" pitchFamily="49" charset="0"/>
+              </a:rPr>
+              <a:t> </a:t>
+            </a:r>
+            <a:r>
+              <a:rPr lang="en-US" altLang="zh-CN" dirty="0">
+                <a:solidFill>
+                  <a:srgbClr val="808000"/>
+                </a:solidFill>
+                <a:latin typeface="Courier New" panose="02070309020205020404" pitchFamily="49" charset="0"/>
+              </a:rPr>
+              <a:t>cte3</a:t>
+            </a:r>
+            <a:r>
+              <a:rPr lang="en-US" altLang="zh-CN" dirty="0">
+                <a:solidFill>
+                  <a:srgbClr val="0000FF"/>
+                </a:solidFill>
+                <a:latin typeface="Courier New" panose="02070309020205020404" pitchFamily="49" charset="0"/>
+              </a:rPr>
+              <a:t>);</a:t>
+            </a:r>
+          </a:p>
+        </p:txBody>
+      </p:sp>
+    </p:spTree>
+    <p:extLst>
+      <p:ext uri="{BB962C8B-B14F-4D97-AF65-F5344CB8AC3E}">
+        <p14:creationId xmlns:p14="http://schemas.microsoft.com/office/powerpoint/2010/main" val="1835828997"/>
+      </p:ext>
+    </p:extLst>
+  </p:cSld>
+  <p:clrMapOvr>
+    <a:masterClrMapping/>
+  </p:clrMapOvr>
+  <mc:AlternateContent xmlns:mc="http://schemas.openxmlformats.org/markup-compatibility/2006" xmlns:p14="http://schemas.microsoft.com/office/powerpoint/2010/main">
+    <mc:Choice Requires="p14">
+      <p:transition spd="slow" p14:dur="800">
+        <p14:flythrough/>
+      </p:transition>
+    </mc:Choice>
+    <mc:Fallback xmlns="">
+      <p:transition spd="slow">
+        <p:fade/>
+      </p:transition>
+    </mc:Fallback>
+  </mc:AlternateContent>
+</p:sld>
+</file>
+
+<file path=ppt/slides/slide16.xml><?xml version="1.0" encoding="utf-8"?>
 <p:sld xmlns:a="http://schemas.openxmlformats.org/drawingml/2006/main" xmlns:r="http://schemas.openxmlformats.org/officeDocument/2006/relationships" xmlns:p="http://schemas.openxmlformats.org/presentationml/2006/main">
   <p:cSld>
     <p:spTree>
@@ -22105,13 +23866,13 @@
   <p:clrMapOvr>
     <a:masterClrMapping/>
   </p:clrMapOvr>
-  <mc:AlternateContent xmlns:mc="http://schemas.openxmlformats.org/markup-compatibility/2006">
-    <mc:Choice xmlns:p14="http://schemas.microsoft.com/office/powerpoint/2010/main" Requires="p14">
+  <mc:AlternateContent xmlns:mc="http://schemas.openxmlformats.org/markup-compatibility/2006" xmlns:p14="http://schemas.microsoft.com/office/powerpoint/2010/main">
+    <mc:Choice Requires="p14">
       <p:transition spd="slow" p14:dur="800">
         <p14:flythrough/>
       </p:transition>
     </mc:Choice>
-    <mc:Fallback>
+    <mc:Fallback xmlns="">
       <p:transition spd="slow">
         <p:fade/>
       </p:transition>
@@ -22937,7 +24698,7 @@
 </p:sld>
 </file>
 
-<file path=ppt/slides/slide16.xml><?xml version="1.0" encoding="utf-8"?>
+<file path=ppt/slides/slide17.xml><?xml version="1.0" encoding="utf-8"?>
 <p:sld xmlns:a="http://schemas.openxmlformats.org/drawingml/2006/main" xmlns:r="http://schemas.openxmlformats.org/officeDocument/2006/relationships" xmlns:p="http://schemas.openxmlformats.org/presentationml/2006/main">
   <p:cSld>
     <p:spTree>
@@ -23768,13 +25529,13 @@
   <p:clrMapOvr>
     <a:masterClrMapping/>
   </p:clrMapOvr>
-  <mc:AlternateContent xmlns:mc="http://schemas.openxmlformats.org/markup-compatibility/2006">
-    <mc:Choice xmlns:p14="http://schemas.microsoft.com/office/powerpoint/2010/main" Requires="p14">
+  <mc:AlternateContent xmlns:mc="http://schemas.openxmlformats.org/markup-compatibility/2006" xmlns:p14="http://schemas.microsoft.com/office/powerpoint/2010/main">
+    <mc:Choice Requires="p14">
       <p:transition spd="slow" p14:dur="800">
         <p14:flythrough/>
       </p:transition>
     </mc:Choice>
-    <mc:Fallback>
+    <mc:Fallback xmlns="">
       <p:transition spd="slow">
         <p:fade/>
       </p:transition>
@@ -24107,7 +25868,7 @@
 </p:sld>
 </file>
 
-<file path=ppt/slides/slide17.xml><?xml version="1.0" encoding="utf-8"?>
+<file path=ppt/slides/slide18.xml><?xml version="1.0" encoding="utf-8"?>
 <p:sld xmlns:a="http://schemas.openxmlformats.org/drawingml/2006/main" xmlns:r="http://schemas.openxmlformats.org/officeDocument/2006/relationships" xmlns:p="http://schemas.openxmlformats.org/presentationml/2006/main">
   <p:cSld>
     <p:spTree>
@@ -24940,13 +26701,13 @@
   <p:clrMapOvr>
     <a:masterClrMapping/>
   </p:clrMapOvr>
-  <mc:AlternateContent xmlns:mc="http://schemas.openxmlformats.org/markup-compatibility/2006">
-    <mc:Choice xmlns:p14="http://schemas.microsoft.com/office/powerpoint/2010/main" Requires="p14">
+  <mc:AlternateContent xmlns:mc="http://schemas.openxmlformats.org/markup-compatibility/2006" xmlns:p14="http://schemas.microsoft.com/office/powerpoint/2010/main">
+    <mc:Choice Requires="p14">
       <p:transition spd="slow" p14:dur="800">
         <p14:flythrough/>
       </p:transition>
     </mc:Choice>
-    <mc:Fallback>
+    <mc:Fallback xmlns="">
       <p:transition spd="slow">
         <p:fade/>
       </p:transition>
@@ -24955,7 +26716,7 @@
 </p:sld>
 </file>
 
-<file path=ppt/slides/slide18.xml><?xml version="1.0" encoding="utf-8"?>
+<file path=ppt/slides/slide19.xml><?xml version="1.0" encoding="utf-8"?>
 <p:sld xmlns:a="http://schemas.openxmlformats.org/drawingml/2006/main" xmlns:r="http://schemas.openxmlformats.org/officeDocument/2006/relationships" xmlns:p="http://schemas.openxmlformats.org/presentationml/2006/main">
   <p:cSld>
     <p:spTree>
@@ -25078,13 +26839,13 @@
   <p:clrMapOvr>
     <a:masterClrMapping/>
   </p:clrMapOvr>
-  <mc:AlternateContent xmlns:mc="http://schemas.openxmlformats.org/markup-compatibility/2006">
-    <mc:Choice xmlns:p14="http://schemas.microsoft.com/office/powerpoint/2010/main" Requires="p14">
+  <mc:AlternateContent xmlns:mc="http://schemas.openxmlformats.org/markup-compatibility/2006" xmlns:p14="http://schemas.microsoft.com/office/powerpoint/2010/main">
+    <mc:Choice Requires="p14">
       <p:transition spd="slow" p14:dur="800">
         <p14:flythrough/>
       </p:transition>
     </mc:Choice>
-    <mc:Fallback>
+    <mc:Fallback xmlns="">
       <p:transition spd="slow">
         <p:fade/>
       </p:transition>
@@ -25185,13 +26946,13 @@
   <p:clrMapOvr>
     <a:masterClrMapping/>
   </p:clrMapOvr>
-  <mc:AlternateContent xmlns:mc="http://schemas.openxmlformats.org/markup-compatibility/2006">
-    <mc:Choice xmlns:p14="http://schemas.microsoft.com/office/powerpoint/2010/main" Requires="p14">
+  <mc:AlternateContent xmlns:mc="http://schemas.openxmlformats.org/markup-compatibility/2006" xmlns:p14="http://schemas.microsoft.com/office/powerpoint/2010/main">
+    <mc:Choice Requires="p14">
       <p:transition spd="slow" p14:dur="800">
         <p14:flythrough/>
       </p:transition>
     </mc:Choice>
-    <mc:Fallback>
+    <mc:Fallback xmlns="">
       <p:transition spd="slow">
         <p:fade/>
       </p:transition>
@@ -25352,13 +27113,13 @@
   <p:clrMapOvr>
     <a:masterClrMapping/>
   </p:clrMapOvr>
-  <mc:AlternateContent xmlns:mc="http://schemas.openxmlformats.org/markup-compatibility/2006">
-    <mc:Choice xmlns:p14="http://schemas.microsoft.com/office/powerpoint/2010/main" Requires="p14">
+  <mc:AlternateContent xmlns:mc="http://schemas.openxmlformats.org/markup-compatibility/2006" xmlns:p14="http://schemas.microsoft.com/office/powerpoint/2010/main">
+    <mc:Choice Requires="p14">
       <p:transition spd="slow" p14:dur="800">
         <p14:flythrough/>
       </p:transition>
     </mc:Choice>
-    <mc:Fallback>
+    <mc:Fallback xmlns="">
       <p:transition spd="slow">
         <p:fade/>
       </p:transition>
@@ -25488,13 +27249,13 @@
   <p:clrMapOvr>
     <a:masterClrMapping/>
   </p:clrMapOvr>
-  <mc:AlternateContent xmlns:mc="http://schemas.openxmlformats.org/markup-compatibility/2006">
-    <mc:Choice xmlns:p14="http://schemas.microsoft.com/office/powerpoint/2010/main" Requires="p14">
+  <mc:AlternateContent xmlns:mc="http://schemas.openxmlformats.org/markup-compatibility/2006" xmlns:p14="http://schemas.microsoft.com/office/powerpoint/2010/main">
+    <mc:Choice Requires="p14">
       <p:transition spd="slow" p14:dur="800">
         <p14:flythrough/>
       </p:transition>
     </mc:Choice>
-    <mc:Fallback>
+    <mc:Fallback xmlns="">
       <p:transition spd="slow">
         <p:fade/>
       </p:transition>
@@ -26949,13 +28710,13 @@
   <p:clrMapOvr>
     <a:masterClrMapping/>
   </p:clrMapOvr>
-  <mc:AlternateContent xmlns:mc="http://schemas.openxmlformats.org/markup-compatibility/2006">
-    <mc:Choice xmlns:p14="http://schemas.microsoft.com/office/powerpoint/2010/main" Requires="p14">
+  <mc:AlternateContent xmlns:mc="http://schemas.openxmlformats.org/markup-compatibility/2006" xmlns:p14="http://schemas.microsoft.com/office/powerpoint/2010/main">
+    <mc:Choice Requires="p14">
       <p:transition spd="slow" p14:dur="800">
         <p14:flythrough/>
       </p:transition>
     </mc:Choice>
-    <mc:Fallback>
+    <mc:Fallback xmlns="">
       <p:transition spd="slow">
         <p:fade/>
       </p:transition>
@@ -27721,13 +29482,13 @@
   <p:clrMapOvr>
     <a:masterClrMapping/>
   </p:clrMapOvr>
-  <mc:AlternateContent xmlns:mc="http://schemas.openxmlformats.org/markup-compatibility/2006">
-    <mc:Choice xmlns:p14="http://schemas.microsoft.com/office/powerpoint/2010/main" Requires="p14">
+  <mc:AlternateContent xmlns:mc="http://schemas.openxmlformats.org/markup-compatibility/2006" xmlns:p14="http://schemas.microsoft.com/office/powerpoint/2010/main">
+    <mc:Choice Requires="p14">
       <p:transition spd="slow" p14:dur="800">
         <p14:flythrough/>
       </p:transition>
     </mc:Choice>
-    <mc:Fallback>
+    <mc:Fallback xmlns="">
       <p:transition spd="slow">
         <p:fade/>
       </p:transition>
@@ -27880,13 +29641,13 @@
   <p:clrMapOvr>
     <a:masterClrMapping/>
   </p:clrMapOvr>
-  <mc:AlternateContent xmlns:mc="http://schemas.openxmlformats.org/markup-compatibility/2006">
-    <mc:Choice xmlns:p14="http://schemas.microsoft.com/office/powerpoint/2010/main" Requires="p14">
+  <mc:AlternateContent xmlns:mc="http://schemas.openxmlformats.org/markup-compatibility/2006" xmlns:p14="http://schemas.microsoft.com/office/powerpoint/2010/main">
+    <mc:Choice Requires="p14">
       <p:transition spd="slow" p14:dur="800">
         <p14:flythrough/>
       </p:transition>
     </mc:Choice>
-    <mc:Fallback>
+    <mc:Fallback xmlns="">
       <p:transition spd="slow">
         <p:fade/>
       </p:transition>
@@ -28046,13 +29807,13 @@
   <p:clrMapOvr>
     <a:masterClrMapping/>
   </p:clrMapOvr>
-  <mc:AlternateContent xmlns:mc="http://schemas.openxmlformats.org/markup-compatibility/2006">
-    <mc:Choice xmlns:p14="http://schemas.microsoft.com/office/powerpoint/2010/main" Requires="p14">
+  <mc:AlternateContent xmlns:mc="http://schemas.openxmlformats.org/markup-compatibility/2006" xmlns:p14="http://schemas.microsoft.com/office/powerpoint/2010/main">
+    <mc:Choice Requires="p14">
       <p:transition spd="slow" p14:dur="800">
         <p14:flythrough/>
       </p:transition>
     </mc:Choice>
-    <mc:Fallback>
+    <mc:Fallback xmlns="">
       <p:transition spd="slow">
         <p:fade/>
       </p:transition>
@@ -29262,13 +31023,13 @@
   <p:clrMapOvr>
     <a:masterClrMapping/>
   </p:clrMapOvr>
-  <mc:AlternateContent xmlns:mc="http://schemas.openxmlformats.org/markup-compatibility/2006">
-    <mc:Choice xmlns:p14="http://schemas.microsoft.com/office/powerpoint/2010/main" Requires="p14">
+  <mc:AlternateContent xmlns:mc="http://schemas.openxmlformats.org/markup-compatibility/2006" xmlns:p14="http://schemas.microsoft.com/office/powerpoint/2010/main">
+    <mc:Choice Requires="p14">
       <p:transition spd="slow" p14:dur="800">
         <p14:flythrough/>
       </p:transition>
     </mc:Choice>
-    <mc:Fallback>
+    <mc:Fallback xmlns="">
       <p:transition spd="slow">
         <p:fade/>
       </p:transition>

--- a/Database/database.pptx
+++ b/Database/database.pptx
@@ -5,7 +5,7 @@
     <p:sldMasterId id="2147483648" r:id="rId1"/>
   </p:sldMasterIdLst>
   <p:notesMasterIdLst>
-    <p:notesMasterId r:id="rId21"/>
+    <p:notesMasterId r:id="rId27"/>
   </p:notesMasterIdLst>
   <p:sldIdLst>
     <p:sldId id="256" r:id="rId2"/>
@@ -27,6 +27,12 @@
     <p:sldId id="272" r:id="rId18"/>
     <p:sldId id="273" r:id="rId19"/>
     <p:sldId id="274" r:id="rId20"/>
+    <p:sldId id="277" r:id="rId21"/>
+    <p:sldId id="276" r:id="rId22"/>
+    <p:sldId id="278" r:id="rId23"/>
+    <p:sldId id="279" r:id="rId24"/>
+    <p:sldId id="281" r:id="rId25"/>
+    <p:sldId id="280" r:id="rId26"/>
   </p:sldIdLst>
   <p:sldSz cx="12192000" cy="6858000"/>
   <p:notesSz cx="6858000" cy="9144000"/>
@@ -6862,7 +6868,7 @@
           <a:p>
             <a:fld id="{4253A8FE-3173-4767-A71C-0B7CC53597A5}" type="datetimeFigureOut">
               <a:rPr lang="zh-CN" altLang="en-US" smtClean="0"/>
-              <a:t>2018/11/8</a:t>
+              <a:t>2018/11/14</a:t>
             </a:fld>
             <a:endParaRPr lang="zh-CN" altLang="en-US"/>
           </a:p>
@@ -7300,7 +7306,7 @@
           <a:p>
             <a:fld id="{48A87A34-81AB-432B-8DAE-1953F412C126}" type="datetimeFigureOut">
               <a:rPr lang="en-US" dirty="0"/>
-              <a:t>11/8/2018</a:t>
+              <a:t>11/14/2018</a:t>
             </a:fld>
             <a:endParaRPr lang="en-US" dirty="0"/>
           </a:p>
@@ -7562,7 +7568,7 @@
           <a:p>
             <a:fld id="{48A87A34-81AB-432B-8DAE-1953F412C126}" type="datetimeFigureOut">
               <a:rPr lang="en-US" dirty="0"/>
-              <a:t>11/8/2018</a:t>
+              <a:t>11/14/2018</a:t>
             </a:fld>
             <a:endParaRPr lang="en-US" dirty="0"/>
           </a:p>
@@ -7789,7 +7795,7 @@
             <a:fld id="{48A87A34-81AB-432B-8DAE-1953F412C126}" type="datetimeFigureOut">
               <a:rPr lang="en-US" dirty="0"/>
               <a:pPr/>
-              <a:t>11/8/2018</a:t>
+              <a:t>11/14/2018</a:t>
             </a:fld>
             <a:endParaRPr lang="en-US" dirty="0"/>
           </a:p>
@@ -8095,7 +8101,7 @@
             <a:fld id="{48A87A34-81AB-432B-8DAE-1953F412C126}" type="datetimeFigureOut">
               <a:rPr lang="en-US" dirty="0"/>
               <a:pPr/>
-              <a:t>11/8/2018</a:t>
+              <a:t>11/14/2018</a:t>
             </a:fld>
             <a:endParaRPr lang="en-US" dirty="0"/>
           </a:p>
@@ -8564,7 +8570,7 @@
             <a:fld id="{48A87A34-81AB-432B-8DAE-1953F412C126}" type="datetimeFigureOut">
               <a:rPr lang="en-US" dirty="0"/>
               <a:pPr/>
-              <a:t>11/8/2018</a:t>
+              <a:t>11/14/2018</a:t>
             </a:fld>
             <a:endParaRPr lang="en-US" dirty="0"/>
           </a:p>
@@ -9106,7 +9112,7 @@
           <a:p>
             <a:fld id="{48A87A34-81AB-432B-8DAE-1953F412C126}" type="datetimeFigureOut">
               <a:rPr lang="en-US" dirty="0"/>
-              <a:t>11/8/2018</a:t>
+              <a:t>11/14/2018</a:t>
             </a:fld>
             <a:endParaRPr lang="en-US" dirty="0"/>
           </a:p>
@@ -9875,7 +9881,7 @@
           <a:p>
             <a:fld id="{48A87A34-81AB-432B-8DAE-1953F412C126}" type="datetimeFigureOut">
               <a:rPr lang="en-US" dirty="0"/>
-              <a:t>11/8/2018</a:t>
+              <a:t>11/14/2018</a:t>
             </a:fld>
             <a:endParaRPr lang="en-US" dirty="0"/>
           </a:p>
@@ -10045,7 +10051,7 @@
           <a:p>
             <a:fld id="{48A87A34-81AB-432B-8DAE-1953F412C126}" type="datetimeFigureOut">
               <a:rPr lang="en-US" dirty="0"/>
-              <a:t>11/8/2018</a:t>
+              <a:t>11/14/2018</a:t>
             </a:fld>
             <a:endParaRPr lang="en-US" dirty="0"/>
           </a:p>
@@ -10264,7 +10270,7 @@
             <a:fld id="{48A87A34-81AB-432B-8DAE-1953F412C126}" type="datetimeFigureOut">
               <a:rPr lang="en-US" dirty="0"/>
               <a:pPr/>
-              <a:t>11/8/2018</a:t>
+              <a:t>11/14/2018</a:t>
             </a:fld>
             <a:endParaRPr lang="en-US" dirty="0"/>
           </a:p>
@@ -10439,7 +10445,7 @@
           <a:p>
             <a:fld id="{48A87A34-81AB-432B-8DAE-1953F412C126}" type="datetimeFigureOut">
               <a:rPr lang="en-US" dirty="0"/>
-              <a:t>11/8/2018</a:t>
+              <a:t>11/14/2018</a:t>
             </a:fld>
             <a:endParaRPr lang="en-US" dirty="0"/>
           </a:p>
@@ -10724,7 +10730,7 @@
             <a:fld id="{48A87A34-81AB-432B-8DAE-1953F412C126}" type="datetimeFigureOut">
               <a:rPr lang="en-US" dirty="0"/>
               <a:pPr/>
-              <a:t>11/8/2018</a:t>
+              <a:t>11/14/2018</a:t>
             </a:fld>
             <a:endParaRPr lang="en-US" dirty="0"/>
           </a:p>
@@ -10961,7 +10967,7 @@
           <a:p>
             <a:fld id="{48A87A34-81AB-432B-8DAE-1953F412C126}" type="datetimeFigureOut">
               <a:rPr lang="en-US" dirty="0"/>
-              <a:t>11/8/2018</a:t>
+              <a:t>11/14/2018</a:t>
             </a:fld>
             <a:endParaRPr lang="en-US" dirty="0"/>
           </a:p>
@@ -11335,7 +11341,7 @@
           <a:p>
             <a:fld id="{48A87A34-81AB-432B-8DAE-1953F412C126}" type="datetimeFigureOut">
               <a:rPr lang="en-US" dirty="0"/>
-              <a:t>11/8/2018</a:t>
+              <a:t>11/14/2018</a:t>
             </a:fld>
             <a:endParaRPr lang="en-US" dirty="0"/>
           </a:p>
@@ -11448,7 +11454,7 @@
           <a:p>
             <a:fld id="{48A87A34-81AB-432B-8DAE-1953F412C126}" type="datetimeFigureOut">
               <a:rPr lang="en-US" dirty="0"/>
-              <a:t>11/8/2018</a:t>
+              <a:t>11/14/2018</a:t>
             </a:fld>
             <a:endParaRPr lang="en-US" dirty="0"/>
           </a:p>
@@ -11538,7 +11544,7 @@
           <a:p>
             <a:fld id="{48A87A34-81AB-432B-8DAE-1953F412C126}" type="datetimeFigureOut">
               <a:rPr lang="en-US" dirty="0"/>
-              <a:t>11/8/2018</a:t>
+              <a:t>11/14/2018</a:t>
             </a:fld>
             <a:endParaRPr lang="en-US" dirty="0"/>
           </a:p>
@@ -11782,7 +11788,7 @@
           <a:p>
             <a:fld id="{48A87A34-81AB-432B-8DAE-1953F412C126}" type="datetimeFigureOut">
               <a:rPr lang="en-US" dirty="0"/>
-              <a:t>11/8/2018</a:t>
+              <a:t>11/14/2018</a:t>
             </a:fld>
             <a:endParaRPr lang="en-US" dirty="0"/>
           </a:p>
@@ -12034,7 +12040,7 @@
           <a:p>
             <a:fld id="{48A87A34-81AB-432B-8DAE-1953F412C126}" type="datetimeFigureOut">
               <a:rPr lang="en-US" dirty="0"/>
-              <a:t>11/8/2018</a:t>
+              <a:t>11/14/2018</a:t>
             </a:fld>
             <a:endParaRPr lang="en-US" dirty="0"/>
           </a:p>
@@ -12273,7 +12279,7 @@
             <a:fld id="{48A87A34-81AB-432B-8DAE-1953F412C126}" type="datetimeFigureOut">
               <a:rPr lang="en-US" dirty="0"/>
               <a:pPr/>
-              <a:t>11/8/2018</a:t>
+              <a:t>11/14/2018</a:t>
             </a:fld>
             <a:endParaRPr lang="en-US" dirty="0"/>
           </a:p>
@@ -26769,66 +26775,6 @@
           </a:p>
         </p:txBody>
       </p:sp>
-      <p:sp>
-        <p:nvSpPr>
-          <p:cNvPr id="3" name="Rectangle 2">
-            <a:extLst>
-              <a:ext uri="{FF2B5EF4-FFF2-40B4-BE49-F238E27FC236}">
-                <a16:creationId xmlns:a16="http://schemas.microsoft.com/office/drawing/2014/main" id="{D137C25A-882C-4B38-ABD1-B53C72B2201D}"/>
-              </a:ext>
-            </a:extLst>
-          </p:cNvPr>
-          <p:cNvSpPr/>
-          <p:nvPr/>
-        </p:nvSpPr>
-        <p:spPr>
-          <a:xfrm>
-            <a:off x="4078098" y="3429000"/>
-            <a:ext cx="2257349" cy="369332"/>
-          </a:xfrm>
-          <a:prstGeom prst="rect">
-            <a:avLst/>
-          </a:prstGeom>
-          <a:noFill/>
-        </p:spPr>
-        <p:txBody>
-          <a:bodyPr wrap="none" lIns="91440" tIns="45720" rIns="91440" bIns="45720">
-            <a:spAutoFit/>
-          </a:bodyPr>
-          <a:lstStyle/>
-          <a:p>
-            <a:pPr algn="ctr"/>
-            <a:r>
-              <a:rPr lang="en-US" altLang="zh-CN" b="0" cap="none" spc="0" dirty="0">
-                <a:ln w="0"/>
-                <a:gradFill>
-                  <a:gsLst>
-                    <a:gs pos="0">
-                      <a:schemeClr val="accent5">
-                        <a:lumMod val="50000"/>
-                      </a:schemeClr>
-                    </a:gs>
-                    <a:gs pos="50000">
-                      <a:schemeClr val="accent5"/>
-                    </a:gs>
-                    <a:gs pos="100000">
-                      <a:schemeClr val="accent5">
-                        <a:lumMod val="60000"/>
-                        <a:lumOff val="40000"/>
-                      </a:schemeClr>
-                    </a:gs>
-                  </a:gsLst>
-                  <a:lin ang="5400000"/>
-                </a:gradFill>
-                <a:effectLst>
-                  <a:reflection blurRad="6350" stA="53000" endA="300" endPos="35500" dir="5400000" sy="-90000" algn="bl" rotWithShape="0"/>
-                </a:effectLst>
-              </a:rPr>
-              <a:t>To be continued…</a:t>
-            </a:r>
-          </a:p>
-        </p:txBody>
-      </p:sp>
     </p:spTree>
     <p:extLst>
       <p:ext uri="{BB962C8B-B14F-4D97-AF65-F5344CB8AC3E}">
@@ -27049,6 +26995,2492 @@
       </p:bldGraphic>
     </p:bldLst>
   </p:timing>
+</p:sld>
+</file>
+
+<file path=ppt/slides/slide20.xml><?xml version="1.0" encoding="utf-8"?>
+<p:sld xmlns:a="http://schemas.openxmlformats.org/drawingml/2006/main" xmlns:r="http://schemas.openxmlformats.org/officeDocument/2006/relationships" xmlns:p="http://schemas.openxmlformats.org/presentationml/2006/main">
+  <p:cSld>
+    <p:spTree>
+      <p:nvGrpSpPr>
+        <p:cNvPr id="1" name=""/>
+        <p:cNvGrpSpPr/>
+        <p:nvPr/>
+      </p:nvGrpSpPr>
+      <p:grpSpPr>
+        <a:xfrm>
+          <a:off x="0" y="0"/>
+          <a:ext cx="0" cy="0"/>
+          <a:chOff x="0" y="0"/>
+          <a:chExt cx="0" cy="0"/>
+        </a:xfrm>
+      </p:grpSpPr>
+      <p:pic>
+        <p:nvPicPr>
+          <p:cNvPr id="6" name="Picture 5">
+            <a:extLst>
+              <a:ext uri="{FF2B5EF4-FFF2-40B4-BE49-F238E27FC236}">
+                <a16:creationId xmlns:a16="http://schemas.microsoft.com/office/drawing/2014/main" id="{27D7FB1D-24C8-4587-80AB-674E19DD9A3E}"/>
+              </a:ext>
+            </a:extLst>
+          </p:cNvPr>
+          <p:cNvPicPr>
+            <a:picLocks noChangeAspect="1"/>
+          </p:cNvPicPr>
+          <p:nvPr/>
+        </p:nvPicPr>
+        <p:blipFill>
+          <a:blip r:embed="rId2"/>
+          <a:stretch>
+            <a:fillRect/>
+          </a:stretch>
+        </p:blipFill>
+        <p:spPr>
+          <a:xfrm>
+            <a:off x="1079198" y="2390791"/>
+            <a:ext cx="2761905" cy="3695238"/>
+          </a:xfrm>
+          <a:prstGeom prst="rect">
+            <a:avLst/>
+          </a:prstGeom>
+        </p:spPr>
+      </p:pic>
+      <p:pic>
+        <p:nvPicPr>
+          <p:cNvPr id="10" name="Picture 9">
+            <a:extLst>
+              <a:ext uri="{FF2B5EF4-FFF2-40B4-BE49-F238E27FC236}">
+                <a16:creationId xmlns:a16="http://schemas.microsoft.com/office/drawing/2014/main" id="{8E866E36-F226-42FF-A8F3-5B30BC7024A1}"/>
+              </a:ext>
+            </a:extLst>
+          </p:cNvPr>
+          <p:cNvPicPr>
+            <a:picLocks noChangeAspect="1"/>
+          </p:cNvPicPr>
+          <p:nvPr/>
+        </p:nvPicPr>
+        <p:blipFill>
+          <a:blip r:embed="rId3"/>
+          <a:stretch>
+            <a:fillRect/>
+          </a:stretch>
+        </p:blipFill>
+        <p:spPr>
+          <a:xfrm>
+            <a:off x="4196043" y="1829015"/>
+            <a:ext cx="4485714" cy="3438095"/>
+          </a:xfrm>
+          <a:prstGeom prst="rect">
+            <a:avLst/>
+          </a:prstGeom>
+        </p:spPr>
+      </p:pic>
+      <p:sp>
+        <p:nvSpPr>
+          <p:cNvPr id="11" name="TextBox 10">
+            <a:extLst>
+              <a:ext uri="{FF2B5EF4-FFF2-40B4-BE49-F238E27FC236}">
+                <a16:creationId xmlns:a16="http://schemas.microsoft.com/office/drawing/2014/main" id="{0DC89335-B233-4327-BDD8-5084F3F46786}"/>
+              </a:ext>
+            </a:extLst>
+          </p:cNvPr>
+          <p:cNvSpPr txBox="1"/>
+          <p:nvPr/>
+        </p:nvSpPr>
+        <p:spPr>
+          <a:xfrm>
+            <a:off x="7646506" y="318052"/>
+            <a:ext cx="3778599" cy="769441"/>
+          </a:xfrm>
+          <a:prstGeom prst="rect">
+            <a:avLst/>
+          </a:prstGeom>
+          <a:noFill/>
+        </p:spPr>
+        <p:txBody>
+          <a:bodyPr wrap="none" rtlCol="0">
+            <a:spAutoFit/>
+          </a:bodyPr>
+          <a:lstStyle/>
+          <a:p>
+            <a:r>
+              <a:rPr lang="en-US" altLang="zh-CN" sz="4400" dirty="0"/>
+              <a:t>Sample Data</a:t>
+            </a:r>
+            <a:endParaRPr lang="zh-CN" altLang="en-US" sz="4400" dirty="0"/>
+          </a:p>
+        </p:txBody>
+      </p:sp>
+      <p:pic>
+        <p:nvPicPr>
+          <p:cNvPr id="12" name="Picture 11">
+            <a:extLst>
+              <a:ext uri="{FF2B5EF4-FFF2-40B4-BE49-F238E27FC236}">
+                <a16:creationId xmlns:a16="http://schemas.microsoft.com/office/drawing/2014/main" id="{D3FDCB15-227D-41C4-9F6C-4A3C88F26045}"/>
+              </a:ext>
+            </a:extLst>
+          </p:cNvPr>
+          <p:cNvPicPr>
+            <a:picLocks noChangeAspect="1"/>
+          </p:cNvPicPr>
+          <p:nvPr/>
+        </p:nvPicPr>
+        <p:blipFill>
+          <a:blip r:embed="rId4"/>
+          <a:stretch>
+            <a:fillRect/>
+          </a:stretch>
+        </p:blipFill>
+        <p:spPr>
+          <a:xfrm>
+            <a:off x="9036697" y="1848062"/>
+            <a:ext cx="2171429" cy="3419048"/>
+          </a:xfrm>
+          <a:prstGeom prst="rect">
+            <a:avLst/>
+          </a:prstGeom>
+        </p:spPr>
+      </p:pic>
+    </p:spTree>
+    <p:extLst>
+      <p:ext uri="{BB962C8B-B14F-4D97-AF65-F5344CB8AC3E}">
+        <p14:creationId xmlns:p14="http://schemas.microsoft.com/office/powerpoint/2010/main" val="192986899"/>
+      </p:ext>
+    </p:extLst>
+  </p:cSld>
+  <p:clrMapOvr>
+    <a:masterClrMapping/>
+  </p:clrMapOvr>
+  <mc:AlternateContent xmlns:mc="http://schemas.openxmlformats.org/markup-compatibility/2006" xmlns:p14="http://schemas.microsoft.com/office/powerpoint/2010/main">
+    <mc:Choice Requires="p14">
+      <p:transition spd="slow" p14:dur="800">
+        <p14:flythrough/>
+      </p:transition>
+    </mc:Choice>
+    <mc:Fallback xmlns="">
+      <p:transition spd="slow">
+        <p:fade/>
+      </p:transition>
+    </mc:Fallback>
+  </mc:AlternateContent>
+</p:sld>
+</file>
+
+<file path=ppt/slides/slide21.xml><?xml version="1.0" encoding="utf-8"?>
+<p:sld xmlns:a="http://schemas.openxmlformats.org/drawingml/2006/main" xmlns:r="http://schemas.openxmlformats.org/officeDocument/2006/relationships" xmlns:p="http://schemas.openxmlformats.org/presentationml/2006/main">
+  <p:cSld>
+    <p:spTree>
+      <p:nvGrpSpPr>
+        <p:cNvPr id="1" name=""/>
+        <p:cNvGrpSpPr/>
+        <p:nvPr/>
+      </p:nvGrpSpPr>
+      <p:grpSpPr>
+        <a:xfrm>
+          <a:off x="0" y="0"/>
+          <a:ext cx="0" cy="0"/>
+          <a:chOff x="0" y="0"/>
+          <a:chExt cx="0" cy="0"/>
+        </a:xfrm>
+      </p:grpSpPr>
+      <p:sp>
+        <p:nvSpPr>
+          <p:cNvPr id="5" name="TextBox 4">
+            <a:extLst>
+              <a:ext uri="{FF2B5EF4-FFF2-40B4-BE49-F238E27FC236}">
+                <a16:creationId xmlns:a16="http://schemas.microsoft.com/office/drawing/2014/main" id="{F3CDFB5B-1DE1-41D2-8F52-1DF3B37C785F}"/>
+              </a:ext>
+            </a:extLst>
+          </p:cNvPr>
+          <p:cNvSpPr txBox="1"/>
+          <p:nvPr/>
+        </p:nvSpPr>
+        <p:spPr>
+          <a:xfrm>
+            <a:off x="7646506" y="318052"/>
+            <a:ext cx="2874505" cy="769441"/>
+          </a:xfrm>
+          <a:prstGeom prst="rect">
+            <a:avLst/>
+          </a:prstGeom>
+          <a:noFill/>
+        </p:spPr>
+        <p:txBody>
+          <a:bodyPr wrap="none" rtlCol="0">
+            <a:spAutoFit/>
+          </a:bodyPr>
+          <a:lstStyle/>
+          <a:p>
+            <a:r>
+              <a:rPr lang="en-US" altLang="zh-CN" sz="4400" dirty="0"/>
+              <a:t>Cross Join</a:t>
+            </a:r>
+            <a:endParaRPr lang="zh-CN" altLang="en-US" sz="4400" dirty="0"/>
+          </a:p>
+        </p:txBody>
+      </p:sp>
+      <p:sp>
+        <p:nvSpPr>
+          <p:cNvPr id="6" name="Rectangle 5">
+            <a:extLst>
+              <a:ext uri="{FF2B5EF4-FFF2-40B4-BE49-F238E27FC236}">
+                <a16:creationId xmlns:a16="http://schemas.microsoft.com/office/drawing/2014/main" id="{61B183A6-4DF5-4C6B-A38D-BE1CE82E9F2A}"/>
+              </a:ext>
+            </a:extLst>
+          </p:cNvPr>
+          <p:cNvSpPr/>
+          <p:nvPr/>
+        </p:nvSpPr>
+        <p:spPr>
+          <a:xfrm>
+            <a:off x="3997408" y="1870037"/>
+            <a:ext cx="4963487" cy="923330"/>
+          </a:xfrm>
+          <a:prstGeom prst="rect">
+            <a:avLst/>
+          </a:prstGeom>
+        </p:spPr>
+        <p:txBody>
+          <a:bodyPr wrap="square">
+            <a:spAutoFit/>
+          </a:bodyPr>
+          <a:lstStyle/>
+          <a:p>
+            <a:r>
+              <a:rPr lang="en-US" altLang="zh-CN" b="1" dirty="0">
+                <a:latin typeface="Courier New" panose="02070309020205020404" pitchFamily="49" charset="0"/>
+              </a:rPr>
+              <a:t>SELECT</a:t>
+            </a:r>
+            <a:r>
+              <a:rPr lang="en-US" altLang="zh-CN" dirty="0">
+                <a:latin typeface="Courier New" panose="02070309020205020404" pitchFamily="49" charset="0"/>
+              </a:rPr>
+              <a:t> </a:t>
+            </a:r>
+            <a:r>
+              <a:rPr lang="en-US" altLang="zh-CN" dirty="0" err="1">
+                <a:latin typeface="Courier New" panose="02070309020205020404" pitchFamily="49" charset="0"/>
+              </a:rPr>
+              <a:t>v.vin</a:t>
+            </a:r>
+            <a:r>
+              <a:rPr lang="en-US" altLang="zh-CN" dirty="0">
+                <a:latin typeface="Courier New" panose="02070309020205020404" pitchFamily="49" charset="0"/>
+              </a:rPr>
+              <a:t>, </a:t>
+            </a:r>
+            <a:r>
+              <a:rPr lang="en-US" altLang="zh-CN" dirty="0" err="1">
+                <a:latin typeface="Courier New" panose="02070309020205020404" pitchFamily="49" charset="0"/>
+              </a:rPr>
+              <a:t>v.plateNo</a:t>
+            </a:r>
+            <a:r>
+              <a:rPr lang="en-US" altLang="zh-CN" dirty="0">
+                <a:latin typeface="Courier New" panose="02070309020205020404" pitchFamily="49" charset="0"/>
+              </a:rPr>
+              <a:t>, </a:t>
+            </a:r>
+            <a:r>
+              <a:rPr lang="en-US" altLang="zh-CN" dirty="0" err="1">
+                <a:latin typeface="Courier New" panose="02070309020205020404" pitchFamily="49" charset="0"/>
+              </a:rPr>
+              <a:t>v.mbs</a:t>
+            </a:r>
+            <a:r>
+              <a:rPr lang="en-US" altLang="zh-CN" dirty="0">
+                <a:latin typeface="Courier New" panose="02070309020205020404" pitchFamily="49" charset="0"/>
+              </a:rPr>
+              <a:t>,</a:t>
+            </a:r>
+          </a:p>
+          <a:p>
+            <a:r>
+              <a:rPr lang="en-US" altLang="zh-CN" dirty="0">
+                <a:latin typeface="Courier New" panose="02070309020205020404" pitchFamily="49" charset="0"/>
+              </a:rPr>
+              <a:t>    m.id, </a:t>
+            </a:r>
+            <a:r>
+              <a:rPr lang="en-US" altLang="zh-CN" dirty="0" err="1">
+                <a:latin typeface="Courier New" panose="02070309020205020404" pitchFamily="49" charset="0"/>
+              </a:rPr>
+              <a:t>m.mf</a:t>
+            </a:r>
+            <a:r>
+              <a:rPr lang="en-US" altLang="zh-CN" dirty="0">
+                <a:latin typeface="Courier New" panose="02070309020205020404" pitchFamily="49" charset="0"/>
+              </a:rPr>
+              <a:t>, </a:t>
+            </a:r>
+            <a:r>
+              <a:rPr lang="en-US" altLang="zh-CN" dirty="0" err="1">
+                <a:latin typeface="Courier New" panose="02070309020205020404" pitchFamily="49" charset="0"/>
+              </a:rPr>
+              <a:t>m.brand</a:t>
+            </a:r>
+            <a:r>
+              <a:rPr lang="en-US" altLang="zh-CN" dirty="0">
+                <a:latin typeface="Courier New" panose="02070309020205020404" pitchFamily="49" charset="0"/>
+              </a:rPr>
+              <a:t>, </a:t>
+            </a:r>
+            <a:r>
+              <a:rPr lang="en-US" altLang="zh-CN" dirty="0" err="1">
+                <a:latin typeface="Courier New" panose="02070309020205020404" pitchFamily="49" charset="0"/>
+              </a:rPr>
+              <a:t>m.series</a:t>
+            </a:r>
+            <a:endParaRPr lang="en-US" altLang="zh-CN" dirty="0">
+              <a:latin typeface="Courier New" panose="02070309020205020404" pitchFamily="49" charset="0"/>
+            </a:endParaRPr>
+          </a:p>
+          <a:p>
+            <a:r>
+              <a:rPr lang="en-US" altLang="zh-CN" b="1" dirty="0">
+                <a:latin typeface="Courier New" panose="02070309020205020404" pitchFamily="49" charset="0"/>
+              </a:rPr>
+              <a:t>FROM</a:t>
+            </a:r>
+            <a:r>
+              <a:rPr lang="en-US" altLang="zh-CN" dirty="0">
+                <a:latin typeface="Courier New" panose="02070309020205020404" pitchFamily="49" charset="0"/>
+              </a:rPr>
+              <a:t> v10k </a:t>
+            </a:r>
+            <a:r>
+              <a:rPr lang="en-US" altLang="zh-CN" b="1" dirty="0">
+                <a:latin typeface="Courier New" panose="02070309020205020404" pitchFamily="49" charset="0"/>
+              </a:rPr>
+              <a:t>as</a:t>
+            </a:r>
+            <a:r>
+              <a:rPr lang="en-US" altLang="zh-CN" dirty="0">
+                <a:latin typeface="Courier New" panose="02070309020205020404" pitchFamily="49" charset="0"/>
+              </a:rPr>
+              <a:t> v, </a:t>
+            </a:r>
+            <a:r>
+              <a:rPr lang="en-US" altLang="zh-CN" dirty="0" err="1">
+                <a:latin typeface="Courier New" panose="02070309020205020404" pitchFamily="49" charset="0"/>
+              </a:rPr>
+              <a:t>mbs</a:t>
+            </a:r>
+            <a:r>
+              <a:rPr lang="en-US" altLang="zh-CN" dirty="0">
+                <a:latin typeface="Courier New" panose="02070309020205020404" pitchFamily="49" charset="0"/>
+              </a:rPr>
+              <a:t> </a:t>
+            </a:r>
+            <a:r>
+              <a:rPr lang="en-US" altLang="zh-CN" b="1" dirty="0">
+                <a:latin typeface="Courier New" panose="02070309020205020404" pitchFamily="49" charset="0"/>
+              </a:rPr>
+              <a:t>as</a:t>
+            </a:r>
+            <a:r>
+              <a:rPr lang="en-US" altLang="zh-CN" dirty="0">
+                <a:latin typeface="Courier New" panose="02070309020205020404" pitchFamily="49" charset="0"/>
+              </a:rPr>
+              <a:t> m;</a:t>
+            </a:r>
+          </a:p>
+        </p:txBody>
+      </p:sp>
+      <p:sp>
+        <p:nvSpPr>
+          <p:cNvPr id="7" name="Rectangle 6">
+            <a:extLst>
+              <a:ext uri="{FF2B5EF4-FFF2-40B4-BE49-F238E27FC236}">
+                <a16:creationId xmlns:a16="http://schemas.microsoft.com/office/drawing/2014/main" id="{A1017ABA-464C-4323-811E-7B8A658F0D57}"/>
+              </a:ext>
+            </a:extLst>
+          </p:cNvPr>
+          <p:cNvSpPr/>
+          <p:nvPr/>
+        </p:nvSpPr>
+        <p:spPr>
+          <a:xfrm>
+            <a:off x="3997408" y="3590925"/>
+            <a:ext cx="5086350" cy="923330"/>
+          </a:xfrm>
+          <a:prstGeom prst="rect">
+            <a:avLst/>
+          </a:prstGeom>
+        </p:spPr>
+        <p:txBody>
+          <a:bodyPr wrap="square">
+            <a:spAutoFit/>
+          </a:bodyPr>
+          <a:lstStyle/>
+          <a:p>
+            <a:r>
+              <a:rPr lang="en-US" altLang="zh-CN" b="1" dirty="0">
+                <a:latin typeface="Courier New" panose="02070309020205020404" pitchFamily="49" charset="0"/>
+              </a:rPr>
+              <a:t>SELECT</a:t>
+            </a:r>
+            <a:r>
+              <a:rPr lang="en-US" altLang="zh-CN" dirty="0">
+                <a:latin typeface="Courier New" panose="02070309020205020404" pitchFamily="49" charset="0"/>
+              </a:rPr>
+              <a:t> </a:t>
+            </a:r>
+            <a:r>
+              <a:rPr lang="en-US" altLang="zh-CN" dirty="0" err="1">
+                <a:latin typeface="Courier New" panose="02070309020205020404" pitchFamily="49" charset="0"/>
+              </a:rPr>
+              <a:t>v.vin</a:t>
+            </a:r>
+            <a:r>
+              <a:rPr lang="en-US" altLang="zh-CN" dirty="0">
+                <a:latin typeface="Courier New" panose="02070309020205020404" pitchFamily="49" charset="0"/>
+              </a:rPr>
+              <a:t>, </a:t>
+            </a:r>
+            <a:r>
+              <a:rPr lang="en-US" altLang="zh-CN" dirty="0" err="1">
+                <a:latin typeface="Courier New" panose="02070309020205020404" pitchFamily="49" charset="0"/>
+              </a:rPr>
+              <a:t>v.plateNo</a:t>
+            </a:r>
+            <a:r>
+              <a:rPr lang="en-US" altLang="zh-CN" dirty="0">
+                <a:latin typeface="Courier New" panose="02070309020205020404" pitchFamily="49" charset="0"/>
+              </a:rPr>
+              <a:t>, </a:t>
+            </a:r>
+            <a:r>
+              <a:rPr lang="en-US" altLang="zh-CN" dirty="0" err="1">
+                <a:latin typeface="Courier New" panose="02070309020205020404" pitchFamily="49" charset="0"/>
+              </a:rPr>
+              <a:t>v.mbs</a:t>
+            </a:r>
+            <a:r>
+              <a:rPr lang="en-US" altLang="zh-CN" dirty="0">
+                <a:latin typeface="Courier New" panose="02070309020205020404" pitchFamily="49" charset="0"/>
+              </a:rPr>
+              <a:t>,</a:t>
+            </a:r>
+          </a:p>
+          <a:p>
+            <a:r>
+              <a:rPr lang="en-US" altLang="zh-CN" dirty="0">
+                <a:latin typeface="Courier New" panose="02070309020205020404" pitchFamily="49" charset="0"/>
+              </a:rPr>
+              <a:t>    m.id, </a:t>
+            </a:r>
+            <a:r>
+              <a:rPr lang="en-US" altLang="zh-CN" dirty="0" err="1">
+                <a:latin typeface="Courier New" panose="02070309020205020404" pitchFamily="49" charset="0"/>
+              </a:rPr>
+              <a:t>m.mf</a:t>
+            </a:r>
+            <a:r>
+              <a:rPr lang="en-US" altLang="zh-CN" dirty="0">
+                <a:latin typeface="Courier New" panose="02070309020205020404" pitchFamily="49" charset="0"/>
+              </a:rPr>
+              <a:t>, </a:t>
+            </a:r>
+            <a:r>
+              <a:rPr lang="en-US" altLang="zh-CN" dirty="0" err="1">
+                <a:latin typeface="Courier New" panose="02070309020205020404" pitchFamily="49" charset="0"/>
+              </a:rPr>
+              <a:t>m.brand</a:t>
+            </a:r>
+            <a:r>
+              <a:rPr lang="en-US" altLang="zh-CN" dirty="0">
+                <a:latin typeface="Courier New" panose="02070309020205020404" pitchFamily="49" charset="0"/>
+              </a:rPr>
+              <a:t>, </a:t>
+            </a:r>
+            <a:r>
+              <a:rPr lang="en-US" altLang="zh-CN" dirty="0" err="1">
+                <a:latin typeface="Courier New" panose="02070309020205020404" pitchFamily="49" charset="0"/>
+              </a:rPr>
+              <a:t>m.series</a:t>
+            </a:r>
+            <a:endParaRPr lang="en-US" altLang="zh-CN" dirty="0">
+              <a:latin typeface="Courier New" panose="02070309020205020404" pitchFamily="49" charset="0"/>
+            </a:endParaRPr>
+          </a:p>
+          <a:p>
+            <a:r>
+              <a:rPr lang="en-US" altLang="zh-CN" b="1" dirty="0">
+                <a:latin typeface="Courier New" panose="02070309020205020404" pitchFamily="49" charset="0"/>
+              </a:rPr>
+              <a:t>FROM</a:t>
+            </a:r>
+            <a:r>
+              <a:rPr lang="en-US" altLang="zh-CN" dirty="0">
+                <a:latin typeface="Courier New" panose="02070309020205020404" pitchFamily="49" charset="0"/>
+              </a:rPr>
+              <a:t> v10k </a:t>
+            </a:r>
+            <a:r>
+              <a:rPr lang="en-US" altLang="zh-CN" b="1" dirty="0">
+                <a:latin typeface="Courier New" panose="02070309020205020404" pitchFamily="49" charset="0"/>
+              </a:rPr>
+              <a:t>as</a:t>
+            </a:r>
+            <a:r>
+              <a:rPr lang="en-US" altLang="zh-CN" dirty="0">
+                <a:latin typeface="Courier New" panose="02070309020205020404" pitchFamily="49" charset="0"/>
+              </a:rPr>
+              <a:t> v </a:t>
+            </a:r>
+            <a:r>
+              <a:rPr lang="en-US" altLang="zh-CN" b="1" dirty="0">
+                <a:solidFill>
+                  <a:schemeClr val="accent1"/>
+                </a:solidFill>
+                <a:latin typeface="Courier New" panose="02070309020205020404" pitchFamily="49" charset="0"/>
+              </a:rPr>
+              <a:t>CROSS</a:t>
+            </a:r>
+            <a:r>
+              <a:rPr lang="en-US" altLang="zh-CN" dirty="0">
+                <a:solidFill>
+                  <a:schemeClr val="accent1"/>
+                </a:solidFill>
+                <a:latin typeface="Courier New" panose="02070309020205020404" pitchFamily="49" charset="0"/>
+              </a:rPr>
+              <a:t> </a:t>
+            </a:r>
+            <a:r>
+              <a:rPr lang="en-US" altLang="zh-CN" b="1" dirty="0">
+                <a:solidFill>
+                  <a:schemeClr val="accent1"/>
+                </a:solidFill>
+                <a:latin typeface="Courier New" panose="02070309020205020404" pitchFamily="49" charset="0"/>
+              </a:rPr>
+              <a:t>JOIN</a:t>
+            </a:r>
+            <a:r>
+              <a:rPr lang="en-US" altLang="zh-CN" dirty="0">
+                <a:solidFill>
+                  <a:schemeClr val="accent1"/>
+                </a:solidFill>
+                <a:latin typeface="Courier New" panose="02070309020205020404" pitchFamily="49" charset="0"/>
+              </a:rPr>
+              <a:t> </a:t>
+            </a:r>
+            <a:r>
+              <a:rPr lang="en-US" altLang="zh-CN" dirty="0" err="1">
+                <a:latin typeface="Courier New" panose="02070309020205020404" pitchFamily="49" charset="0"/>
+              </a:rPr>
+              <a:t>mbs</a:t>
+            </a:r>
+            <a:r>
+              <a:rPr lang="en-US" altLang="zh-CN" dirty="0">
+                <a:latin typeface="Courier New" panose="02070309020205020404" pitchFamily="49" charset="0"/>
+              </a:rPr>
+              <a:t> </a:t>
+            </a:r>
+            <a:r>
+              <a:rPr lang="en-US" altLang="zh-CN" b="1" dirty="0">
+                <a:latin typeface="Courier New" panose="02070309020205020404" pitchFamily="49" charset="0"/>
+              </a:rPr>
+              <a:t>as</a:t>
+            </a:r>
+            <a:r>
+              <a:rPr lang="en-US" altLang="zh-CN" dirty="0">
+                <a:latin typeface="Courier New" panose="02070309020205020404" pitchFamily="49" charset="0"/>
+              </a:rPr>
+              <a:t> m;</a:t>
+            </a:r>
+          </a:p>
+        </p:txBody>
+      </p:sp>
+      <p:sp>
+        <p:nvSpPr>
+          <p:cNvPr id="10" name="Rectangle 9">
+            <a:extLst>
+              <a:ext uri="{FF2B5EF4-FFF2-40B4-BE49-F238E27FC236}">
+                <a16:creationId xmlns:a16="http://schemas.microsoft.com/office/drawing/2014/main" id="{606B8FE1-DA9C-452A-B382-DEA355753B65}"/>
+              </a:ext>
+            </a:extLst>
+          </p:cNvPr>
+          <p:cNvSpPr/>
+          <p:nvPr/>
+        </p:nvSpPr>
+        <p:spPr>
+          <a:xfrm>
+            <a:off x="2613767" y="2100869"/>
+            <a:ext cx="1252266" cy="461665"/>
+          </a:xfrm>
+          <a:prstGeom prst="rect">
+            <a:avLst/>
+          </a:prstGeom>
+          <a:noFill/>
+        </p:spPr>
+        <p:txBody>
+          <a:bodyPr wrap="none" lIns="91440" tIns="45720" rIns="91440" bIns="45720">
+            <a:spAutoFit/>
+          </a:bodyPr>
+          <a:lstStyle/>
+          <a:p>
+            <a:pPr algn="ctr"/>
+            <a:r>
+              <a:rPr lang="en-US" altLang="zh-CN" sz="2400" b="1" cap="none" spc="50" dirty="0">
+                <a:ln w="9525" cmpd="sng">
+                  <a:solidFill>
+                    <a:schemeClr val="accent1"/>
+                  </a:solidFill>
+                  <a:prstDash val="solid"/>
+                </a:ln>
+                <a:solidFill>
+                  <a:srgbClr val="70AD47">
+                    <a:tint val="1000"/>
+                  </a:srgbClr>
+                </a:solidFill>
+                <a:effectLst>
+                  <a:glow rad="38100">
+                    <a:schemeClr val="accent1">
+                      <a:alpha val="40000"/>
+                    </a:schemeClr>
+                  </a:glow>
+                </a:effectLst>
+              </a:rPr>
+              <a:t>SQL-89</a:t>
+            </a:r>
+          </a:p>
+        </p:txBody>
+      </p:sp>
+      <p:sp>
+        <p:nvSpPr>
+          <p:cNvPr id="11" name="Rectangle 10">
+            <a:extLst>
+              <a:ext uri="{FF2B5EF4-FFF2-40B4-BE49-F238E27FC236}">
+                <a16:creationId xmlns:a16="http://schemas.microsoft.com/office/drawing/2014/main" id="{8E38A4A0-0B67-403F-9110-92A54FD625E0}"/>
+              </a:ext>
+            </a:extLst>
+          </p:cNvPr>
+          <p:cNvSpPr/>
+          <p:nvPr/>
+        </p:nvSpPr>
+        <p:spPr>
+          <a:xfrm>
+            <a:off x="2613767" y="3821757"/>
+            <a:ext cx="1252266" cy="461665"/>
+          </a:xfrm>
+          <a:prstGeom prst="rect">
+            <a:avLst/>
+          </a:prstGeom>
+          <a:noFill/>
+        </p:spPr>
+        <p:txBody>
+          <a:bodyPr wrap="none" lIns="91440" tIns="45720" rIns="91440" bIns="45720">
+            <a:spAutoFit/>
+          </a:bodyPr>
+          <a:lstStyle/>
+          <a:p>
+            <a:pPr algn="ctr"/>
+            <a:r>
+              <a:rPr lang="en-US" altLang="zh-CN" sz="2400" b="1" cap="none" spc="50" dirty="0">
+                <a:ln w="9525" cmpd="sng">
+                  <a:solidFill>
+                    <a:schemeClr val="accent1"/>
+                  </a:solidFill>
+                  <a:prstDash val="solid"/>
+                </a:ln>
+                <a:solidFill>
+                  <a:srgbClr val="70AD47">
+                    <a:tint val="1000"/>
+                  </a:srgbClr>
+                </a:solidFill>
+                <a:effectLst>
+                  <a:glow rad="38100">
+                    <a:schemeClr val="accent1">
+                      <a:alpha val="40000"/>
+                    </a:schemeClr>
+                  </a:glow>
+                </a:effectLst>
+              </a:rPr>
+              <a:t>SQL-92</a:t>
+            </a:r>
+          </a:p>
+        </p:txBody>
+      </p:sp>
+    </p:spTree>
+    <p:extLst>
+      <p:ext uri="{BB962C8B-B14F-4D97-AF65-F5344CB8AC3E}">
+        <p14:creationId xmlns:p14="http://schemas.microsoft.com/office/powerpoint/2010/main" val="3417105183"/>
+      </p:ext>
+    </p:extLst>
+  </p:cSld>
+  <p:clrMapOvr>
+    <a:masterClrMapping/>
+  </p:clrMapOvr>
+  <mc:AlternateContent xmlns:mc="http://schemas.openxmlformats.org/markup-compatibility/2006" xmlns:p14="http://schemas.microsoft.com/office/powerpoint/2010/main">
+    <mc:Choice Requires="p14">
+      <p:transition spd="slow" p14:dur="800">
+        <p14:flythrough/>
+      </p:transition>
+    </mc:Choice>
+    <mc:Fallback xmlns="">
+      <p:transition spd="slow">
+        <p:fade/>
+      </p:transition>
+    </mc:Fallback>
+  </mc:AlternateContent>
+</p:sld>
+</file>
+
+<file path=ppt/slides/slide22.xml><?xml version="1.0" encoding="utf-8"?>
+<p:sld xmlns:a="http://schemas.openxmlformats.org/drawingml/2006/main" xmlns:r="http://schemas.openxmlformats.org/officeDocument/2006/relationships" xmlns:p="http://schemas.openxmlformats.org/presentationml/2006/main">
+  <p:cSld>
+    <p:spTree>
+      <p:nvGrpSpPr>
+        <p:cNvPr id="1" name=""/>
+        <p:cNvGrpSpPr/>
+        <p:nvPr/>
+      </p:nvGrpSpPr>
+      <p:grpSpPr>
+        <a:xfrm>
+          <a:off x="0" y="0"/>
+          <a:ext cx="0" cy="0"/>
+          <a:chOff x="0" y="0"/>
+          <a:chExt cx="0" cy="0"/>
+        </a:xfrm>
+      </p:grpSpPr>
+      <p:sp>
+        <p:nvSpPr>
+          <p:cNvPr id="5" name="TextBox 4">
+            <a:extLst>
+              <a:ext uri="{FF2B5EF4-FFF2-40B4-BE49-F238E27FC236}">
+                <a16:creationId xmlns:a16="http://schemas.microsoft.com/office/drawing/2014/main" id="{F3CDFB5B-1DE1-41D2-8F52-1DF3B37C785F}"/>
+              </a:ext>
+            </a:extLst>
+          </p:cNvPr>
+          <p:cNvSpPr txBox="1"/>
+          <p:nvPr/>
+        </p:nvSpPr>
+        <p:spPr>
+          <a:xfrm>
+            <a:off x="7646506" y="318052"/>
+            <a:ext cx="2792752" cy="769441"/>
+          </a:xfrm>
+          <a:prstGeom prst="rect">
+            <a:avLst/>
+          </a:prstGeom>
+          <a:noFill/>
+        </p:spPr>
+        <p:txBody>
+          <a:bodyPr wrap="none" rtlCol="0">
+            <a:spAutoFit/>
+          </a:bodyPr>
+          <a:lstStyle/>
+          <a:p>
+            <a:r>
+              <a:rPr lang="en-US" altLang="zh-CN" sz="4400" dirty="0"/>
+              <a:t>Inner Join</a:t>
+            </a:r>
+            <a:endParaRPr lang="zh-CN" altLang="en-US" sz="4400" dirty="0"/>
+          </a:p>
+        </p:txBody>
+      </p:sp>
+      <p:sp>
+        <p:nvSpPr>
+          <p:cNvPr id="6" name="Rectangle 5">
+            <a:extLst>
+              <a:ext uri="{FF2B5EF4-FFF2-40B4-BE49-F238E27FC236}">
+                <a16:creationId xmlns:a16="http://schemas.microsoft.com/office/drawing/2014/main" id="{61B183A6-4DF5-4C6B-A38D-BE1CE82E9F2A}"/>
+              </a:ext>
+            </a:extLst>
+          </p:cNvPr>
+          <p:cNvSpPr/>
+          <p:nvPr/>
+        </p:nvSpPr>
+        <p:spPr>
+          <a:xfrm>
+            <a:off x="2612471" y="1508087"/>
+            <a:ext cx="4963487" cy="1200329"/>
+          </a:xfrm>
+          <a:prstGeom prst="rect">
+            <a:avLst/>
+          </a:prstGeom>
+        </p:spPr>
+        <p:txBody>
+          <a:bodyPr wrap="square">
+            <a:spAutoFit/>
+          </a:bodyPr>
+          <a:lstStyle/>
+          <a:p>
+            <a:r>
+              <a:rPr lang="en-US" altLang="zh-CN" b="1" dirty="0">
+                <a:latin typeface="Courier New" panose="02070309020205020404" pitchFamily="49" charset="0"/>
+              </a:rPr>
+              <a:t>SELECT </a:t>
+            </a:r>
+            <a:r>
+              <a:rPr lang="en-US" altLang="zh-CN" b="1" dirty="0" err="1">
+                <a:latin typeface="Courier New" panose="02070309020205020404" pitchFamily="49" charset="0"/>
+              </a:rPr>
+              <a:t>v.vin</a:t>
+            </a:r>
+            <a:r>
+              <a:rPr lang="en-US" altLang="zh-CN" b="1" dirty="0">
+                <a:latin typeface="Courier New" panose="02070309020205020404" pitchFamily="49" charset="0"/>
+              </a:rPr>
+              <a:t>, </a:t>
+            </a:r>
+            <a:r>
+              <a:rPr lang="en-US" altLang="zh-CN" b="1" dirty="0" err="1">
+                <a:latin typeface="Courier New" panose="02070309020205020404" pitchFamily="49" charset="0"/>
+              </a:rPr>
+              <a:t>v.plateNo</a:t>
+            </a:r>
+            <a:r>
+              <a:rPr lang="en-US" altLang="zh-CN" b="1" dirty="0">
+                <a:latin typeface="Courier New" panose="02070309020205020404" pitchFamily="49" charset="0"/>
+              </a:rPr>
+              <a:t>, </a:t>
+            </a:r>
+            <a:r>
+              <a:rPr lang="en-US" altLang="zh-CN" b="1" dirty="0" err="1">
+                <a:latin typeface="Courier New" panose="02070309020205020404" pitchFamily="49" charset="0"/>
+              </a:rPr>
+              <a:t>v.mbs</a:t>
+            </a:r>
+            <a:r>
+              <a:rPr lang="en-US" altLang="zh-CN" b="1" dirty="0">
+                <a:latin typeface="Courier New" panose="02070309020205020404" pitchFamily="49" charset="0"/>
+              </a:rPr>
+              <a:t>, </a:t>
+            </a:r>
+          </a:p>
+          <a:p>
+            <a:r>
+              <a:rPr lang="en-US" altLang="zh-CN" b="1" dirty="0">
+                <a:latin typeface="Courier New" panose="02070309020205020404" pitchFamily="49" charset="0"/>
+              </a:rPr>
+              <a:t>    m.id, </a:t>
+            </a:r>
+            <a:r>
+              <a:rPr lang="en-US" altLang="zh-CN" b="1" dirty="0" err="1">
+                <a:latin typeface="Courier New" panose="02070309020205020404" pitchFamily="49" charset="0"/>
+              </a:rPr>
+              <a:t>m.mf</a:t>
+            </a:r>
+            <a:r>
+              <a:rPr lang="en-US" altLang="zh-CN" b="1" dirty="0">
+                <a:latin typeface="Courier New" panose="02070309020205020404" pitchFamily="49" charset="0"/>
+              </a:rPr>
+              <a:t>, </a:t>
+            </a:r>
+            <a:r>
+              <a:rPr lang="en-US" altLang="zh-CN" b="1" dirty="0" err="1">
+                <a:latin typeface="Courier New" panose="02070309020205020404" pitchFamily="49" charset="0"/>
+              </a:rPr>
+              <a:t>m.brand</a:t>
+            </a:r>
+            <a:r>
+              <a:rPr lang="en-US" altLang="zh-CN" b="1" dirty="0">
+                <a:latin typeface="Courier New" panose="02070309020205020404" pitchFamily="49" charset="0"/>
+              </a:rPr>
+              <a:t>, </a:t>
+            </a:r>
+            <a:r>
+              <a:rPr lang="en-US" altLang="zh-CN" b="1" dirty="0" err="1">
+                <a:latin typeface="Courier New" panose="02070309020205020404" pitchFamily="49" charset="0"/>
+              </a:rPr>
+              <a:t>m.series</a:t>
+            </a:r>
+            <a:endParaRPr lang="en-US" altLang="zh-CN" b="1" dirty="0">
+              <a:latin typeface="Courier New" panose="02070309020205020404" pitchFamily="49" charset="0"/>
+            </a:endParaRPr>
+          </a:p>
+          <a:p>
+            <a:r>
+              <a:rPr lang="en-US" altLang="zh-CN" b="1" dirty="0">
+                <a:latin typeface="Courier New" panose="02070309020205020404" pitchFamily="49" charset="0"/>
+              </a:rPr>
+              <a:t>FROM v10k as v, </a:t>
+            </a:r>
+            <a:r>
+              <a:rPr lang="en-US" altLang="zh-CN" b="1" dirty="0" err="1">
+                <a:latin typeface="Courier New" panose="02070309020205020404" pitchFamily="49" charset="0"/>
+              </a:rPr>
+              <a:t>mbs</a:t>
+            </a:r>
+            <a:r>
+              <a:rPr lang="en-US" altLang="zh-CN" b="1" dirty="0">
+                <a:latin typeface="Courier New" panose="02070309020205020404" pitchFamily="49" charset="0"/>
+              </a:rPr>
+              <a:t> as m</a:t>
+            </a:r>
+          </a:p>
+          <a:p>
+            <a:r>
+              <a:rPr lang="en-US" altLang="zh-CN" b="1" dirty="0">
+                <a:latin typeface="Courier New" panose="02070309020205020404" pitchFamily="49" charset="0"/>
+              </a:rPr>
+              <a:t>WHERE </a:t>
+            </a:r>
+            <a:r>
+              <a:rPr lang="en-US" altLang="zh-CN" b="1" dirty="0" err="1">
+                <a:solidFill>
+                  <a:schemeClr val="accent1"/>
+                </a:solidFill>
+                <a:latin typeface="Courier New" panose="02070309020205020404" pitchFamily="49" charset="0"/>
+              </a:rPr>
+              <a:t>v.mbs</a:t>
+            </a:r>
+            <a:r>
+              <a:rPr lang="en-US" altLang="zh-CN" b="1" dirty="0">
+                <a:solidFill>
+                  <a:schemeClr val="accent1"/>
+                </a:solidFill>
+                <a:latin typeface="Courier New" panose="02070309020205020404" pitchFamily="49" charset="0"/>
+              </a:rPr>
+              <a:t> = m.id</a:t>
+            </a:r>
+            <a:r>
+              <a:rPr lang="en-US" altLang="zh-CN" b="1" dirty="0">
+                <a:latin typeface="Courier New" panose="02070309020205020404" pitchFamily="49" charset="0"/>
+              </a:rPr>
+              <a:t>;</a:t>
+            </a:r>
+            <a:endParaRPr lang="en-US" altLang="zh-CN" dirty="0">
+              <a:solidFill>
+                <a:schemeClr val="accent1"/>
+              </a:solidFill>
+              <a:latin typeface="Courier New" panose="02070309020205020404" pitchFamily="49" charset="0"/>
+            </a:endParaRPr>
+          </a:p>
+        </p:txBody>
+      </p:sp>
+      <p:sp>
+        <p:nvSpPr>
+          <p:cNvPr id="7" name="Rectangle 6">
+            <a:extLst>
+              <a:ext uri="{FF2B5EF4-FFF2-40B4-BE49-F238E27FC236}">
+                <a16:creationId xmlns:a16="http://schemas.microsoft.com/office/drawing/2014/main" id="{A1017ABA-464C-4323-811E-7B8A658F0D57}"/>
+              </a:ext>
+            </a:extLst>
+          </p:cNvPr>
+          <p:cNvSpPr/>
+          <p:nvPr/>
+        </p:nvSpPr>
+        <p:spPr>
+          <a:xfrm>
+            <a:off x="2612470" y="2948285"/>
+            <a:ext cx="7217329" cy="923330"/>
+          </a:xfrm>
+          <a:prstGeom prst="rect">
+            <a:avLst/>
+          </a:prstGeom>
+        </p:spPr>
+        <p:txBody>
+          <a:bodyPr wrap="square">
+            <a:spAutoFit/>
+          </a:bodyPr>
+          <a:lstStyle/>
+          <a:p>
+            <a:r>
+              <a:rPr lang="en-US" altLang="zh-CN" b="1" dirty="0">
+                <a:latin typeface="Courier New" panose="02070309020205020404" pitchFamily="49" charset="0"/>
+              </a:rPr>
+              <a:t>SELECT </a:t>
+            </a:r>
+            <a:r>
+              <a:rPr lang="en-US" altLang="zh-CN" b="1" dirty="0" err="1">
+                <a:latin typeface="Courier New" panose="02070309020205020404" pitchFamily="49" charset="0"/>
+              </a:rPr>
+              <a:t>v.vin</a:t>
+            </a:r>
+            <a:r>
+              <a:rPr lang="en-US" altLang="zh-CN" b="1" dirty="0">
+                <a:latin typeface="Courier New" panose="02070309020205020404" pitchFamily="49" charset="0"/>
+              </a:rPr>
+              <a:t>, </a:t>
+            </a:r>
+            <a:r>
+              <a:rPr lang="en-US" altLang="zh-CN" b="1" dirty="0" err="1">
+                <a:latin typeface="Courier New" panose="02070309020205020404" pitchFamily="49" charset="0"/>
+              </a:rPr>
+              <a:t>v.plateNo</a:t>
+            </a:r>
+            <a:r>
+              <a:rPr lang="en-US" altLang="zh-CN" b="1" dirty="0">
+                <a:latin typeface="Courier New" panose="02070309020205020404" pitchFamily="49" charset="0"/>
+              </a:rPr>
+              <a:t>, </a:t>
+            </a:r>
+            <a:r>
+              <a:rPr lang="en-US" altLang="zh-CN" b="1" dirty="0" err="1">
+                <a:latin typeface="Courier New" panose="02070309020205020404" pitchFamily="49" charset="0"/>
+              </a:rPr>
+              <a:t>v.mbs</a:t>
+            </a:r>
+            <a:r>
+              <a:rPr lang="en-US" altLang="zh-CN" b="1" dirty="0">
+                <a:latin typeface="Courier New" panose="02070309020205020404" pitchFamily="49" charset="0"/>
+              </a:rPr>
+              <a:t>, </a:t>
+            </a:r>
+          </a:p>
+          <a:p>
+            <a:r>
+              <a:rPr lang="en-US" altLang="zh-CN" b="1" dirty="0">
+                <a:latin typeface="Courier New" panose="02070309020205020404" pitchFamily="49" charset="0"/>
+              </a:rPr>
+              <a:t>    m.id, </a:t>
+            </a:r>
+            <a:r>
+              <a:rPr lang="en-US" altLang="zh-CN" b="1" dirty="0" err="1">
+                <a:latin typeface="Courier New" panose="02070309020205020404" pitchFamily="49" charset="0"/>
+              </a:rPr>
+              <a:t>m.mf</a:t>
+            </a:r>
+            <a:r>
+              <a:rPr lang="en-US" altLang="zh-CN" b="1" dirty="0">
+                <a:latin typeface="Courier New" panose="02070309020205020404" pitchFamily="49" charset="0"/>
+              </a:rPr>
+              <a:t>, </a:t>
+            </a:r>
+            <a:r>
+              <a:rPr lang="en-US" altLang="zh-CN" b="1" dirty="0" err="1">
+                <a:latin typeface="Courier New" panose="02070309020205020404" pitchFamily="49" charset="0"/>
+              </a:rPr>
+              <a:t>m.brand</a:t>
+            </a:r>
+            <a:r>
+              <a:rPr lang="en-US" altLang="zh-CN" b="1" dirty="0">
+                <a:latin typeface="Courier New" panose="02070309020205020404" pitchFamily="49" charset="0"/>
+              </a:rPr>
+              <a:t>, </a:t>
+            </a:r>
+            <a:r>
+              <a:rPr lang="en-US" altLang="zh-CN" b="1" dirty="0" err="1">
+                <a:latin typeface="Courier New" panose="02070309020205020404" pitchFamily="49" charset="0"/>
+              </a:rPr>
+              <a:t>m.series</a:t>
+            </a:r>
+            <a:endParaRPr lang="en-US" altLang="zh-CN" b="1" dirty="0">
+              <a:latin typeface="Courier New" panose="02070309020205020404" pitchFamily="49" charset="0"/>
+            </a:endParaRPr>
+          </a:p>
+          <a:p>
+            <a:r>
+              <a:rPr lang="en-US" altLang="zh-CN" b="1" dirty="0">
+                <a:latin typeface="Courier New" panose="02070309020205020404" pitchFamily="49" charset="0"/>
+              </a:rPr>
+              <a:t>FROM v10k as v </a:t>
+            </a:r>
+            <a:r>
+              <a:rPr lang="en-US" altLang="zh-CN" b="1" dirty="0">
+                <a:solidFill>
+                  <a:schemeClr val="accent1"/>
+                </a:solidFill>
+                <a:latin typeface="Courier New" panose="02070309020205020404" pitchFamily="49" charset="0"/>
+              </a:rPr>
+              <a:t>JOIN</a:t>
+            </a:r>
+            <a:r>
+              <a:rPr lang="en-US" altLang="zh-CN" b="1" dirty="0">
+                <a:latin typeface="Courier New" panose="02070309020205020404" pitchFamily="49" charset="0"/>
+              </a:rPr>
+              <a:t> </a:t>
+            </a:r>
+            <a:r>
+              <a:rPr lang="en-US" altLang="zh-CN" b="1" dirty="0" err="1">
+                <a:latin typeface="Courier New" panose="02070309020205020404" pitchFamily="49" charset="0"/>
+              </a:rPr>
+              <a:t>mbs</a:t>
+            </a:r>
+            <a:r>
+              <a:rPr lang="en-US" altLang="zh-CN" b="1" dirty="0">
+                <a:latin typeface="Courier New" panose="02070309020205020404" pitchFamily="49" charset="0"/>
+              </a:rPr>
+              <a:t> as m </a:t>
+            </a:r>
+            <a:r>
+              <a:rPr lang="en-US" altLang="zh-CN" b="1" dirty="0">
+                <a:solidFill>
+                  <a:schemeClr val="accent1"/>
+                </a:solidFill>
+                <a:latin typeface="Courier New" panose="02070309020205020404" pitchFamily="49" charset="0"/>
+              </a:rPr>
+              <a:t>ON</a:t>
+            </a:r>
+            <a:r>
+              <a:rPr lang="en-US" altLang="zh-CN" b="1" dirty="0">
+                <a:latin typeface="Courier New" panose="02070309020205020404" pitchFamily="49" charset="0"/>
+              </a:rPr>
+              <a:t> </a:t>
+            </a:r>
+            <a:r>
+              <a:rPr lang="en-US" altLang="zh-CN" b="1" dirty="0" err="1">
+                <a:latin typeface="Courier New" panose="02070309020205020404" pitchFamily="49" charset="0"/>
+              </a:rPr>
+              <a:t>v.mbs</a:t>
+            </a:r>
+            <a:r>
+              <a:rPr lang="en-US" altLang="zh-CN" b="1" dirty="0">
+                <a:latin typeface="Courier New" panose="02070309020205020404" pitchFamily="49" charset="0"/>
+              </a:rPr>
+              <a:t> = m.id;</a:t>
+            </a:r>
+            <a:endParaRPr lang="en-US" altLang="zh-CN" dirty="0">
+              <a:latin typeface="Courier New" panose="02070309020205020404" pitchFamily="49" charset="0"/>
+            </a:endParaRPr>
+          </a:p>
+        </p:txBody>
+      </p:sp>
+      <p:sp>
+        <p:nvSpPr>
+          <p:cNvPr id="2" name="Rectangle 1">
+            <a:extLst>
+              <a:ext uri="{FF2B5EF4-FFF2-40B4-BE49-F238E27FC236}">
+                <a16:creationId xmlns:a16="http://schemas.microsoft.com/office/drawing/2014/main" id="{ED0EB584-990F-44CD-8A80-1C3B5466D5C5}"/>
+              </a:ext>
+            </a:extLst>
+          </p:cNvPr>
+          <p:cNvSpPr/>
+          <p:nvPr/>
+        </p:nvSpPr>
+        <p:spPr>
+          <a:xfrm>
+            <a:off x="2612470" y="4111484"/>
+            <a:ext cx="6096000" cy="1200329"/>
+          </a:xfrm>
+          <a:prstGeom prst="rect">
+            <a:avLst/>
+          </a:prstGeom>
+        </p:spPr>
+        <p:txBody>
+          <a:bodyPr>
+            <a:spAutoFit/>
+          </a:bodyPr>
+          <a:lstStyle/>
+          <a:p>
+            <a:r>
+              <a:rPr lang="en-US" altLang="zh-CN" b="1" dirty="0">
+                <a:latin typeface="Courier New" panose="02070309020205020404" pitchFamily="49" charset="0"/>
+              </a:rPr>
+              <a:t>SELECT</a:t>
+            </a:r>
+            <a:r>
+              <a:rPr lang="en-US" altLang="zh-CN" dirty="0">
+                <a:latin typeface="Courier New" panose="02070309020205020404" pitchFamily="49" charset="0"/>
+              </a:rPr>
+              <a:t> </a:t>
+            </a:r>
+            <a:r>
+              <a:rPr lang="en-US" altLang="zh-CN" dirty="0" err="1">
+                <a:latin typeface="Courier New" panose="02070309020205020404" pitchFamily="49" charset="0"/>
+              </a:rPr>
+              <a:t>v.vin</a:t>
+            </a:r>
+            <a:r>
+              <a:rPr lang="en-US" altLang="zh-CN" dirty="0">
+                <a:latin typeface="Courier New" panose="02070309020205020404" pitchFamily="49" charset="0"/>
+              </a:rPr>
+              <a:t>, </a:t>
+            </a:r>
+            <a:r>
+              <a:rPr lang="en-US" altLang="zh-CN" dirty="0" err="1">
+                <a:latin typeface="Courier New" panose="02070309020205020404" pitchFamily="49" charset="0"/>
+              </a:rPr>
+              <a:t>v.plateNo</a:t>
+            </a:r>
+            <a:r>
+              <a:rPr lang="en-US" altLang="zh-CN" dirty="0">
+                <a:latin typeface="Courier New" panose="02070309020205020404" pitchFamily="49" charset="0"/>
+              </a:rPr>
+              <a:t>, </a:t>
+            </a:r>
+            <a:r>
+              <a:rPr lang="en-US" altLang="zh-CN" dirty="0" err="1">
+                <a:latin typeface="Courier New" panose="02070309020205020404" pitchFamily="49" charset="0"/>
+              </a:rPr>
+              <a:t>v.mbs</a:t>
+            </a:r>
+            <a:r>
+              <a:rPr lang="en-US" altLang="zh-CN" dirty="0">
+                <a:latin typeface="Courier New" panose="02070309020205020404" pitchFamily="49" charset="0"/>
+              </a:rPr>
+              <a:t>,</a:t>
+            </a:r>
+          </a:p>
+          <a:p>
+            <a:r>
+              <a:rPr lang="en-US" altLang="zh-CN" dirty="0">
+                <a:latin typeface="Courier New" panose="02070309020205020404" pitchFamily="49" charset="0"/>
+              </a:rPr>
+              <a:t>    m.id, </a:t>
+            </a:r>
+            <a:r>
+              <a:rPr lang="en-US" altLang="zh-CN" dirty="0" err="1">
+                <a:latin typeface="Courier New" panose="02070309020205020404" pitchFamily="49" charset="0"/>
+              </a:rPr>
+              <a:t>m.mf</a:t>
+            </a:r>
+            <a:r>
+              <a:rPr lang="en-US" altLang="zh-CN" dirty="0">
+                <a:latin typeface="Courier New" panose="02070309020205020404" pitchFamily="49" charset="0"/>
+              </a:rPr>
+              <a:t>, </a:t>
+            </a:r>
+            <a:r>
+              <a:rPr lang="en-US" altLang="zh-CN" dirty="0" err="1">
+                <a:latin typeface="Courier New" panose="02070309020205020404" pitchFamily="49" charset="0"/>
+              </a:rPr>
+              <a:t>m.brand</a:t>
+            </a:r>
+            <a:r>
+              <a:rPr lang="en-US" altLang="zh-CN" dirty="0">
+                <a:latin typeface="Courier New" panose="02070309020205020404" pitchFamily="49" charset="0"/>
+              </a:rPr>
+              <a:t>, </a:t>
+            </a:r>
+            <a:r>
+              <a:rPr lang="en-US" altLang="zh-CN" dirty="0" err="1">
+                <a:latin typeface="Courier New" panose="02070309020205020404" pitchFamily="49" charset="0"/>
+              </a:rPr>
+              <a:t>m.series</a:t>
+            </a:r>
+            <a:endParaRPr lang="en-US" altLang="zh-CN" dirty="0">
+              <a:latin typeface="Courier New" panose="02070309020205020404" pitchFamily="49" charset="0"/>
+            </a:endParaRPr>
+          </a:p>
+          <a:p>
+            <a:r>
+              <a:rPr lang="en-US" altLang="zh-CN" b="1" dirty="0">
+                <a:latin typeface="Courier New" panose="02070309020205020404" pitchFamily="49" charset="0"/>
+              </a:rPr>
+              <a:t>FROM</a:t>
+            </a:r>
+            <a:r>
+              <a:rPr lang="en-US" altLang="zh-CN" dirty="0">
+                <a:latin typeface="Courier New" panose="02070309020205020404" pitchFamily="49" charset="0"/>
+              </a:rPr>
+              <a:t> v10k </a:t>
+            </a:r>
+            <a:r>
+              <a:rPr lang="en-US" altLang="zh-CN" b="1" dirty="0">
+                <a:latin typeface="Courier New" panose="02070309020205020404" pitchFamily="49" charset="0"/>
+              </a:rPr>
+              <a:t>as</a:t>
+            </a:r>
+            <a:r>
+              <a:rPr lang="en-US" altLang="zh-CN" dirty="0">
+                <a:latin typeface="Courier New" panose="02070309020205020404" pitchFamily="49" charset="0"/>
+              </a:rPr>
+              <a:t> v </a:t>
+            </a:r>
+            <a:r>
+              <a:rPr lang="en-US" altLang="zh-CN" b="1" dirty="0">
+                <a:latin typeface="Courier New" panose="02070309020205020404" pitchFamily="49" charset="0"/>
+              </a:rPr>
+              <a:t>JOIN</a:t>
+            </a:r>
+            <a:r>
+              <a:rPr lang="en-US" altLang="zh-CN" dirty="0">
+                <a:latin typeface="Courier New" panose="02070309020205020404" pitchFamily="49" charset="0"/>
+              </a:rPr>
+              <a:t> </a:t>
+            </a:r>
+            <a:r>
+              <a:rPr lang="en-US" altLang="zh-CN" dirty="0" err="1">
+                <a:latin typeface="Courier New" panose="02070309020205020404" pitchFamily="49" charset="0"/>
+              </a:rPr>
+              <a:t>mbs</a:t>
+            </a:r>
+            <a:r>
+              <a:rPr lang="en-US" altLang="zh-CN" dirty="0">
+                <a:latin typeface="Courier New" panose="02070309020205020404" pitchFamily="49" charset="0"/>
+              </a:rPr>
+              <a:t> </a:t>
+            </a:r>
+            <a:r>
+              <a:rPr lang="en-US" altLang="zh-CN" b="1" dirty="0">
+                <a:latin typeface="Courier New" panose="02070309020205020404" pitchFamily="49" charset="0"/>
+              </a:rPr>
+              <a:t>as</a:t>
+            </a:r>
+            <a:r>
+              <a:rPr lang="en-US" altLang="zh-CN" dirty="0">
+                <a:latin typeface="Courier New" panose="02070309020205020404" pitchFamily="49" charset="0"/>
+              </a:rPr>
+              <a:t> m</a:t>
+            </a:r>
+          </a:p>
+          <a:p>
+            <a:r>
+              <a:rPr lang="en-US" altLang="zh-CN" b="1" dirty="0">
+                <a:latin typeface="Courier New" panose="02070309020205020404" pitchFamily="49" charset="0"/>
+              </a:rPr>
+              <a:t>WHERE</a:t>
+            </a:r>
+            <a:r>
+              <a:rPr lang="en-US" altLang="zh-CN" dirty="0">
+                <a:latin typeface="Courier New" panose="02070309020205020404" pitchFamily="49" charset="0"/>
+              </a:rPr>
+              <a:t> </a:t>
+            </a:r>
+            <a:r>
+              <a:rPr lang="en-US" altLang="zh-CN" dirty="0" err="1">
+                <a:latin typeface="Courier New" panose="02070309020205020404" pitchFamily="49" charset="0"/>
+              </a:rPr>
+              <a:t>v.mbs</a:t>
+            </a:r>
+            <a:r>
+              <a:rPr lang="en-US" altLang="zh-CN" dirty="0">
+                <a:latin typeface="Courier New" panose="02070309020205020404" pitchFamily="49" charset="0"/>
+              </a:rPr>
+              <a:t> = m.id;</a:t>
+            </a:r>
+          </a:p>
+        </p:txBody>
+      </p:sp>
+    </p:spTree>
+    <p:extLst>
+      <p:ext uri="{BB962C8B-B14F-4D97-AF65-F5344CB8AC3E}">
+        <p14:creationId xmlns:p14="http://schemas.microsoft.com/office/powerpoint/2010/main" val="3367897769"/>
+      </p:ext>
+    </p:extLst>
+  </p:cSld>
+  <p:clrMapOvr>
+    <a:masterClrMapping/>
+  </p:clrMapOvr>
+  <mc:AlternateContent xmlns:mc="http://schemas.openxmlformats.org/markup-compatibility/2006" xmlns:p14="http://schemas.microsoft.com/office/powerpoint/2010/main">
+    <mc:Choice Requires="p14">
+      <p:transition spd="slow" p14:dur="800">
+        <p14:flythrough/>
+      </p:transition>
+    </mc:Choice>
+    <mc:Fallback xmlns="">
+      <p:transition spd="slow">
+        <p:fade/>
+      </p:transition>
+    </mc:Fallback>
+  </mc:AlternateContent>
+</p:sld>
+</file>
+
+<file path=ppt/slides/slide23.xml><?xml version="1.0" encoding="utf-8"?>
+<p:sld xmlns:a="http://schemas.openxmlformats.org/drawingml/2006/main" xmlns:r="http://schemas.openxmlformats.org/officeDocument/2006/relationships" xmlns:p="http://schemas.openxmlformats.org/presentationml/2006/main">
+  <p:cSld>
+    <p:spTree>
+      <p:nvGrpSpPr>
+        <p:cNvPr id="1" name=""/>
+        <p:cNvGrpSpPr/>
+        <p:nvPr/>
+      </p:nvGrpSpPr>
+      <p:grpSpPr>
+        <a:xfrm>
+          <a:off x="0" y="0"/>
+          <a:ext cx="0" cy="0"/>
+          <a:chOff x="0" y="0"/>
+          <a:chExt cx="0" cy="0"/>
+        </a:xfrm>
+      </p:grpSpPr>
+      <p:sp>
+        <p:nvSpPr>
+          <p:cNvPr id="5" name="TextBox 4">
+            <a:extLst>
+              <a:ext uri="{FF2B5EF4-FFF2-40B4-BE49-F238E27FC236}">
+                <a16:creationId xmlns:a16="http://schemas.microsoft.com/office/drawing/2014/main" id="{F3CDFB5B-1DE1-41D2-8F52-1DF3B37C785F}"/>
+              </a:ext>
+            </a:extLst>
+          </p:cNvPr>
+          <p:cNvSpPr txBox="1"/>
+          <p:nvPr/>
+        </p:nvSpPr>
+        <p:spPr>
+          <a:xfrm>
+            <a:off x="7646506" y="318052"/>
+            <a:ext cx="2999539" cy="769441"/>
+          </a:xfrm>
+          <a:prstGeom prst="rect">
+            <a:avLst/>
+          </a:prstGeom>
+          <a:noFill/>
+        </p:spPr>
+        <p:txBody>
+          <a:bodyPr wrap="none" rtlCol="0">
+            <a:spAutoFit/>
+          </a:bodyPr>
+          <a:lstStyle/>
+          <a:p>
+            <a:r>
+              <a:rPr lang="en-US" altLang="zh-CN" sz="4400" dirty="0"/>
+              <a:t>Outer Join</a:t>
+            </a:r>
+            <a:endParaRPr lang="zh-CN" altLang="en-US" sz="4400" dirty="0"/>
+          </a:p>
+        </p:txBody>
+      </p:sp>
+      <p:sp>
+        <p:nvSpPr>
+          <p:cNvPr id="7" name="Rectangle 6">
+            <a:extLst>
+              <a:ext uri="{FF2B5EF4-FFF2-40B4-BE49-F238E27FC236}">
+                <a16:creationId xmlns:a16="http://schemas.microsoft.com/office/drawing/2014/main" id="{A1017ABA-464C-4323-811E-7B8A658F0D57}"/>
+              </a:ext>
+            </a:extLst>
+          </p:cNvPr>
+          <p:cNvSpPr/>
+          <p:nvPr/>
+        </p:nvSpPr>
+        <p:spPr>
+          <a:xfrm>
+            <a:off x="2612470" y="1546187"/>
+            <a:ext cx="7217329" cy="1200329"/>
+          </a:xfrm>
+          <a:prstGeom prst="rect">
+            <a:avLst/>
+          </a:prstGeom>
+        </p:spPr>
+        <p:txBody>
+          <a:bodyPr wrap="square">
+            <a:spAutoFit/>
+          </a:bodyPr>
+          <a:lstStyle/>
+          <a:p>
+            <a:r>
+              <a:rPr lang="en-US" altLang="zh-CN" b="1" dirty="0">
+                <a:latin typeface="Courier New" panose="02070309020205020404" pitchFamily="49" charset="0"/>
+              </a:rPr>
+              <a:t>SELECT </a:t>
+            </a:r>
+            <a:r>
+              <a:rPr lang="en-US" altLang="zh-CN" b="1" dirty="0" err="1">
+                <a:latin typeface="Courier New" panose="02070309020205020404" pitchFamily="49" charset="0"/>
+              </a:rPr>
+              <a:t>v.vin</a:t>
+            </a:r>
+            <a:r>
+              <a:rPr lang="en-US" altLang="zh-CN" b="1" dirty="0">
+                <a:latin typeface="Courier New" panose="02070309020205020404" pitchFamily="49" charset="0"/>
+              </a:rPr>
+              <a:t>, </a:t>
+            </a:r>
+            <a:r>
+              <a:rPr lang="en-US" altLang="zh-CN" b="1" dirty="0" err="1">
+                <a:latin typeface="Courier New" panose="02070309020205020404" pitchFamily="49" charset="0"/>
+              </a:rPr>
+              <a:t>v.plateNo</a:t>
+            </a:r>
+            <a:r>
+              <a:rPr lang="en-US" altLang="zh-CN" b="1" dirty="0">
+                <a:latin typeface="Courier New" panose="02070309020205020404" pitchFamily="49" charset="0"/>
+              </a:rPr>
+              <a:t>, v.id,</a:t>
+            </a:r>
+          </a:p>
+          <a:p>
+            <a:r>
+              <a:rPr lang="en-US" altLang="zh-CN" b="1" dirty="0">
+                <a:latin typeface="Courier New" panose="02070309020205020404" pitchFamily="49" charset="0"/>
+              </a:rPr>
+              <a:t>    m.id, </a:t>
+            </a:r>
+            <a:r>
+              <a:rPr lang="en-US" altLang="zh-CN" b="1" dirty="0" err="1">
+                <a:latin typeface="Courier New" panose="02070309020205020404" pitchFamily="49" charset="0"/>
+              </a:rPr>
+              <a:t>m.mileage</a:t>
+            </a:r>
+            <a:r>
+              <a:rPr lang="en-US" altLang="zh-CN" b="1" dirty="0">
+                <a:latin typeface="Courier New" panose="02070309020205020404" pitchFamily="49" charset="0"/>
+              </a:rPr>
+              <a:t>, </a:t>
+            </a:r>
+            <a:r>
+              <a:rPr lang="en-US" altLang="zh-CN" b="1" dirty="0" err="1">
+                <a:latin typeface="Courier New" panose="02070309020205020404" pitchFamily="49" charset="0"/>
+              </a:rPr>
+              <a:t>m.fuelAve</a:t>
+            </a:r>
+            <a:endParaRPr lang="en-US" altLang="zh-CN" b="1" dirty="0">
+              <a:latin typeface="Courier New" panose="02070309020205020404" pitchFamily="49" charset="0"/>
+            </a:endParaRPr>
+          </a:p>
+          <a:p>
+            <a:r>
+              <a:rPr lang="en-US" altLang="zh-CN" b="1" dirty="0">
+                <a:latin typeface="Courier New" panose="02070309020205020404" pitchFamily="49" charset="0"/>
+              </a:rPr>
+              <a:t>FROM v10k as v</a:t>
+            </a:r>
+          </a:p>
+          <a:p>
+            <a:r>
+              <a:rPr lang="en-US" altLang="zh-CN" b="1" dirty="0">
+                <a:latin typeface="Courier New" panose="02070309020205020404" pitchFamily="49" charset="0"/>
+              </a:rPr>
+              <a:t>    </a:t>
+            </a:r>
+            <a:r>
+              <a:rPr lang="en-US" altLang="zh-CN" b="1" dirty="0">
+                <a:solidFill>
+                  <a:schemeClr val="accent1"/>
+                </a:solidFill>
+                <a:latin typeface="Courier New" panose="02070309020205020404" pitchFamily="49" charset="0"/>
+              </a:rPr>
+              <a:t>LEFT OUTER JOIN</a:t>
+            </a:r>
+            <a:r>
+              <a:rPr lang="en-US" altLang="zh-CN" b="1" dirty="0">
+                <a:latin typeface="Courier New" panose="02070309020205020404" pitchFamily="49" charset="0"/>
+              </a:rPr>
+              <a:t> mf as m ON v.id = m.id;</a:t>
+            </a:r>
+            <a:endParaRPr lang="en-US" altLang="zh-CN" dirty="0">
+              <a:latin typeface="Courier New" panose="02070309020205020404" pitchFamily="49" charset="0"/>
+            </a:endParaRPr>
+          </a:p>
+        </p:txBody>
+      </p:sp>
+      <p:sp>
+        <p:nvSpPr>
+          <p:cNvPr id="2" name="Rectangle 1">
+            <a:extLst>
+              <a:ext uri="{FF2B5EF4-FFF2-40B4-BE49-F238E27FC236}">
+                <a16:creationId xmlns:a16="http://schemas.microsoft.com/office/drawing/2014/main" id="{ED0EB584-990F-44CD-8A80-1C3B5466D5C5}"/>
+              </a:ext>
+            </a:extLst>
+          </p:cNvPr>
+          <p:cNvSpPr/>
+          <p:nvPr/>
+        </p:nvSpPr>
+        <p:spPr>
+          <a:xfrm>
+            <a:off x="2612470" y="3205210"/>
+            <a:ext cx="6683930" cy="2308324"/>
+          </a:xfrm>
+          <a:prstGeom prst="rect">
+            <a:avLst/>
+          </a:prstGeom>
+        </p:spPr>
+        <p:txBody>
+          <a:bodyPr wrap="square">
+            <a:spAutoFit/>
+          </a:bodyPr>
+          <a:lstStyle/>
+          <a:p>
+            <a:r>
+              <a:rPr lang="en-US" altLang="zh-CN" b="1" dirty="0">
+                <a:latin typeface="Courier New" panose="02070309020205020404" pitchFamily="49" charset="0"/>
+              </a:rPr>
+              <a:t>SELECT </a:t>
+            </a:r>
+            <a:r>
+              <a:rPr lang="en-US" altLang="zh-CN" b="1" dirty="0" err="1">
+                <a:latin typeface="Courier New" panose="02070309020205020404" pitchFamily="49" charset="0"/>
+              </a:rPr>
+              <a:t>v.vin</a:t>
+            </a:r>
+            <a:r>
+              <a:rPr lang="en-US" altLang="zh-CN" b="1" dirty="0">
+                <a:latin typeface="Courier New" panose="02070309020205020404" pitchFamily="49" charset="0"/>
+              </a:rPr>
+              <a:t>, </a:t>
+            </a:r>
+            <a:r>
+              <a:rPr lang="en-US" altLang="zh-CN" b="1" dirty="0" err="1">
+                <a:latin typeface="Courier New" panose="02070309020205020404" pitchFamily="49" charset="0"/>
+              </a:rPr>
+              <a:t>v.plateNo</a:t>
+            </a:r>
+            <a:r>
+              <a:rPr lang="en-US" altLang="zh-CN" b="1" dirty="0">
+                <a:latin typeface="Courier New" panose="02070309020205020404" pitchFamily="49" charset="0"/>
+              </a:rPr>
+              <a:t>, v.id,</a:t>
+            </a:r>
+          </a:p>
+          <a:p>
+            <a:r>
+              <a:rPr lang="en-US" altLang="zh-CN" b="1" dirty="0">
+                <a:latin typeface="Courier New" panose="02070309020205020404" pitchFamily="49" charset="0"/>
+              </a:rPr>
+              <a:t>    m.id, </a:t>
+            </a:r>
+            <a:r>
+              <a:rPr lang="en-US" altLang="zh-CN" b="1" dirty="0" err="1">
+                <a:latin typeface="Courier New" panose="02070309020205020404" pitchFamily="49" charset="0"/>
+              </a:rPr>
+              <a:t>m.mileage</a:t>
+            </a:r>
+            <a:r>
+              <a:rPr lang="en-US" altLang="zh-CN" b="1" dirty="0">
+                <a:latin typeface="Courier New" panose="02070309020205020404" pitchFamily="49" charset="0"/>
+              </a:rPr>
+              <a:t>, </a:t>
+            </a:r>
+            <a:r>
+              <a:rPr lang="en-US" altLang="zh-CN" b="1" dirty="0" err="1">
+                <a:latin typeface="Courier New" panose="02070309020205020404" pitchFamily="49" charset="0"/>
+              </a:rPr>
+              <a:t>m.fuelAve</a:t>
+            </a:r>
+            <a:endParaRPr lang="en-US" altLang="zh-CN" b="1" dirty="0">
+              <a:latin typeface="Courier New" panose="02070309020205020404" pitchFamily="49" charset="0"/>
+            </a:endParaRPr>
+          </a:p>
+          <a:p>
+            <a:r>
+              <a:rPr lang="en-US" altLang="zh-CN" b="1" dirty="0">
+                <a:latin typeface="Courier New" panose="02070309020205020404" pitchFamily="49" charset="0"/>
+              </a:rPr>
+              <a:t>FROM v10k as v JOIN mf as m</a:t>
+            </a:r>
+          </a:p>
+          <a:p>
+            <a:r>
+              <a:rPr lang="en-US" altLang="zh-CN" b="1" dirty="0">
+                <a:latin typeface="Courier New" panose="02070309020205020404" pitchFamily="49" charset="0"/>
+              </a:rPr>
+              <a:t>WHERE v.id = m.id</a:t>
+            </a:r>
+          </a:p>
+          <a:p>
+            <a:r>
+              <a:rPr lang="en-US" altLang="zh-CN" b="1" dirty="0">
+                <a:solidFill>
+                  <a:schemeClr val="accent1"/>
+                </a:solidFill>
+                <a:latin typeface="Courier New" panose="02070309020205020404" pitchFamily="49" charset="0"/>
+              </a:rPr>
+              <a:t>UNION ALL</a:t>
+            </a:r>
+          </a:p>
+          <a:p>
+            <a:r>
+              <a:rPr lang="en-US" altLang="zh-CN" b="1" dirty="0">
+                <a:latin typeface="Courier New" panose="02070309020205020404" pitchFamily="49" charset="0"/>
+              </a:rPr>
+              <a:t>SELECT </a:t>
+            </a:r>
+            <a:r>
+              <a:rPr lang="en-US" altLang="zh-CN" b="1" dirty="0" err="1">
+                <a:latin typeface="Courier New" panose="02070309020205020404" pitchFamily="49" charset="0"/>
+              </a:rPr>
+              <a:t>v.vin</a:t>
+            </a:r>
+            <a:r>
+              <a:rPr lang="en-US" altLang="zh-CN" b="1" dirty="0">
+                <a:latin typeface="Courier New" panose="02070309020205020404" pitchFamily="49" charset="0"/>
+              </a:rPr>
+              <a:t>, </a:t>
+            </a:r>
+            <a:r>
+              <a:rPr lang="en-US" altLang="zh-CN" b="1" dirty="0" err="1">
+                <a:latin typeface="Courier New" panose="02070309020205020404" pitchFamily="49" charset="0"/>
+              </a:rPr>
+              <a:t>v.plateNo</a:t>
+            </a:r>
+            <a:r>
+              <a:rPr lang="en-US" altLang="zh-CN" b="1" dirty="0">
+                <a:latin typeface="Courier New" panose="02070309020205020404" pitchFamily="49" charset="0"/>
+              </a:rPr>
+              <a:t>, v.id, NULL, NULL, NULL</a:t>
+            </a:r>
+          </a:p>
+          <a:p>
+            <a:r>
+              <a:rPr lang="en-US" altLang="zh-CN" b="1" dirty="0">
+                <a:latin typeface="Courier New" panose="02070309020205020404" pitchFamily="49" charset="0"/>
+              </a:rPr>
+              <a:t>FROM v10k as v</a:t>
+            </a:r>
+          </a:p>
+          <a:p>
+            <a:r>
+              <a:rPr lang="en-US" altLang="zh-CN" b="1" dirty="0">
+                <a:latin typeface="Courier New" panose="02070309020205020404" pitchFamily="49" charset="0"/>
+              </a:rPr>
+              <a:t>WHERE id not in (SELECT id FROM mf);</a:t>
+            </a:r>
+            <a:endParaRPr lang="en-US" altLang="zh-CN" dirty="0">
+              <a:latin typeface="Courier New" panose="02070309020205020404" pitchFamily="49" charset="0"/>
+            </a:endParaRPr>
+          </a:p>
+        </p:txBody>
+      </p:sp>
+    </p:spTree>
+    <p:extLst>
+      <p:ext uri="{BB962C8B-B14F-4D97-AF65-F5344CB8AC3E}">
+        <p14:creationId xmlns:p14="http://schemas.microsoft.com/office/powerpoint/2010/main" val="437907683"/>
+      </p:ext>
+    </p:extLst>
+  </p:cSld>
+  <p:clrMapOvr>
+    <a:masterClrMapping/>
+  </p:clrMapOvr>
+  <mc:AlternateContent xmlns:mc="http://schemas.openxmlformats.org/markup-compatibility/2006" xmlns:p14="http://schemas.microsoft.com/office/powerpoint/2010/main">
+    <mc:Choice Requires="p14">
+      <p:transition spd="slow" p14:dur="800">
+        <p14:flythrough/>
+      </p:transition>
+    </mc:Choice>
+    <mc:Fallback xmlns="">
+      <p:transition spd="slow">
+        <p:fade/>
+      </p:transition>
+    </mc:Fallback>
+  </mc:AlternateContent>
+</p:sld>
+</file>
+
+<file path=ppt/slides/slide24.xml><?xml version="1.0" encoding="utf-8"?>
+<p:sld xmlns:a="http://schemas.openxmlformats.org/drawingml/2006/main" xmlns:r="http://schemas.openxmlformats.org/officeDocument/2006/relationships" xmlns:p="http://schemas.openxmlformats.org/presentationml/2006/main">
+  <p:cSld>
+    <p:spTree>
+      <p:nvGrpSpPr>
+        <p:cNvPr id="1" name=""/>
+        <p:cNvGrpSpPr/>
+        <p:nvPr/>
+      </p:nvGrpSpPr>
+      <p:grpSpPr>
+        <a:xfrm>
+          <a:off x="0" y="0"/>
+          <a:ext cx="0" cy="0"/>
+          <a:chOff x="0" y="0"/>
+          <a:chExt cx="0" cy="0"/>
+        </a:xfrm>
+      </p:grpSpPr>
+      <p:sp>
+        <p:nvSpPr>
+          <p:cNvPr id="5" name="TextBox 4">
+            <a:extLst>
+              <a:ext uri="{FF2B5EF4-FFF2-40B4-BE49-F238E27FC236}">
+                <a16:creationId xmlns:a16="http://schemas.microsoft.com/office/drawing/2014/main" id="{F3CDFB5B-1DE1-41D2-8F52-1DF3B37C785F}"/>
+              </a:ext>
+            </a:extLst>
+          </p:cNvPr>
+          <p:cNvSpPr txBox="1"/>
+          <p:nvPr/>
+        </p:nvSpPr>
+        <p:spPr>
+          <a:xfrm>
+            <a:off x="7646506" y="318052"/>
+            <a:ext cx="3578224" cy="769441"/>
+          </a:xfrm>
+          <a:prstGeom prst="rect">
+            <a:avLst/>
+          </a:prstGeom>
+          <a:noFill/>
+        </p:spPr>
+        <p:txBody>
+          <a:bodyPr wrap="none" rtlCol="0">
+            <a:spAutoFit/>
+          </a:bodyPr>
+          <a:lstStyle/>
+          <a:p>
+            <a:r>
+              <a:rPr lang="en-US" altLang="zh-CN" sz="4400" dirty="0"/>
+              <a:t>Multiple Join</a:t>
+            </a:r>
+            <a:endParaRPr lang="zh-CN" altLang="en-US" sz="4400" dirty="0"/>
+          </a:p>
+        </p:txBody>
+      </p:sp>
+      <p:sp>
+        <p:nvSpPr>
+          <p:cNvPr id="3" name="Rectangle 2">
+            <a:extLst>
+              <a:ext uri="{FF2B5EF4-FFF2-40B4-BE49-F238E27FC236}">
+                <a16:creationId xmlns:a16="http://schemas.microsoft.com/office/drawing/2014/main" id="{50DCAADC-11CA-4A09-9EDB-F8B05B8DD0AC}"/>
+              </a:ext>
+            </a:extLst>
+          </p:cNvPr>
+          <p:cNvSpPr/>
+          <p:nvPr/>
+        </p:nvSpPr>
+        <p:spPr>
+          <a:xfrm>
+            <a:off x="2428875" y="2180362"/>
+            <a:ext cx="7334250" cy="1754326"/>
+          </a:xfrm>
+          <a:prstGeom prst="rect">
+            <a:avLst/>
+          </a:prstGeom>
+        </p:spPr>
+        <p:txBody>
+          <a:bodyPr wrap="square">
+            <a:spAutoFit/>
+          </a:bodyPr>
+          <a:lstStyle/>
+          <a:p>
+            <a:r>
+              <a:rPr lang="en-US" altLang="zh-CN" b="1" dirty="0">
+                <a:latin typeface="Courier New" panose="02070309020205020404" pitchFamily="49" charset="0"/>
+              </a:rPr>
+              <a:t>SELECT</a:t>
+            </a:r>
+            <a:r>
+              <a:rPr lang="en-US" altLang="zh-CN" dirty="0">
+                <a:latin typeface="Courier New" panose="02070309020205020404" pitchFamily="49" charset="0"/>
+              </a:rPr>
+              <a:t> </a:t>
+            </a:r>
+            <a:r>
+              <a:rPr lang="en-US" altLang="zh-CN" dirty="0" err="1">
+                <a:latin typeface="Courier New" panose="02070309020205020404" pitchFamily="49" charset="0"/>
+              </a:rPr>
+              <a:t>v.plateNo</a:t>
+            </a:r>
+            <a:r>
+              <a:rPr lang="en-US" altLang="zh-CN" dirty="0">
+                <a:latin typeface="Courier New" panose="02070309020205020404" pitchFamily="49" charset="0"/>
+              </a:rPr>
+              <a:t>,</a:t>
+            </a:r>
+          </a:p>
+          <a:p>
+            <a:r>
+              <a:rPr lang="en-US" altLang="zh-CN" dirty="0">
+                <a:latin typeface="Courier New" panose="02070309020205020404" pitchFamily="49" charset="0"/>
+              </a:rPr>
+              <a:t>       </a:t>
+            </a:r>
+            <a:r>
+              <a:rPr lang="en-US" altLang="zh-CN" dirty="0" err="1">
+                <a:latin typeface="Courier New" panose="02070309020205020404" pitchFamily="49" charset="0"/>
+              </a:rPr>
+              <a:t>a.mf</a:t>
+            </a:r>
+            <a:r>
+              <a:rPr lang="en-US" altLang="zh-CN" dirty="0">
+                <a:latin typeface="Courier New" panose="02070309020205020404" pitchFamily="49" charset="0"/>
+              </a:rPr>
+              <a:t>, </a:t>
+            </a:r>
+            <a:r>
+              <a:rPr lang="en-US" altLang="zh-CN" dirty="0" err="1">
+                <a:latin typeface="Courier New" panose="02070309020205020404" pitchFamily="49" charset="0"/>
+              </a:rPr>
+              <a:t>a.brand</a:t>
+            </a:r>
+            <a:r>
+              <a:rPr lang="en-US" altLang="zh-CN" dirty="0">
+                <a:latin typeface="Courier New" panose="02070309020205020404" pitchFamily="49" charset="0"/>
+              </a:rPr>
+              <a:t>, </a:t>
+            </a:r>
+            <a:r>
+              <a:rPr lang="en-US" altLang="zh-CN" dirty="0" err="1">
+                <a:latin typeface="Courier New" panose="02070309020205020404" pitchFamily="49" charset="0"/>
+              </a:rPr>
+              <a:t>a.series</a:t>
+            </a:r>
+            <a:r>
+              <a:rPr lang="en-US" altLang="zh-CN" dirty="0">
+                <a:latin typeface="Courier New" panose="02070309020205020404" pitchFamily="49" charset="0"/>
+              </a:rPr>
+              <a:t>,</a:t>
+            </a:r>
+          </a:p>
+          <a:p>
+            <a:r>
+              <a:rPr lang="en-US" altLang="zh-CN" dirty="0">
+                <a:latin typeface="Courier New" panose="02070309020205020404" pitchFamily="49" charset="0"/>
+              </a:rPr>
+              <a:t>       </a:t>
+            </a:r>
+            <a:r>
+              <a:rPr lang="en-US" altLang="zh-CN" dirty="0" err="1">
+                <a:latin typeface="Courier New" panose="02070309020205020404" pitchFamily="49" charset="0"/>
+              </a:rPr>
+              <a:t>b.mileage</a:t>
+            </a:r>
+            <a:r>
+              <a:rPr lang="en-US" altLang="zh-CN" dirty="0">
+                <a:latin typeface="Courier New" panose="02070309020205020404" pitchFamily="49" charset="0"/>
+              </a:rPr>
+              <a:t>, </a:t>
+            </a:r>
+            <a:r>
+              <a:rPr lang="en-US" altLang="zh-CN" dirty="0" err="1">
+                <a:latin typeface="Courier New" panose="02070309020205020404" pitchFamily="49" charset="0"/>
+              </a:rPr>
+              <a:t>b.fuelAve</a:t>
+            </a:r>
+            <a:endParaRPr lang="en-US" altLang="zh-CN" dirty="0">
+              <a:latin typeface="Courier New" panose="02070309020205020404" pitchFamily="49" charset="0"/>
+            </a:endParaRPr>
+          </a:p>
+          <a:p>
+            <a:r>
+              <a:rPr lang="en-US" altLang="zh-CN" b="1" dirty="0">
+                <a:latin typeface="Courier New" panose="02070309020205020404" pitchFamily="49" charset="0"/>
+              </a:rPr>
+              <a:t>FROM</a:t>
+            </a:r>
+            <a:r>
+              <a:rPr lang="en-US" altLang="zh-CN" dirty="0">
+                <a:latin typeface="Courier New" panose="02070309020205020404" pitchFamily="49" charset="0"/>
+              </a:rPr>
+              <a:t> v10k </a:t>
+            </a:r>
+            <a:r>
+              <a:rPr lang="en-US" altLang="zh-CN" b="1" dirty="0">
+                <a:latin typeface="Courier New" panose="02070309020205020404" pitchFamily="49" charset="0"/>
+              </a:rPr>
+              <a:t>as</a:t>
+            </a:r>
+            <a:r>
+              <a:rPr lang="en-US" altLang="zh-CN" dirty="0">
+                <a:latin typeface="Courier New" panose="02070309020205020404" pitchFamily="49" charset="0"/>
+              </a:rPr>
+              <a:t> v</a:t>
+            </a:r>
+          </a:p>
+          <a:p>
+            <a:r>
+              <a:rPr lang="en-US" altLang="zh-CN" b="1" dirty="0">
+                <a:latin typeface="Courier New" panose="02070309020205020404" pitchFamily="49" charset="0"/>
+              </a:rPr>
+              <a:t>    JOIN</a:t>
+            </a:r>
+            <a:r>
+              <a:rPr lang="en-US" altLang="zh-CN" dirty="0">
+                <a:latin typeface="Courier New" panose="02070309020205020404" pitchFamily="49" charset="0"/>
+              </a:rPr>
+              <a:t> </a:t>
+            </a:r>
+            <a:r>
+              <a:rPr lang="en-US" altLang="zh-CN" dirty="0" err="1">
+                <a:latin typeface="Courier New" panose="02070309020205020404" pitchFamily="49" charset="0"/>
+              </a:rPr>
+              <a:t>mbs</a:t>
+            </a:r>
+            <a:r>
+              <a:rPr lang="en-US" altLang="zh-CN" dirty="0">
+                <a:latin typeface="Courier New" panose="02070309020205020404" pitchFamily="49" charset="0"/>
+              </a:rPr>
+              <a:t> </a:t>
+            </a:r>
+            <a:r>
+              <a:rPr lang="en-US" altLang="zh-CN" b="1" dirty="0">
+                <a:latin typeface="Courier New" panose="02070309020205020404" pitchFamily="49" charset="0"/>
+              </a:rPr>
+              <a:t>as</a:t>
+            </a:r>
+            <a:r>
+              <a:rPr lang="en-US" altLang="zh-CN" dirty="0">
+                <a:latin typeface="Courier New" panose="02070309020205020404" pitchFamily="49" charset="0"/>
+              </a:rPr>
+              <a:t> a </a:t>
+            </a:r>
+            <a:r>
+              <a:rPr lang="en-US" altLang="zh-CN" b="1" dirty="0">
+                <a:latin typeface="Courier New" panose="02070309020205020404" pitchFamily="49" charset="0"/>
+              </a:rPr>
+              <a:t>ON</a:t>
+            </a:r>
+            <a:r>
+              <a:rPr lang="en-US" altLang="zh-CN" dirty="0">
+                <a:latin typeface="Courier New" panose="02070309020205020404" pitchFamily="49" charset="0"/>
+              </a:rPr>
+              <a:t> </a:t>
+            </a:r>
+            <a:r>
+              <a:rPr lang="en-US" altLang="zh-CN" dirty="0" err="1">
+                <a:latin typeface="Courier New" panose="02070309020205020404" pitchFamily="49" charset="0"/>
+              </a:rPr>
+              <a:t>v.mbs</a:t>
+            </a:r>
+            <a:r>
+              <a:rPr lang="en-US" altLang="zh-CN" dirty="0">
+                <a:latin typeface="Courier New" panose="02070309020205020404" pitchFamily="49" charset="0"/>
+              </a:rPr>
+              <a:t> = a.id</a:t>
+            </a:r>
+          </a:p>
+          <a:p>
+            <a:r>
+              <a:rPr lang="en-US" altLang="zh-CN" dirty="0">
+                <a:latin typeface="Courier New" panose="02070309020205020404" pitchFamily="49" charset="0"/>
+              </a:rPr>
+              <a:t>    </a:t>
+            </a:r>
+            <a:r>
+              <a:rPr lang="en-US" altLang="zh-CN" b="1" dirty="0">
+                <a:latin typeface="Courier New" panose="02070309020205020404" pitchFamily="49" charset="0"/>
+              </a:rPr>
+              <a:t>LEFT</a:t>
+            </a:r>
+            <a:r>
+              <a:rPr lang="en-US" altLang="zh-CN" dirty="0">
+                <a:latin typeface="Courier New" panose="02070309020205020404" pitchFamily="49" charset="0"/>
+              </a:rPr>
+              <a:t> </a:t>
+            </a:r>
+            <a:r>
+              <a:rPr lang="en-US" altLang="zh-CN" b="1" dirty="0">
+                <a:latin typeface="Courier New" panose="02070309020205020404" pitchFamily="49" charset="0"/>
+              </a:rPr>
+              <a:t>OUTER</a:t>
+            </a:r>
+            <a:r>
+              <a:rPr lang="en-US" altLang="zh-CN" dirty="0">
+                <a:latin typeface="Courier New" panose="02070309020205020404" pitchFamily="49" charset="0"/>
+              </a:rPr>
+              <a:t> </a:t>
+            </a:r>
+            <a:r>
+              <a:rPr lang="en-US" altLang="zh-CN" b="1" dirty="0">
+                <a:latin typeface="Courier New" panose="02070309020205020404" pitchFamily="49" charset="0"/>
+              </a:rPr>
+              <a:t>JOIN</a:t>
+            </a:r>
+            <a:r>
+              <a:rPr lang="en-US" altLang="zh-CN" dirty="0">
+                <a:latin typeface="Courier New" panose="02070309020205020404" pitchFamily="49" charset="0"/>
+              </a:rPr>
+              <a:t> mf </a:t>
+            </a:r>
+            <a:r>
+              <a:rPr lang="en-US" altLang="zh-CN" b="1" dirty="0">
+                <a:latin typeface="Courier New" panose="02070309020205020404" pitchFamily="49" charset="0"/>
+              </a:rPr>
+              <a:t>as</a:t>
+            </a:r>
+            <a:r>
+              <a:rPr lang="en-US" altLang="zh-CN" dirty="0">
+                <a:latin typeface="Courier New" panose="02070309020205020404" pitchFamily="49" charset="0"/>
+              </a:rPr>
+              <a:t> b </a:t>
+            </a:r>
+            <a:r>
+              <a:rPr lang="en-US" altLang="zh-CN" b="1" dirty="0">
+                <a:latin typeface="Courier New" panose="02070309020205020404" pitchFamily="49" charset="0"/>
+              </a:rPr>
+              <a:t>ON</a:t>
+            </a:r>
+            <a:r>
+              <a:rPr lang="en-US" altLang="zh-CN" dirty="0">
+                <a:latin typeface="Courier New" panose="02070309020205020404" pitchFamily="49" charset="0"/>
+              </a:rPr>
+              <a:t> v.id = b.id;</a:t>
+            </a:r>
+          </a:p>
+        </p:txBody>
+      </p:sp>
+    </p:spTree>
+    <p:extLst>
+      <p:ext uri="{BB962C8B-B14F-4D97-AF65-F5344CB8AC3E}">
+        <p14:creationId xmlns:p14="http://schemas.microsoft.com/office/powerpoint/2010/main" val="1572398903"/>
+      </p:ext>
+    </p:extLst>
+  </p:cSld>
+  <p:clrMapOvr>
+    <a:masterClrMapping/>
+  </p:clrMapOvr>
+  <mc:AlternateContent xmlns:mc="http://schemas.openxmlformats.org/markup-compatibility/2006" xmlns:p14="http://schemas.microsoft.com/office/powerpoint/2010/main">
+    <mc:Choice Requires="p14">
+      <p:transition spd="slow" p14:dur="800">
+        <p14:flythrough/>
+      </p:transition>
+    </mc:Choice>
+    <mc:Fallback xmlns="">
+      <p:transition spd="slow">
+        <p:fade/>
+      </p:transition>
+    </mc:Fallback>
+  </mc:AlternateContent>
+</p:sld>
+</file>
+
+<file path=ppt/slides/slide25.xml><?xml version="1.0" encoding="utf-8"?>
+<p:sld xmlns:a="http://schemas.openxmlformats.org/drawingml/2006/main" xmlns:r="http://schemas.openxmlformats.org/officeDocument/2006/relationships" xmlns:p="http://schemas.openxmlformats.org/presentationml/2006/main">
+  <p:cSld>
+    <p:spTree>
+      <p:nvGrpSpPr>
+        <p:cNvPr id="1" name=""/>
+        <p:cNvGrpSpPr/>
+        <p:nvPr/>
+      </p:nvGrpSpPr>
+      <p:grpSpPr>
+        <a:xfrm>
+          <a:off x="0" y="0"/>
+          <a:ext cx="0" cy="0"/>
+          <a:chOff x="0" y="0"/>
+          <a:chExt cx="0" cy="0"/>
+        </a:xfrm>
+      </p:grpSpPr>
+      <p:sp>
+        <p:nvSpPr>
+          <p:cNvPr id="5" name="TextBox 4">
+            <a:extLst>
+              <a:ext uri="{FF2B5EF4-FFF2-40B4-BE49-F238E27FC236}">
+                <a16:creationId xmlns:a16="http://schemas.microsoft.com/office/drawing/2014/main" id="{F3CDFB5B-1DE1-41D2-8F52-1DF3B37C785F}"/>
+              </a:ext>
+            </a:extLst>
+          </p:cNvPr>
+          <p:cNvSpPr txBox="1"/>
+          <p:nvPr/>
+        </p:nvSpPr>
+        <p:spPr>
+          <a:xfrm>
+            <a:off x="7646506" y="318052"/>
+            <a:ext cx="2375971" cy="769441"/>
+          </a:xfrm>
+          <a:prstGeom prst="rect">
+            <a:avLst/>
+          </a:prstGeom>
+          <a:noFill/>
+        </p:spPr>
+        <p:txBody>
+          <a:bodyPr wrap="none" rtlCol="0">
+            <a:spAutoFit/>
+          </a:bodyPr>
+          <a:lstStyle/>
+          <a:p>
+            <a:r>
+              <a:rPr lang="en-US" altLang="zh-CN" sz="4400" dirty="0"/>
+              <a:t>Self Join</a:t>
+            </a:r>
+            <a:endParaRPr lang="zh-CN" altLang="en-US" sz="4400" dirty="0"/>
+          </a:p>
+        </p:txBody>
+      </p:sp>
+      <p:sp>
+        <p:nvSpPr>
+          <p:cNvPr id="3" name="Rectangle 2">
+            <a:extLst>
+              <a:ext uri="{FF2B5EF4-FFF2-40B4-BE49-F238E27FC236}">
+                <a16:creationId xmlns:a16="http://schemas.microsoft.com/office/drawing/2014/main" id="{ED77A8AF-0C4B-4E97-BEA1-8F8602F8BC93}"/>
+              </a:ext>
+            </a:extLst>
+          </p:cNvPr>
+          <p:cNvSpPr/>
+          <p:nvPr/>
+        </p:nvSpPr>
+        <p:spPr>
+          <a:xfrm>
+            <a:off x="2114549" y="1385411"/>
+            <a:ext cx="7724775" cy="1477328"/>
+          </a:xfrm>
+          <a:prstGeom prst="rect">
+            <a:avLst/>
+          </a:prstGeom>
+        </p:spPr>
+        <p:txBody>
+          <a:bodyPr wrap="square">
+            <a:spAutoFit/>
+          </a:bodyPr>
+          <a:lstStyle/>
+          <a:p>
+            <a:r>
+              <a:rPr lang="en-US" altLang="zh-CN" b="1" dirty="0">
+                <a:latin typeface="Courier New" panose="02070309020205020404" pitchFamily="49" charset="0"/>
+              </a:rPr>
+              <a:t>SELECT m1.id as m1id, m1.mileage as m1,</a:t>
+            </a:r>
+          </a:p>
+          <a:p>
+            <a:r>
+              <a:rPr lang="en-US" altLang="zh-CN" b="1" dirty="0">
+                <a:latin typeface="Courier New" panose="02070309020205020404" pitchFamily="49" charset="0"/>
+              </a:rPr>
+              <a:t>       m2.id as m2id, m2.mileage as m2</a:t>
+            </a:r>
+          </a:p>
+          <a:p>
+            <a:r>
+              <a:rPr lang="en-US" altLang="zh-CN" b="1" dirty="0">
+                <a:latin typeface="Courier New" panose="02070309020205020404" pitchFamily="49" charset="0"/>
+              </a:rPr>
+              <a:t>FROM mf as m1</a:t>
+            </a:r>
+          </a:p>
+          <a:p>
+            <a:r>
+              <a:rPr lang="en-US" altLang="zh-CN" b="1" dirty="0">
+                <a:latin typeface="Courier New" panose="02070309020205020404" pitchFamily="49" charset="0"/>
+              </a:rPr>
+              <a:t>    JOIN mf as m2 ON m1.mileage &lt;= m2.mileage</a:t>
+            </a:r>
+          </a:p>
+          <a:p>
+            <a:r>
+              <a:rPr lang="en-US" altLang="zh-CN" b="1" dirty="0">
+                <a:latin typeface="Courier New" panose="02070309020205020404" pitchFamily="49" charset="0"/>
+              </a:rPr>
+              <a:t>WHERE m1.id = 3351;</a:t>
+            </a:r>
+            <a:endParaRPr lang="en-US" altLang="zh-CN" dirty="0">
+              <a:latin typeface="Courier New" panose="02070309020205020404" pitchFamily="49" charset="0"/>
+            </a:endParaRPr>
+          </a:p>
+        </p:txBody>
+      </p:sp>
+      <p:sp>
+        <p:nvSpPr>
+          <p:cNvPr id="4" name="Rectangle 3">
+            <a:extLst>
+              <a:ext uri="{FF2B5EF4-FFF2-40B4-BE49-F238E27FC236}">
+                <a16:creationId xmlns:a16="http://schemas.microsoft.com/office/drawing/2014/main" id="{05866F8F-C3B2-440D-85F3-207FEAA2DB7B}"/>
+              </a:ext>
+            </a:extLst>
+          </p:cNvPr>
+          <p:cNvSpPr/>
+          <p:nvPr/>
+        </p:nvSpPr>
+        <p:spPr>
+          <a:xfrm>
+            <a:off x="2114549" y="3429000"/>
+            <a:ext cx="7724774" cy="1754326"/>
+          </a:xfrm>
+          <a:prstGeom prst="rect">
+            <a:avLst/>
+          </a:prstGeom>
+        </p:spPr>
+        <p:txBody>
+          <a:bodyPr wrap="square">
+            <a:spAutoFit/>
+          </a:bodyPr>
+          <a:lstStyle/>
+          <a:p>
+            <a:r>
+              <a:rPr lang="en-US" altLang="zh-CN" b="1" dirty="0">
+                <a:latin typeface="Courier New" panose="02070309020205020404" pitchFamily="49" charset="0"/>
+              </a:rPr>
+              <a:t>SELECT</a:t>
+            </a:r>
+            <a:r>
+              <a:rPr lang="en-US" altLang="zh-CN" dirty="0">
+                <a:latin typeface="Courier New" panose="02070309020205020404" pitchFamily="49" charset="0"/>
+              </a:rPr>
+              <a:t> </a:t>
+            </a:r>
+            <a:r>
+              <a:rPr lang="en-US" altLang="zh-CN" dirty="0" err="1">
+                <a:latin typeface="Courier New" panose="02070309020205020404" pitchFamily="49" charset="0"/>
+              </a:rPr>
+              <a:t>v.plateNo</a:t>
+            </a:r>
+            <a:r>
+              <a:rPr lang="en-US" altLang="zh-CN" dirty="0">
+                <a:latin typeface="Courier New" panose="02070309020205020404" pitchFamily="49" charset="0"/>
+              </a:rPr>
+              <a:t>, m1.mileage, </a:t>
+            </a:r>
+            <a:r>
+              <a:rPr lang="en-US" altLang="zh-CN" b="1" dirty="0">
+                <a:latin typeface="Courier New" panose="02070309020205020404" pitchFamily="49" charset="0"/>
+              </a:rPr>
+              <a:t>count</a:t>
+            </a:r>
+            <a:r>
+              <a:rPr lang="en-US" altLang="zh-CN" dirty="0">
+                <a:latin typeface="Courier New" panose="02070309020205020404" pitchFamily="49" charset="0"/>
+              </a:rPr>
+              <a:t>(*)</a:t>
+            </a:r>
+          </a:p>
+          <a:p>
+            <a:r>
+              <a:rPr lang="en-US" altLang="zh-CN" b="1" dirty="0">
+                <a:latin typeface="Courier New" panose="02070309020205020404" pitchFamily="49" charset="0"/>
+              </a:rPr>
+              <a:t>FROM</a:t>
+            </a:r>
+            <a:r>
+              <a:rPr lang="en-US" altLang="zh-CN" dirty="0">
+                <a:latin typeface="Courier New" panose="02070309020205020404" pitchFamily="49" charset="0"/>
+              </a:rPr>
+              <a:t> mf </a:t>
+            </a:r>
+            <a:r>
+              <a:rPr lang="en-US" altLang="zh-CN" b="1" dirty="0">
+                <a:latin typeface="Courier New" panose="02070309020205020404" pitchFamily="49" charset="0"/>
+              </a:rPr>
+              <a:t>as</a:t>
+            </a:r>
+            <a:r>
+              <a:rPr lang="en-US" altLang="zh-CN" dirty="0">
+                <a:latin typeface="Courier New" panose="02070309020205020404" pitchFamily="49" charset="0"/>
+              </a:rPr>
+              <a:t> m1</a:t>
+            </a:r>
+          </a:p>
+          <a:p>
+            <a:r>
+              <a:rPr lang="en-US" altLang="zh-CN" b="1" dirty="0">
+                <a:latin typeface="Courier New" panose="02070309020205020404" pitchFamily="49" charset="0"/>
+              </a:rPr>
+              <a:t>    JOIN</a:t>
+            </a:r>
+            <a:r>
+              <a:rPr lang="en-US" altLang="zh-CN" dirty="0">
+                <a:latin typeface="Courier New" panose="02070309020205020404" pitchFamily="49" charset="0"/>
+              </a:rPr>
+              <a:t> mf  </a:t>
+            </a:r>
+            <a:r>
+              <a:rPr lang="en-US" altLang="zh-CN" b="1" dirty="0">
+                <a:latin typeface="Courier New" panose="02070309020205020404" pitchFamily="49" charset="0"/>
+              </a:rPr>
+              <a:t>as</a:t>
+            </a:r>
+            <a:r>
+              <a:rPr lang="en-US" altLang="zh-CN" dirty="0">
+                <a:latin typeface="Courier New" panose="02070309020205020404" pitchFamily="49" charset="0"/>
+              </a:rPr>
+              <a:t> m2 </a:t>
+            </a:r>
+            <a:r>
+              <a:rPr lang="en-US" altLang="zh-CN" b="1" dirty="0">
+                <a:latin typeface="Courier New" panose="02070309020205020404" pitchFamily="49" charset="0"/>
+              </a:rPr>
+              <a:t>ON</a:t>
+            </a:r>
+            <a:r>
+              <a:rPr lang="en-US" altLang="zh-CN" dirty="0">
+                <a:latin typeface="Courier New" panose="02070309020205020404" pitchFamily="49" charset="0"/>
+              </a:rPr>
+              <a:t> m1.mileage &lt;= m2.mileage</a:t>
+            </a:r>
+          </a:p>
+          <a:p>
+            <a:r>
+              <a:rPr lang="en-US" altLang="zh-CN" b="1" dirty="0">
+                <a:latin typeface="Courier New" panose="02070309020205020404" pitchFamily="49" charset="0"/>
+              </a:rPr>
+              <a:t>    JOIN</a:t>
+            </a:r>
+            <a:r>
+              <a:rPr lang="en-US" altLang="zh-CN" dirty="0">
+                <a:latin typeface="Courier New" panose="02070309020205020404" pitchFamily="49" charset="0"/>
+              </a:rPr>
+              <a:t> v10k </a:t>
+            </a:r>
+            <a:r>
+              <a:rPr lang="en-US" altLang="zh-CN" b="1" dirty="0">
+                <a:latin typeface="Courier New" panose="02070309020205020404" pitchFamily="49" charset="0"/>
+              </a:rPr>
+              <a:t>as</a:t>
+            </a:r>
+            <a:r>
+              <a:rPr lang="en-US" altLang="zh-CN" dirty="0">
+                <a:latin typeface="Courier New" panose="02070309020205020404" pitchFamily="49" charset="0"/>
+              </a:rPr>
+              <a:t> v </a:t>
+            </a:r>
+            <a:r>
+              <a:rPr lang="en-US" altLang="zh-CN" b="1" dirty="0">
+                <a:latin typeface="Courier New" panose="02070309020205020404" pitchFamily="49" charset="0"/>
+              </a:rPr>
+              <a:t>ON</a:t>
+            </a:r>
+            <a:r>
+              <a:rPr lang="en-US" altLang="zh-CN" dirty="0">
+                <a:latin typeface="Courier New" panose="02070309020205020404" pitchFamily="49" charset="0"/>
+              </a:rPr>
+              <a:t> m1.id=v.id</a:t>
+            </a:r>
+          </a:p>
+          <a:p>
+            <a:r>
+              <a:rPr lang="en-US" altLang="zh-CN" b="1" dirty="0">
+                <a:latin typeface="Courier New" panose="02070309020205020404" pitchFamily="49" charset="0"/>
+              </a:rPr>
+              <a:t>GROUP</a:t>
+            </a:r>
+            <a:r>
+              <a:rPr lang="en-US" altLang="zh-CN" dirty="0">
+                <a:latin typeface="Courier New" panose="02070309020205020404" pitchFamily="49" charset="0"/>
+              </a:rPr>
+              <a:t> </a:t>
+            </a:r>
+            <a:r>
+              <a:rPr lang="en-US" altLang="zh-CN" b="1" dirty="0">
+                <a:latin typeface="Courier New" panose="02070309020205020404" pitchFamily="49" charset="0"/>
+              </a:rPr>
+              <a:t>BY</a:t>
+            </a:r>
+            <a:r>
+              <a:rPr lang="en-US" altLang="zh-CN" dirty="0">
+                <a:latin typeface="Courier New" panose="02070309020205020404" pitchFamily="49" charset="0"/>
+              </a:rPr>
+              <a:t> </a:t>
+            </a:r>
+            <a:r>
+              <a:rPr lang="en-US" altLang="zh-CN" dirty="0" err="1">
+                <a:latin typeface="Courier New" panose="02070309020205020404" pitchFamily="49" charset="0"/>
+              </a:rPr>
+              <a:t>v.plateNo</a:t>
+            </a:r>
+            <a:r>
+              <a:rPr lang="en-US" altLang="zh-CN" dirty="0">
+                <a:latin typeface="Courier New" panose="02070309020205020404" pitchFamily="49" charset="0"/>
+              </a:rPr>
+              <a:t>, m1.mileage</a:t>
+            </a:r>
+          </a:p>
+          <a:p>
+            <a:r>
+              <a:rPr lang="en-US" altLang="zh-CN" b="1" dirty="0">
+                <a:latin typeface="Courier New" panose="02070309020205020404" pitchFamily="49" charset="0"/>
+              </a:rPr>
+              <a:t>ORDER</a:t>
+            </a:r>
+            <a:r>
+              <a:rPr lang="en-US" altLang="zh-CN" dirty="0">
+                <a:latin typeface="Courier New" panose="02070309020205020404" pitchFamily="49" charset="0"/>
+              </a:rPr>
+              <a:t> </a:t>
+            </a:r>
+            <a:r>
+              <a:rPr lang="en-US" altLang="zh-CN" b="1" dirty="0">
+                <a:latin typeface="Courier New" panose="02070309020205020404" pitchFamily="49" charset="0"/>
+              </a:rPr>
+              <a:t>BY</a:t>
+            </a:r>
+            <a:r>
+              <a:rPr lang="en-US" altLang="zh-CN" dirty="0">
+                <a:latin typeface="Courier New" panose="02070309020205020404" pitchFamily="49" charset="0"/>
+              </a:rPr>
+              <a:t> </a:t>
+            </a:r>
+            <a:r>
+              <a:rPr lang="en-US" altLang="zh-CN" b="1" dirty="0">
+                <a:latin typeface="Courier New" panose="02070309020205020404" pitchFamily="49" charset="0"/>
+              </a:rPr>
+              <a:t>count</a:t>
+            </a:r>
+            <a:r>
+              <a:rPr lang="en-US" altLang="zh-CN" dirty="0">
+                <a:latin typeface="Courier New" panose="02070309020205020404" pitchFamily="49" charset="0"/>
+              </a:rPr>
+              <a:t>(*);</a:t>
+            </a:r>
+          </a:p>
+        </p:txBody>
+      </p:sp>
+    </p:spTree>
+    <p:extLst>
+      <p:ext uri="{BB962C8B-B14F-4D97-AF65-F5344CB8AC3E}">
+        <p14:creationId xmlns:p14="http://schemas.microsoft.com/office/powerpoint/2010/main" val="1580949109"/>
+      </p:ext>
+    </p:extLst>
+  </p:cSld>
+  <p:clrMapOvr>
+    <a:masterClrMapping/>
+  </p:clrMapOvr>
+  <mc:AlternateContent xmlns:mc="http://schemas.openxmlformats.org/markup-compatibility/2006" xmlns:p14="http://schemas.microsoft.com/office/powerpoint/2010/main">
+    <mc:Choice Requires="p14">
+      <p:transition spd="slow" p14:dur="800">
+        <p14:flythrough/>
+      </p:transition>
+    </mc:Choice>
+    <mc:Fallback xmlns="">
+      <p:transition spd="slow">
+        <p:fade/>
+      </p:transition>
+    </mc:Fallback>
+  </mc:AlternateContent>
 </p:sld>
 </file>
 

--- a/Database/database.pptx
+++ b/Database/database.pptx
@@ -5,7 +5,7 @@
     <p:sldMasterId id="2147483648" r:id="rId1"/>
   </p:sldMasterIdLst>
   <p:notesMasterIdLst>
-    <p:notesMasterId r:id="rId27"/>
+    <p:notesMasterId r:id="rId32"/>
   </p:notesMasterIdLst>
   <p:sldIdLst>
     <p:sldId id="256" r:id="rId2"/>
@@ -33,6 +33,11 @@
     <p:sldId id="279" r:id="rId24"/>
     <p:sldId id="281" r:id="rId25"/>
     <p:sldId id="280" r:id="rId26"/>
+    <p:sldId id="282" r:id="rId27"/>
+    <p:sldId id="283" r:id="rId28"/>
+    <p:sldId id="284" r:id="rId29"/>
+    <p:sldId id="286" r:id="rId30"/>
+    <p:sldId id="285" r:id="rId31"/>
   </p:sldIdLst>
   <p:sldSz cx="12192000" cy="6858000"/>
   <p:notesSz cx="6858000" cy="9144000"/>
@@ -6868,7 +6873,7 @@
           <a:p>
             <a:fld id="{4253A8FE-3173-4767-A71C-0B7CC53597A5}" type="datetimeFigureOut">
               <a:rPr lang="zh-CN" altLang="en-US" smtClean="0"/>
-              <a:t>2018/11/14</a:t>
+              <a:t>2018/11/22</a:t>
             </a:fld>
             <a:endParaRPr lang="zh-CN" altLang="en-US"/>
           </a:p>
@@ -7306,7 +7311,7 @@
           <a:p>
             <a:fld id="{48A87A34-81AB-432B-8DAE-1953F412C126}" type="datetimeFigureOut">
               <a:rPr lang="en-US" dirty="0"/>
-              <a:t>11/14/2018</a:t>
+              <a:t>11/22/2018</a:t>
             </a:fld>
             <a:endParaRPr lang="en-US" dirty="0"/>
           </a:p>
@@ -7568,7 +7573,7 @@
           <a:p>
             <a:fld id="{48A87A34-81AB-432B-8DAE-1953F412C126}" type="datetimeFigureOut">
               <a:rPr lang="en-US" dirty="0"/>
-              <a:t>11/14/2018</a:t>
+              <a:t>11/22/2018</a:t>
             </a:fld>
             <a:endParaRPr lang="en-US" dirty="0"/>
           </a:p>
@@ -7795,7 +7800,7 @@
             <a:fld id="{48A87A34-81AB-432B-8DAE-1953F412C126}" type="datetimeFigureOut">
               <a:rPr lang="en-US" dirty="0"/>
               <a:pPr/>
-              <a:t>11/14/2018</a:t>
+              <a:t>11/22/2018</a:t>
             </a:fld>
             <a:endParaRPr lang="en-US" dirty="0"/>
           </a:p>
@@ -8101,7 +8106,7 @@
             <a:fld id="{48A87A34-81AB-432B-8DAE-1953F412C126}" type="datetimeFigureOut">
               <a:rPr lang="en-US" dirty="0"/>
               <a:pPr/>
-              <a:t>11/14/2018</a:t>
+              <a:t>11/22/2018</a:t>
             </a:fld>
             <a:endParaRPr lang="en-US" dirty="0"/>
           </a:p>
@@ -8570,7 +8575,7 @@
             <a:fld id="{48A87A34-81AB-432B-8DAE-1953F412C126}" type="datetimeFigureOut">
               <a:rPr lang="en-US" dirty="0"/>
               <a:pPr/>
-              <a:t>11/14/2018</a:t>
+              <a:t>11/22/2018</a:t>
             </a:fld>
             <a:endParaRPr lang="en-US" dirty="0"/>
           </a:p>
@@ -9112,7 +9117,7 @@
           <a:p>
             <a:fld id="{48A87A34-81AB-432B-8DAE-1953F412C126}" type="datetimeFigureOut">
               <a:rPr lang="en-US" dirty="0"/>
-              <a:t>11/14/2018</a:t>
+              <a:t>11/22/2018</a:t>
             </a:fld>
             <a:endParaRPr lang="en-US" dirty="0"/>
           </a:p>
@@ -9881,7 +9886,7 @@
           <a:p>
             <a:fld id="{48A87A34-81AB-432B-8DAE-1953F412C126}" type="datetimeFigureOut">
               <a:rPr lang="en-US" dirty="0"/>
-              <a:t>11/14/2018</a:t>
+              <a:t>11/22/2018</a:t>
             </a:fld>
             <a:endParaRPr lang="en-US" dirty="0"/>
           </a:p>
@@ -10051,7 +10056,7 @@
           <a:p>
             <a:fld id="{48A87A34-81AB-432B-8DAE-1953F412C126}" type="datetimeFigureOut">
               <a:rPr lang="en-US" dirty="0"/>
-              <a:t>11/14/2018</a:t>
+              <a:t>11/22/2018</a:t>
             </a:fld>
             <a:endParaRPr lang="en-US" dirty="0"/>
           </a:p>
@@ -10270,7 +10275,7 @@
             <a:fld id="{48A87A34-81AB-432B-8DAE-1953F412C126}" type="datetimeFigureOut">
               <a:rPr lang="en-US" dirty="0"/>
               <a:pPr/>
-              <a:t>11/14/2018</a:t>
+              <a:t>11/22/2018</a:t>
             </a:fld>
             <a:endParaRPr lang="en-US" dirty="0"/>
           </a:p>
@@ -10445,7 +10450,7 @@
           <a:p>
             <a:fld id="{48A87A34-81AB-432B-8DAE-1953F412C126}" type="datetimeFigureOut">
               <a:rPr lang="en-US" dirty="0"/>
-              <a:t>11/14/2018</a:t>
+              <a:t>11/22/2018</a:t>
             </a:fld>
             <a:endParaRPr lang="en-US" dirty="0"/>
           </a:p>
@@ -10730,7 +10735,7 @@
             <a:fld id="{48A87A34-81AB-432B-8DAE-1953F412C126}" type="datetimeFigureOut">
               <a:rPr lang="en-US" dirty="0"/>
               <a:pPr/>
-              <a:t>11/14/2018</a:t>
+              <a:t>11/22/2018</a:t>
             </a:fld>
             <a:endParaRPr lang="en-US" dirty="0"/>
           </a:p>
@@ -10967,7 +10972,7 @@
           <a:p>
             <a:fld id="{48A87A34-81AB-432B-8DAE-1953F412C126}" type="datetimeFigureOut">
               <a:rPr lang="en-US" dirty="0"/>
-              <a:t>11/14/2018</a:t>
+              <a:t>11/22/2018</a:t>
             </a:fld>
             <a:endParaRPr lang="en-US" dirty="0"/>
           </a:p>
@@ -11341,7 +11346,7 @@
           <a:p>
             <a:fld id="{48A87A34-81AB-432B-8DAE-1953F412C126}" type="datetimeFigureOut">
               <a:rPr lang="en-US" dirty="0"/>
-              <a:t>11/14/2018</a:t>
+              <a:t>11/22/2018</a:t>
             </a:fld>
             <a:endParaRPr lang="en-US" dirty="0"/>
           </a:p>
@@ -11454,7 +11459,7 @@
           <a:p>
             <a:fld id="{48A87A34-81AB-432B-8DAE-1953F412C126}" type="datetimeFigureOut">
               <a:rPr lang="en-US" dirty="0"/>
-              <a:t>11/14/2018</a:t>
+              <a:t>11/22/2018</a:t>
             </a:fld>
             <a:endParaRPr lang="en-US" dirty="0"/>
           </a:p>
@@ -11544,7 +11549,7 @@
           <a:p>
             <a:fld id="{48A87A34-81AB-432B-8DAE-1953F412C126}" type="datetimeFigureOut">
               <a:rPr lang="en-US" dirty="0"/>
-              <a:t>11/14/2018</a:t>
+              <a:t>11/22/2018</a:t>
             </a:fld>
             <a:endParaRPr lang="en-US" dirty="0"/>
           </a:p>
@@ -11788,7 +11793,7 @@
           <a:p>
             <a:fld id="{48A87A34-81AB-432B-8DAE-1953F412C126}" type="datetimeFigureOut">
               <a:rPr lang="en-US" dirty="0"/>
-              <a:t>11/14/2018</a:t>
+              <a:t>11/22/2018</a:t>
             </a:fld>
             <a:endParaRPr lang="en-US" dirty="0"/>
           </a:p>
@@ -12040,7 +12045,7 @@
           <a:p>
             <a:fld id="{48A87A34-81AB-432B-8DAE-1953F412C126}" type="datetimeFigureOut">
               <a:rPr lang="en-US" dirty="0"/>
-              <a:t>11/14/2018</a:t>
+              <a:t>11/22/2018</a:t>
             </a:fld>
             <a:endParaRPr lang="en-US" dirty="0"/>
           </a:p>
@@ -12279,7 +12284,7 @@
             <a:fld id="{48A87A34-81AB-432B-8DAE-1953F412C126}" type="datetimeFigureOut">
               <a:rPr lang="en-US" dirty="0"/>
               <a:pPr/>
-              <a:t>11/14/2018</a:t>
+              <a:t>11/22/2018</a:t>
             </a:fld>
             <a:endParaRPr lang="en-US" dirty="0"/>
           </a:p>
@@ -29484,6 +29489,1355 @@
 </p:sld>
 </file>
 
+<file path=ppt/slides/slide26.xml><?xml version="1.0" encoding="utf-8"?>
+<p:sld xmlns:a="http://schemas.openxmlformats.org/drawingml/2006/main" xmlns:r="http://schemas.openxmlformats.org/officeDocument/2006/relationships" xmlns:p="http://schemas.openxmlformats.org/presentationml/2006/main">
+  <p:cSld>
+    <p:spTree>
+      <p:nvGrpSpPr>
+        <p:cNvPr id="1" name=""/>
+        <p:cNvGrpSpPr/>
+        <p:nvPr/>
+      </p:nvGrpSpPr>
+      <p:grpSpPr>
+        <a:xfrm>
+          <a:off x="0" y="0"/>
+          <a:ext cx="0" cy="0"/>
+          <a:chOff x="0" y="0"/>
+          <a:chExt cx="0" cy="0"/>
+        </a:xfrm>
+      </p:grpSpPr>
+      <p:sp>
+        <p:nvSpPr>
+          <p:cNvPr id="2" name="Title 1">
+            <a:extLst>
+              <a:ext uri="{FF2B5EF4-FFF2-40B4-BE49-F238E27FC236}">
+                <a16:creationId xmlns:a16="http://schemas.microsoft.com/office/drawing/2014/main" id="{493470F6-5D69-42FC-867E-DFF1659DA407}"/>
+              </a:ext>
+            </a:extLst>
+          </p:cNvPr>
+          <p:cNvSpPr>
+            <a:spLocks noGrp="1"/>
+          </p:cNvSpPr>
+          <p:nvPr>
+            <p:ph type="ctrTitle"/>
+          </p:nvPr>
+        </p:nvSpPr>
+        <p:spPr>
+          <a:xfrm>
+            <a:off x="2966296" y="2522115"/>
+            <a:ext cx="5474253" cy="906885"/>
+          </a:xfrm>
+        </p:spPr>
+        <p:txBody>
+          <a:bodyPr>
+            <a:normAutofit fontScale="90000"/>
+          </a:bodyPr>
+          <a:lstStyle/>
+          <a:p>
+            <a:r>
+              <a:rPr lang="en-US" altLang="zh-CN" dirty="0"/>
+              <a:t>aggregating</a:t>
+            </a:r>
+            <a:endParaRPr lang="zh-CN" altLang="en-US" dirty="0"/>
+          </a:p>
+        </p:txBody>
+      </p:sp>
+    </p:spTree>
+    <p:extLst>
+      <p:ext uri="{BB962C8B-B14F-4D97-AF65-F5344CB8AC3E}">
+        <p14:creationId xmlns:p14="http://schemas.microsoft.com/office/powerpoint/2010/main" val="2750249429"/>
+      </p:ext>
+    </p:extLst>
+  </p:cSld>
+  <p:clrMapOvr>
+    <a:masterClrMapping/>
+  </p:clrMapOvr>
+  <mc:AlternateContent xmlns:mc="http://schemas.openxmlformats.org/markup-compatibility/2006" xmlns:p14="http://schemas.microsoft.com/office/powerpoint/2010/main">
+    <mc:Choice Requires="p14">
+      <p:transition spd="slow" p14:dur="800">
+        <p14:flythrough/>
+      </p:transition>
+    </mc:Choice>
+    <mc:Fallback xmlns="">
+      <p:transition spd="slow">
+        <p:fade/>
+      </p:transition>
+    </mc:Fallback>
+  </mc:AlternateContent>
+</p:sld>
+</file>
+
+<file path=ppt/slides/slide27.xml><?xml version="1.0" encoding="utf-8"?>
+<p:sld xmlns:a="http://schemas.openxmlformats.org/drawingml/2006/main" xmlns:r="http://schemas.openxmlformats.org/officeDocument/2006/relationships" xmlns:p="http://schemas.openxmlformats.org/presentationml/2006/main">
+  <p:cSld>
+    <p:spTree>
+      <p:nvGrpSpPr>
+        <p:cNvPr id="1" name=""/>
+        <p:cNvGrpSpPr/>
+        <p:nvPr/>
+      </p:nvGrpSpPr>
+      <p:grpSpPr>
+        <a:xfrm>
+          <a:off x="0" y="0"/>
+          <a:ext cx="0" cy="0"/>
+          <a:chOff x="0" y="0"/>
+          <a:chExt cx="0" cy="0"/>
+        </a:xfrm>
+      </p:grpSpPr>
+      <p:pic>
+        <p:nvPicPr>
+          <p:cNvPr id="10" name="Picture 9">
+            <a:extLst>
+              <a:ext uri="{FF2B5EF4-FFF2-40B4-BE49-F238E27FC236}">
+                <a16:creationId xmlns:a16="http://schemas.microsoft.com/office/drawing/2014/main" id="{8E866E36-F226-42FF-A8F3-5B30BC7024A1}"/>
+              </a:ext>
+            </a:extLst>
+          </p:cNvPr>
+          <p:cNvPicPr>
+            <a:picLocks noChangeAspect="1"/>
+          </p:cNvPicPr>
+          <p:nvPr/>
+        </p:nvPicPr>
+        <p:blipFill>
+          <a:blip r:embed="rId2"/>
+          <a:stretch>
+            <a:fillRect/>
+          </a:stretch>
+        </p:blipFill>
+        <p:spPr>
+          <a:xfrm>
+            <a:off x="4416994" y="1384294"/>
+            <a:ext cx="4485714" cy="3438095"/>
+          </a:xfrm>
+          <a:prstGeom prst="rect">
+            <a:avLst/>
+          </a:prstGeom>
+        </p:spPr>
+      </p:pic>
+      <p:sp>
+        <p:nvSpPr>
+          <p:cNvPr id="11" name="TextBox 10">
+            <a:extLst>
+              <a:ext uri="{FF2B5EF4-FFF2-40B4-BE49-F238E27FC236}">
+                <a16:creationId xmlns:a16="http://schemas.microsoft.com/office/drawing/2014/main" id="{0DC89335-B233-4327-BDD8-5084F3F46786}"/>
+              </a:ext>
+            </a:extLst>
+          </p:cNvPr>
+          <p:cNvSpPr txBox="1"/>
+          <p:nvPr/>
+        </p:nvSpPr>
+        <p:spPr>
+          <a:xfrm>
+            <a:off x="7646506" y="318052"/>
+            <a:ext cx="3778599" cy="769441"/>
+          </a:xfrm>
+          <a:prstGeom prst="rect">
+            <a:avLst/>
+          </a:prstGeom>
+          <a:noFill/>
+        </p:spPr>
+        <p:txBody>
+          <a:bodyPr wrap="none" rtlCol="0">
+            <a:spAutoFit/>
+          </a:bodyPr>
+          <a:lstStyle/>
+          <a:p>
+            <a:r>
+              <a:rPr lang="en-US" altLang="zh-CN" sz="4400" dirty="0"/>
+              <a:t>Sample Data</a:t>
+            </a:r>
+            <a:endParaRPr lang="zh-CN" altLang="en-US" sz="4400" dirty="0"/>
+          </a:p>
+        </p:txBody>
+      </p:sp>
+      <p:pic>
+        <p:nvPicPr>
+          <p:cNvPr id="3" name="Picture 2">
+            <a:extLst>
+              <a:ext uri="{FF2B5EF4-FFF2-40B4-BE49-F238E27FC236}">
+                <a16:creationId xmlns:a16="http://schemas.microsoft.com/office/drawing/2014/main" id="{022066E1-2B4A-4DCA-B797-C32B8E30D540}"/>
+              </a:ext>
+            </a:extLst>
+          </p:cNvPr>
+          <p:cNvPicPr>
+            <a:picLocks noChangeAspect="1"/>
+          </p:cNvPicPr>
+          <p:nvPr/>
+        </p:nvPicPr>
+        <p:blipFill>
+          <a:blip r:embed="rId3"/>
+          <a:stretch>
+            <a:fillRect/>
+          </a:stretch>
+        </p:blipFill>
+        <p:spPr>
+          <a:xfrm>
+            <a:off x="9397380" y="1384294"/>
+            <a:ext cx="2409524" cy="3761905"/>
+          </a:xfrm>
+          <a:prstGeom prst="rect">
+            <a:avLst/>
+          </a:prstGeom>
+        </p:spPr>
+      </p:pic>
+      <p:sp>
+        <p:nvSpPr>
+          <p:cNvPr id="4" name="TextBox 3">
+            <a:extLst>
+              <a:ext uri="{FF2B5EF4-FFF2-40B4-BE49-F238E27FC236}">
+                <a16:creationId xmlns:a16="http://schemas.microsoft.com/office/drawing/2014/main" id="{1D9A818D-99E7-4844-8415-788682E2D7A8}"/>
+              </a:ext>
+            </a:extLst>
+          </p:cNvPr>
+          <p:cNvSpPr txBox="1"/>
+          <p:nvPr/>
+        </p:nvSpPr>
+        <p:spPr>
+          <a:xfrm>
+            <a:off x="231888" y="2063691"/>
+            <a:ext cx="3690434" cy="1815882"/>
+          </a:xfrm>
+          <a:prstGeom prst="rect">
+            <a:avLst/>
+          </a:prstGeom>
+          <a:noFill/>
+        </p:spPr>
+        <p:txBody>
+          <a:bodyPr wrap="none" rtlCol="0">
+            <a:spAutoFit/>
+          </a:bodyPr>
+          <a:lstStyle/>
+          <a:p>
+            <a:r>
+              <a:rPr lang="en-US" altLang="zh-CN" sz="2800" dirty="0"/>
+              <a:t>server: 47.97.216.205</a:t>
+            </a:r>
+          </a:p>
+          <a:p>
+            <a:r>
+              <a:rPr lang="en-US" altLang="zh-CN" sz="2800" dirty="0"/>
+              <a:t>user: </a:t>
+            </a:r>
+            <a:r>
+              <a:rPr lang="en-US" altLang="zh-CN" sz="2800" dirty="0" err="1"/>
+              <a:t>incar</a:t>
+            </a:r>
+            <a:endParaRPr lang="en-US" altLang="zh-CN" sz="2800" dirty="0"/>
+          </a:p>
+          <a:p>
+            <a:r>
+              <a:rPr lang="en-US" altLang="zh-CN" sz="2800" dirty="0" err="1"/>
+              <a:t>pwd</a:t>
+            </a:r>
+            <a:r>
+              <a:rPr lang="en-US" altLang="zh-CN" sz="2800" dirty="0"/>
+              <a:t>: incar$2018</a:t>
+            </a:r>
+          </a:p>
+          <a:p>
+            <a:r>
+              <a:rPr lang="en-US" altLang="zh-CN" sz="2800" dirty="0"/>
+              <a:t>database: </a:t>
+            </a:r>
+            <a:r>
+              <a:rPr lang="en-US" altLang="zh-CN" sz="2800" dirty="0" err="1"/>
+              <a:t>incar</a:t>
+            </a:r>
+            <a:endParaRPr lang="zh-CN" altLang="en-US" sz="2800" dirty="0"/>
+          </a:p>
+        </p:txBody>
+      </p:sp>
+    </p:spTree>
+    <p:extLst>
+      <p:ext uri="{BB962C8B-B14F-4D97-AF65-F5344CB8AC3E}">
+        <p14:creationId xmlns:p14="http://schemas.microsoft.com/office/powerpoint/2010/main" val="354911922"/>
+      </p:ext>
+    </p:extLst>
+  </p:cSld>
+  <p:clrMapOvr>
+    <a:masterClrMapping/>
+  </p:clrMapOvr>
+  <mc:AlternateContent xmlns:mc="http://schemas.openxmlformats.org/markup-compatibility/2006" xmlns:p14="http://schemas.microsoft.com/office/powerpoint/2010/main">
+    <mc:Choice Requires="p14">
+      <p:transition spd="slow" p14:dur="800">
+        <p14:flythrough/>
+      </p:transition>
+    </mc:Choice>
+    <mc:Fallback xmlns="">
+      <p:transition spd="slow">
+        <p:fade/>
+      </p:transition>
+    </mc:Fallback>
+  </mc:AlternateContent>
+</p:sld>
+</file>
+
+<file path=ppt/slides/slide28.xml><?xml version="1.0" encoding="utf-8"?>
+<p:sld xmlns:a="http://schemas.openxmlformats.org/drawingml/2006/main" xmlns:r="http://schemas.openxmlformats.org/officeDocument/2006/relationships" xmlns:p="http://schemas.openxmlformats.org/presentationml/2006/main">
+  <p:cSld>
+    <p:spTree>
+      <p:nvGrpSpPr>
+        <p:cNvPr id="1" name=""/>
+        <p:cNvGrpSpPr/>
+        <p:nvPr/>
+      </p:nvGrpSpPr>
+      <p:grpSpPr>
+        <a:xfrm>
+          <a:off x="0" y="0"/>
+          <a:ext cx="0" cy="0"/>
+          <a:chOff x="0" y="0"/>
+          <a:chExt cx="0" cy="0"/>
+        </a:xfrm>
+      </p:grpSpPr>
+      <p:sp>
+        <p:nvSpPr>
+          <p:cNvPr id="11" name="TextBox 10">
+            <a:extLst>
+              <a:ext uri="{FF2B5EF4-FFF2-40B4-BE49-F238E27FC236}">
+                <a16:creationId xmlns:a16="http://schemas.microsoft.com/office/drawing/2014/main" id="{0DC89335-B233-4327-BDD8-5084F3F46786}"/>
+              </a:ext>
+            </a:extLst>
+          </p:cNvPr>
+          <p:cNvSpPr txBox="1"/>
+          <p:nvPr/>
+        </p:nvSpPr>
+        <p:spPr>
+          <a:xfrm>
+            <a:off x="8091124" y="519387"/>
+            <a:ext cx="1313180" cy="769441"/>
+          </a:xfrm>
+          <a:prstGeom prst="rect">
+            <a:avLst/>
+          </a:prstGeom>
+          <a:noFill/>
+        </p:spPr>
+        <p:txBody>
+          <a:bodyPr wrap="none" rtlCol="0">
+            <a:spAutoFit/>
+          </a:bodyPr>
+          <a:lstStyle/>
+          <a:p>
+            <a:r>
+              <a:rPr lang="zh-CN" altLang="en-US" sz="4400" dirty="0"/>
+              <a:t>问题</a:t>
+            </a:r>
+          </a:p>
+        </p:txBody>
+      </p:sp>
+      <p:sp>
+        <p:nvSpPr>
+          <p:cNvPr id="3" name="TextBox 2">
+            <a:extLst>
+              <a:ext uri="{FF2B5EF4-FFF2-40B4-BE49-F238E27FC236}">
+                <a16:creationId xmlns:a16="http://schemas.microsoft.com/office/drawing/2014/main" id="{0A0F057D-1BAF-4975-AC82-0FA0698659DB}"/>
+              </a:ext>
+            </a:extLst>
+          </p:cNvPr>
+          <p:cNvSpPr txBox="1"/>
+          <p:nvPr/>
+        </p:nvSpPr>
+        <p:spPr>
+          <a:xfrm>
+            <a:off x="609786" y="2176179"/>
+            <a:ext cx="10838223" cy="1569660"/>
+          </a:xfrm>
+          <a:prstGeom prst="rect">
+            <a:avLst/>
+          </a:prstGeom>
+          <a:noFill/>
+        </p:spPr>
+        <p:txBody>
+          <a:bodyPr wrap="none" rtlCol="0">
+            <a:spAutoFit/>
+          </a:bodyPr>
+          <a:lstStyle/>
+          <a:p>
+            <a:pPr marL="571500" indent="-571500">
+              <a:buFont typeface="Arial" panose="020B0604020202020204" pitchFamily="34" charset="0"/>
+              <a:buChar char="•"/>
+            </a:pPr>
+            <a:r>
+              <a:rPr lang="zh-CN" altLang="en-US" sz="3200" dirty="0"/>
+              <a:t>每辆车的总里程，以及平均油耗是多少？</a:t>
+            </a:r>
+            <a:endParaRPr lang="en-US" altLang="zh-CN" sz="3200" dirty="0"/>
+          </a:p>
+          <a:p>
+            <a:pPr marL="571500" indent="-571500">
+              <a:buFont typeface="Arial" panose="020B0604020202020204" pitchFamily="34" charset="0"/>
+              <a:buChar char="•"/>
+            </a:pPr>
+            <a:r>
+              <a:rPr lang="zh-CN" altLang="en-US" sz="3200" dirty="0"/>
+              <a:t>每辆车每天的总里程，以及平均油耗是多少？</a:t>
+            </a:r>
+            <a:endParaRPr lang="en-US" altLang="zh-CN" sz="3200" dirty="0"/>
+          </a:p>
+          <a:p>
+            <a:pPr marL="571500" indent="-571500">
+              <a:buFont typeface="Arial" panose="020B0604020202020204" pitchFamily="34" charset="0"/>
+              <a:buChar char="•"/>
+            </a:pPr>
+            <a:r>
+              <a:rPr lang="zh-CN" altLang="en-US" sz="3200" dirty="0"/>
+              <a:t>每辆车截止每个月</a:t>
+            </a:r>
+            <a:r>
+              <a:rPr lang="en-US" altLang="zh-CN" sz="3200" dirty="0"/>
+              <a:t>1</a:t>
+            </a:r>
+            <a:r>
+              <a:rPr lang="zh-CN" altLang="en-US" sz="3200" dirty="0"/>
+              <a:t>号的总里程，以及平均油耗是多少？</a:t>
+            </a:r>
+          </a:p>
+        </p:txBody>
+      </p:sp>
+    </p:spTree>
+    <p:extLst>
+      <p:ext uri="{BB962C8B-B14F-4D97-AF65-F5344CB8AC3E}">
+        <p14:creationId xmlns:p14="http://schemas.microsoft.com/office/powerpoint/2010/main" val="2382885581"/>
+      </p:ext>
+    </p:extLst>
+  </p:cSld>
+  <p:clrMapOvr>
+    <a:masterClrMapping/>
+  </p:clrMapOvr>
+  <mc:AlternateContent xmlns:mc="http://schemas.openxmlformats.org/markup-compatibility/2006" xmlns:p14="http://schemas.microsoft.com/office/powerpoint/2010/main">
+    <mc:Choice Requires="p14">
+      <p:transition spd="slow" p14:dur="800">
+        <p14:flythrough/>
+      </p:transition>
+    </mc:Choice>
+    <mc:Fallback xmlns="">
+      <p:transition spd="slow">
+        <p:fade/>
+      </p:transition>
+    </mc:Fallback>
+  </mc:AlternateContent>
+  <p:timing>
+    <p:tnLst>
+      <p:par>
+        <p:cTn id="1" dur="indefinite" restart="never" nodeType="tmRoot">
+          <p:childTnLst>
+            <p:seq concurrent="1" nextAc="seek">
+              <p:cTn id="2" dur="indefinite" nodeType="mainSeq">
+                <p:childTnLst>
+                  <p:par>
+                    <p:cTn id="3" fill="hold">
+                      <p:stCondLst>
+                        <p:cond delay="indefinite"/>
+                        <p:cond evt="onBegin" delay="0">
+                          <p:tn val="2"/>
+                        </p:cond>
+                      </p:stCondLst>
+                      <p:childTnLst>
+                        <p:par>
+                          <p:cTn id="4" fill="hold">
+                            <p:stCondLst>
+                              <p:cond delay="0"/>
+                            </p:stCondLst>
+                            <p:childTnLst>
+                              <p:par>
+                                <p:cTn id="5" presetID="42" presetClass="entr" presetSubtype="0" fill="hold" nodeType="withEffect">
+                                  <p:stCondLst>
+                                    <p:cond delay="0"/>
+                                  </p:stCondLst>
+                                  <p:childTnLst>
+                                    <p:set>
+                                      <p:cBhvr>
+                                        <p:cTn id="6" dur="1" fill="hold">
+                                          <p:stCondLst>
+                                            <p:cond delay="0"/>
+                                          </p:stCondLst>
+                                        </p:cTn>
+                                        <p:tgtEl>
+                                          <p:spTgt spid="3">
+                                            <p:txEl>
+                                              <p:pRg st="0" end="0"/>
+                                            </p:txEl>
+                                          </p:spTgt>
+                                        </p:tgtEl>
+                                        <p:attrNameLst>
+                                          <p:attrName>style.visibility</p:attrName>
+                                        </p:attrNameLst>
+                                      </p:cBhvr>
+                                      <p:to>
+                                        <p:strVal val="visible"/>
+                                      </p:to>
+                                    </p:set>
+                                    <p:animEffect transition="in" filter="fade">
+                                      <p:cBhvr>
+                                        <p:cTn id="7" dur="1000"/>
+                                        <p:tgtEl>
+                                          <p:spTgt spid="3">
+                                            <p:txEl>
+                                              <p:pRg st="0" end="0"/>
+                                            </p:txEl>
+                                          </p:spTgt>
+                                        </p:tgtEl>
+                                      </p:cBhvr>
+                                    </p:animEffect>
+                                    <p:anim calcmode="lin" valueType="num">
+                                      <p:cBhvr>
+                                        <p:cTn id="8" dur="1000" fill="hold"/>
+                                        <p:tgtEl>
+                                          <p:spTgt spid="3">
+                                            <p:txEl>
+                                              <p:pRg st="0" end="0"/>
+                                            </p:txEl>
+                                          </p:spTgt>
+                                        </p:tgtEl>
+                                        <p:attrNameLst>
+                                          <p:attrName>ppt_x</p:attrName>
+                                        </p:attrNameLst>
+                                      </p:cBhvr>
+                                      <p:tavLst>
+                                        <p:tav tm="0">
+                                          <p:val>
+                                            <p:strVal val="#ppt_x"/>
+                                          </p:val>
+                                        </p:tav>
+                                        <p:tav tm="100000">
+                                          <p:val>
+                                            <p:strVal val="#ppt_x"/>
+                                          </p:val>
+                                        </p:tav>
+                                      </p:tavLst>
+                                    </p:anim>
+                                    <p:anim calcmode="lin" valueType="num">
+                                      <p:cBhvr>
+                                        <p:cTn id="9" dur="1000" fill="hold"/>
+                                        <p:tgtEl>
+                                          <p:spTgt spid="3">
+                                            <p:txEl>
+                                              <p:pRg st="0" end="0"/>
+                                            </p:txEl>
+                                          </p:spTgt>
+                                        </p:tgtEl>
+                                        <p:attrNameLst>
+                                          <p:attrName>ppt_y</p:attrName>
+                                        </p:attrNameLst>
+                                      </p:cBhvr>
+                                      <p:tavLst>
+                                        <p:tav tm="0">
+                                          <p:val>
+                                            <p:strVal val="#ppt_y+.1"/>
+                                          </p:val>
+                                        </p:tav>
+                                        <p:tav tm="100000">
+                                          <p:val>
+                                            <p:strVal val="#ppt_y"/>
+                                          </p:val>
+                                        </p:tav>
+                                      </p:tavLst>
+                                    </p:anim>
+                                  </p:childTnLst>
+                                </p:cTn>
+                              </p:par>
+                            </p:childTnLst>
+                          </p:cTn>
+                        </p:par>
+                      </p:childTnLst>
+                    </p:cTn>
+                  </p:par>
+                  <p:par>
+                    <p:cTn id="10" fill="hold">
+                      <p:stCondLst>
+                        <p:cond delay="indefinite"/>
+                      </p:stCondLst>
+                      <p:childTnLst>
+                        <p:par>
+                          <p:cTn id="11" fill="hold">
+                            <p:stCondLst>
+                              <p:cond delay="0"/>
+                            </p:stCondLst>
+                            <p:childTnLst>
+                              <p:par>
+                                <p:cTn id="12" presetID="42" presetClass="entr" presetSubtype="0" fill="hold" nodeType="clickEffect">
+                                  <p:stCondLst>
+                                    <p:cond delay="0"/>
+                                  </p:stCondLst>
+                                  <p:childTnLst>
+                                    <p:set>
+                                      <p:cBhvr>
+                                        <p:cTn id="13" dur="1" fill="hold">
+                                          <p:stCondLst>
+                                            <p:cond delay="0"/>
+                                          </p:stCondLst>
+                                        </p:cTn>
+                                        <p:tgtEl>
+                                          <p:spTgt spid="3">
+                                            <p:txEl>
+                                              <p:pRg st="1" end="1"/>
+                                            </p:txEl>
+                                          </p:spTgt>
+                                        </p:tgtEl>
+                                        <p:attrNameLst>
+                                          <p:attrName>style.visibility</p:attrName>
+                                        </p:attrNameLst>
+                                      </p:cBhvr>
+                                      <p:to>
+                                        <p:strVal val="visible"/>
+                                      </p:to>
+                                    </p:set>
+                                    <p:animEffect transition="in" filter="fade">
+                                      <p:cBhvr>
+                                        <p:cTn id="14" dur="1000"/>
+                                        <p:tgtEl>
+                                          <p:spTgt spid="3">
+                                            <p:txEl>
+                                              <p:pRg st="1" end="1"/>
+                                            </p:txEl>
+                                          </p:spTgt>
+                                        </p:tgtEl>
+                                      </p:cBhvr>
+                                    </p:animEffect>
+                                    <p:anim calcmode="lin" valueType="num">
+                                      <p:cBhvr>
+                                        <p:cTn id="15" dur="1000" fill="hold"/>
+                                        <p:tgtEl>
+                                          <p:spTgt spid="3">
+                                            <p:txEl>
+                                              <p:pRg st="1" end="1"/>
+                                            </p:txEl>
+                                          </p:spTgt>
+                                        </p:tgtEl>
+                                        <p:attrNameLst>
+                                          <p:attrName>ppt_x</p:attrName>
+                                        </p:attrNameLst>
+                                      </p:cBhvr>
+                                      <p:tavLst>
+                                        <p:tav tm="0">
+                                          <p:val>
+                                            <p:strVal val="#ppt_x"/>
+                                          </p:val>
+                                        </p:tav>
+                                        <p:tav tm="100000">
+                                          <p:val>
+                                            <p:strVal val="#ppt_x"/>
+                                          </p:val>
+                                        </p:tav>
+                                      </p:tavLst>
+                                    </p:anim>
+                                    <p:anim calcmode="lin" valueType="num">
+                                      <p:cBhvr>
+                                        <p:cTn id="16" dur="1000" fill="hold"/>
+                                        <p:tgtEl>
+                                          <p:spTgt spid="3">
+                                            <p:txEl>
+                                              <p:pRg st="1" end="1"/>
+                                            </p:txEl>
+                                          </p:spTgt>
+                                        </p:tgtEl>
+                                        <p:attrNameLst>
+                                          <p:attrName>ppt_y</p:attrName>
+                                        </p:attrNameLst>
+                                      </p:cBhvr>
+                                      <p:tavLst>
+                                        <p:tav tm="0">
+                                          <p:val>
+                                            <p:strVal val="#ppt_y+.1"/>
+                                          </p:val>
+                                        </p:tav>
+                                        <p:tav tm="100000">
+                                          <p:val>
+                                            <p:strVal val="#ppt_y"/>
+                                          </p:val>
+                                        </p:tav>
+                                      </p:tavLst>
+                                    </p:anim>
+                                  </p:childTnLst>
+                                </p:cTn>
+                              </p:par>
+                            </p:childTnLst>
+                          </p:cTn>
+                        </p:par>
+                      </p:childTnLst>
+                    </p:cTn>
+                  </p:par>
+                  <p:par>
+                    <p:cTn id="17" fill="hold">
+                      <p:stCondLst>
+                        <p:cond delay="indefinite"/>
+                      </p:stCondLst>
+                      <p:childTnLst>
+                        <p:par>
+                          <p:cTn id="18" fill="hold">
+                            <p:stCondLst>
+                              <p:cond delay="0"/>
+                            </p:stCondLst>
+                            <p:childTnLst>
+                              <p:par>
+                                <p:cTn id="19" presetID="42" presetClass="entr" presetSubtype="0" fill="hold" nodeType="clickEffect">
+                                  <p:stCondLst>
+                                    <p:cond delay="0"/>
+                                  </p:stCondLst>
+                                  <p:childTnLst>
+                                    <p:set>
+                                      <p:cBhvr>
+                                        <p:cTn id="20" dur="1" fill="hold">
+                                          <p:stCondLst>
+                                            <p:cond delay="0"/>
+                                          </p:stCondLst>
+                                        </p:cTn>
+                                        <p:tgtEl>
+                                          <p:spTgt spid="3">
+                                            <p:txEl>
+                                              <p:pRg st="2" end="2"/>
+                                            </p:txEl>
+                                          </p:spTgt>
+                                        </p:tgtEl>
+                                        <p:attrNameLst>
+                                          <p:attrName>style.visibility</p:attrName>
+                                        </p:attrNameLst>
+                                      </p:cBhvr>
+                                      <p:to>
+                                        <p:strVal val="visible"/>
+                                      </p:to>
+                                    </p:set>
+                                    <p:animEffect transition="in" filter="fade">
+                                      <p:cBhvr>
+                                        <p:cTn id="21" dur="1000"/>
+                                        <p:tgtEl>
+                                          <p:spTgt spid="3">
+                                            <p:txEl>
+                                              <p:pRg st="2" end="2"/>
+                                            </p:txEl>
+                                          </p:spTgt>
+                                        </p:tgtEl>
+                                      </p:cBhvr>
+                                    </p:animEffect>
+                                    <p:anim calcmode="lin" valueType="num">
+                                      <p:cBhvr>
+                                        <p:cTn id="22" dur="1000" fill="hold"/>
+                                        <p:tgtEl>
+                                          <p:spTgt spid="3">
+                                            <p:txEl>
+                                              <p:pRg st="2" end="2"/>
+                                            </p:txEl>
+                                          </p:spTgt>
+                                        </p:tgtEl>
+                                        <p:attrNameLst>
+                                          <p:attrName>ppt_x</p:attrName>
+                                        </p:attrNameLst>
+                                      </p:cBhvr>
+                                      <p:tavLst>
+                                        <p:tav tm="0">
+                                          <p:val>
+                                            <p:strVal val="#ppt_x"/>
+                                          </p:val>
+                                        </p:tav>
+                                        <p:tav tm="100000">
+                                          <p:val>
+                                            <p:strVal val="#ppt_x"/>
+                                          </p:val>
+                                        </p:tav>
+                                      </p:tavLst>
+                                    </p:anim>
+                                    <p:anim calcmode="lin" valueType="num">
+                                      <p:cBhvr>
+                                        <p:cTn id="23" dur="1000" fill="hold"/>
+                                        <p:tgtEl>
+                                          <p:spTgt spid="3">
+                                            <p:txEl>
+                                              <p:pRg st="2" end="2"/>
+                                            </p:txEl>
+                                          </p:spTgt>
+                                        </p:tgtEl>
+                                        <p:attrNameLst>
+                                          <p:attrName>ppt_y</p:attrName>
+                                        </p:attrNameLst>
+                                      </p:cBhvr>
+                                      <p:tavLst>
+                                        <p:tav tm="0">
+                                          <p:val>
+                                            <p:strVal val="#ppt_y+.1"/>
+                                          </p:val>
+                                        </p:tav>
+                                        <p:tav tm="100000">
+                                          <p:val>
+                                            <p:strVal val="#ppt_y"/>
+                                          </p:val>
+                                        </p:tav>
+                                      </p:tavLst>
+                                    </p:anim>
+                                  </p:childTnLst>
+                                </p:cTn>
+                              </p:par>
+                            </p:childTnLst>
+                          </p:cTn>
+                        </p:par>
+                      </p:childTnLst>
+                    </p:cTn>
+                  </p:par>
+                </p:childTnLst>
+              </p:cTn>
+              <p:prevCondLst>
+                <p:cond evt="onPrev" delay="0">
+                  <p:tgtEl>
+                    <p:sldTgt/>
+                  </p:tgtEl>
+                </p:cond>
+              </p:prevCondLst>
+              <p:nextCondLst>
+                <p:cond evt="onNext" delay="0">
+                  <p:tgtEl>
+                    <p:sldTgt/>
+                  </p:tgtEl>
+                </p:cond>
+              </p:nextCondLst>
+            </p:seq>
+          </p:childTnLst>
+        </p:cTn>
+      </p:par>
+    </p:tnLst>
+  </p:timing>
+</p:sld>
+</file>
+
+<file path=ppt/slides/slide29.xml><?xml version="1.0" encoding="utf-8"?>
+<p:sld xmlns:a="http://schemas.openxmlformats.org/drawingml/2006/main" xmlns:r="http://schemas.openxmlformats.org/officeDocument/2006/relationships" xmlns:p="http://schemas.openxmlformats.org/presentationml/2006/main">
+  <p:cSld>
+    <p:spTree>
+      <p:nvGrpSpPr>
+        <p:cNvPr id="1" name=""/>
+        <p:cNvGrpSpPr/>
+        <p:nvPr/>
+      </p:nvGrpSpPr>
+      <p:grpSpPr>
+        <a:xfrm>
+          <a:off x="0" y="0"/>
+          <a:ext cx="0" cy="0"/>
+          <a:chOff x="0" y="0"/>
+          <a:chExt cx="0" cy="0"/>
+        </a:xfrm>
+      </p:grpSpPr>
+      <p:sp>
+        <p:nvSpPr>
+          <p:cNvPr id="2" name="Rectangle 1">
+            <a:extLst>
+              <a:ext uri="{FF2B5EF4-FFF2-40B4-BE49-F238E27FC236}">
+                <a16:creationId xmlns:a16="http://schemas.microsoft.com/office/drawing/2014/main" id="{ECF0434B-CC32-423B-8CD3-F8972165D677}"/>
+              </a:ext>
+            </a:extLst>
+          </p:cNvPr>
+          <p:cNvSpPr/>
+          <p:nvPr/>
+        </p:nvSpPr>
+        <p:spPr>
+          <a:xfrm>
+            <a:off x="673916" y="1591794"/>
+            <a:ext cx="11146172" cy="3108543"/>
+          </a:xfrm>
+          <a:prstGeom prst="rect">
+            <a:avLst/>
+          </a:prstGeom>
+        </p:spPr>
+        <p:txBody>
+          <a:bodyPr wrap="square">
+            <a:spAutoFit/>
+          </a:bodyPr>
+          <a:lstStyle/>
+          <a:p>
+            <a:r>
+              <a:rPr lang="en-US" altLang="zh-CN" sz="2800" b="1" dirty="0">
+                <a:latin typeface="Courier New" panose="02070309020205020404" pitchFamily="49" charset="0"/>
+              </a:rPr>
+              <a:t>SELECT</a:t>
+            </a:r>
+            <a:r>
+              <a:rPr lang="en-US" altLang="zh-CN" sz="2800" dirty="0">
+                <a:latin typeface="Courier New" panose="02070309020205020404" pitchFamily="49" charset="0"/>
+              </a:rPr>
+              <a:t> a.id, a.tm,</a:t>
+            </a:r>
+          </a:p>
+          <a:p>
+            <a:r>
+              <a:rPr lang="en-US" altLang="zh-CN" sz="2800" b="1" dirty="0">
+                <a:latin typeface="Courier New" panose="02070309020205020404" pitchFamily="49" charset="0"/>
+              </a:rPr>
+              <a:t>    sum</a:t>
+            </a:r>
+            <a:r>
+              <a:rPr lang="en-US" altLang="zh-CN" sz="2800" dirty="0">
+                <a:latin typeface="Courier New" panose="02070309020205020404" pitchFamily="49" charset="0"/>
+              </a:rPr>
+              <a:t>(</a:t>
+            </a:r>
+            <a:r>
+              <a:rPr lang="en-US" altLang="zh-CN" sz="2800" dirty="0" err="1">
+                <a:latin typeface="Courier New" panose="02070309020205020404" pitchFamily="49" charset="0"/>
+              </a:rPr>
+              <a:t>b.mileage</a:t>
+            </a:r>
+            <a:r>
+              <a:rPr lang="en-US" altLang="zh-CN" sz="2800" dirty="0">
+                <a:latin typeface="Courier New" panose="02070309020205020404" pitchFamily="49" charset="0"/>
+              </a:rPr>
+              <a:t>) </a:t>
+            </a:r>
+            <a:r>
+              <a:rPr lang="en-US" altLang="zh-CN" sz="2800" b="1" dirty="0">
+                <a:latin typeface="Courier New" panose="02070309020205020404" pitchFamily="49" charset="0"/>
+              </a:rPr>
+              <a:t>as</a:t>
+            </a:r>
+            <a:r>
+              <a:rPr lang="en-US" altLang="zh-CN" sz="2800" dirty="0">
+                <a:latin typeface="Courier New" panose="02070309020205020404" pitchFamily="49" charset="0"/>
+              </a:rPr>
+              <a:t> </a:t>
+            </a:r>
+            <a:r>
+              <a:rPr lang="en-US" altLang="zh-CN" sz="2800" dirty="0" err="1">
+                <a:latin typeface="Courier New" panose="02070309020205020404" pitchFamily="49" charset="0"/>
+              </a:rPr>
+              <a:t>total_mileage</a:t>
+            </a:r>
+            <a:r>
+              <a:rPr lang="en-US" altLang="zh-CN" sz="2800" dirty="0">
+                <a:latin typeface="Courier New" panose="02070309020205020404" pitchFamily="49" charset="0"/>
+              </a:rPr>
+              <a:t>,</a:t>
+            </a:r>
+          </a:p>
+          <a:p>
+            <a:r>
+              <a:rPr lang="en-US" altLang="zh-CN" sz="2800" dirty="0">
+                <a:latin typeface="Courier New" panose="02070309020205020404" pitchFamily="49" charset="0"/>
+              </a:rPr>
+              <a:t>    100*</a:t>
+            </a:r>
+            <a:r>
+              <a:rPr lang="en-US" altLang="zh-CN" sz="2800" b="1" dirty="0">
+                <a:latin typeface="Courier New" panose="02070309020205020404" pitchFamily="49" charset="0"/>
+              </a:rPr>
+              <a:t>sum</a:t>
+            </a:r>
+            <a:r>
+              <a:rPr lang="en-US" altLang="zh-CN" sz="2800" dirty="0">
+                <a:latin typeface="Courier New" panose="02070309020205020404" pitchFamily="49" charset="0"/>
+              </a:rPr>
+              <a:t>(</a:t>
+            </a:r>
+            <a:r>
+              <a:rPr lang="en-US" altLang="zh-CN" sz="2800" dirty="0" err="1">
+                <a:latin typeface="Courier New" panose="02070309020205020404" pitchFamily="49" charset="0"/>
+              </a:rPr>
+              <a:t>b.fuel</a:t>
+            </a:r>
+            <a:r>
+              <a:rPr lang="en-US" altLang="zh-CN" sz="2800" dirty="0">
+                <a:latin typeface="Courier New" panose="02070309020205020404" pitchFamily="49" charset="0"/>
+              </a:rPr>
+              <a:t>)/</a:t>
+            </a:r>
+            <a:r>
+              <a:rPr lang="en-US" altLang="zh-CN" sz="2800" b="1" dirty="0">
+                <a:latin typeface="Courier New" panose="02070309020205020404" pitchFamily="49" charset="0"/>
+              </a:rPr>
+              <a:t>sum</a:t>
+            </a:r>
+            <a:r>
+              <a:rPr lang="en-US" altLang="zh-CN" sz="2800" dirty="0">
+                <a:latin typeface="Courier New" panose="02070309020205020404" pitchFamily="49" charset="0"/>
+              </a:rPr>
+              <a:t>(</a:t>
+            </a:r>
+            <a:r>
+              <a:rPr lang="en-US" altLang="zh-CN" sz="2800" dirty="0" err="1">
+                <a:latin typeface="Courier New" panose="02070309020205020404" pitchFamily="49" charset="0"/>
+              </a:rPr>
+              <a:t>b.mileage</a:t>
+            </a:r>
+            <a:r>
+              <a:rPr lang="en-US" altLang="zh-CN" sz="2800" dirty="0">
+                <a:latin typeface="Courier New" panose="02070309020205020404" pitchFamily="49" charset="0"/>
+              </a:rPr>
+              <a:t>) </a:t>
+            </a:r>
+            <a:r>
+              <a:rPr lang="en-US" altLang="zh-CN" sz="2800" b="1" dirty="0">
+                <a:latin typeface="Courier New" panose="02070309020205020404" pitchFamily="49" charset="0"/>
+              </a:rPr>
+              <a:t>as</a:t>
+            </a:r>
+            <a:r>
+              <a:rPr lang="en-US" altLang="zh-CN" sz="2800" dirty="0">
+                <a:latin typeface="Courier New" panose="02070309020205020404" pitchFamily="49" charset="0"/>
+              </a:rPr>
+              <a:t> </a:t>
+            </a:r>
+            <a:r>
+              <a:rPr lang="en-US" altLang="zh-CN" sz="2800" dirty="0" err="1">
+                <a:latin typeface="Courier New" panose="02070309020205020404" pitchFamily="49" charset="0"/>
+              </a:rPr>
+              <a:t>fuelAve</a:t>
+            </a:r>
+            <a:endParaRPr lang="en-US" altLang="zh-CN" sz="2800" dirty="0">
+              <a:latin typeface="Courier New" panose="02070309020205020404" pitchFamily="49" charset="0"/>
+            </a:endParaRPr>
+          </a:p>
+          <a:p>
+            <a:r>
+              <a:rPr lang="en-US" altLang="zh-CN" sz="2800" b="1" dirty="0">
+                <a:latin typeface="Courier New" panose="02070309020205020404" pitchFamily="49" charset="0"/>
+              </a:rPr>
+              <a:t>FROM</a:t>
+            </a:r>
+            <a:r>
+              <a:rPr lang="en-US" altLang="zh-CN" sz="2800" dirty="0">
+                <a:latin typeface="Courier New" panose="02070309020205020404" pitchFamily="49" charset="0"/>
+              </a:rPr>
+              <a:t> </a:t>
+            </a:r>
+            <a:r>
+              <a:rPr lang="en-US" altLang="zh-CN" sz="2800" dirty="0" err="1">
+                <a:latin typeface="Courier New" panose="02070309020205020404" pitchFamily="49" charset="0"/>
+              </a:rPr>
+              <a:t>mf_days</a:t>
+            </a:r>
+            <a:r>
+              <a:rPr lang="en-US" altLang="zh-CN" sz="2800" dirty="0">
+                <a:latin typeface="Courier New" panose="02070309020205020404" pitchFamily="49" charset="0"/>
+              </a:rPr>
+              <a:t> </a:t>
+            </a:r>
+            <a:r>
+              <a:rPr lang="en-US" altLang="zh-CN" sz="2800" b="1" dirty="0">
+                <a:latin typeface="Courier New" panose="02070309020205020404" pitchFamily="49" charset="0"/>
+              </a:rPr>
+              <a:t>as</a:t>
+            </a:r>
+            <a:r>
+              <a:rPr lang="en-US" altLang="zh-CN" sz="2800" dirty="0">
+                <a:latin typeface="Courier New" panose="02070309020205020404" pitchFamily="49" charset="0"/>
+              </a:rPr>
+              <a:t> a</a:t>
+            </a:r>
+          </a:p>
+          <a:p>
+            <a:r>
+              <a:rPr lang="en-US" altLang="zh-CN" sz="2800" b="1" dirty="0">
+                <a:latin typeface="Courier New" panose="02070309020205020404" pitchFamily="49" charset="0"/>
+              </a:rPr>
+              <a:t>    JOIN</a:t>
+            </a:r>
+            <a:r>
+              <a:rPr lang="en-US" altLang="zh-CN" sz="2800" dirty="0">
+                <a:latin typeface="Courier New" panose="02070309020205020404" pitchFamily="49" charset="0"/>
+              </a:rPr>
+              <a:t> </a:t>
+            </a:r>
+            <a:r>
+              <a:rPr lang="en-US" altLang="zh-CN" sz="2800" dirty="0" err="1">
+                <a:latin typeface="Courier New" panose="02070309020205020404" pitchFamily="49" charset="0"/>
+              </a:rPr>
+              <a:t>mf_days</a:t>
+            </a:r>
+            <a:r>
+              <a:rPr lang="en-US" altLang="zh-CN" sz="2800" dirty="0">
+                <a:latin typeface="Courier New" panose="02070309020205020404" pitchFamily="49" charset="0"/>
+              </a:rPr>
+              <a:t> </a:t>
+            </a:r>
+            <a:r>
+              <a:rPr lang="en-US" altLang="zh-CN" sz="2800" b="1" dirty="0">
+                <a:latin typeface="Courier New" panose="02070309020205020404" pitchFamily="49" charset="0"/>
+              </a:rPr>
+              <a:t>as</a:t>
+            </a:r>
+            <a:r>
+              <a:rPr lang="en-US" altLang="zh-CN" sz="2800" dirty="0">
+                <a:latin typeface="Courier New" panose="02070309020205020404" pitchFamily="49" charset="0"/>
+              </a:rPr>
+              <a:t> b </a:t>
+            </a:r>
+            <a:r>
+              <a:rPr lang="en-US" altLang="zh-CN" sz="2800" b="1" dirty="0">
+                <a:latin typeface="Courier New" panose="02070309020205020404" pitchFamily="49" charset="0"/>
+              </a:rPr>
+              <a:t>ON</a:t>
+            </a:r>
+            <a:r>
+              <a:rPr lang="en-US" altLang="zh-CN" sz="2800" dirty="0">
+                <a:latin typeface="Courier New" panose="02070309020205020404" pitchFamily="49" charset="0"/>
+              </a:rPr>
+              <a:t> a.id=b.id </a:t>
+            </a:r>
+            <a:r>
+              <a:rPr lang="en-US" altLang="zh-CN" sz="2800" b="1" dirty="0">
+                <a:latin typeface="Courier New" panose="02070309020205020404" pitchFamily="49" charset="0"/>
+              </a:rPr>
+              <a:t>and</a:t>
+            </a:r>
+            <a:r>
+              <a:rPr lang="en-US" altLang="zh-CN" sz="2800" dirty="0">
+                <a:latin typeface="Courier New" panose="02070309020205020404" pitchFamily="49" charset="0"/>
+              </a:rPr>
+              <a:t> a.tm &gt;= b.tm</a:t>
+            </a:r>
+          </a:p>
+          <a:p>
+            <a:r>
+              <a:rPr lang="en-US" altLang="zh-CN" sz="2800" b="1" dirty="0">
+                <a:latin typeface="Courier New" panose="02070309020205020404" pitchFamily="49" charset="0"/>
+              </a:rPr>
+              <a:t>WHERE</a:t>
+            </a:r>
+            <a:r>
+              <a:rPr lang="en-US" altLang="zh-CN" sz="2800" dirty="0">
+                <a:latin typeface="Courier New" panose="02070309020205020404" pitchFamily="49" charset="0"/>
+              </a:rPr>
+              <a:t> </a:t>
+            </a:r>
+            <a:r>
+              <a:rPr lang="en-US" altLang="zh-CN" sz="2800" b="1" dirty="0">
+                <a:latin typeface="Courier New" panose="02070309020205020404" pitchFamily="49" charset="0"/>
+              </a:rPr>
+              <a:t>day</a:t>
+            </a:r>
+            <a:r>
+              <a:rPr lang="en-US" altLang="zh-CN" sz="2800" dirty="0">
+                <a:latin typeface="Courier New" panose="02070309020205020404" pitchFamily="49" charset="0"/>
+              </a:rPr>
+              <a:t>(a.tm)=1</a:t>
+            </a:r>
+          </a:p>
+          <a:p>
+            <a:r>
+              <a:rPr lang="en-US" altLang="zh-CN" sz="2800" b="1" dirty="0">
+                <a:latin typeface="Courier New" panose="02070309020205020404" pitchFamily="49" charset="0"/>
+              </a:rPr>
+              <a:t>GROUP</a:t>
+            </a:r>
+            <a:r>
+              <a:rPr lang="en-US" altLang="zh-CN" sz="2800" dirty="0">
+                <a:latin typeface="Courier New" panose="02070309020205020404" pitchFamily="49" charset="0"/>
+              </a:rPr>
+              <a:t> </a:t>
+            </a:r>
+            <a:r>
+              <a:rPr lang="en-US" altLang="zh-CN" sz="2800" b="1" dirty="0">
+                <a:latin typeface="Courier New" panose="02070309020205020404" pitchFamily="49" charset="0"/>
+              </a:rPr>
+              <a:t>BY</a:t>
+            </a:r>
+            <a:r>
+              <a:rPr lang="en-US" altLang="zh-CN" sz="2800" dirty="0">
+                <a:latin typeface="Courier New" panose="02070309020205020404" pitchFamily="49" charset="0"/>
+              </a:rPr>
+              <a:t>  a.id, a.tm, </a:t>
+            </a:r>
+            <a:r>
+              <a:rPr lang="en-US" altLang="zh-CN" sz="2800" b="1" dirty="0">
+                <a:latin typeface="Courier New" panose="02070309020205020404" pitchFamily="49" charset="0"/>
+              </a:rPr>
+              <a:t>day</a:t>
+            </a:r>
+            <a:r>
+              <a:rPr lang="en-US" altLang="zh-CN" sz="2800" dirty="0">
+                <a:latin typeface="Courier New" panose="02070309020205020404" pitchFamily="49" charset="0"/>
+              </a:rPr>
+              <a:t>(a.tm);</a:t>
+            </a:r>
+          </a:p>
+        </p:txBody>
+      </p:sp>
+      <p:sp>
+        <p:nvSpPr>
+          <p:cNvPr id="5" name="TextBox 4">
+            <a:extLst>
+              <a:ext uri="{FF2B5EF4-FFF2-40B4-BE49-F238E27FC236}">
+                <a16:creationId xmlns:a16="http://schemas.microsoft.com/office/drawing/2014/main" id="{45D01CBE-DC9C-4B84-8B20-DAB553B8C083}"/>
+              </a:ext>
+            </a:extLst>
+          </p:cNvPr>
+          <p:cNvSpPr txBox="1"/>
+          <p:nvPr/>
+        </p:nvSpPr>
+        <p:spPr>
+          <a:xfrm>
+            <a:off x="8737077" y="510998"/>
+            <a:ext cx="2441694" cy="769441"/>
+          </a:xfrm>
+          <a:prstGeom prst="rect">
+            <a:avLst/>
+          </a:prstGeom>
+          <a:noFill/>
+        </p:spPr>
+        <p:txBody>
+          <a:bodyPr wrap="none" rtlCol="0">
+            <a:spAutoFit/>
+          </a:bodyPr>
+          <a:lstStyle/>
+          <a:p>
+            <a:r>
+              <a:rPr lang="zh-CN" altLang="en-US" sz="4400" dirty="0"/>
+              <a:t>参考答案</a:t>
+            </a:r>
+          </a:p>
+        </p:txBody>
+      </p:sp>
+    </p:spTree>
+    <p:extLst>
+      <p:ext uri="{BB962C8B-B14F-4D97-AF65-F5344CB8AC3E}">
+        <p14:creationId xmlns:p14="http://schemas.microsoft.com/office/powerpoint/2010/main" val="448288129"/>
+      </p:ext>
+    </p:extLst>
+  </p:cSld>
+  <p:clrMapOvr>
+    <a:masterClrMapping/>
+  </p:clrMapOvr>
+  <mc:AlternateContent xmlns:mc="http://schemas.openxmlformats.org/markup-compatibility/2006" xmlns:p14="http://schemas.microsoft.com/office/powerpoint/2010/main">
+    <mc:Choice Requires="p14">
+      <p:transition spd="slow" p14:dur="800">
+        <p14:flythrough/>
+      </p:transition>
+    </mc:Choice>
+    <mc:Fallback xmlns="">
+      <p:transition spd="slow">
+        <p:fade/>
+      </p:transition>
+    </mc:Fallback>
+  </mc:AlternateContent>
+  <p:timing>
+    <p:tnLst>
+      <p:par>
+        <p:cTn id="1" dur="indefinite" restart="never" nodeType="tmRoot">
+          <p:childTnLst>
+            <p:seq concurrent="1" nextAc="seek">
+              <p:cTn id="2" dur="indefinite" nodeType="mainSeq">
+                <p:childTnLst>
+                  <p:par>
+                    <p:cTn id="3" fill="hold">
+                      <p:stCondLst>
+                        <p:cond delay="indefinite"/>
+                      </p:stCondLst>
+                      <p:childTnLst>
+                        <p:par>
+                          <p:cTn id="4" fill="hold">
+                            <p:stCondLst>
+                              <p:cond delay="0"/>
+                            </p:stCondLst>
+                            <p:childTnLst>
+                              <p:par>
+                                <p:cTn id="5" presetID="42" presetClass="entr" presetSubtype="0" fill="hold" grpId="0" nodeType="clickEffect">
+                                  <p:stCondLst>
+                                    <p:cond delay="0"/>
+                                  </p:stCondLst>
+                                  <p:childTnLst>
+                                    <p:set>
+                                      <p:cBhvr>
+                                        <p:cTn id="6" dur="1" fill="hold">
+                                          <p:stCondLst>
+                                            <p:cond delay="0"/>
+                                          </p:stCondLst>
+                                        </p:cTn>
+                                        <p:tgtEl>
+                                          <p:spTgt spid="2"/>
+                                        </p:tgtEl>
+                                        <p:attrNameLst>
+                                          <p:attrName>style.visibility</p:attrName>
+                                        </p:attrNameLst>
+                                      </p:cBhvr>
+                                      <p:to>
+                                        <p:strVal val="visible"/>
+                                      </p:to>
+                                    </p:set>
+                                    <p:animEffect transition="in" filter="fade">
+                                      <p:cBhvr>
+                                        <p:cTn id="7" dur="1000"/>
+                                        <p:tgtEl>
+                                          <p:spTgt spid="2"/>
+                                        </p:tgtEl>
+                                      </p:cBhvr>
+                                    </p:animEffect>
+                                    <p:anim calcmode="lin" valueType="num">
+                                      <p:cBhvr>
+                                        <p:cTn id="8" dur="1000" fill="hold"/>
+                                        <p:tgtEl>
+                                          <p:spTgt spid="2"/>
+                                        </p:tgtEl>
+                                        <p:attrNameLst>
+                                          <p:attrName>ppt_x</p:attrName>
+                                        </p:attrNameLst>
+                                      </p:cBhvr>
+                                      <p:tavLst>
+                                        <p:tav tm="0">
+                                          <p:val>
+                                            <p:strVal val="#ppt_x"/>
+                                          </p:val>
+                                        </p:tav>
+                                        <p:tav tm="100000">
+                                          <p:val>
+                                            <p:strVal val="#ppt_x"/>
+                                          </p:val>
+                                        </p:tav>
+                                      </p:tavLst>
+                                    </p:anim>
+                                    <p:anim calcmode="lin" valueType="num">
+                                      <p:cBhvr>
+                                        <p:cTn id="9" dur="1000" fill="hold"/>
+                                        <p:tgtEl>
+                                          <p:spTgt spid="2"/>
+                                        </p:tgtEl>
+                                        <p:attrNameLst>
+                                          <p:attrName>ppt_y</p:attrName>
+                                        </p:attrNameLst>
+                                      </p:cBhvr>
+                                      <p:tavLst>
+                                        <p:tav tm="0">
+                                          <p:val>
+                                            <p:strVal val="#ppt_y+.1"/>
+                                          </p:val>
+                                        </p:tav>
+                                        <p:tav tm="100000">
+                                          <p:val>
+                                            <p:strVal val="#ppt_y"/>
+                                          </p:val>
+                                        </p:tav>
+                                      </p:tavLst>
+                                    </p:anim>
+                                  </p:childTnLst>
+                                </p:cTn>
+                              </p:par>
+                            </p:childTnLst>
+                          </p:cTn>
+                        </p:par>
+                      </p:childTnLst>
+                    </p:cTn>
+                  </p:par>
+                </p:childTnLst>
+              </p:cTn>
+              <p:prevCondLst>
+                <p:cond evt="onPrev" delay="0">
+                  <p:tgtEl>
+                    <p:sldTgt/>
+                  </p:tgtEl>
+                </p:cond>
+              </p:prevCondLst>
+              <p:nextCondLst>
+                <p:cond evt="onNext" delay="0">
+                  <p:tgtEl>
+                    <p:sldTgt/>
+                  </p:tgtEl>
+                </p:cond>
+              </p:nextCondLst>
+            </p:seq>
+          </p:childTnLst>
+        </p:cTn>
+      </p:par>
+    </p:tnLst>
+    <p:bldLst>
+      <p:bldP spid="2" grpId="0"/>
+    </p:bldLst>
+  </p:timing>
+</p:sld>
+</file>
+
 <file path=ppt/slides/slide3.xml><?xml version="1.0" encoding="utf-8"?>
 <p:sld xmlns:a="http://schemas.openxmlformats.org/drawingml/2006/main" xmlns:r="http://schemas.openxmlformats.org/officeDocument/2006/relationships" xmlns:p="http://schemas.openxmlformats.org/presentationml/2006/main">
   <p:cSld>
@@ -29539,6 +30893,176 @@
     <p:extLst>
       <p:ext uri="{BB962C8B-B14F-4D97-AF65-F5344CB8AC3E}">
         <p14:creationId xmlns:p14="http://schemas.microsoft.com/office/powerpoint/2010/main" val="1807744782"/>
+      </p:ext>
+    </p:extLst>
+  </p:cSld>
+  <p:clrMapOvr>
+    <a:masterClrMapping/>
+  </p:clrMapOvr>
+  <mc:AlternateContent xmlns:mc="http://schemas.openxmlformats.org/markup-compatibility/2006" xmlns:p14="http://schemas.microsoft.com/office/powerpoint/2010/main">
+    <mc:Choice Requires="p14">
+      <p:transition spd="slow" p14:dur="800">
+        <p14:flythrough/>
+      </p:transition>
+    </mc:Choice>
+    <mc:Fallback xmlns="">
+      <p:transition spd="slow">
+        <p:fade/>
+      </p:transition>
+    </mc:Fallback>
+  </mc:AlternateContent>
+</p:sld>
+</file>
+
+<file path=ppt/slides/slide30.xml><?xml version="1.0" encoding="utf-8"?>
+<p:sld xmlns:a="http://schemas.openxmlformats.org/drawingml/2006/main" xmlns:r="http://schemas.openxmlformats.org/officeDocument/2006/relationships" xmlns:p="http://schemas.openxmlformats.org/presentationml/2006/main">
+  <p:cSld>
+    <p:spTree>
+      <p:nvGrpSpPr>
+        <p:cNvPr id="1" name=""/>
+        <p:cNvGrpSpPr/>
+        <p:nvPr/>
+      </p:nvGrpSpPr>
+      <p:grpSpPr>
+        <a:xfrm>
+          <a:off x="0" y="0"/>
+          <a:ext cx="0" cy="0"/>
+          <a:chOff x="0" y="0"/>
+          <a:chExt cx="0" cy="0"/>
+        </a:xfrm>
+      </p:grpSpPr>
+      <p:sp>
+        <p:nvSpPr>
+          <p:cNvPr id="11" name="TextBox 10">
+            <a:extLst>
+              <a:ext uri="{FF2B5EF4-FFF2-40B4-BE49-F238E27FC236}">
+                <a16:creationId xmlns:a16="http://schemas.microsoft.com/office/drawing/2014/main" id="{0DC89335-B233-4327-BDD8-5084F3F46786}"/>
+              </a:ext>
+            </a:extLst>
+          </p:cNvPr>
+          <p:cNvSpPr txBox="1"/>
+          <p:nvPr/>
+        </p:nvSpPr>
+        <p:spPr>
+          <a:xfrm>
+            <a:off x="8091124" y="519387"/>
+            <a:ext cx="1313180" cy="769441"/>
+          </a:xfrm>
+          <a:prstGeom prst="rect">
+            <a:avLst/>
+          </a:prstGeom>
+          <a:noFill/>
+        </p:spPr>
+        <p:txBody>
+          <a:bodyPr wrap="none" rtlCol="0">
+            <a:spAutoFit/>
+          </a:bodyPr>
+          <a:lstStyle/>
+          <a:p>
+            <a:r>
+              <a:rPr lang="zh-CN" altLang="en-US" sz="4400" dirty="0"/>
+              <a:t>问题</a:t>
+            </a:r>
+          </a:p>
+        </p:txBody>
+      </p:sp>
+      <p:sp>
+        <p:nvSpPr>
+          <p:cNvPr id="3" name="TextBox 2">
+            <a:extLst>
+              <a:ext uri="{FF2B5EF4-FFF2-40B4-BE49-F238E27FC236}">
+                <a16:creationId xmlns:a16="http://schemas.microsoft.com/office/drawing/2014/main" id="{0A0F057D-1BAF-4975-AC82-0FA0698659DB}"/>
+              </a:ext>
+            </a:extLst>
+          </p:cNvPr>
+          <p:cNvSpPr txBox="1"/>
+          <p:nvPr/>
+        </p:nvSpPr>
+        <p:spPr>
+          <a:xfrm>
+            <a:off x="900018" y="1918603"/>
+            <a:ext cx="9124828" cy="2862322"/>
+          </a:xfrm>
+          <a:prstGeom prst="rect">
+            <a:avLst/>
+          </a:prstGeom>
+          <a:noFill/>
+        </p:spPr>
+        <p:txBody>
+          <a:bodyPr wrap="square" rtlCol="0">
+            <a:spAutoFit/>
+          </a:bodyPr>
+          <a:lstStyle/>
+          <a:p>
+            <a:pPr marL="571500" indent="-571500">
+              <a:buFont typeface="Arial" panose="020B0604020202020204" pitchFamily="34" charset="0"/>
+              <a:buChar char="•"/>
+            </a:pPr>
+            <a:r>
+              <a:rPr lang="zh-CN" altLang="en-US" sz="3600" dirty="0"/>
+              <a:t>每辆车连续</a:t>
+            </a:r>
+            <a:r>
+              <a:rPr lang="en-US" altLang="zh-CN" sz="3600" dirty="0"/>
+              <a:t>30</a:t>
+            </a:r>
+            <a:r>
+              <a:rPr lang="zh-CN" altLang="en-US" sz="3600" dirty="0"/>
+              <a:t>天的里程，以及这</a:t>
+            </a:r>
+            <a:r>
+              <a:rPr lang="en-US" altLang="zh-CN" sz="3600" dirty="0"/>
+              <a:t>30</a:t>
+            </a:r>
+            <a:r>
+              <a:rPr lang="zh-CN" altLang="en-US" sz="3600" dirty="0"/>
+              <a:t>天的平均油耗是多少？</a:t>
+            </a:r>
+            <a:endParaRPr lang="en-US" altLang="zh-CN" sz="3600" dirty="0"/>
+          </a:p>
+          <a:p>
+            <a:endParaRPr lang="en-US" altLang="zh-CN" sz="3600" dirty="0"/>
+          </a:p>
+          <a:p>
+            <a:pPr marL="571500" indent="-571500">
+              <a:buFont typeface="Arial" panose="020B0604020202020204" pitchFamily="34" charset="0"/>
+              <a:buChar char="•"/>
+            </a:pPr>
+            <a:r>
+              <a:rPr lang="zh-CN" altLang="en-US" sz="3600" dirty="0"/>
+              <a:t>每辆车有多少天跑了</a:t>
+            </a:r>
+            <a:r>
+              <a:rPr lang="en-US" altLang="zh-CN" sz="3600" dirty="0"/>
+              <a:t>0~20km</a:t>
+            </a:r>
+            <a:r>
+              <a:rPr lang="zh-CN" altLang="en-US" sz="3600" dirty="0"/>
+              <a:t>，有多少天跑了</a:t>
+            </a:r>
+            <a:r>
+              <a:rPr lang="en-US" altLang="zh-CN" sz="3600" dirty="0"/>
+              <a:t>20~50km,</a:t>
+            </a:r>
+            <a:r>
+              <a:rPr lang="zh-CN" altLang="en-US" sz="3600" dirty="0"/>
+              <a:t>有多少天跑了</a:t>
+            </a:r>
+            <a:r>
+              <a:rPr lang="en-US" altLang="zh-CN" sz="3600" dirty="0"/>
+              <a:t>50km</a:t>
+            </a:r>
+            <a:r>
+              <a:rPr lang="zh-CN" altLang="en-US" sz="3600" dirty="0"/>
+              <a:t>以上？</a:t>
+            </a:r>
+          </a:p>
+        </p:txBody>
+      </p:sp>
+    </p:spTree>
+    <p:extLst>
+      <p:ext uri="{BB962C8B-B14F-4D97-AF65-F5344CB8AC3E}">
+        <p14:creationId xmlns:p14="http://schemas.microsoft.com/office/powerpoint/2010/main" val="2427203893"/>
       </p:ext>
     </p:extLst>
   </p:cSld>

--- a/Database/database.pptx
+++ b/Database/database.pptx
@@ -29584,36 +29584,6 @@
           <a:chExt cx="0" cy="0"/>
         </a:xfrm>
       </p:grpSpPr>
-      <p:pic>
-        <p:nvPicPr>
-          <p:cNvPr id="10" name="Picture 9">
-            <a:extLst>
-              <a:ext uri="{FF2B5EF4-FFF2-40B4-BE49-F238E27FC236}">
-                <a16:creationId xmlns:a16="http://schemas.microsoft.com/office/drawing/2014/main" id="{8E866E36-F226-42FF-A8F3-5B30BC7024A1}"/>
-              </a:ext>
-            </a:extLst>
-          </p:cNvPr>
-          <p:cNvPicPr>
-            <a:picLocks noChangeAspect="1"/>
-          </p:cNvPicPr>
-          <p:nvPr/>
-        </p:nvPicPr>
-        <p:blipFill>
-          <a:blip r:embed="rId2"/>
-          <a:stretch>
-            <a:fillRect/>
-          </a:stretch>
-        </p:blipFill>
-        <p:spPr>
-          <a:xfrm>
-            <a:off x="4416994" y="1384294"/>
-            <a:ext cx="4485714" cy="3438095"/>
-          </a:xfrm>
-          <a:prstGeom prst="rect">
-            <a:avLst/>
-          </a:prstGeom>
-        </p:spPr>
-      </p:pic>
       <p:sp>
         <p:nvSpPr>
           <p:cNvPr id="11" name="TextBox 10">
@@ -29665,14 +29635,14 @@
           <p:nvPr/>
         </p:nvPicPr>
         <p:blipFill>
-          <a:blip r:embed="rId3"/>
+          <a:blip r:embed="rId2"/>
           <a:stretch>
             <a:fillRect/>
           </a:stretch>
         </p:blipFill>
         <p:spPr>
           <a:xfrm>
-            <a:off x="9397380" y="1384294"/>
+            <a:off x="6762189" y="1439881"/>
             <a:ext cx="2409524" cy="3761905"/>
           </a:xfrm>
           <a:prstGeom prst="rect">
@@ -29694,7 +29664,7 @@
         </p:nvSpPr>
         <p:spPr>
           <a:xfrm>
-            <a:off x="231888" y="2063691"/>
+            <a:off x="2254202" y="3011647"/>
             <a:ext cx="3690434" cy="1815882"/>
           </a:xfrm>
           <a:prstGeom prst="rect">
@@ -29747,6 +29717,36 @@
           </a:p>
         </p:txBody>
       </p:sp>
+      <p:pic>
+        <p:nvPicPr>
+          <p:cNvPr id="2" name="Picture 1">
+            <a:extLst>
+              <a:ext uri="{FF2B5EF4-FFF2-40B4-BE49-F238E27FC236}">
+                <a16:creationId xmlns:a16="http://schemas.microsoft.com/office/drawing/2014/main" id="{132C5361-F193-45C1-9D72-FEACA65D5529}"/>
+              </a:ext>
+            </a:extLst>
+          </p:cNvPr>
+          <p:cNvPicPr>
+            <a:picLocks noChangeAspect="1"/>
+          </p:cNvPicPr>
+          <p:nvPr/>
+        </p:nvPicPr>
+        <p:blipFill>
+          <a:blip r:embed="rId3"/>
+          <a:stretch>
+            <a:fillRect/>
+          </a:stretch>
+        </p:blipFill>
+        <p:spPr>
+          <a:xfrm>
+            <a:off x="1966086" y="1439881"/>
+            <a:ext cx="4266667" cy="1247619"/>
+          </a:xfrm>
+          <a:prstGeom prst="rect">
+            <a:avLst/>
+          </a:prstGeom>
+        </p:spPr>
+      </p:pic>
     </p:spTree>
     <p:extLst>
       <p:ext uri="{BB962C8B-B14F-4D97-AF65-F5344CB8AC3E}">

--- a/Database/database.pptx
+++ b/Database/database.pptx
@@ -5,7 +5,7 @@
     <p:sldMasterId id="2147483648" r:id="rId1"/>
   </p:sldMasterIdLst>
   <p:notesMasterIdLst>
-    <p:notesMasterId r:id="rId32"/>
+    <p:notesMasterId r:id="rId39"/>
   </p:notesMasterIdLst>
   <p:sldIdLst>
     <p:sldId id="256" r:id="rId2"/>
@@ -38,6 +38,13 @@
     <p:sldId id="284" r:id="rId29"/>
     <p:sldId id="286" r:id="rId30"/>
     <p:sldId id="285" r:id="rId31"/>
+    <p:sldId id="288" r:id="rId32"/>
+    <p:sldId id="287" r:id="rId33"/>
+    <p:sldId id="289" r:id="rId34"/>
+    <p:sldId id="290" r:id="rId35"/>
+    <p:sldId id="291" r:id="rId36"/>
+    <p:sldId id="292" r:id="rId37"/>
+    <p:sldId id="293" r:id="rId38"/>
   </p:sldIdLst>
   <p:sldSz cx="12192000" cy="6858000"/>
   <p:notesSz cx="6858000" cy="9144000"/>
@@ -6873,7 +6880,7 @@
           <a:p>
             <a:fld id="{4253A8FE-3173-4767-A71C-0B7CC53597A5}" type="datetimeFigureOut">
               <a:rPr lang="zh-CN" altLang="en-US" smtClean="0"/>
-              <a:t>2018/11/22</a:t>
+              <a:t>2018/11/28</a:t>
             </a:fld>
             <a:endParaRPr lang="zh-CN" altLang="en-US"/>
           </a:p>
@@ -7311,7 +7318,7 @@
           <a:p>
             <a:fld id="{48A87A34-81AB-432B-8DAE-1953F412C126}" type="datetimeFigureOut">
               <a:rPr lang="en-US" dirty="0"/>
-              <a:t>11/22/2018</a:t>
+              <a:t>11/28/2018</a:t>
             </a:fld>
             <a:endParaRPr lang="en-US" dirty="0"/>
           </a:p>
@@ -7573,7 +7580,7 @@
           <a:p>
             <a:fld id="{48A87A34-81AB-432B-8DAE-1953F412C126}" type="datetimeFigureOut">
               <a:rPr lang="en-US" dirty="0"/>
-              <a:t>11/22/2018</a:t>
+              <a:t>11/28/2018</a:t>
             </a:fld>
             <a:endParaRPr lang="en-US" dirty="0"/>
           </a:p>
@@ -7800,7 +7807,7 @@
             <a:fld id="{48A87A34-81AB-432B-8DAE-1953F412C126}" type="datetimeFigureOut">
               <a:rPr lang="en-US" dirty="0"/>
               <a:pPr/>
-              <a:t>11/22/2018</a:t>
+              <a:t>11/28/2018</a:t>
             </a:fld>
             <a:endParaRPr lang="en-US" dirty="0"/>
           </a:p>
@@ -8106,7 +8113,7 @@
             <a:fld id="{48A87A34-81AB-432B-8DAE-1953F412C126}" type="datetimeFigureOut">
               <a:rPr lang="en-US" dirty="0"/>
               <a:pPr/>
-              <a:t>11/22/2018</a:t>
+              <a:t>11/28/2018</a:t>
             </a:fld>
             <a:endParaRPr lang="en-US" dirty="0"/>
           </a:p>
@@ -8575,7 +8582,7 @@
             <a:fld id="{48A87A34-81AB-432B-8DAE-1953F412C126}" type="datetimeFigureOut">
               <a:rPr lang="en-US" dirty="0"/>
               <a:pPr/>
-              <a:t>11/22/2018</a:t>
+              <a:t>11/28/2018</a:t>
             </a:fld>
             <a:endParaRPr lang="en-US" dirty="0"/>
           </a:p>
@@ -9117,7 +9124,7 @@
           <a:p>
             <a:fld id="{48A87A34-81AB-432B-8DAE-1953F412C126}" type="datetimeFigureOut">
               <a:rPr lang="en-US" dirty="0"/>
-              <a:t>11/22/2018</a:t>
+              <a:t>11/28/2018</a:t>
             </a:fld>
             <a:endParaRPr lang="en-US" dirty="0"/>
           </a:p>
@@ -9886,7 +9893,7 @@
           <a:p>
             <a:fld id="{48A87A34-81AB-432B-8DAE-1953F412C126}" type="datetimeFigureOut">
               <a:rPr lang="en-US" dirty="0"/>
-              <a:t>11/22/2018</a:t>
+              <a:t>11/28/2018</a:t>
             </a:fld>
             <a:endParaRPr lang="en-US" dirty="0"/>
           </a:p>
@@ -10056,7 +10063,7 @@
           <a:p>
             <a:fld id="{48A87A34-81AB-432B-8DAE-1953F412C126}" type="datetimeFigureOut">
               <a:rPr lang="en-US" dirty="0"/>
-              <a:t>11/22/2018</a:t>
+              <a:t>11/28/2018</a:t>
             </a:fld>
             <a:endParaRPr lang="en-US" dirty="0"/>
           </a:p>
@@ -10275,7 +10282,7 @@
             <a:fld id="{48A87A34-81AB-432B-8DAE-1953F412C126}" type="datetimeFigureOut">
               <a:rPr lang="en-US" dirty="0"/>
               <a:pPr/>
-              <a:t>11/22/2018</a:t>
+              <a:t>11/28/2018</a:t>
             </a:fld>
             <a:endParaRPr lang="en-US" dirty="0"/>
           </a:p>
@@ -10450,7 +10457,7 @@
           <a:p>
             <a:fld id="{48A87A34-81AB-432B-8DAE-1953F412C126}" type="datetimeFigureOut">
               <a:rPr lang="en-US" dirty="0"/>
-              <a:t>11/22/2018</a:t>
+              <a:t>11/28/2018</a:t>
             </a:fld>
             <a:endParaRPr lang="en-US" dirty="0"/>
           </a:p>
@@ -10735,7 +10742,7 @@
             <a:fld id="{48A87A34-81AB-432B-8DAE-1953F412C126}" type="datetimeFigureOut">
               <a:rPr lang="en-US" dirty="0"/>
               <a:pPr/>
-              <a:t>11/22/2018</a:t>
+              <a:t>11/28/2018</a:t>
             </a:fld>
             <a:endParaRPr lang="en-US" dirty="0"/>
           </a:p>
@@ -10972,7 +10979,7 @@
           <a:p>
             <a:fld id="{48A87A34-81AB-432B-8DAE-1953F412C126}" type="datetimeFigureOut">
               <a:rPr lang="en-US" dirty="0"/>
-              <a:t>11/22/2018</a:t>
+              <a:t>11/28/2018</a:t>
             </a:fld>
             <a:endParaRPr lang="en-US" dirty="0"/>
           </a:p>
@@ -11346,7 +11353,7 @@
           <a:p>
             <a:fld id="{48A87A34-81AB-432B-8DAE-1953F412C126}" type="datetimeFigureOut">
               <a:rPr lang="en-US" dirty="0"/>
-              <a:t>11/22/2018</a:t>
+              <a:t>11/28/2018</a:t>
             </a:fld>
             <a:endParaRPr lang="en-US" dirty="0"/>
           </a:p>
@@ -11459,7 +11466,7 @@
           <a:p>
             <a:fld id="{48A87A34-81AB-432B-8DAE-1953F412C126}" type="datetimeFigureOut">
               <a:rPr lang="en-US" dirty="0"/>
-              <a:t>11/22/2018</a:t>
+              <a:t>11/28/2018</a:t>
             </a:fld>
             <a:endParaRPr lang="en-US" dirty="0"/>
           </a:p>
@@ -11549,7 +11556,7 @@
           <a:p>
             <a:fld id="{48A87A34-81AB-432B-8DAE-1953F412C126}" type="datetimeFigureOut">
               <a:rPr lang="en-US" dirty="0"/>
-              <a:t>11/22/2018</a:t>
+              <a:t>11/28/2018</a:t>
             </a:fld>
             <a:endParaRPr lang="en-US" dirty="0"/>
           </a:p>
@@ -11793,7 +11800,7 @@
           <a:p>
             <a:fld id="{48A87A34-81AB-432B-8DAE-1953F412C126}" type="datetimeFigureOut">
               <a:rPr lang="en-US" dirty="0"/>
-              <a:t>11/22/2018</a:t>
+              <a:t>11/28/2018</a:t>
             </a:fld>
             <a:endParaRPr lang="en-US" dirty="0"/>
           </a:p>
@@ -12045,7 +12052,7 @@
           <a:p>
             <a:fld id="{48A87A34-81AB-432B-8DAE-1953F412C126}" type="datetimeFigureOut">
               <a:rPr lang="en-US" dirty="0"/>
-              <a:t>11/22/2018</a:t>
+              <a:t>11/28/2018</a:t>
             </a:fld>
             <a:endParaRPr lang="en-US" dirty="0"/>
           </a:p>
@@ -12284,7 +12291,7 @@
             <a:fld id="{48A87A34-81AB-432B-8DAE-1953F412C126}" type="datetimeFigureOut">
               <a:rPr lang="en-US" dirty="0"/>
               <a:pPr/>
-              <a:t>11/22/2018</a:t>
+              <a:t>11/28/2018</a:t>
             </a:fld>
             <a:endParaRPr lang="en-US" dirty="0"/>
           </a:p>
@@ -30980,8 +30987,8 @@
         </p:nvSpPr>
         <p:spPr>
           <a:xfrm>
-            <a:off x="900018" y="1918603"/>
-            <a:ext cx="9124828" cy="2862322"/>
+            <a:off x="874851" y="1448819"/>
+            <a:ext cx="9124828" cy="4216539"/>
           </a:xfrm>
           <a:prstGeom prst="rect">
             <a:avLst/>
@@ -31024,38 +31031,286 @@
             <a:endParaRPr lang="en-US" altLang="zh-CN" sz="3600" dirty="0"/>
           </a:p>
           <a:p>
-            <a:pPr marL="571500" indent="-571500">
-              <a:buFont typeface="Arial" panose="020B0604020202020204" pitchFamily="34" charset="0"/>
-              <a:buChar char="•"/>
-            </a:pPr>
-            <a:r>
-              <a:rPr lang="zh-CN" altLang="en-US" sz="3600" dirty="0"/>
-              <a:t>每辆车有多少天跑了</a:t>
-            </a:r>
-            <a:r>
-              <a:rPr lang="en-US" altLang="zh-CN" sz="3600" dirty="0"/>
-              <a:t>0~20km</a:t>
-            </a:r>
-            <a:r>
-              <a:rPr lang="zh-CN" altLang="en-US" sz="3600" dirty="0"/>
-              <a:t>，有多少天跑了</a:t>
-            </a:r>
-            <a:r>
-              <a:rPr lang="en-US" altLang="zh-CN" sz="3600" dirty="0"/>
-              <a:t>20~50km,</a:t>
-            </a:r>
-            <a:r>
-              <a:rPr lang="zh-CN" altLang="en-US" sz="3600" dirty="0"/>
-              <a:t>有多少天跑了</a:t>
-            </a:r>
-            <a:r>
-              <a:rPr lang="en-US" altLang="zh-CN" sz="3600" dirty="0"/>
-              <a:t>50km</a:t>
-            </a:r>
-            <a:r>
-              <a:rPr lang="zh-CN" altLang="en-US" sz="3600" dirty="0"/>
-              <a:t>以上？</a:t>
-            </a:r>
+            <a:pPr lvl="2"/>
+            <a:r>
+              <a:rPr lang="en-US" altLang="zh-CN" sz="2000" b="1" dirty="0"/>
+              <a:t>SELECT</a:t>
+            </a:r>
+            <a:r>
+              <a:rPr lang="en-US" altLang="zh-CN" sz="2000" dirty="0"/>
+              <a:t> a.id, a.tm, </a:t>
+            </a:r>
+          </a:p>
+          <a:p>
+            <a:pPr lvl="2"/>
+            <a:r>
+              <a:rPr lang="en-US" altLang="zh-CN" sz="2000" b="1" dirty="0"/>
+              <a:t>    sum</a:t>
+            </a:r>
+            <a:r>
+              <a:rPr lang="en-US" altLang="zh-CN" sz="2000" dirty="0"/>
+              <a:t>(</a:t>
+            </a:r>
+            <a:r>
+              <a:rPr lang="en-US" altLang="zh-CN" sz="2000" dirty="0" err="1"/>
+              <a:t>b.mileage</a:t>
+            </a:r>
+            <a:r>
+              <a:rPr lang="en-US" altLang="zh-CN" sz="2000" dirty="0"/>
+              <a:t>) </a:t>
+            </a:r>
+            <a:r>
+              <a:rPr lang="en-US" altLang="zh-CN" sz="2000" b="1" dirty="0"/>
+              <a:t>as</a:t>
+            </a:r>
+            <a:r>
+              <a:rPr lang="en-US" altLang="zh-CN" sz="2000" dirty="0"/>
+              <a:t> </a:t>
+            </a:r>
+            <a:r>
+              <a:rPr lang="en-US" altLang="zh-CN" sz="2000" dirty="0" err="1"/>
+              <a:t>total_mileage</a:t>
+            </a:r>
+            <a:r>
+              <a:rPr lang="en-US" altLang="zh-CN" sz="2000" dirty="0"/>
+              <a:t>,</a:t>
+            </a:r>
+          </a:p>
+          <a:p>
+            <a:pPr lvl="2"/>
+            <a:r>
+              <a:rPr lang="en-US" altLang="zh-CN" sz="2000" dirty="0"/>
+              <a:t>    100*</a:t>
+            </a:r>
+            <a:r>
+              <a:rPr lang="en-US" altLang="zh-CN" sz="2000" b="1" dirty="0"/>
+              <a:t>sum</a:t>
+            </a:r>
+            <a:r>
+              <a:rPr lang="en-US" altLang="zh-CN" sz="2000" dirty="0"/>
+              <a:t>(</a:t>
+            </a:r>
+            <a:r>
+              <a:rPr lang="en-US" altLang="zh-CN" sz="2000" dirty="0" err="1"/>
+              <a:t>b.fuel</a:t>
+            </a:r>
+            <a:r>
+              <a:rPr lang="en-US" altLang="zh-CN" sz="2000" dirty="0"/>
+              <a:t>)/</a:t>
+            </a:r>
+            <a:r>
+              <a:rPr lang="en-US" altLang="zh-CN" sz="2000" b="1" dirty="0"/>
+              <a:t>sum</a:t>
+            </a:r>
+            <a:r>
+              <a:rPr lang="en-US" altLang="zh-CN" sz="2000" dirty="0"/>
+              <a:t>(</a:t>
+            </a:r>
+            <a:r>
+              <a:rPr lang="en-US" altLang="zh-CN" sz="2000" dirty="0" err="1"/>
+              <a:t>b.mileage</a:t>
+            </a:r>
+            <a:r>
+              <a:rPr lang="en-US" altLang="zh-CN" sz="2000" dirty="0"/>
+              <a:t>) </a:t>
+            </a:r>
+            <a:r>
+              <a:rPr lang="en-US" altLang="zh-CN" sz="2000" b="1" dirty="0"/>
+              <a:t>as</a:t>
+            </a:r>
+            <a:r>
+              <a:rPr lang="en-US" altLang="zh-CN" sz="2000" dirty="0"/>
+              <a:t> </a:t>
+            </a:r>
+            <a:r>
+              <a:rPr lang="en-US" altLang="zh-CN" sz="2000" dirty="0" err="1"/>
+              <a:t>fuelAve</a:t>
+            </a:r>
+            <a:endParaRPr lang="en-US" altLang="zh-CN" sz="2000" dirty="0"/>
+          </a:p>
+          <a:p>
+            <a:pPr lvl="2"/>
+            <a:r>
+              <a:rPr lang="en-US" altLang="zh-CN" sz="2000" b="1" dirty="0"/>
+              <a:t>FROM</a:t>
+            </a:r>
+            <a:r>
+              <a:rPr lang="en-US" altLang="zh-CN" sz="2000" dirty="0"/>
+              <a:t> </a:t>
+            </a:r>
+            <a:r>
+              <a:rPr lang="en-US" altLang="zh-CN" sz="2000" dirty="0" err="1"/>
+              <a:t>mf_days</a:t>
+            </a:r>
+            <a:r>
+              <a:rPr lang="en-US" altLang="zh-CN" sz="2000" dirty="0"/>
+              <a:t> </a:t>
+            </a:r>
+            <a:r>
+              <a:rPr lang="en-US" altLang="zh-CN" sz="2000" b="1" dirty="0"/>
+              <a:t>as</a:t>
+            </a:r>
+            <a:r>
+              <a:rPr lang="en-US" altLang="zh-CN" sz="2000" dirty="0"/>
+              <a:t> a</a:t>
+            </a:r>
+          </a:p>
+          <a:p>
+            <a:pPr lvl="2"/>
+            <a:r>
+              <a:rPr lang="en-US" altLang="zh-CN" sz="2000" b="1" dirty="0"/>
+              <a:t>    JOIN</a:t>
+            </a:r>
+            <a:r>
+              <a:rPr lang="en-US" altLang="zh-CN" sz="2000" dirty="0"/>
+              <a:t> </a:t>
+            </a:r>
+            <a:r>
+              <a:rPr lang="en-US" altLang="zh-CN" sz="2000" dirty="0" err="1"/>
+              <a:t>mf_days</a:t>
+            </a:r>
+            <a:r>
+              <a:rPr lang="en-US" altLang="zh-CN" sz="2000" dirty="0"/>
+              <a:t> </a:t>
+            </a:r>
+            <a:r>
+              <a:rPr lang="en-US" altLang="zh-CN" sz="2000" b="1" dirty="0"/>
+              <a:t>as</a:t>
+            </a:r>
+            <a:r>
+              <a:rPr lang="en-US" altLang="zh-CN" sz="2000" dirty="0"/>
+              <a:t> b </a:t>
+            </a:r>
+            <a:r>
+              <a:rPr lang="en-US" altLang="zh-CN" sz="2000" b="1" dirty="0"/>
+              <a:t>ON</a:t>
+            </a:r>
+            <a:r>
+              <a:rPr lang="en-US" altLang="zh-CN" sz="2000" dirty="0"/>
+              <a:t> a.id=b.id </a:t>
+            </a:r>
+            <a:r>
+              <a:rPr lang="en-US" altLang="zh-CN" sz="2000" b="1" dirty="0"/>
+              <a:t>and</a:t>
+            </a:r>
+          </a:p>
+          <a:p>
+            <a:pPr lvl="2"/>
+            <a:r>
+              <a:rPr lang="en-US" altLang="zh-CN" sz="2000" b="1" dirty="0"/>
+              <a:t>        </a:t>
+            </a:r>
+            <a:r>
+              <a:rPr lang="en-US" altLang="zh-CN" sz="2000" dirty="0"/>
+              <a:t> (a.tm &gt;= b.tm </a:t>
+            </a:r>
+            <a:r>
+              <a:rPr lang="en-US" altLang="zh-CN" sz="2000" b="1" dirty="0"/>
+              <a:t>and</a:t>
+            </a:r>
+            <a:r>
+              <a:rPr lang="en-US" altLang="zh-CN" sz="2000" dirty="0"/>
+              <a:t> </a:t>
+            </a:r>
+            <a:r>
+              <a:rPr lang="en-US" altLang="zh-CN" sz="2000" b="1" dirty="0" err="1">
+                <a:solidFill>
+                  <a:srgbClr val="00B0F0"/>
+                </a:solidFill>
+              </a:rPr>
+              <a:t>date_sub</a:t>
+            </a:r>
+            <a:r>
+              <a:rPr lang="en-US" altLang="zh-CN" sz="2000" dirty="0">
+                <a:solidFill>
+                  <a:srgbClr val="00B0F0"/>
+                </a:solidFill>
+              </a:rPr>
+              <a:t>(a.tm, </a:t>
+            </a:r>
+            <a:r>
+              <a:rPr lang="en-US" altLang="zh-CN" sz="2000" b="1" dirty="0">
+                <a:solidFill>
+                  <a:srgbClr val="00B0F0"/>
+                </a:solidFill>
+              </a:rPr>
+              <a:t>interval</a:t>
+            </a:r>
+            <a:r>
+              <a:rPr lang="en-US" altLang="zh-CN" sz="2000" dirty="0">
+                <a:solidFill>
+                  <a:srgbClr val="00B0F0"/>
+                </a:solidFill>
+              </a:rPr>
+              <a:t> 30 </a:t>
+            </a:r>
+            <a:r>
+              <a:rPr lang="en-US" altLang="zh-CN" sz="2000" b="1" dirty="0">
+                <a:solidFill>
+                  <a:srgbClr val="00B0F0"/>
+                </a:solidFill>
+              </a:rPr>
+              <a:t>day</a:t>
+            </a:r>
+            <a:r>
+              <a:rPr lang="en-US" altLang="zh-CN" sz="2000" dirty="0">
+                <a:solidFill>
+                  <a:srgbClr val="00B0F0"/>
+                </a:solidFill>
+              </a:rPr>
+              <a:t>)&lt;=b.tm</a:t>
+            </a:r>
+            <a:r>
+              <a:rPr lang="en-US" altLang="zh-CN" sz="2000" dirty="0"/>
+              <a:t>)</a:t>
+            </a:r>
+          </a:p>
+          <a:p>
+            <a:pPr lvl="2"/>
+            <a:r>
+              <a:rPr lang="en-US" altLang="zh-CN" sz="2000" b="1" dirty="0"/>
+              <a:t>WHERE</a:t>
+            </a:r>
+            <a:r>
+              <a:rPr lang="en-US" altLang="zh-CN" sz="2000" dirty="0"/>
+              <a:t> </a:t>
+            </a:r>
+            <a:r>
+              <a:rPr lang="en-US" altLang="zh-CN" sz="2000" b="1" dirty="0"/>
+              <a:t>day</a:t>
+            </a:r>
+            <a:r>
+              <a:rPr lang="en-US" altLang="zh-CN" sz="2000" dirty="0"/>
+              <a:t>(a.tm)=1</a:t>
+            </a:r>
+          </a:p>
+          <a:p>
+            <a:pPr lvl="2"/>
+            <a:r>
+              <a:rPr lang="en-US" altLang="zh-CN" sz="2000" b="1" dirty="0"/>
+              <a:t>GROUP</a:t>
+            </a:r>
+            <a:r>
+              <a:rPr lang="en-US" altLang="zh-CN" sz="2000" dirty="0"/>
+              <a:t> </a:t>
+            </a:r>
+            <a:r>
+              <a:rPr lang="en-US" altLang="zh-CN" sz="2000" b="1" dirty="0"/>
+              <a:t>BY</a:t>
+            </a:r>
+            <a:r>
+              <a:rPr lang="en-US" altLang="zh-CN" sz="2000" dirty="0"/>
+              <a:t>  a.id, a.tm, </a:t>
+            </a:r>
+            <a:r>
+              <a:rPr lang="en-US" altLang="zh-CN" sz="2000" b="1" dirty="0"/>
+              <a:t>day</a:t>
+            </a:r>
+            <a:r>
+              <a:rPr lang="en-US" altLang="zh-CN" sz="2000" dirty="0"/>
+              <a:t>(a.tm);</a:t>
+            </a:r>
+            <a:endParaRPr lang="zh-CN" altLang="en-US" sz="2000" dirty="0"/>
           </a:p>
         </p:txBody>
       </p:sp>
@@ -31063,6 +31318,2962 @@
     <p:extLst>
       <p:ext uri="{BB962C8B-B14F-4D97-AF65-F5344CB8AC3E}">
         <p14:creationId xmlns:p14="http://schemas.microsoft.com/office/powerpoint/2010/main" val="2427203893"/>
+      </p:ext>
+    </p:extLst>
+  </p:cSld>
+  <p:clrMapOvr>
+    <a:masterClrMapping/>
+  </p:clrMapOvr>
+  <mc:AlternateContent xmlns:mc="http://schemas.openxmlformats.org/markup-compatibility/2006" xmlns:p14="http://schemas.microsoft.com/office/powerpoint/2010/main">
+    <mc:Choice Requires="p14">
+      <p:transition spd="slow" p14:dur="800">
+        <p14:flythrough/>
+      </p:transition>
+    </mc:Choice>
+    <mc:Fallback xmlns="">
+      <p:transition spd="slow">
+        <p:fade/>
+      </p:transition>
+    </mc:Fallback>
+  </mc:AlternateContent>
+</p:sld>
+</file>
+
+<file path=ppt/slides/slide31.xml><?xml version="1.0" encoding="utf-8"?>
+<p:sld xmlns:a="http://schemas.openxmlformats.org/drawingml/2006/main" xmlns:r="http://schemas.openxmlformats.org/officeDocument/2006/relationships" xmlns:p="http://schemas.openxmlformats.org/presentationml/2006/main">
+  <p:cSld>
+    <p:spTree>
+      <p:nvGrpSpPr>
+        <p:cNvPr id="1" name=""/>
+        <p:cNvGrpSpPr/>
+        <p:nvPr/>
+      </p:nvGrpSpPr>
+      <p:grpSpPr>
+        <a:xfrm>
+          <a:off x="0" y="0"/>
+          <a:ext cx="0" cy="0"/>
+          <a:chOff x="0" y="0"/>
+          <a:chExt cx="0" cy="0"/>
+        </a:xfrm>
+      </p:grpSpPr>
+      <p:sp>
+        <p:nvSpPr>
+          <p:cNvPr id="11" name="TextBox 10">
+            <a:extLst>
+              <a:ext uri="{FF2B5EF4-FFF2-40B4-BE49-F238E27FC236}">
+                <a16:creationId xmlns:a16="http://schemas.microsoft.com/office/drawing/2014/main" id="{0DC89335-B233-4327-BDD8-5084F3F46786}"/>
+              </a:ext>
+            </a:extLst>
+          </p:cNvPr>
+          <p:cNvSpPr txBox="1"/>
+          <p:nvPr/>
+        </p:nvSpPr>
+        <p:spPr>
+          <a:xfrm>
+            <a:off x="8686499" y="0"/>
+            <a:ext cx="1313180" cy="769441"/>
+          </a:xfrm>
+          <a:prstGeom prst="rect">
+            <a:avLst/>
+          </a:prstGeom>
+          <a:noFill/>
+        </p:spPr>
+        <p:txBody>
+          <a:bodyPr wrap="none" rtlCol="0">
+            <a:spAutoFit/>
+          </a:bodyPr>
+          <a:lstStyle/>
+          <a:p>
+            <a:r>
+              <a:rPr lang="zh-CN" altLang="en-US" sz="4400" dirty="0"/>
+              <a:t>问题</a:t>
+            </a:r>
+          </a:p>
+        </p:txBody>
+      </p:sp>
+      <p:sp>
+        <p:nvSpPr>
+          <p:cNvPr id="3" name="TextBox 2">
+            <a:extLst>
+              <a:ext uri="{FF2B5EF4-FFF2-40B4-BE49-F238E27FC236}">
+                <a16:creationId xmlns:a16="http://schemas.microsoft.com/office/drawing/2014/main" id="{0A0F057D-1BAF-4975-AC82-0FA0698659DB}"/>
+              </a:ext>
+            </a:extLst>
+          </p:cNvPr>
+          <p:cNvSpPr txBox="1"/>
+          <p:nvPr/>
+        </p:nvSpPr>
+        <p:spPr>
+          <a:xfrm>
+            <a:off x="715460" y="1058796"/>
+            <a:ext cx="9124828" cy="1200329"/>
+          </a:xfrm>
+          <a:prstGeom prst="rect">
+            <a:avLst/>
+          </a:prstGeom>
+          <a:noFill/>
+        </p:spPr>
+        <p:txBody>
+          <a:bodyPr wrap="square" rtlCol="0">
+            <a:spAutoFit/>
+          </a:bodyPr>
+          <a:lstStyle/>
+          <a:p>
+            <a:pPr marL="571500" indent="-571500">
+              <a:buFont typeface="Arial" panose="020B0604020202020204" pitchFamily="34" charset="0"/>
+              <a:buChar char="•"/>
+            </a:pPr>
+            <a:r>
+              <a:rPr lang="zh-CN" altLang="en-US" sz="3600" dirty="0"/>
+              <a:t>每辆车有多少天跑了</a:t>
+            </a:r>
+            <a:r>
+              <a:rPr lang="en-US" altLang="zh-CN" sz="3600" dirty="0"/>
+              <a:t>0~20km</a:t>
+            </a:r>
+            <a:r>
+              <a:rPr lang="zh-CN" altLang="en-US" sz="3600" dirty="0"/>
+              <a:t>，有多少天跑了</a:t>
+            </a:r>
+            <a:r>
+              <a:rPr lang="en-US" altLang="zh-CN" sz="3600" dirty="0"/>
+              <a:t>20~50km,</a:t>
+            </a:r>
+            <a:r>
+              <a:rPr lang="zh-CN" altLang="en-US" sz="3600" dirty="0"/>
+              <a:t>有多少天跑了</a:t>
+            </a:r>
+            <a:r>
+              <a:rPr lang="en-US" altLang="zh-CN" sz="3600" dirty="0"/>
+              <a:t>50km</a:t>
+            </a:r>
+            <a:r>
+              <a:rPr lang="zh-CN" altLang="en-US" sz="3600" dirty="0"/>
+              <a:t>以上？</a:t>
+            </a:r>
+          </a:p>
+        </p:txBody>
+      </p:sp>
+      <p:sp>
+        <p:nvSpPr>
+          <p:cNvPr id="2" name="Rectangle 1">
+            <a:extLst>
+              <a:ext uri="{FF2B5EF4-FFF2-40B4-BE49-F238E27FC236}">
+                <a16:creationId xmlns:a16="http://schemas.microsoft.com/office/drawing/2014/main" id="{3140679F-E5EC-4CD6-801F-188C148505F0}"/>
+              </a:ext>
+            </a:extLst>
+          </p:cNvPr>
+          <p:cNvSpPr/>
+          <p:nvPr/>
+        </p:nvSpPr>
+        <p:spPr>
+          <a:xfrm>
+            <a:off x="2158767" y="2548480"/>
+            <a:ext cx="6339282" cy="3139321"/>
+          </a:xfrm>
+          <a:prstGeom prst="rect">
+            <a:avLst/>
+          </a:prstGeom>
+        </p:spPr>
+        <p:txBody>
+          <a:bodyPr wrap="square">
+            <a:spAutoFit/>
+          </a:bodyPr>
+          <a:lstStyle/>
+          <a:p>
+            <a:r>
+              <a:rPr lang="pt-BR" altLang="zh-CN" b="1" dirty="0"/>
+              <a:t>WITH</a:t>
+            </a:r>
+            <a:r>
+              <a:rPr lang="pt-BR" altLang="zh-CN" dirty="0"/>
+              <a:t> s(n, lo, hi) </a:t>
+            </a:r>
+            <a:r>
+              <a:rPr lang="pt-BR" altLang="zh-CN" b="1" dirty="0"/>
+              <a:t>AS</a:t>
+            </a:r>
+            <a:r>
+              <a:rPr lang="pt-BR" altLang="zh-CN" dirty="0"/>
+              <a:t>(</a:t>
+            </a:r>
+          </a:p>
+          <a:p>
+            <a:r>
+              <a:rPr lang="en-US" altLang="zh-CN" b="1" dirty="0"/>
+              <a:t>    SELECT</a:t>
+            </a:r>
+            <a:r>
+              <a:rPr lang="en-US" altLang="zh-CN" dirty="0"/>
+              <a:t> 1, 0,  20</a:t>
+            </a:r>
+          </a:p>
+          <a:p>
+            <a:r>
+              <a:rPr lang="en-US" altLang="zh-CN" b="1" dirty="0"/>
+              <a:t>    UNION</a:t>
+            </a:r>
+            <a:r>
+              <a:rPr lang="en-US" altLang="zh-CN" dirty="0"/>
+              <a:t> </a:t>
+            </a:r>
+            <a:r>
+              <a:rPr lang="en-US" altLang="zh-CN" b="1" dirty="0"/>
+              <a:t>ALL</a:t>
+            </a:r>
+            <a:r>
+              <a:rPr lang="en-US" altLang="zh-CN" dirty="0"/>
+              <a:t> </a:t>
+            </a:r>
+            <a:r>
+              <a:rPr lang="en-US" altLang="zh-CN" b="1" dirty="0"/>
+              <a:t>SELECT</a:t>
+            </a:r>
+            <a:r>
+              <a:rPr lang="en-US" altLang="zh-CN" dirty="0"/>
+              <a:t> 2, 20, 50</a:t>
+            </a:r>
+          </a:p>
+          <a:p>
+            <a:r>
+              <a:rPr lang="en-US" altLang="zh-CN" b="1" dirty="0"/>
+              <a:t>    UNION</a:t>
+            </a:r>
+            <a:r>
+              <a:rPr lang="en-US" altLang="zh-CN" dirty="0"/>
+              <a:t> </a:t>
+            </a:r>
+            <a:r>
+              <a:rPr lang="en-US" altLang="zh-CN" b="1" dirty="0"/>
+              <a:t>ALL</a:t>
+            </a:r>
+            <a:r>
+              <a:rPr lang="en-US" altLang="zh-CN" dirty="0"/>
+              <a:t> </a:t>
+            </a:r>
+            <a:r>
+              <a:rPr lang="en-US" altLang="zh-CN" b="1" dirty="0"/>
+              <a:t>SELECT</a:t>
+            </a:r>
+            <a:r>
+              <a:rPr lang="en-US" altLang="zh-CN" dirty="0"/>
+              <a:t> 3, 50, 1000</a:t>
+            </a:r>
+          </a:p>
+          <a:p>
+            <a:r>
+              <a:rPr lang="en-US" altLang="zh-CN" dirty="0"/>
+              <a:t>)</a:t>
+            </a:r>
+          </a:p>
+          <a:p>
+            <a:r>
+              <a:rPr lang="nl-NL" altLang="zh-CN" b="1" dirty="0"/>
+              <a:t>SELECT</a:t>
+            </a:r>
+            <a:r>
+              <a:rPr lang="nl-NL" altLang="zh-CN" dirty="0"/>
+              <a:t> m.id, v5.vin, v5.plateNo,</a:t>
+            </a:r>
+          </a:p>
+          <a:p>
+            <a:r>
+              <a:rPr lang="en-US" altLang="zh-CN" b="1" dirty="0"/>
+              <a:t>    </a:t>
+            </a:r>
+            <a:r>
+              <a:rPr lang="en-US" altLang="zh-CN" b="1" dirty="0" err="1"/>
+              <a:t>concat</a:t>
+            </a:r>
+            <a:r>
+              <a:rPr lang="en-US" altLang="zh-CN" dirty="0"/>
+              <a:t>(</a:t>
+            </a:r>
+            <a:r>
+              <a:rPr lang="en-US" altLang="zh-CN" dirty="0" err="1"/>
+              <a:t>s.lo</a:t>
+            </a:r>
+            <a:r>
+              <a:rPr lang="en-US" altLang="zh-CN" dirty="0"/>
+              <a:t>, '~', </a:t>
+            </a:r>
+            <a:r>
+              <a:rPr lang="en-US" altLang="zh-CN" dirty="0" err="1"/>
+              <a:t>s.hi</a:t>
+            </a:r>
+            <a:r>
+              <a:rPr lang="en-US" altLang="zh-CN" dirty="0"/>
+              <a:t>) </a:t>
+            </a:r>
+            <a:r>
+              <a:rPr lang="en-US" altLang="zh-CN" b="1" dirty="0"/>
+              <a:t>as</a:t>
+            </a:r>
+            <a:r>
+              <a:rPr lang="en-US" altLang="zh-CN" dirty="0"/>
+              <a:t> segment, </a:t>
+            </a:r>
+            <a:r>
+              <a:rPr lang="en-US" altLang="zh-CN" b="1" dirty="0"/>
+              <a:t>count</a:t>
+            </a:r>
+            <a:r>
+              <a:rPr lang="en-US" altLang="zh-CN" dirty="0"/>
+              <a:t>(*)</a:t>
+            </a:r>
+          </a:p>
+          <a:p>
+            <a:r>
+              <a:rPr lang="en-US" altLang="zh-CN" b="1" dirty="0"/>
+              <a:t>FROM</a:t>
+            </a:r>
+            <a:r>
+              <a:rPr lang="en-US" altLang="zh-CN" dirty="0"/>
+              <a:t> </a:t>
+            </a:r>
+            <a:r>
+              <a:rPr lang="en-US" altLang="zh-CN" dirty="0" err="1"/>
+              <a:t>mf_days</a:t>
+            </a:r>
+            <a:r>
+              <a:rPr lang="en-US" altLang="zh-CN" dirty="0"/>
+              <a:t> </a:t>
+            </a:r>
+            <a:r>
+              <a:rPr lang="en-US" altLang="zh-CN" b="1" dirty="0"/>
+              <a:t>as</a:t>
+            </a:r>
+            <a:r>
+              <a:rPr lang="en-US" altLang="zh-CN" dirty="0"/>
+              <a:t> m</a:t>
+            </a:r>
+          </a:p>
+          <a:p>
+            <a:r>
+              <a:rPr lang="en-US" altLang="zh-CN" b="1" dirty="0"/>
+              <a:t>    </a:t>
+            </a:r>
+            <a:r>
+              <a:rPr lang="en-US" altLang="zh-CN" b="1" dirty="0">
+                <a:solidFill>
+                  <a:srgbClr val="00B0F0"/>
+                </a:solidFill>
+              </a:rPr>
+              <a:t>JOIN</a:t>
+            </a:r>
+            <a:r>
+              <a:rPr lang="en-US" altLang="zh-CN" dirty="0">
+                <a:solidFill>
+                  <a:srgbClr val="00B0F0"/>
+                </a:solidFill>
+              </a:rPr>
+              <a:t> s </a:t>
+            </a:r>
+            <a:r>
+              <a:rPr lang="en-US" altLang="zh-CN" b="1" dirty="0">
+                <a:solidFill>
+                  <a:srgbClr val="00B0F0"/>
+                </a:solidFill>
+              </a:rPr>
+              <a:t>ON</a:t>
+            </a:r>
+            <a:r>
+              <a:rPr lang="en-US" altLang="zh-CN" dirty="0">
+                <a:solidFill>
+                  <a:srgbClr val="00B0F0"/>
+                </a:solidFill>
+              </a:rPr>
+              <a:t> </a:t>
+            </a:r>
+            <a:r>
+              <a:rPr lang="en-US" altLang="zh-CN" dirty="0" err="1">
+                <a:solidFill>
+                  <a:srgbClr val="00B0F0"/>
+                </a:solidFill>
+              </a:rPr>
+              <a:t>m.mileage</a:t>
+            </a:r>
+            <a:r>
+              <a:rPr lang="en-US" altLang="zh-CN" dirty="0">
+                <a:solidFill>
+                  <a:srgbClr val="00B0F0"/>
+                </a:solidFill>
+              </a:rPr>
+              <a:t> &gt;= </a:t>
+            </a:r>
+            <a:r>
+              <a:rPr lang="en-US" altLang="zh-CN" dirty="0" err="1">
+                <a:solidFill>
+                  <a:srgbClr val="00B0F0"/>
+                </a:solidFill>
+              </a:rPr>
+              <a:t>s.lo</a:t>
+            </a:r>
+            <a:r>
+              <a:rPr lang="en-US" altLang="zh-CN" dirty="0">
+                <a:solidFill>
+                  <a:srgbClr val="00B0F0"/>
+                </a:solidFill>
+              </a:rPr>
+              <a:t> </a:t>
+            </a:r>
+            <a:r>
+              <a:rPr lang="en-US" altLang="zh-CN" b="1" dirty="0">
+                <a:solidFill>
+                  <a:srgbClr val="00B0F0"/>
+                </a:solidFill>
+              </a:rPr>
+              <a:t>and</a:t>
+            </a:r>
+            <a:r>
+              <a:rPr lang="en-US" altLang="zh-CN" dirty="0">
+                <a:solidFill>
+                  <a:srgbClr val="00B0F0"/>
+                </a:solidFill>
+              </a:rPr>
+              <a:t> </a:t>
+            </a:r>
+            <a:r>
+              <a:rPr lang="en-US" altLang="zh-CN" dirty="0" err="1">
+                <a:solidFill>
+                  <a:srgbClr val="00B0F0"/>
+                </a:solidFill>
+              </a:rPr>
+              <a:t>m.mileage</a:t>
+            </a:r>
+            <a:r>
+              <a:rPr lang="en-US" altLang="zh-CN" dirty="0">
+                <a:solidFill>
+                  <a:srgbClr val="00B0F0"/>
+                </a:solidFill>
+              </a:rPr>
+              <a:t> &lt; </a:t>
+            </a:r>
+            <a:r>
+              <a:rPr lang="en-US" altLang="zh-CN" dirty="0" err="1">
+                <a:solidFill>
+                  <a:srgbClr val="00B0F0"/>
+                </a:solidFill>
+              </a:rPr>
+              <a:t>s.hi</a:t>
+            </a:r>
+            <a:endParaRPr lang="en-US" altLang="zh-CN" dirty="0">
+              <a:solidFill>
+                <a:srgbClr val="00B0F0"/>
+              </a:solidFill>
+            </a:endParaRPr>
+          </a:p>
+          <a:p>
+            <a:r>
+              <a:rPr lang="fi-FI" altLang="zh-CN" b="1" dirty="0"/>
+              <a:t>    JOIN</a:t>
+            </a:r>
+            <a:r>
+              <a:rPr lang="fi-FI" altLang="zh-CN" dirty="0"/>
+              <a:t> v5 </a:t>
+            </a:r>
+            <a:r>
+              <a:rPr lang="fi-FI" altLang="zh-CN" b="1" dirty="0"/>
+              <a:t>ON</a:t>
+            </a:r>
+            <a:r>
+              <a:rPr lang="fi-FI" altLang="zh-CN" dirty="0"/>
+              <a:t> m.id = v5.id</a:t>
+            </a:r>
+          </a:p>
+          <a:p>
+            <a:r>
+              <a:rPr lang="en-US" altLang="zh-CN" b="1" dirty="0"/>
+              <a:t>GROUP</a:t>
+            </a:r>
+            <a:r>
+              <a:rPr lang="en-US" altLang="zh-CN" dirty="0"/>
+              <a:t> </a:t>
+            </a:r>
+            <a:r>
+              <a:rPr lang="en-US" altLang="zh-CN" b="1" dirty="0"/>
+              <a:t>BY</a:t>
+            </a:r>
+            <a:r>
+              <a:rPr lang="en-US" altLang="zh-CN" dirty="0"/>
+              <a:t> m.id, v5.vin, v5.plateNo, </a:t>
+            </a:r>
+            <a:r>
+              <a:rPr lang="en-US" altLang="zh-CN" dirty="0" err="1"/>
+              <a:t>s.lo</a:t>
+            </a:r>
+            <a:r>
+              <a:rPr lang="en-US" altLang="zh-CN" dirty="0"/>
+              <a:t>, </a:t>
+            </a:r>
+            <a:r>
+              <a:rPr lang="en-US" altLang="zh-CN" dirty="0" err="1"/>
+              <a:t>s.hi</a:t>
+            </a:r>
+            <a:r>
+              <a:rPr lang="en-US" altLang="zh-CN" dirty="0"/>
+              <a:t>;</a:t>
+            </a:r>
+          </a:p>
+        </p:txBody>
+      </p:sp>
+    </p:spTree>
+    <p:extLst>
+      <p:ext uri="{BB962C8B-B14F-4D97-AF65-F5344CB8AC3E}">
+        <p14:creationId xmlns:p14="http://schemas.microsoft.com/office/powerpoint/2010/main" val="3220904186"/>
+      </p:ext>
+    </p:extLst>
+  </p:cSld>
+  <p:clrMapOvr>
+    <a:masterClrMapping/>
+  </p:clrMapOvr>
+  <mc:AlternateContent xmlns:mc="http://schemas.openxmlformats.org/markup-compatibility/2006" xmlns:p14="http://schemas.microsoft.com/office/powerpoint/2010/main">
+    <mc:Choice Requires="p14">
+      <p:transition spd="slow" p14:dur="800">
+        <p14:flythrough/>
+      </p:transition>
+    </mc:Choice>
+    <mc:Fallback xmlns="">
+      <p:transition spd="slow">
+        <p:fade/>
+      </p:transition>
+    </mc:Fallback>
+  </mc:AlternateContent>
+</p:sld>
+</file>
+
+<file path=ppt/slides/slide32.xml><?xml version="1.0" encoding="utf-8"?>
+<p:sld xmlns:a="http://schemas.openxmlformats.org/drawingml/2006/main" xmlns:r="http://schemas.openxmlformats.org/officeDocument/2006/relationships" xmlns:p="http://schemas.openxmlformats.org/presentationml/2006/main">
+  <p:cSld>
+    <p:spTree>
+      <p:nvGrpSpPr>
+        <p:cNvPr id="1" name=""/>
+        <p:cNvGrpSpPr/>
+        <p:nvPr/>
+      </p:nvGrpSpPr>
+      <p:grpSpPr>
+        <a:xfrm>
+          <a:off x="0" y="0"/>
+          <a:ext cx="0" cy="0"/>
+          <a:chOff x="0" y="0"/>
+          <a:chExt cx="0" cy="0"/>
+        </a:xfrm>
+      </p:grpSpPr>
+      <p:sp>
+        <p:nvSpPr>
+          <p:cNvPr id="2" name="Title 1">
+            <a:extLst>
+              <a:ext uri="{FF2B5EF4-FFF2-40B4-BE49-F238E27FC236}">
+                <a16:creationId xmlns:a16="http://schemas.microsoft.com/office/drawing/2014/main" id="{493470F6-5D69-42FC-867E-DFF1659DA407}"/>
+              </a:ext>
+            </a:extLst>
+          </p:cNvPr>
+          <p:cNvSpPr>
+            <a:spLocks noGrp="1"/>
+          </p:cNvSpPr>
+          <p:nvPr>
+            <p:ph type="ctrTitle"/>
+          </p:nvPr>
+        </p:nvSpPr>
+        <p:spPr>
+          <a:xfrm>
+            <a:off x="2966296" y="2522115"/>
+            <a:ext cx="6026702" cy="906885"/>
+          </a:xfrm>
+        </p:spPr>
+        <p:txBody>
+          <a:bodyPr>
+            <a:normAutofit fontScale="90000"/>
+          </a:bodyPr>
+          <a:lstStyle/>
+          <a:p>
+            <a:r>
+              <a:rPr lang="en-US" altLang="zh-CN" dirty="0"/>
+              <a:t>programming</a:t>
+            </a:r>
+            <a:endParaRPr lang="zh-CN" altLang="en-US" dirty="0"/>
+          </a:p>
+        </p:txBody>
+      </p:sp>
+    </p:spTree>
+    <p:extLst>
+      <p:ext uri="{BB962C8B-B14F-4D97-AF65-F5344CB8AC3E}">
+        <p14:creationId xmlns:p14="http://schemas.microsoft.com/office/powerpoint/2010/main" val="3685319448"/>
+      </p:ext>
+    </p:extLst>
+  </p:cSld>
+  <p:clrMapOvr>
+    <a:masterClrMapping/>
+  </p:clrMapOvr>
+  <mc:AlternateContent xmlns:mc="http://schemas.openxmlformats.org/markup-compatibility/2006" xmlns:p14="http://schemas.microsoft.com/office/powerpoint/2010/main">
+    <mc:Choice Requires="p14">
+      <p:transition spd="slow" p14:dur="800">
+        <p14:flythrough/>
+      </p:transition>
+    </mc:Choice>
+    <mc:Fallback xmlns="">
+      <p:transition spd="slow">
+        <p:fade/>
+      </p:transition>
+    </mc:Fallback>
+  </mc:AlternateContent>
+</p:sld>
+</file>
+
+<file path=ppt/slides/slide33.xml><?xml version="1.0" encoding="utf-8"?>
+<p:sld xmlns:a="http://schemas.openxmlformats.org/drawingml/2006/main" xmlns:r="http://schemas.openxmlformats.org/officeDocument/2006/relationships" xmlns:p="http://schemas.openxmlformats.org/presentationml/2006/main">
+  <p:cSld>
+    <p:spTree>
+      <p:nvGrpSpPr>
+        <p:cNvPr id="1" name=""/>
+        <p:cNvGrpSpPr/>
+        <p:nvPr/>
+      </p:nvGrpSpPr>
+      <p:grpSpPr>
+        <a:xfrm>
+          <a:off x="0" y="0"/>
+          <a:ext cx="0" cy="0"/>
+          <a:chOff x="0" y="0"/>
+          <a:chExt cx="0" cy="0"/>
+        </a:xfrm>
+      </p:grpSpPr>
+      <p:sp>
+        <p:nvSpPr>
+          <p:cNvPr id="5" name="TextBox 4">
+            <a:extLst>
+              <a:ext uri="{FF2B5EF4-FFF2-40B4-BE49-F238E27FC236}">
+                <a16:creationId xmlns:a16="http://schemas.microsoft.com/office/drawing/2014/main" id="{11791095-613B-405C-869C-54D48E15BEE7}"/>
+              </a:ext>
+            </a:extLst>
+          </p:cNvPr>
+          <p:cNvSpPr txBox="1"/>
+          <p:nvPr/>
+        </p:nvSpPr>
+        <p:spPr>
+          <a:xfrm>
+            <a:off x="8246377" y="318782"/>
+            <a:ext cx="2079415" cy="646331"/>
+          </a:xfrm>
+          <a:prstGeom prst="rect">
+            <a:avLst/>
+          </a:prstGeom>
+          <a:noFill/>
+        </p:spPr>
+        <p:txBody>
+          <a:bodyPr wrap="none" rtlCol="0">
+            <a:spAutoFit/>
+          </a:bodyPr>
+          <a:lstStyle/>
+          <a:p>
+            <a:r>
+              <a:rPr lang="en-US" altLang="zh-CN" sz="3600" dirty="0"/>
+              <a:t>Variable</a:t>
+            </a:r>
+            <a:endParaRPr lang="zh-CN" altLang="en-US" sz="3600" dirty="0"/>
+          </a:p>
+        </p:txBody>
+      </p:sp>
+      <p:sp>
+        <p:nvSpPr>
+          <p:cNvPr id="6" name="Rectangle 5">
+            <a:extLst>
+              <a:ext uri="{FF2B5EF4-FFF2-40B4-BE49-F238E27FC236}">
+                <a16:creationId xmlns:a16="http://schemas.microsoft.com/office/drawing/2014/main" id="{BC20D70E-3C51-4C7A-9C36-A6F4938A6B2B}"/>
+              </a:ext>
+            </a:extLst>
+          </p:cNvPr>
+          <p:cNvSpPr/>
+          <p:nvPr/>
+        </p:nvSpPr>
+        <p:spPr>
+          <a:xfrm>
+            <a:off x="2024543" y="2476660"/>
+            <a:ext cx="7798966" cy="1200329"/>
+          </a:xfrm>
+          <a:prstGeom prst="rect">
+            <a:avLst/>
+          </a:prstGeom>
+        </p:spPr>
+        <p:txBody>
+          <a:bodyPr wrap="square">
+            <a:spAutoFit/>
+          </a:bodyPr>
+          <a:lstStyle/>
+          <a:p>
+            <a:r>
+              <a:rPr lang="en-US" altLang="zh-CN" sz="3600" b="1" dirty="0"/>
+              <a:t>SET</a:t>
+            </a:r>
+            <a:r>
+              <a:rPr lang="en-US" altLang="zh-CN" sz="3600" dirty="0"/>
+              <a:t> </a:t>
+            </a:r>
+            <a:r>
+              <a:rPr lang="en-US" altLang="zh-CN" sz="3600" dirty="0">
+                <a:solidFill>
+                  <a:srgbClr val="00B0F0"/>
+                </a:solidFill>
+              </a:rPr>
+              <a:t>@</a:t>
+            </a:r>
+            <a:r>
+              <a:rPr lang="en-US" altLang="zh-CN" sz="3600" dirty="0" err="1">
+                <a:solidFill>
+                  <a:srgbClr val="00B0F0"/>
+                </a:solidFill>
+              </a:rPr>
+              <a:t>i</a:t>
+            </a:r>
+            <a:r>
+              <a:rPr lang="en-US" altLang="zh-CN" sz="3600" dirty="0"/>
+              <a:t>:=0;</a:t>
+            </a:r>
+          </a:p>
+          <a:p>
+            <a:r>
+              <a:rPr lang="en-US" altLang="zh-CN" sz="3600" b="1" dirty="0"/>
+              <a:t>SELECT</a:t>
+            </a:r>
+            <a:r>
+              <a:rPr lang="en-US" altLang="zh-CN" sz="3600" dirty="0"/>
+              <a:t> *, </a:t>
+            </a:r>
+            <a:r>
+              <a:rPr lang="en-US" altLang="zh-CN" sz="3600" dirty="0">
+                <a:solidFill>
+                  <a:srgbClr val="00B0F0"/>
+                </a:solidFill>
+              </a:rPr>
+              <a:t>@</a:t>
+            </a:r>
+            <a:r>
+              <a:rPr lang="en-US" altLang="zh-CN" sz="3600" dirty="0" err="1">
+                <a:solidFill>
+                  <a:srgbClr val="00B0F0"/>
+                </a:solidFill>
+              </a:rPr>
+              <a:t>i</a:t>
+            </a:r>
+            <a:r>
+              <a:rPr lang="en-US" altLang="zh-CN" sz="3600" dirty="0"/>
+              <a:t>:=@i+1 </a:t>
+            </a:r>
+            <a:r>
+              <a:rPr lang="en-US" altLang="zh-CN" sz="3600" b="1" dirty="0"/>
+              <a:t>FROM</a:t>
+            </a:r>
+            <a:r>
+              <a:rPr lang="en-US" altLang="zh-CN" sz="3600" dirty="0"/>
+              <a:t> </a:t>
+            </a:r>
+            <a:r>
+              <a:rPr lang="en-US" altLang="zh-CN" sz="3600" dirty="0" err="1"/>
+              <a:t>mf_days</a:t>
+            </a:r>
+            <a:r>
+              <a:rPr lang="en-US" altLang="zh-CN" sz="3600" dirty="0"/>
+              <a:t>;</a:t>
+            </a:r>
+          </a:p>
+        </p:txBody>
+      </p:sp>
+    </p:spTree>
+    <p:extLst>
+      <p:ext uri="{BB962C8B-B14F-4D97-AF65-F5344CB8AC3E}">
+        <p14:creationId xmlns:p14="http://schemas.microsoft.com/office/powerpoint/2010/main" val="2208220686"/>
+      </p:ext>
+    </p:extLst>
+  </p:cSld>
+  <p:clrMapOvr>
+    <a:masterClrMapping/>
+  </p:clrMapOvr>
+  <mc:AlternateContent xmlns:mc="http://schemas.openxmlformats.org/markup-compatibility/2006" xmlns:p14="http://schemas.microsoft.com/office/powerpoint/2010/main">
+    <mc:Choice Requires="p14">
+      <p:transition spd="slow" p14:dur="800">
+        <p14:flythrough/>
+      </p:transition>
+    </mc:Choice>
+    <mc:Fallback xmlns="">
+      <p:transition spd="slow">
+        <p:fade/>
+      </p:transition>
+    </mc:Fallback>
+  </mc:AlternateContent>
+</p:sld>
+</file>
+
+<file path=ppt/slides/slide34.xml><?xml version="1.0" encoding="utf-8"?>
+<p:sld xmlns:a="http://schemas.openxmlformats.org/drawingml/2006/main" xmlns:r="http://schemas.openxmlformats.org/officeDocument/2006/relationships" xmlns:p="http://schemas.openxmlformats.org/presentationml/2006/main">
+  <p:cSld>
+    <p:spTree>
+      <p:nvGrpSpPr>
+        <p:cNvPr id="1" name=""/>
+        <p:cNvGrpSpPr/>
+        <p:nvPr/>
+      </p:nvGrpSpPr>
+      <p:grpSpPr>
+        <a:xfrm>
+          <a:off x="0" y="0"/>
+          <a:ext cx="0" cy="0"/>
+          <a:chOff x="0" y="0"/>
+          <a:chExt cx="0" cy="0"/>
+        </a:xfrm>
+      </p:grpSpPr>
+      <p:sp>
+        <p:nvSpPr>
+          <p:cNvPr id="5" name="TextBox 4">
+            <a:extLst>
+              <a:ext uri="{FF2B5EF4-FFF2-40B4-BE49-F238E27FC236}">
+                <a16:creationId xmlns:a16="http://schemas.microsoft.com/office/drawing/2014/main" id="{11791095-613B-405C-869C-54D48E15BEE7}"/>
+              </a:ext>
+            </a:extLst>
+          </p:cNvPr>
+          <p:cNvSpPr txBox="1"/>
+          <p:nvPr/>
+        </p:nvSpPr>
+        <p:spPr>
+          <a:xfrm>
+            <a:off x="8246377" y="318782"/>
+            <a:ext cx="1284326" cy="646331"/>
+          </a:xfrm>
+          <a:prstGeom prst="rect">
+            <a:avLst/>
+          </a:prstGeom>
+          <a:noFill/>
+        </p:spPr>
+        <p:txBody>
+          <a:bodyPr wrap="none" rtlCol="0">
+            <a:spAutoFit/>
+          </a:bodyPr>
+          <a:lstStyle/>
+          <a:p>
+            <a:r>
+              <a:rPr lang="en-US" altLang="zh-CN" sz="3600" dirty="0"/>
+              <a:t>View</a:t>
+            </a:r>
+            <a:endParaRPr lang="zh-CN" altLang="en-US" sz="3600" dirty="0"/>
+          </a:p>
+        </p:txBody>
+      </p:sp>
+      <p:sp>
+        <p:nvSpPr>
+          <p:cNvPr id="6" name="Rectangle 5">
+            <a:extLst>
+              <a:ext uri="{FF2B5EF4-FFF2-40B4-BE49-F238E27FC236}">
+                <a16:creationId xmlns:a16="http://schemas.microsoft.com/office/drawing/2014/main" id="{BC20D70E-3C51-4C7A-9C36-A6F4938A6B2B}"/>
+              </a:ext>
+            </a:extLst>
+          </p:cNvPr>
+          <p:cNvSpPr/>
+          <p:nvPr/>
+        </p:nvSpPr>
+        <p:spPr>
+          <a:xfrm>
+            <a:off x="1246464" y="1452230"/>
+            <a:ext cx="9699072" cy="3539430"/>
+          </a:xfrm>
+          <a:prstGeom prst="rect">
+            <a:avLst/>
+          </a:prstGeom>
+        </p:spPr>
+        <p:txBody>
+          <a:bodyPr wrap="square">
+            <a:spAutoFit/>
+          </a:bodyPr>
+          <a:lstStyle/>
+          <a:p>
+            <a:r>
+              <a:rPr lang="en-US" altLang="zh-CN" sz="3200" b="1" dirty="0"/>
+              <a:t>CREATE</a:t>
+            </a:r>
+            <a:r>
+              <a:rPr lang="en-US" altLang="zh-CN" sz="3200" dirty="0"/>
+              <a:t> </a:t>
+            </a:r>
+            <a:r>
+              <a:rPr lang="en-US" altLang="zh-CN" sz="3200" b="1" dirty="0"/>
+              <a:t>VIEW</a:t>
+            </a:r>
+            <a:r>
+              <a:rPr lang="en-US" altLang="zh-CN" sz="3200" dirty="0"/>
+              <a:t> v5mf </a:t>
+            </a:r>
+            <a:r>
+              <a:rPr lang="en-US" altLang="zh-CN" sz="3200" b="1" dirty="0"/>
+              <a:t>AS</a:t>
+            </a:r>
+          </a:p>
+          <a:p>
+            <a:r>
+              <a:rPr lang="en-US" altLang="zh-CN" sz="3200" b="1" dirty="0"/>
+              <a:t>SELECT</a:t>
+            </a:r>
+            <a:r>
+              <a:rPr lang="en-US" altLang="zh-CN" sz="3200" dirty="0"/>
+              <a:t> v.id, </a:t>
+            </a:r>
+            <a:r>
+              <a:rPr lang="en-US" altLang="zh-CN" sz="3200" dirty="0" err="1"/>
+              <a:t>v.vin</a:t>
+            </a:r>
+            <a:r>
+              <a:rPr lang="en-US" altLang="zh-CN" sz="3200" dirty="0"/>
+              <a:t>, </a:t>
+            </a:r>
+            <a:r>
+              <a:rPr lang="en-US" altLang="zh-CN" sz="3200" dirty="0" err="1"/>
+              <a:t>v.plateNo</a:t>
+            </a:r>
+            <a:r>
+              <a:rPr lang="en-US" altLang="zh-CN" sz="3200" dirty="0"/>
+              <a:t>, </a:t>
+            </a:r>
+            <a:r>
+              <a:rPr lang="en-US" altLang="zh-CN" sz="3200" dirty="0" err="1"/>
+              <a:t>v.disp</a:t>
+            </a:r>
+            <a:r>
+              <a:rPr lang="en-US" altLang="zh-CN" sz="3200" dirty="0"/>
+              <a:t>, </a:t>
+            </a:r>
+            <a:r>
+              <a:rPr lang="en-US" altLang="zh-CN" sz="3200" dirty="0" err="1"/>
+              <a:t>v.turbo</a:t>
+            </a:r>
+            <a:r>
+              <a:rPr lang="en-US" altLang="zh-CN" sz="3200" dirty="0"/>
+              <a:t>,</a:t>
+            </a:r>
+          </a:p>
+          <a:p>
+            <a:r>
+              <a:rPr lang="en-US" altLang="zh-CN" sz="3200" dirty="0"/>
+              <a:t>    </a:t>
+            </a:r>
+            <a:r>
+              <a:rPr lang="en-US" altLang="zh-CN" sz="3200" dirty="0" err="1"/>
+              <a:t>s.mf</a:t>
+            </a:r>
+            <a:r>
+              <a:rPr lang="en-US" altLang="zh-CN" sz="3200" dirty="0"/>
+              <a:t>, </a:t>
+            </a:r>
+            <a:r>
+              <a:rPr lang="en-US" altLang="zh-CN" sz="3200" dirty="0" err="1"/>
+              <a:t>s.brand</a:t>
+            </a:r>
+            <a:r>
+              <a:rPr lang="en-US" altLang="zh-CN" sz="3200" dirty="0"/>
+              <a:t>, </a:t>
+            </a:r>
+            <a:r>
+              <a:rPr lang="en-US" altLang="zh-CN" sz="3200" dirty="0" err="1"/>
+              <a:t>s.series</a:t>
+            </a:r>
+            <a:r>
+              <a:rPr lang="en-US" altLang="zh-CN" sz="3200" dirty="0"/>
+              <a:t>,</a:t>
+            </a:r>
+          </a:p>
+          <a:p>
+            <a:r>
+              <a:rPr lang="en-US" altLang="zh-CN" sz="3200" dirty="0"/>
+              <a:t>    </a:t>
+            </a:r>
+            <a:r>
+              <a:rPr lang="en-US" altLang="zh-CN" sz="3200" dirty="0" err="1"/>
+              <a:t>m.mileage</a:t>
+            </a:r>
+            <a:r>
+              <a:rPr lang="en-US" altLang="zh-CN" sz="3200" dirty="0"/>
+              <a:t>, </a:t>
+            </a:r>
+            <a:r>
+              <a:rPr lang="en-US" altLang="zh-CN" sz="3200" dirty="0" err="1"/>
+              <a:t>m.fuel</a:t>
+            </a:r>
+            <a:r>
+              <a:rPr lang="en-US" altLang="zh-CN" sz="3200" dirty="0"/>
+              <a:t>, m.tm</a:t>
+            </a:r>
+          </a:p>
+          <a:p>
+            <a:r>
+              <a:rPr lang="en-US" altLang="zh-CN" sz="3200" b="1" dirty="0"/>
+              <a:t>FROM</a:t>
+            </a:r>
+            <a:r>
+              <a:rPr lang="en-US" altLang="zh-CN" sz="3200" dirty="0"/>
+              <a:t> v5 </a:t>
+            </a:r>
+            <a:r>
+              <a:rPr lang="en-US" altLang="zh-CN" sz="3200" b="1" dirty="0"/>
+              <a:t>as</a:t>
+            </a:r>
+            <a:r>
+              <a:rPr lang="en-US" altLang="zh-CN" sz="3200" dirty="0"/>
+              <a:t> v</a:t>
+            </a:r>
+          </a:p>
+          <a:p>
+            <a:r>
+              <a:rPr lang="en-US" altLang="zh-CN" sz="3200" b="1" dirty="0"/>
+              <a:t>    LEFT</a:t>
+            </a:r>
+            <a:r>
+              <a:rPr lang="en-US" altLang="zh-CN" sz="3200" dirty="0"/>
+              <a:t> </a:t>
+            </a:r>
+            <a:r>
+              <a:rPr lang="en-US" altLang="zh-CN" sz="3200" b="1" dirty="0"/>
+              <a:t>OUTER</a:t>
+            </a:r>
+            <a:r>
+              <a:rPr lang="en-US" altLang="zh-CN" sz="3200" dirty="0"/>
+              <a:t> </a:t>
+            </a:r>
+            <a:r>
+              <a:rPr lang="en-US" altLang="zh-CN" sz="3200" b="1" dirty="0"/>
+              <a:t>JOIN</a:t>
+            </a:r>
+            <a:r>
+              <a:rPr lang="en-US" altLang="zh-CN" sz="3200" dirty="0"/>
+              <a:t> </a:t>
+            </a:r>
+            <a:r>
+              <a:rPr lang="en-US" altLang="zh-CN" sz="3200" dirty="0" err="1"/>
+              <a:t>mbs</a:t>
+            </a:r>
+            <a:r>
+              <a:rPr lang="en-US" altLang="zh-CN" sz="3200" dirty="0"/>
+              <a:t> </a:t>
+            </a:r>
+            <a:r>
+              <a:rPr lang="en-US" altLang="zh-CN" sz="3200" b="1" dirty="0"/>
+              <a:t>as</a:t>
+            </a:r>
+            <a:r>
+              <a:rPr lang="en-US" altLang="zh-CN" sz="3200" dirty="0"/>
+              <a:t> s </a:t>
+            </a:r>
+            <a:r>
+              <a:rPr lang="en-US" altLang="zh-CN" sz="3200" b="1" dirty="0"/>
+              <a:t>ON</a:t>
+            </a:r>
+            <a:r>
+              <a:rPr lang="en-US" altLang="zh-CN" sz="3200" dirty="0"/>
+              <a:t> v.mbs=s.id</a:t>
+            </a:r>
+          </a:p>
+          <a:p>
+            <a:r>
+              <a:rPr lang="en-US" altLang="zh-CN" sz="3200" dirty="0"/>
+              <a:t>    </a:t>
+            </a:r>
+            <a:r>
+              <a:rPr lang="en-US" altLang="zh-CN" sz="3200" b="1" dirty="0"/>
+              <a:t>LEFT</a:t>
+            </a:r>
+            <a:r>
+              <a:rPr lang="en-US" altLang="zh-CN" sz="3200" dirty="0"/>
+              <a:t> </a:t>
+            </a:r>
+            <a:r>
+              <a:rPr lang="en-US" altLang="zh-CN" sz="3200" b="1" dirty="0"/>
+              <a:t>OUTER</a:t>
+            </a:r>
+            <a:r>
+              <a:rPr lang="en-US" altLang="zh-CN" sz="3200" dirty="0"/>
+              <a:t> </a:t>
+            </a:r>
+            <a:r>
+              <a:rPr lang="en-US" altLang="zh-CN" sz="3200" b="1" dirty="0"/>
+              <a:t>JOIN</a:t>
+            </a:r>
+            <a:r>
+              <a:rPr lang="en-US" altLang="zh-CN" sz="3200" dirty="0"/>
+              <a:t> </a:t>
+            </a:r>
+            <a:r>
+              <a:rPr lang="en-US" altLang="zh-CN" sz="3200" dirty="0" err="1"/>
+              <a:t>mf_days</a:t>
+            </a:r>
+            <a:r>
+              <a:rPr lang="en-US" altLang="zh-CN" sz="3200" dirty="0"/>
+              <a:t> </a:t>
+            </a:r>
+            <a:r>
+              <a:rPr lang="en-US" altLang="zh-CN" sz="3200" b="1" dirty="0"/>
+              <a:t>as</a:t>
+            </a:r>
+            <a:r>
+              <a:rPr lang="en-US" altLang="zh-CN" sz="3200" dirty="0"/>
+              <a:t> m </a:t>
+            </a:r>
+            <a:r>
+              <a:rPr lang="en-US" altLang="zh-CN" sz="3200" b="1" dirty="0"/>
+              <a:t>ON</a:t>
+            </a:r>
+            <a:r>
+              <a:rPr lang="en-US" altLang="zh-CN" sz="3200" dirty="0"/>
+              <a:t> v.id=m.id;</a:t>
+            </a:r>
+          </a:p>
+        </p:txBody>
+      </p:sp>
+    </p:spTree>
+    <p:extLst>
+      <p:ext uri="{BB962C8B-B14F-4D97-AF65-F5344CB8AC3E}">
+        <p14:creationId xmlns:p14="http://schemas.microsoft.com/office/powerpoint/2010/main" val="4282027967"/>
+      </p:ext>
+    </p:extLst>
+  </p:cSld>
+  <p:clrMapOvr>
+    <a:masterClrMapping/>
+  </p:clrMapOvr>
+  <mc:AlternateContent xmlns:mc="http://schemas.openxmlformats.org/markup-compatibility/2006" xmlns:p14="http://schemas.microsoft.com/office/powerpoint/2010/main">
+    <mc:Choice Requires="p14">
+      <p:transition spd="slow" p14:dur="800">
+        <p14:flythrough/>
+      </p:transition>
+    </mc:Choice>
+    <mc:Fallback xmlns="">
+      <p:transition spd="slow">
+        <p:fade/>
+      </p:transition>
+    </mc:Fallback>
+  </mc:AlternateContent>
+</p:sld>
+</file>
+
+<file path=ppt/slides/slide35.xml><?xml version="1.0" encoding="utf-8"?>
+<p:sld xmlns:a="http://schemas.openxmlformats.org/drawingml/2006/main" xmlns:r="http://schemas.openxmlformats.org/officeDocument/2006/relationships" xmlns:p="http://schemas.openxmlformats.org/presentationml/2006/main">
+  <p:cSld>
+    <p:spTree>
+      <p:nvGrpSpPr>
+        <p:cNvPr id="1" name=""/>
+        <p:cNvGrpSpPr/>
+        <p:nvPr/>
+      </p:nvGrpSpPr>
+      <p:grpSpPr>
+        <a:xfrm>
+          <a:off x="0" y="0"/>
+          <a:ext cx="0" cy="0"/>
+          <a:chOff x="0" y="0"/>
+          <a:chExt cx="0" cy="0"/>
+        </a:xfrm>
+      </p:grpSpPr>
+      <p:sp>
+        <p:nvSpPr>
+          <p:cNvPr id="5" name="TextBox 4">
+            <a:extLst>
+              <a:ext uri="{FF2B5EF4-FFF2-40B4-BE49-F238E27FC236}">
+                <a16:creationId xmlns:a16="http://schemas.microsoft.com/office/drawing/2014/main" id="{11791095-613B-405C-869C-54D48E15BEE7}"/>
+              </a:ext>
+            </a:extLst>
+          </p:cNvPr>
+          <p:cNvSpPr txBox="1"/>
+          <p:nvPr/>
+        </p:nvSpPr>
+        <p:spPr>
+          <a:xfrm>
+            <a:off x="8246377" y="318782"/>
+            <a:ext cx="1055097" cy="646331"/>
+          </a:xfrm>
+          <a:prstGeom prst="rect">
+            <a:avLst/>
+          </a:prstGeom>
+          <a:noFill/>
+        </p:spPr>
+        <p:txBody>
+          <a:bodyPr wrap="none" rtlCol="0">
+            <a:spAutoFit/>
+          </a:bodyPr>
+          <a:lstStyle/>
+          <a:p>
+            <a:r>
+              <a:rPr lang="en-US" altLang="zh-CN" sz="3600" dirty="0"/>
+              <a:t>UDF</a:t>
+            </a:r>
+            <a:endParaRPr lang="zh-CN" altLang="en-US" sz="3600" dirty="0"/>
+          </a:p>
+        </p:txBody>
+      </p:sp>
+      <p:sp>
+        <p:nvSpPr>
+          <p:cNvPr id="2" name="Rectangle 1">
+            <a:extLst>
+              <a:ext uri="{FF2B5EF4-FFF2-40B4-BE49-F238E27FC236}">
+                <a16:creationId xmlns:a16="http://schemas.microsoft.com/office/drawing/2014/main" id="{7F65B725-0A11-4340-B802-0BB48D155C9A}"/>
+              </a:ext>
+            </a:extLst>
+          </p:cNvPr>
+          <p:cNvSpPr/>
+          <p:nvPr/>
+        </p:nvSpPr>
+        <p:spPr>
+          <a:xfrm>
+            <a:off x="2267822" y="1431663"/>
+            <a:ext cx="6892955" cy="2308324"/>
+          </a:xfrm>
+          <a:prstGeom prst="rect">
+            <a:avLst/>
+          </a:prstGeom>
+        </p:spPr>
+        <p:txBody>
+          <a:bodyPr wrap="square">
+            <a:spAutoFit/>
+          </a:bodyPr>
+          <a:lstStyle/>
+          <a:p>
+            <a:r>
+              <a:rPr lang="en-US" altLang="zh-CN" dirty="0"/>
+              <a:t>DELIMITER $$</a:t>
+            </a:r>
+          </a:p>
+          <a:p>
+            <a:r>
+              <a:rPr lang="en-US" altLang="zh-CN" b="1" dirty="0"/>
+              <a:t>DROP</a:t>
+            </a:r>
+            <a:r>
+              <a:rPr lang="en-US" altLang="zh-CN" dirty="0"/>
+              <a:t> </a:t>
+            </a:r>
+            <a:r>
+              <a:rPr lang="en-US" altLang="zh-CN" b="1" dirty="0"/>
+              <a:t>FUNCTION</a:t>
+            </a:r>
+            <a:r>
+              <a:rPr lang="en-US" altLang="zh-CN" dirty="0"/>
+              <a:t> </a:t>
+            </a:r>
+            <a:r>
+              <a:rPr lang="en-US" altLang="zh-CN" b="1" dirty="0"/>
+              <a:t>IF</a:t>
+            </a:r>
+            <a:r>
+              <a:rPr lang="en-US" altLang="zh-CN" dirty="0"/>
+              <a:t> </a:t>
+            </a:r>
+            <a:r>
+              <a:rPr lang="en-US" altLang="zh-CN" b="1" dirty="0"/>
+              <a:t>EXISTS</a:t>
+            </a:r>
+            <a:r>
+              <a:rPr lang="en-US" altLang="zh-CN" dirty="0"/>
+              <a:t> </a:t>
+            </a:r>
+            <a:r>
+              <a:rPr lang="en-US" altLang="zh-CN" dirty="0" err="1"/>
+              <a:t>fuel_cost</a:t>
+            </a:r>
+            <a:r>
+              <a:rPr lang="en-US" altLang="zh-CN" dirty="0"/>
+              <a:t>$$</a:t>
+            </a:r>
+          </a:p>
+          <a:p>
+            <a:r>
+              <a:rPr lang="en-US" altLang="zh-CN" b="1" dirty="0"/>
+              <a:t>CREATE</a:t>
+            </a:r>
+            <a:r>
+              <a:rPr lang="en-US" altLang="zh-CN" dirty="0"/>
+              <a:t> </a:t>
+            </a:r>
+            <a:r>
+              <a:rPr lang="en-US" altLang="zh-CN" b="1" dirty="0"/>
+              <a:t>FUNCTION</a:t>
+            </a:r>
+            <a:r>
+              <a:rPr lang="en-US" altLang="zh-CN" dirty="0"/>
+              <a:t> </a:t>
+            </a:r>
+            <a:r>
+              <a:rPr lang="en-US" altLang="zh-CN" dirty="0" err="1"/>
+              <a:t>fuel_cost</a:t>
+            </a:r>
+            <a:r>
+              <a:rPr lang="en-US" altLang="zh-CN" dirty="0"/>
+              <a:t>(mileage </a:t>
+            </a:r>
+            <a:r>
+              <a:rPr lang="en-US" altLang="zh-CN" b="1" dirty="0"/>
+              <a:t>integer</a:t>
+            </a:r>
+            <a:r>
+              <a:rPr lang="en-US" altLang="zh-CN" dirty="0"/>
+              <a:t>, fuel </a:t>
+            </a:r>
+            <a:r>
+              <a:rPr lang="en-US" altLang="zh-CN" b="1" dirty="0"/>
+              <a:t>float</a:t>
+            </a:r>
+            <a:r>
+              <a:rPr lang="en-US" altLang="zh-CN" dirty="0"/>
+              <a:t>)</a:t>
+            </a:r>
+          </a:p>
+          <a:p>
+            <a:r>
+              <a:rPr lang="en-US" altLang="zh-CN" b="1" dirty="0"/>
+              <a:t>    RETURNS</a:t>
+            </a:r>
+            <a:r>
+              <a:rPr lang="en-US" altLang="zh-CN" dirty="0"/>
+              <a:t> </a:t>
+            </a:r>
+            <a:r>
+              <a:rPr lang="en-US" altLang="zh-CN" b="1" dirty="0"/>
+              <a:t>DECIMAL</a:t>
+            </a:r>
+            <a:r>
+              <a:rPr lang="en-US" altLang="zh-CN" dirty="0"/>
+              <a:t>(5,1) </a:t>
+            </a:r>
+            <a:r>
+              <a:rPr lang="en-US" altLang="zh-CN" b="1" dirty="0"/>
+              <a:t>DETERMINISTIC</a:t>
+            </a:r>
+          </a:p>
+          <a:p>
+            <a:r>
+              <a:rPr lang="en-US" altLang="zh-CN" b="1" dirty="0"/>
+              <a:t>BEGIN</a:t>
+            </a:r>
+          </a:p>
+          <a:p>
+            <a:r>
+              <a:rPr lang="en-US" altLang="zh-CN" b="1" dirty="0"/>
+              <a:t>    RETURN</a:t>
+            </a:r>
+            <a:r>
+              <a:rPr lang="en-US" altLang="zh-CN" dirty="0"/>
+              <a:t> (100*fuel/mileage);</a:t>
+            </a:r>
+          </a:p>
+          <a:p>
+            <a:r>
+              <a:rPr lang="en-US" altLang="zh-CN" b="1" dirty="0"/>
+              <a:t>END</a:t>
+            </a:r>
+            <a:r>
+              <a:rPr lang="en-US" altLang="zh-CN" dirty="0"/>
+              <a:t>$$</a:t>
+            </a:r>
+          </a:p>
+          <a:p>
+            <a:r>
+              <a:rPr lang="en-US" altLang="zh-CN" dirty="0"/>
+              <a:t>DELIMITER ;</a:t>
+            </a:r>
+          </a:p>
+        </p:txBody>
+      </p:sp>
+      <p:sp>
+        <p:nvSpPr>
+          <p:cNvPr id="3" name="Rectangle 2">
+            <a:extLst>
+              <a:ext uri="{FF2B5EF4-FFF2-40B4-BE49-F238E27FC236}">
+                <a16:creationId xmlns:a16="http://schemas.microsoft.com/office/drawing/2014/main" id="{FDDD3D6B-4044-4D61-82DF-EE19E8EEC292}"/>
+              </a:ext>
+            </a:extLst>
+          </p:cNvPr>
+          <p:cNvSpPr/>
+          <p:nvPr/>
+        </p:nvSpPr>
+        <p:spPr>
+          <a:xfrm>
+            <a:off x="2150377" y="4343129"/>
+            <a:ext cx="7010400" cy="646331"/>
+          </a:xfrm>
+          <a:prstGeom prst="rect">
+            <a:avLst/>
+          </a:prstGeom>
+        </p:spPr>
+        <p:txBody>
+          <a:bodyPr wrap="square">
+            <a:spAutoFit/>
+          </a:bodyPr>
+          <a:lstStyle/>
+          <a:p>
+            <a:r>
+              <a:rPr lang="en-US" altLang="zh-CN" b="1" dirty="0">
+                <a:latin typeface="Courier New" panose="02070309020205020404" pitchFamily="49" charset="0"/>
+              </a:rPr>
+              <a:t>SELECT</a:t>
+            </a:r>
+            <a:r>
+              <a:rPr lang="en-US" altLang="zh-CN" dirty="0">
+                <a:latin typeface="Courier New" panose="02070309020205020404" pitchFamily="49" charset="0"/>
+              </a:rPr>
+              <a:t> *, </a:t>
+            </a:r>
+            <a:r>
+              <a:rPr lang="en-US" altLang="zh-CN" dirty="0" err="1">
+                <a:latin typeface="Courier New" panose="02070309020205020404" pitchFamily="49" charset="0"/>
+              </a:rPr>
+              <a:t>fuel_cost</a:t>
+            </a:r>
+            <a:r>
+              <a:rPr lang="en-US" altLang="zh-CN" dirty="0">
+                <a:latin typeface="Courier New" panose="02070309020205020404" pitchFamily="49" charset="0"/>
+              </a:rPr>
+              <a:t>(mileage, fuel) </a:t>
+            </a:r>
+            <a:r>
+              <a:rPr lang="en-US" altLang="zh-CN" b="1" dirty="0">
+                <a:latin typeface="Courier New" panose="02070309020205020404" pitchFamily="49" charset="0"/>
+              </a:rPr>
+              <a:t>AS</a:t>
+            </a:r>
+            <a:r>
+              <a:rPr lang="en-US" altLang="zh-CN" dirty="0">
+                <a:latin typeface="Courier New" panose="02070309020205020404" pitchFamily="49" charset="0"/>
+              </a:rPr>
+              <a:t> fuel100km</a:t>
+            </a:r>
+          </a:p>
+          <a:p>
+            <a:r>
+              <a:rPr lang="en-US" altLang="zh-CN" b="1" dirty="0">
+                <a:latin typeface="Courier New" panose="02070309020205020404" pitchFamily="49" charset="0"/>
+              </a:rPr>
+              <a:t>FROM</a:t>
+            </a:r>
+            <a:r>
+              <a:rPr lang="en-US" altLang="zh-CN" dirty="0">
+                <a:latin typeface="Courier New" panose="02070309020205020404" pitchFamily="49" charset="0"/>
+              </a:rPr>
+              <a:t> v5mf </a:t>
+            </a:r>
+            <a:r>
+              <a:rPr lang="en-US" altLang="zh-CN" b="1" dirty="0">
+                <a:latin typeface="Courier New" panose="02070309020205020404" pitchFamily="49" charset="0"/>
+              </a:rPr>
+              <a:t>order</a:t>
+            </a:r>
+            <a:r>
+              <a:rPr lang="en-US" altLang="zh-CN" dirty="0">
+                <a:latin typeface="Courier New" panose="02070309020205020404" pitchFamily="49" charset="0"/>
+              </a:rPr>
+              <a:t> </a:t>
+            </a:r>
+            <a:r>
+              <a:rPr lang="en-US" altLang="zh-CN" b="1" dirty="0">
+                <a:latin typeface="Courier New" panose="02070309020205020404" pitchFamily="49" charset="0"/>
+              </a:rPr>
+              <a:t>by</a:t>
+            </a:r>
+            <a:r>
+              <a:rPr lang="en-US" altLang="zh-CN" dirty="0">
+                <a:latin typeface="Courier New" panose="02070309020205020404" pitchFamily="49" charset="0"/>
+              </a:rPr>
+              <a:t> mileage</a:t>
+            </a:r>
+          </a:p>
+        </p:txBody>
+      </p:sp>
+    </p:spTree>
+    <p:extLst>
+      <p:ext uri="{BB962C8B-B14F-4D97-AF65-F5344CB8AC3E}">
+        <p14:creationId xmlns:p14="http://schemas.microsoft.com/office/powerpoint/2010/main" val="1940416148"/>
+      </p:ext>
+    </p:extLst>
+  </p:cSld>
+  <p:clrMapOvr>
+    <a:masterClrMapping/>
+  </p:clrMapOvr>
+  <mc:AlternateContent xmlns:mc="http://schemas.openxmlformats.org/markup-compatibility/2006" xmlns:p14="http://schemas.microsoft.com/office/powerpoint/2010/main">
+    <mc:Choice Requires="p14">
+      <p:transition spd="slow" p14:dur="800">
+        <p14:flythrough/>
+      </p:transition>
+    </mc:Choice>
+    <mc:Fallback xmlns="">
+      <p:transition spd="slow">
+        <p:fade/>
+      </p:transition>
+    </mc:Fallback>
+  </mc:AlternateContent>
+</p:sld>
+</file>
+
+<file path=ppt/slides/slide36.xml><?xml version="1.0" encoding="utf-8"?>
+<p:sld xmlns:a="http://schemas.openxmlformats.org/drawingml/2006/main" xmlns:r="http://schemas.openxmlformats.org/officeDocument/2006/relationships" xmlns:p="http://schemas.openxmlformats.org/presentationml/2006/main">
+  <p:cSld>
+    <p:spTree>
+      <p:nvGrpSpPr>
+        <p:cNvPr id="1" name=""/>
+        <p:cNvGrpSpPr/>
+        <p:nvPr/>
+      </p:nvGrpSpPr>
+      <p:grpSpPr>
+        <a:xfrm>
+          <a:off x="0" y="0"/>
+          <a:ext cx="0" cy="0"/>
+          <a:chOff x="0" y="0"/>
+          <a:chExt cx="0" cy="0"/>
+        </a:xfrm>
+      </p:grpSpPr>
+      <p:sp>
+        <p:nvSpPr>
+          <p:cNvPr id="5" name="TextBox 4">
+            <a:extLst>
+              <a:ext uri="{FF2B5EF4-FFF2-40B4-BE49-F238E27FC236}">
+                <a16:creationId xmlns:a16="http://schemas.microsoft.com/office/drawing/2014/main" id="{11791095-613B-405C-869C-54D48E15BEE7}"/>
+              </a:ext>
+            </a:extLst>
+          </p:cNvPr>
+          <p:cNvSpPr txBox="1"/>
+          <p:nvPr/>
+        </p:nvSpPr>
+        <p:spPr>
+          <a:xfrm>
+            <a:off x="8246377" y="318782"/>
+            <a:ext cx="2933816" cy="646331"/>
+          </a:xfrm>
+          <a:prstGeom prst="rect">
+            <a:avLst/>
+          </a:prstGeom>
+          <a:noFill/>
+        </p:spPr>
+        <p:txBody>
+          <a:bodyPr wrap="none" rtlCol="0">
+            <a:spAutoFit/>
+          </a:bodyPr>
+          <a:lstStyle/>
+          <a:p>
+            <a:r>
+              <a:rPr lang="en-US" altLang="zh-CN" sz="3600" dirty="0"/>
+              <a:t>PROCEDURE</a:t>
+            </a:r>
+            <a:endParaRPr lang="zh-CN" altLang="en-US" sz="3600" dirty="0"/>
+          </a:p>
+        </p:txBody>
+      </p:sp>
+      <p:sp>
+        <p:nvSpPr>
+          <p:cNvPr id="2" name="Rectangle 1">
+            <a:extLst>
+              <a:ext uri="{FF2B5EF4-FFF2-40B4-BE49-F238E27FC236}">
+                <a16:creationId xmlns:a16="http://schemas.microsoft.com/office/drawing/2014/main" id="{7F65B725-0A11-4340-B802-0BB48D155C9A}"/>
+              </a:ext>
+            </a:extLst>
+          </p:cNvPr>
+          <p:cNvSpPr/>
+          <p:nvPr/>
+        </p:nvSpPr>
+        <p:spPr>
+          <a:xfrm>
+            <a:off x="2267822" y="1431663"/>
+            <a:ext cx="6892955" cy="2031325"/>
+          </a:xfrm>
+          <a:prstGeom prst="rect">
+            <a:avLst/>
+          </a:prstGeom>
+        </p:spPr>
+        <p:txBody>
+          <a:bodyPr wrap="square">
+            <a:spAutoFit/>
+          </a:bodyPr>
+          <a:lstStyle/>
+          <a:p>
+            <a:r>
+              <a:rPr lang="en-US" altLang="zh-CN" dirty="0"/>
+              <a:t>DELIMITER $$</a:t>
+            </a:r>
+          </a:p>
+          <a:p>
+            <a:r>
+              <a:rPr lang="en-US" altLang="zh-CN" b="1" dirty="0"/>
+              <a:t>DROP</a:t>
+            </a:r>
+            <a:r>
+              <a:rPr lang="en-US" altLang="zh-CN" dirty="0"/>
+              <a:t> </a:t>
+            </a:r>
+            <a:r>
+              <a:rPr lang="en-US" altLang="zh-CN" b="1" dirty="0"/>
+              <a:t>PROCEDURE</a:t>
+            </a:r>
+            <a:r>
+              <a:rPr lang="en-US" altLang="zh-CN" dirty="0"/>
+              <a:t> </a:t>
+            </a:r>
+            <a:r>
+              <a:rPr lang="en-US" altLang="zh-CN" b="1" dirty="0"/>
+              <a:t>IF</a:t>
+            </a:r>
+            <a:r>
+              <a:rPr lang="en-US" altLang="zh-CN" dirty="0"/>
+              <a:t> </a:t>
+            </a:r>
+            <a:r>
+              <a:rPr lang="en-US" altLang="zh-CN" b="1" dirty="0"/>
+              <a:t>EXISTS</a:t>
+            </a:r>
+            <a:r>
+              <a:rPr lang="en-US" altLang="zh-CN" dirty="0"/>
+              <a:t> v5proc$$</a:t>
+            </a:r>
+          </a:p>
+          <a:p>
+            <a:r>
+              <a:rPr lang="en-US" altLang="zh-CN" b="1" dirty="0"/>
+              <a:t>CREATE</a:t>
+            </a:r>
+            <a:r>
+              <a:rPr lang="en-US" altLang="zh-CN" dirty="0"/>
+              <a:t> </a:t>
+            </a:r>
+            <a:r>
+              <a:rPr lang="en-US" altLang="zh-CN" b="1" dirty="0"/>
+              <a:t>PROCEDURE</a:t>
+            </a:r>
+            <a:r>
+              <a:rPr lang="en-US" altLang="zh-CN" dirty="0"/>
+              <a:t> v5proc(</a:t>
+            </a:r>
+            <a:r>
+              <a:rPr lang="en-US" altLang="zh-CN" dirty="0" err="1"/>
+              <a:t>brd</a:t>
+            </a:r>
+            <a:r>
+              <a:rPr lang="en-US" altLang="zh-CN" dirty="0"/>
+              <a:t> </a:t>
+            </a:r>
+            <a:r>
+              <a:rPr lang="en-US" altLang="zh-CN" b="1" dirty="0"/>
+              <a:t>varchar</a:t>
+            </a:r>
+            <a:r>
+              <a:rPr lang="en-US" altLang="zh-CN" dirty="0"/>
+              <a:t>(32))</a:t>
+            </a:r>
+          </a:p>
+          <a:p>
+            <a:r>
+              <a:rPr lang="en-US" altLang="zh-CN" b="1" dirty="0"/>
+              <a:t>BEGIN</a:t>
+            </a:r>
+          </a:p>
+          <a:p>
+            <a:r>
+              <a:rPr lang="en-US" altLang="zh-CN" b="1" dirty="0"/>
+              <a:t>    SELECT</a:t>
+            </a:r>
+            <a:r>
+              <a:rPr lang="en-US" altLang="zh-CN" dirty="0"/>
+              <a:t> * </a:t>
+            </a:r>
+            <a:r>
+              <a:rPr lang="en-US" altLang="zh-CN" b="1" dirty="0"/>
+              <a:t>FROM</a:t>
+            </a:r>
+            <a:r>
+              <a:rPr lang="en-US" altLang="zh-CN" dirty="0"/>
+              <a:t> v5mf </a:t>
+            </a:r>
+            <a:r>
+              <a:rPr lang="en-US" altLang="zh-CN" b="1" dirty="0"/>
+              <a:t>WHERE</a:t>
+            </a:r>
+            <a:r>
+              <a:rPr lang="en-US" altLang="zh-CN" dirty="0"/>
+              <a:t> brand = </a:t>
+            </a:r>
+            <a:r>
+              <a:rPr lang="en-US" altLang="zh-CN" dirty="0" err="1"/>
+              <a:t>brd</a:t>
+            </a:r>
+            <a:r>
+              <a:rPr lang="en-US" altLang="zh-CN" dirty="0"/>
+              <a:t>;</a:t>
+            </a:r>
+          </a:p>
+          <a:p>
+            <a:r>
+              <a:rPr lang="en-US" altLang="zh-CN" b="1" dirty="0"/>
+              <a:t>END</a:t>
+            </a:r>
+            <a:r>
+              <a:rPr lang="en-US" altLang="zh-CN" dirty="0"/>
+              <a:t>$$</a:t>
+            </a:r>
+          </a:p>
+          <a:p>
+            <a:r>
+              <a:rPr lang="en-US" altLang="zh-CN" dirty="0"/>
+              <a:t>DELIMITER ;</a:t>
+            </a:r>
+          </a:p>
+        </p:txBody>
+      </p:sp>
+      <p:sp>
+        <p:nvSpPr>
+          <p:cNvPr id="3" name="Rectangle 2">
+            <a:extLst>
+              <a:ext uri="{FF2B5EF4-FFF2-40B4-BE49-F238E27FC236}">
+                <a16:creationId xmlns:a16="http://schemas.microsoft.com/office/drawing/2014/main" id="{FDDD3D6B-4044-4D61-82DF-EE19E8EEC292}"/>
+              </a:ext>
+            </a:extLst>
+          </p:cNvPr>
+          <p:cNvSpPr/>
+          <p:nvPr/>
+        </p:nvSpPr>
+        <p:spPr>
+          <a:xfrm>
+            <a:off x="2150377" y="4343129"/>
+            <a:ext cx="7010400" cy="369332"/>
+          </a:xfrm>
+          <a:prstGeom prst="rect">
+            <a:avLst/>
+          </a:prstGeom>
+        </p:spPr>
+        <p:txBody>
+          <a:bodyPr wrap="square">
+            <a:spAutoFit/>
+          </a:bodyPr>
+          <a:lstStyle/>
+          <a:p>
+            <a:r>
+              <a:rPr lang="en-US" altLang="zh-CN" b="1" dirty="0"/>
+              <a:t>CALL</a:t>
+            </a:r>
+            <a:r>
+              <a:rPr lang="en-US" altLang="zh-CN" dirty="0"/>
+              <a:t> v5proc('Porsche’);</a:t>
+            </a:r>
+          </a:p>
+        </p:txBody>
+      </p:sp>
+    </p:spTree>
+    <p:extLst>
+      <p:ext uri="{BB962C8B-B14F-4D97-AF65-F5344CB8AC3E}">
+        <p14:creationId xmlns:p14="http://schemas.microsoft.com/office/powerpoint/2010/main" val="4280235534"/>
+      </p:ext>
+    </p:extLst>
+  </p:cSld>
+  <p:clrMapOvr>
+    <a:masterClrMapping/>
+  </p:clrMapOvr>
+  <mc:AlternateContent xmlns:mc="http://schemas.openxmlformats.org/markup-compatibility/2006" xmlns:p14="http://schemas.microsoft.com/office/powerpoint/2010/main">
+    <mc:Choice Requires="p14">
+      <p:transition spd="slow" p14:dur="800">
+        <p14:flythrough/>
+      </p:transition>
+    </mc:Choice>
+    <mc:Fallback xmlns="">
+      <p:transition spd="slow">
+        <p:fade/>
+      </p:transition>
+    </mc:Fallback>
+  </mc:AlternateContent>
+</p:sld>
+</file>
+
+<file path=ppt/slides/slide37.xml><?xml version="1.0" encoding="utf-8"?>
+<p:sld xmlns:a="http://schemas.openxmlformats.org/drawingml/2006/main" xmlns:r="http://schemas.openxmlformats.org/officeDocument/2006/relationships" xmlns:p="http://schemas.openxmlformats.org/presentationml/2006/main">
+  <p:cSld>
+    <p:spTree>
+      <p:nvGrpSpPr>
+        <p:cNvPr id="1" name=""/>
+        <p:cNvGrpSpPr/>
+        <p:nvPr/>
+      </p:nvGrpSpPr>
+      <p:grpSpPr>
+        <a:xfrm>
+          <a:off x="0" y="0"/>
+          <a:ext cx="0" cy="0"/>
+          <a:chOff x="0" y="0"/>
+          <a:chExt cx="0" cy="0"/>
+        </a:xfrm>
+      </p:grpSpPr>
+      <p:sp>
+        <p:nvSpPr>
+          <p:cNvPr id="5" name="TextBox 4">
+            <a:extLst>
+              <a:ext uri="{FF2B5EF4-FFF2-40B4-BE49-F238E27FC236}">
+                <a16:creationId xmlns:a16="http://schemas.microsoft.com/office/drawing/2014/main" id="{11791095-613B-405C-869C-54D48E15BEE7}"/>
+              </a:ext>
+            </a:extLst>
+          </p:cNvPr>
+          <p:cNvSpPr txBox="1"/>
+          <p:nvPr/>
+        </p:nvSpPr>
+        <p:spPr>
+          <a:xfrm>
+            <a:off x="8246377" y="318782"/>
+            <a:ext cx="2053767" cy="646331"/>
+          </a:xfrm>
+          <a:prstGeom prst="rect">
+            <a:avLst/>
+          </a:prstGeom>
+          <a:noFill/>
+        </p:spPr>
+        <p:txBody>
+          <a:bodyPr wrap="none" rtlCol="0">
+            <a:spAutoFit/>
+          </a:bodyPr>
+          <a:lstStyle/>
+          <a:p>
+            <a:r>
+              <a:rPr lang="en-US" altLang="zh-CN" sz="3600" dirty="0"/>
+              <a:t>CURSOR</a:t>
+            </a:r>
+            <a:endParaRPr lang="zh-CN" altLang="en-US" sz="3600" dirty="0"/>
+          </a:p>
+        </p:txBody>
+      </p:sp>
+      <p:sp>
+        <p:nvSpPr>
+          <p:cNvPr id="8" name="Rectangle 7">
+            <a:extLst>
+              <a:ext uri="{FF2B5EF4-FFF2-40B4-BE49-F238E27FC236}">
+                <a16:creationId xmlns:a16="http://schemas.microsoft.com/office/drawing/2014/main" id="{A302F034-A1E4-47A4-BE7D-6F5B2027DD21}"/>
+              </a:ext>
+            </a:extLst>
+          </p:cNvPr>
+          <p:cNvSpPr/>
+          <p:nvPr/>
+        </p:nvSpPr>
+        <p:spPr>
+          <a:xfrm>
+            <a:off x="2116193" y="612844"/>
+            <a:ext cx="8719874" cy="6370975"/>
+          </a:xfrm>
+          <a:prstGeom prst="rect">
+            <a:avLst/>
+          </a:prstGeom>
+        </p:spPr>
+        <p:txBody>
+          <a:bodyPr wrap="square">
+            <a:spAutoFit/>
+          </a:bodyPr>
+          <a:lstStyle/>
+          <a:p>
+            <a:r>
+              <a:rPr lang="en-US" altLang="zh-CN" sz="1200" dirty="0">
+                <a:latin typeface="Courier New" panose="02070309020205020404" pitchFamily="49" charset="0"/>
+              </a:rPr>
+              <a:t>DELIMITER $$</a:t>
+            </a:r>
+          </a:p>
+          <a:p>
+            <a:r>
+              <a:rPr lang="en-US" altLang="zh-CN" sz="1200" b="1" dirty="0">
+                <a:latin typeface="Courier New" panose="02070309020205020404" pitchFamily="49" charset="0"/>
+              </a:rPr>
+              <a:t>DROP</a:t>
+            </a:r>
+            <a:r>
+              <a:rPr lang="en-US" altLang="zh-CN" sz="1200" dirty="0">
+                <a:latin typeface="Courier New" panose="02070309020205020404" pitchFamily="49" charset="0"/>
+              </a:rPr>
+              <a:t> </a:t>
+            </a:r>
+            <a:r>
+              <a:rPr lang="en-US" altLang="zh-CN" sz="1200" b="1" dirty="0">
+                <a:latin typeface="Courier New" panose="02070309020205020404" pitchFamily="49" charset="0"/>
+              </a:rPr>
+              <a:t>PROCEDURE</a:t>
+            </a:r>
+            <a:r>
+              <a:rPr lang="en-US" altLang="zh-CN" sz="1200" dirty="0">
+                <a:latin typeface="Courier New" panose="02070309020205020404" pitchFamily="49" charset="0"/>
+              </a:rPr>
+              <a:t> </a:t>
+            </a:r>
+            <a:r>
+              <a:rPr lang="en-US" altLang="zh-CN" sz="1200" b="1" dirty="0">
+                <a:latin typeface="Courier New" panose="02070309020205020404" pitchFamily="49" charset="0"/>
+              </a:rPr>
+              <a:t>IF</a:t>
+            </a:r>
+            <a:r>
+              <a:rPr lang="en-US" altLang="zh-CN" sz="1200" dirty="0">
+                <a:latin typeface="Courier New" panose="02070309020205020404" pitchFamily="49" charset="0"/>
+              </a:rPr>
+              <a:t> </a:t>
+            </a:r>
+            <a:r>
+              <a:rPr lang="en-US" altLang="zh-CN" sz="1200" b="1" dirty="0">
+                <a:latin typeface="Courier New" panose="02070309020205020404" pitchFamily="49" charset="0"/>
+              </a:rPr>
+              <a:t>EXISTS</a:t>
+            </a:r>
+            <a:r>
+              <a:rPr lang="en-US" altLang="zh-CN" sz="1200" dirty="0">
+                <a:latin typeface="Courier New" panose="02070309020205020404" pitchFamily="49" charset="0"/>
+              </a:rPr>
+              <a:t> v5proc$$</a:t>
+            </a:r>
+          </a:p>
+          <a:p>
+            <a:r>
+              <a:rPr lang="en-US" altLang="zh-CN" sz="1200" b="1" dirty="0">
+                <a:latin typeface="Courier New" panose="02070309020205020404" pitchFamily="49" charset="0"/>
+              </a:rPr>
+              <a:t>CREATE</a:t>
+            </a:r>
+            <a:r>
+              <a:rPr lang="en-US" altLang="zh-CN" sz="1200" dirty="0">
+                <a:latin typeface="Courier New" panose="02070309020205020404" pitchFamily="49" charset="0"/>
+              </a:rPr>
+              <a:t> </a:t>
+            </a:r>
+            <a:r>
+              <a:rPr lang="en-US" altLang="zh-CN" sz="1200" b="1" dirty="0">
+                <a:latin typeface="Courier New" panose="02070309020205020404" pitchFamily="49" charset="0"/>
+              </a:rPr>
+              <a:t>PROCEDURE</a:t>
+            </a:r>
+            <a:r>
+              <a:rPr lang="en-US" altLang="zh-CN" sz="1200" dirty="0">
+                <a:latin typeface="Courier New" panose="02070309020205020404" pitchFamily="49" charset="0"/>
+              </a:rPr>
+              <a:t> v5proc(</a:t>
+            </a:r>
+            <a:r>
+              <a:rPr lang="en-US" altLang="zh-CN" sz="1200" dirty="0" err="1">
+                <a:latin typeface="Courier New" panose="02070309020205020404" pitchFamily="49" charset="0"/>
+              </a:rPr>
+              <a:t>brd</a:t>
+            </a:r>
+            <a:r>
+              <a:rPr lang="en-US" altLang="zh-CN" sz="1200" dirty="0">
+                <a:latin typeface="Courier New" panose="02070309020205020404" pitchFamily="49" charset="0"/>
+              </a:rPr>
+              <a:t> </a:t>
+            </a:r>
+            <a:r>
+              <a:rPr lang="en-US" altLang="zh-CN" sz="1200" b="1" dirty="0">
+                <a:latin typeface="Courier New" panose="02070309020205020404" pitchFamily="49" charset="0"/>
+              </a:rPr>
+              <a:t>varchar</a:t>
+            </a:r>
+            <a:r>
+              <a:rPr lang="en-US" altLang="zh-CN" sz="1200" dirty="0">
+                <a:latin typeface="Courier New" panose="02070309020205020404" pitchFamily="49" charset="0"/>
+              </a:rPr>
+              <a:t>(32))</a:t>
+            </a:r>
+          </a:p>
+          <a:p>
+            <a:r>
+              <a:rPr lang="en-US" altLang="zh-CN" sz="1200" b="1" dirty="0">
+                <a:latin typeface="Courier New" panose="02070309020205020404" pitchFamily="49" charset="0"/>
+              </a:rPr>
+              <a:t>BEGIN</a:t>
+            </a:r>
+          </a:p>
+          <a:p>
+            <a:r>
+              <a:rPr lang="en-US" altLang="zh-CN" sz="1200" b="1" dirty="0">
+                <a:latin typeface="Courier New" panose="02070309020205020404" pitchFamily="49" charset="0"/>
+              </a:rPr>
+              <a:t>    DECLARE</a:t>
+            </a:r>
+            <a:r>
+              <a:rPr lang="en-US" altLang="zh-CN" sz="1200" dirty="0">
+                <a:latin typeface="Courier New" panose="02070309020205020404" pitchFamily="49" charset="0"/>
+              </a:rPr>
+              <a:t> total </a:t>
+            </a:r>
+            <a:r>
+              <a:rPr lang="en-US" altLang="zh-CN" sz="1200" b="1" dirty="0">
+                <a:latin typeface="Courier New" panose="02070309020205020404" pitchFamily="49" charset="0"/>
+              </a:rPr>
+              <a:t>integer</a:t>
+            </a:r>
+            <a:r>
+              <a:rPr lang="en-US" altLang="zh-CN" sz="1200" dirty="0">
+                <a:latin typeface="Courier New" panose="02070309020205020404" pitchFamily="49" charset="0"/>
+              </a:rPr>
+              <a:t> </a:t>
+            </a:r>
+            <a:r>
+              <a:rPr lang="en-US" altLang="zh-CN" sz="1200" b="1" dirty="0">
+                <a:latin typeface="Courier New" panose="02070309020205020404" pitchFamily="49" charset="0"/>
+              </a:rPr>
+              <a:t>default</a:t>
+            </a:r>
+            <a:r>
+              <a:rPr lang="en-US" altLang="zh-CN" sz="1200" dirty="0">
+                <a:latin typeface="Courier New" panose="02070309020205020404" pitchFamily="49" charset="0"/>
+              </a:rPr>
+              <a:t> 0;</a:t>
+            </a:r>
+          </a:p>
+          <a:p>
+            <a:r>
+              <a:rPr lang="en-US" altLang="zh-CN" sz="1200" b="1" dirty="0">
+                <a:latin typeface="Courier New" panose="02070309020205020404" pitchFamily="49" charset="0"/>
+              </a:rPr>
+              <a:t>    DECLARE</a:t>
+            </a:r>
+            <a:r>
+              <a:rPr lang="en-US" altLang="zh-CN" sz="1200" dirty="0">
+                <a:latin typeface="Courier New" panose="02070309020205020404" pitchFamily="49" charset="0"/>
+              </a:rPr>
+              <a:t> </a:t>
+            </a:r>
+            <a:r>
+              <a:rPr lang="en-US" altLang="zh-CN" sz="1200" dirty="0" err="1">
+                <a:latin typeface="Courier New" panose="02070309020205020404" pitchFamily="49" charset="0"/>
+              </a:rPr>
+              <a:t>totalM</a:t>
+            </a:r>
+            <a:r>
+              <a:rPr lang="en-US" altLang="zh-CN" sz="1200" dirty="0">
+                <a:latin typeface="Courier New" panose="02070309020205020404" pitchFamily="49" charset="0"/>
+              </a:rPr>
+              <a:t> </a:t>
+            </a:r>
+            <a:r>
+              <a:rPr lang="en-US" altLang="zh-CN" sz="1200" b="1" dirty="0">
+                <a:latin typeface="Courier New" panose="02070309020205020404" pitchFamily="49" charset="0"/>
+              </a:rPr>
+              <a:t>integer</a:t>
+            </a:r>
+            <a:r>
+              <a:rPr lang="en-US" altLang="zh-CN" sz="1200" dirty="0">
+                <a:latin typeface="Courier New" panose="02070309020205020404" pitchFamily="49" charset="0"/>
+              </a:rPr>
+              <a:t> </a:t>
+            </a:r>
+            <a:r>
+              <a:rPr lang="en-US" altLang="zh-CN" sz="1200" b="1" dirty="0">
+                <a:latin typeface="Courier New" panose="02070309020205020404" pitchFamily="49" charset="0"/>
+              </a:rPr>
+              <a:t>default</a:t>
+            </a:r>
+            <a:r>
+              <a:rPr lang="en-US" altLang="zh-CN" sz="1200" dirty="0">
+                <a:latin typeface="Courier New" panose="02070309020205020404" pitchFamily="49" charset="0"/>
+              </a:rPr>
+              <a:t> 0;</a:t>
+            </a:r>
+          </a:p>
+          <a:p>
+            <a:r>
+              <a:rPr lang="en-US" altLang="zh-CN" sz="1200" b="1" dirty="0">
+                <a:latin typeface="Courier New" panose="02070309020205020404" pitchFamily="49" charset="0"/>
+              </a:rPr>
+              <a:t>    DECLARE</a:t>
+            </a:r>
+            <a:r>
+              <a:rPr lang="en-US" altLang="zh-CN" sz="1200" dirty="0">
+                <a:latin typeface="Courier New" panose="02070309020205020404" pitchFamily="49" charset="0"/>
+              </a:rPr>
+              <a:t> </a:t>
+            </a:r>
+            <a:r>
+              <a:rPr lang="en-US" altLang="zh-CN" sz="1200" dirty="0" err="1">
+                <a:latin typeface="Courier New" panose="02070309020205020404" pitchFamily="49" charset="0"/>
+              </a:rPr>
+              <a:t>totalF</a:t>
+            </a:r>
+            <a:r>
+              <a:rPr lang="en-US" altLang="zh-CN" sz="1200" dirty="0">
+                <a:latin typeface="Courier New" panose="02070309020205020404" pitchFamily="49" charset="0"/>
+              </a:rPr>
+              <a:t> </a:t>
+            </a:r>
+            <a:r>
+              <a:rPr lang="en-US" altLang="zh-CN" sz="1200" b="1" dirty="0">
+                <a:latin typeface="Courier New" panose="02070309020205020404" pitchFamily="49" charset="0"/>
+              </a:rPr>
+              <a:t>float</a:t>
+            </a:r>
+            <a:r>
+              <a:rPr lang="en-US" altLang="zh-CN" sz="1200" dirty="0">
+                <a:latin typeface="Courier New" panose="02070309020205020404" pitchFamily="49" charset="0"/>
+              </a:rPr>
+              <a:t> </a:t>
+            </a:r>
+            <a:r>
+              <a:rPr lang="en-US" altLang="zh-CN" sz="1200" b="1" dirty="0">
+                <a:latin typeface="Courier New" panose="02070309020205020404" pitchFamily="49" charset="0"/>
+              </a:rPr>
+              <a:t>default</a:t>
+            </a:r>
+            <a:r>
+              <a:rPr lang="en-US" altLang="zh-CN" sz="1200" dirty="0">
+                <a:latin typeface="Courier New" panose="02070309020205020404" pitchFamily="49" charset="0"/>
+              </a:rPr>
+              <a:t> 0;</a:t>
+            </a:r>
+          </a:p>
+          <a:p>
+            <a:endParaRPr lang="zh-CN" altLang="en-US" sz="1200" dirty="0">
+              <a:latin typeface="Courier New" panose="02070309020205020404" pitchFamily="49" charset="0"/>
+            </a:endParaRPr>
+          </a:p>
+          <a:p>
+            <a:r>
+              <a:rPr lang="en-US" altLang="zh-CN" sz="1200" b="1" dirty="0">
+                <a:latin typeface="Courier New" panose="02070309020205020404" pitchFamily="49" charset="0"/>
+              </a:rPr>
+              <a:t>    DECLARE</a:t>
+            </a:r>
+            <a:r>
+              <a:rPr lang="en-US" altLang="zh-CN" sz="1200" dirty="0">
+                <a:latin typeface="Courier New" panose="02070309020205020404" pitchFamily="49" charset="0"/>
+              </a:rPr>
+              <a:t> m </a:t>
+            </a:r>
+            <a:r>
+              <a:rPr lang="en-US" altLang="zh-CN" sz="1200" b="1" dirty="0">
+                <a:latin typeface="Courier New" panose="02070309020205020404" pitchFamily="49" charset="0"/>
+              </a:rPr>
+              <a:t>integer</a:t>
+            </a:r>
+            <a:r>
+              <a:rPr lang="en-US" altLang="zh-CN" sz="1200" dirty="0">
+                <a:latin typeface="Courier New" panose="02070309020205020404" pitchFamily="49" charset="0"/>
+              </a:rPr>
+              <a:t>;</a:t>
+            </a:r>
+          </a:p>
+          <a:p>
+            <a:r>
+              <a:rPr lang="en-US" altLang="zh-CN" sz="1200" b="1" dirty="0">
+                <a:latin typeface="Courier New" panose="02070309020205020404" pitchFamily="49" charset="0"/>
+              </a:rPr>
+              <a:t>    DECLARE</a:t>
+            </a:r>
+            <a:r>
+              <a:rPr lang="en-US" altLang="zh-CN" sz="1200" dirty="0">
+                <a:latin typeface="Courier New" panose="02070309020205020404" pitchFamily="49" charset="0"/>
+              </a:rPr>
+              <a:t> f </a:t>
+            </a:r>
+            <a:r>
+              <a:rPr lang="en-US" altLang="zh-CN" sz="1200" b="1" dirty="0">
+                <a:latin typeface="Courier New" panose="02070309020205020404" pitchFamily="49" charset="0"/>
+              </a:rPr>
+              <a:t>float</a:t>
+            </a:r>
+            <a:r>
+              <a:rPr lang="en-US" altLang="zh-CN" sz="1200" dirty="0">
+                <a:latin typeface="Courier New" panose="02070309020205020404" pitchFamily="49" charset="0"/>
+              </a:rPr>
+              <a:t>;</a:t>
+            </a:r>
+          </a:p>
+          <a:p>
+            <a:endParaRPr lang="zh-CN" altLang="en-US" sz="1200" dirty="0">
+              <a:latin typeface="Courier New" panose="02070309020205020404" pitchFamily="49" charset="0"/>
+            </a:endParaRPr>
+          </a:p>
+          <a:p>
+            <a:r>
+              <a:rPr lang="en-US" altLang="zh-CN" sz="1200" b="1" dirty="0">
+                <a:latin typeface="Courier New" panose="02070309020205020404" pitchFamily="49" charset="0"/>
+              </a:rPr>
+              <a:t>    DECLARE</a:t>
+            </a:r>
+            <a:r>
+              <a:rPr lang="en-US" altLang="zh-CN" sz="1200" dirty="0">
+                <a:latin typeface="Courier New" panose="02070309020205020404" pitchFamily="49" charset="0"/>
+              </a:rPr>
+              <a:t> done </a:t>
+            </a:r>
+            <a:r>
+              <a:rPr lang="en-US" altLang="zh-CN" sz="1200" b="1" dirty="0">
+                <a:latin typeface="Courier New" panose="02070309020205020404" pitchFamily="49" charset="0"/>
+              </a:rPr>
+              <a:t>integer</a:t>
+            </a:r>
+            <a:r>
+              <a:rPr lang="en-US" altLang="zh-CN" sz="1200" dirty="0">
+                <a:latin typeface="Courier New" panose="02070309020205020404" pitchFamily="49" charset="0"/>
+              </a:rPr>
+              <a:t> </a:t>
+            </a:r>
+            <a:r>
+              <a:rPr lang="en-US" altLang="zh-CN" sz="1200" b="1" dirty="0">
+                <a:latin typeface="Courier New" panose="02070309020205020404" pitchFamily="49" charset="0"/>
+              </a:rPr>
+              <a:t>default</a:t>
+            </a:r>
+            <a:r>
+              <a:rPr lang="en-US" altLang="zh-CN" sz="1200" dirty="0">
+                <a:latin typeface="Courier New" panose="02070309020205020404" pitchFamily="49" charset="0"/>
+              </a:rPr>
+              <a:t> 0;</a:t>
+            </a:r>
+          </a:p>
+          <a:p>
+            <a:r>
+              <a:rPr lang="en-US" altLang="zh-CN" sz="1200" b="1" dirty="0">
+                <a:latin typeface="Courier New" panose="02070309020205020404" pitchFamily="49" charset="0"/>
+              </a:rPr>
+              <a:t>    DECLARE</a:t>
+            </a:r>
+            <a:r>
+              <a:rPr lang="en-US" altLang="zh-CN" sz="1200" dirty="0">
+                <a:latin typeface="Courier New" panose="02070309020205020404" pitchFamily="49" charset="0"/>
+              </a:rPr>
+              <a:t> cur </a:t>
+            </a:r>
+            <a:r>
+              <a:rPr lang="en-US" altLang="zh-CN" sz="1200" b="1" dirty="0">
+                <a:latin typeface="Courier New" panose="02070309020205020404" pitchFamily="49" charset="0"/>
+              </a:rPr>
+              <a:t>CURSOR</a:t>
+            </a:r>
+            <a:r>
+              <a:rPr lang="en-US" altLang="zh-CN" sz="1200" dirty="0">
+                <a:latin typeface="Courier New" panose="02070309020205020404" pitchFamily="49" charset="0"/>
+              </a:rPr>
+              <a:t> </a:t>
+            </a:r>
+            <a:r>
+              <a:rPr lang="en-US" altLang="zh-CN" sz="1200" b="1" dirty="0">
+                <a:latin typeface="Courier New" panose="02070309020205020404" pitchFamily="49" charset="0"/>
+              </a:rPr>
+              <a:t>FOR</a:t>
+            </a:r>
+            <a:r>
+              <a:rPr lang="en-US" altLang="zh-CN" sz="1200" dirty="0">
+                <a:latin typeface="Courier New" panose="02070309020205020404" pitchFamily="49" charset="0"/>
+              </a:rPr>
+              <a:t> </a:t>
+            </a:r>
+            <a:r>
+              <a:rPr lang="en-US" altLang="zh-CN" sz="1200" b="1" dirty="0">
+                <a:latin typeface="Courier New" panose="02070309020205020404" pitchFamily="49" charset="0"/>
+              </a:rPr>
+              <a:t>SELECT</a:t>
+            </a:r>
+            <a:r>
+              <a:rPr lang="en-US" altLang="zh-CN" sz="1200" dirty="0">
+                <a:latin typeface="Courier New" panose="02070309020205020404" pitchFamily="49" charset="0"/>
+              </a:rPr>
+              <a:t> </a:t>
+            </a:r>
+            <a:r>
+              <a:rPr lang="en-US" altLang="zh-CN" sz="1200" dirty="0" err="1">
+                <a:latin typeface="Courier New" panose="02070309020205020404" pitchFamily="49" charset="0"/>
+              </a:rPr>
+              <a:t>mileage,fuel</a:t>
+            </a:r>
+            <a:r>
+              <a:rPr lang="en-US" altLang="zh-CN" sz="1200" dirty="0">
+                <a:latin typeface="Courier New" panose="02070309020205020404" pitchFamily="49" charset="0"/>
+              </a:rPr>
+              <a:t> </a:t>
+            </a:r>
+            <a:r>
+              <a:rPr lang="en-US" altLang="zh-CN" sz="1200" b="1" dirty="0">
+                <a:latin typeface="Courier New" panose="02070309020205020404" pitchFamily="49" charset="0"/>
+              </a:rPr>
+              <a:t>FROM</a:t>
+            </a:r>
+            <a:r>
+              <a:rPr lang="en-US" altLang="zh-CN" sz="1200" dirty="0">
+                <a:latin typeface="Courier New" panose="02070309020205020404" pitchFamily="49" charset="0"/>
+              </a:rPr>
+              <a:t> v5mf </a:t>
+            </a:r>
+            <a:r>
+              <a:rPr lang="en-US" altLang="zh-CN" sz="1200" b="1" dirty="0">
+                <a:latin typeface="Courier New" panose="02070309020205020404" pitchFamily="49" charset="0"/>
+              </a:rPr>
+              <a:t>WHERE</a:t>
+            </a:r>
+            <a:r>
+              <a:rPr lang="en-US" altLang="zh-CN" sz="1200" dirty="0">
+                <a:latin typeface="Courier New" panose="02070309020205020404" pitchFamily="49" charset="0"/>
+              </a:rPr>
+              <a:t> brand=</a:t>
+            </a:r>
+            <a:r>
+              <a:rPr lang="en-US" altLang="zh-CN" sz="1200" dirty="0" err="1">
+                <a:latin typeface="Courier New" panose="02070309020205020404" pitchFamily="49" charset="0"/>
+              </a:rPr>
+              <a:t>brd</a:t>
+            </a:r>
+            <a:r>
+              <a:rPr lang="en-US" altLang="zh-CN" sz="1200" dirty="0">
+                <a:latin typeface="Courier New" panose="02070309020205020404" pitchFamily="49" charset="0"/>
+              </a:rPr>
+              <a:t>;</a:t>
+            </a:r>
+          </a:p>
+          <a:p>
+            <a:r>
+              <a:rPr lang="en-US" altLang="zh-CN" sz="1200" b="1" dirty="0">
+                <a:latin typeface="Courier New" panose="02070309020205020404" pitchFamily="49" charset="0"/>
+              </a:rPr>
+              <a:t>    DECLARE</a:t>
+            </a:r>
+            <a:r>
+              <a:rPr lang="en-US" altLang="zh-CN" sz="1200" dirty="0">
+                <a:latin typeface="Courier New" panose="02070309020205020404" pitchFamily="49" charset="0"/>
+              </a:rPr>
+              <a:t> </a:t>
+            </a:r>
+            <a:r>
+              <a:rPr lang="en-US" altLang="zh-CN" sz="1200" b="1" dirty="0">
+                <a:latin typeface="Courier New" panose="02070309020205020404" pitchFamily="49" charset="0"/>
+              </a:rPr>
+              <a:t>CONTINUE</a:t>
+            </a:r>
+            <a:r>
+              <a:rPr lang="en-US" altLang="zh-CN" sz="1200" dirty="0">
+                <a:latin typeface="Courier New" panose="02070309020205020404" pitchFamily="49" charset="0"/>
+              </a:rPr>
+              <a:t> </a:t>
+            </a:r>
+            <a:r>
+              <a:rPr lang="en-US" altLang="zh-CN" sz="1200" b="1" dirty="0">
+                <a:latin typeface="Courier New" panose="02070309020205020404" pitchFamily="49" charset="0"/>
+              </a:rPr>
+              <a:t>HANDLER</a:t>
+            </a:r>
+            <a:r>
+              <a:rPr lang="en-US" altLang="zh-CN" sz="1200" dirty="0">
+                <a:latin typeface="Courier New" panose="02070309020205020404" pitchFamily="49" charset="0"/>
+              </a:rPr>
+              <a:t> </a:t>
+            </a:r>
+            <a:r>
+              <a:rPr lang="en-US" altLang="zh-CN" sz="1200" b="1" dirty="0">
+                <a:latin typeface="Courier New" panose="02070309020205020404" pitchFamily="49" charset="0"/>
+              </a:rPr>
+              <a:t>FOR</a:t>
+            </a:r>
+            <a:r>
+              <a:rPr lang="en-US" altLang="zh-CN" sz="1200" dirty="0">
+                <a:latin typeface="Courier New" panose="02070309020205020404" pitchFamily="49" charset="0"/>
+              </a:rPr>
+              <a:t> </a:t>
+            </a:r>
+            <a:r>
+              <a:rPr lang="en-US" altLang="zh-CN" sz="1200" b="1" dirty="0">
+                <a:latin typeface="Courier New" panose="02070309020205020404" pitchFamily="49" charset="0"/>
+              </a:rPr>
+              <a:t>NOT</a:t>
+            </a:r>
+            <a:r>
+              <a:rPr lang="en-US" altLang="zh-CN" sz="1200" dirty="0">
+                <a:latin typeface="Courier New" panose="02070309020205020404" pitchFamily="49" charset="0"/>
+              </a:rPr>
+              <a:t> </a:t>
+            </a:r>
+            <a:r>
+              <a:rPr lang="en-US" altLang="zh-CN" sz="1200" b="1" dirty="0">
+                <a:latin typeface="Courier New" panose="02070309020205020404" pitchFamily="49" charset="0"/>
+              </a:rPr>
+              <a:t>FOUND</a:t>
+            </a:r>
+            <a:r>
+              <a:rPr lang="en-US" altLang="zh-CN" sz="1200" dirty="0">
+                <a:latin typeface="Courier New" panose="02070309020205020404" pitchFamily="49" charset="0"/>
+              </a:rPr>
+              <a:t> </a:t>
+            </a:r>
+            <a:r>
+              <a:rPr lang="en-US" altLang="zh-CN" sz="1200" b="1" dirty="0">
+                <a:latin typeface="Courier New" panose="02070309020205020404" pitchFamily="49" charset="0"/>
+              </a:rPr>
+              <a:t>SET</a:t>
+            </a:r>
+            <a:r>
+              <a:rPr lang="en-US" altLang="zh-CN" sz="1200" dirty="0">
+                <a:latin typeface="Courier New" panose="02070309020205020404" pitchFamily="49" charset="0"/>
+              </a:rPr>
+              <a:t> done = 1;</a:t>
+            </a:r>
+          </a:p>
+          <a:p>
+            <a:endParaRPr lang="zh-CN" altLang="en-US" sz="1200" dirty="0">
+              <a:latin typeface="Courier New" panose="02070309020205020404" pitchFamily="49" charset="0"/>
+            </a:endParaRPr>
+          </a:p>
+          <a:p>
+            <a:r>
+              <a:rPr lang="en-US" altLang="zh-CN" sz="1200" b="1" dirty="0">
+                <a:latin typeface="Courier New" panose="02070309020205020404" pitchFamily="49" charset="0"/>
+              </a:rPr>
+              <a:t>    OPEN</a:t>
+            </a:r>
+            <a:r>
+              <a:rPr lang="en-US" altLang="zh-CN" sz="1200" dirty="0">
+                <a:latin typeface="Courier New" panose="02070309020205020404" pitchFamily="49" charset="0"/>
+              </a:rPr>
+              <a:t> cur;</a:t>
+            </a:r>
+            <a:endParaRPr lang="zh-CN" altLang="en-US" sz="1200" dirty="0">
+              <a:latin typeface="Courier New" panose="02070309020205020404" pitchFamily="49" charset="0"/>
+            </a:endParaRPr>
+          </a:p>
+          <a:p>
+            <a:r>
+              <a:rPr lang="en-US" altLang="zh-CN" sz="1200" dirty="0">
+                <a:latin typeface="Courier New" panose="02070309020205020404" pitchFamily="49" charset="0"/>
+              </a:rPr>
+              <a:t>    </a:t>
+            </a:r>
+            <a:r>
+              <a:rPr lang="en-US" altLang="zh-CN" sz="1200" dirty="0" err="1">
+                <a:latin typeface="Courier New" panose="02070309020205020404" pitchFamily="49" charset="0"/>
+              </a:rPr>
+              <a:t>x_loop</a:t>
+            </a:r>
+            <a:r>
+              <a:rPr lang="en-US" altLang="zh-CN" sz="1200" dirty="0">
+                <a:latin typeface="Courier New" panose="02070309020205020404" pitchFamily="49" charset="0"/>
+              </a:rPr>
+              <a:t>: </a:t>
+            </a:r>
+            <a:r>
+              <a:rPr lang="en-US" altLang="zh-CN" sz="1200" b="1" dirty="0">
+                <a:latin typeface="Courier New" panose="02070309020205020404" pitchFamily="49" charset="0"/>
+              </a:rPr>
+              <a:t>LOOP</a:t>
+            </a:r>
+          </a:p>
+          <a:p>
+            <a:r>
+              <a:rPr lang="en-US" altLang="zh-CN" sz="1200" b="1" dirty="0">
+                <a:latin typeface="Courier New" panose="02070309020205020404" pitchFamily="49" charset="0"/>
+              </a:rPr>
+              <a:t>        FETCH</a:t>
+            </a:r>
+            <a:r>
+              <a:rPr lang="en-US" altLang="zh-CN" sz="1200" dirty="0">
+                <a:latin typeface="Courier New" panose="02070309020205020404" pitchFamily="49" charset="0"/>
+              </a:rPr>
+              <a:t> cur </a:t>
+            </a:r>
+            <a:r>
+              <a:rPr lang="en-US" altLang="zh-CN" sz="1200" b="1" dirty="0">
+                <a:latin typeface="Courier New" panose="02070309020205020404" pitchFamily="49" charset="0"/>
+              </a:rPr>
+              <a:t>INTO</a:t>
+            </a:r>
+            <a:r>
+              <a:rPr lang="en-US" altLang="zh-CN" sz="1200" dirty="0">
+                <a:latin typeface="Courier New" panose="02070309020205020404" pitchFamily="49" charset="0"/>
+              </a:rPr>
+              <a:t> </a:t>
+            </a:r>
+            <a:r>
+              <a:rPr lang="en-US" altLang="zh-CN" sz="1200" dirty="0" err="1">
+                <a:latin typeface="Courier New" panose="02070309020205020404" pitchFamily="49" charset="0"/>
+              </a:rPr>
+              <a:t>m,f</a:t>
+            </a:r>
+            <a:r>
+              <a:rPr lang="en-US" altLang="zh-CN" sz="1200" dirty="0">
+                <a:latin typeface="Courier New" panose="02070309020205020404" pitchFamily="49" charset="0"/>
+              </a:rPr>
+              <a:t>;</a:t>
+            </a:r>
+          </a:p>
+          <a:p>
+            <a:r>
+              <a:rPr lang="en-US" altLang="zh-CN" sz="1200" b="1" dirty="0">
+                <a:latin typeface="Courier New" panose="02070309020205020404" pitchFamily="49" charset="0"/>
+              </a:rPr>
+              <a:t>        IF</a:t>
+            </a:r>
+            <a:r>
+              <a:rPr lang="en-US" altLang="zh-CN" sz="1200" dirty="0">
+                <a:latin typeface="Courier New" panose="02070309020205020404" pitchFamily="49" charset="0"/>
+              </a:rPr>
+              <a:t> done </a:t>
+            </a:r>
+            <a:r>
+              <a:rPr lang="en-US" altLang="zh-CN" sz="1200" b="1" dirty="0">
+                <a:latin typeface="Courier New" panose="02070309020205020404" pitchFamily="49" charset="0"/>
+              </a:rPr>
+              <a:t>THEN</a:t>
+            </a:r>
+            <a:r>
+              <a:rPr lang="en-US" altLang="zh-CN" sz="1200" dirty="0">
+                <a:latin typeface="Courier New" panose="02070309020205020404" pitchFamily="49" charset="0"/>
+              </a:rPr>
+              <a:t> </a:t>
+            </a:r>
+            <a:r>
+              <a:rPr lang="en-US" altLang="zh-CN" sz="1200" b="1" dirty="0">
+                <a:latin typeface="Courier New" panose="02070309020205020404" pitchFamily="49" charset="0"/>
+              </a:rPr>
+              <a:t>LEAVE</a:t>
+            </a:r>
+            <a:r>
+              <a:rPr lang="en-US" altLang="zh-CN" sz="1200" dirty="0">
+                <a:latin typeface="Courier New" panose="02070309020205020404" pitchFamily="49" charset="0"/>
+              </a:rPr>
+              <a:t> </a:t>
+            </a:r>
+            <a:r>
+              <a:rPr lang="en-US" altLang="zh-CN" sz="1200" dirty="0" err="1">
+                <a:latin typeface="Courier New" panose="02070309020205020404" pitchFamily="49" charset="0"/>
+              </a:rPr>
+              <a:t>x_loop</a:t>
+            </a:r>
+            <a:r>
+              <a:rPr lang="en-US" altLang="zh-CN" sz="1200" dirty="0">
+                <a:latin typeface="Courier New" panose="02070309020205020404" pitchFamily="49" charset="0"/>
+              </a:rPr>
+              <a:t>;</a:t>
+            </a:r>
+          </a:p>
+          <a:p>
+            <a:r>
+              <a:rPr lang="en-US" altLang="zh-CN" sz="1200" b="1" dirty="0">
+                <a:latin typeface="Courier New" panose="02070309020205020404" pitchFamily="49" charset="0"/>
+              </a:rPr>
+              <a:t>        END</a:t>
+            </a:r>
+            <a:r>
+              <a:rPr lang="en-US" altLang="zh-CN" sz="1200" dirty="0">
+                <a:latin typeface="Courier New" panose="02070309020205020404" pitchFamily="49" charset="0"/>
+              </a:rPr>
+              <a:t> </a:t>
+            </a:r>
+            <a:r>
+              <a:rPr lang="en-US" altLang="zh-CN" sz="1200" b="1" dirty="0">
+                <a:latin typeface="Courier New" panose="02070309020205020404" pitchFamily="49" charset="0"/>
+              </a:rPr>
+              <a:t>IF</a:t>
+            </a:r>
+            <a:r>
+              <a:rPr lang="en-US" altLang="zh-CN" sz="1200" dirty="0">
+                <a:latin typeface="Courier New" panose="02070309020205020404" pitchFamily="49" charset="0"/>
+              </a:rPr>
+              <a:t>;</a:t>
+            </a:r>
+          </a:p>
+          <a:p>
+            <a:endParaRPr lang="en-US" altLang="zh-CN" sz="1200" dirty="0">
+              <a:latin typeface="Courier New" panose="02070309020205020404" pitchFamily="49" charset="0"/>
+            </a:endParaRPr>
+          </a:p>
+          <a:p>
+            <a:r>
+              <a:rPr lang="en-US" altLang="zh-CN" sz="1200" b="1" dirty="0">
+                <a:latin typeface="Courier New" panose="02070309020205020404" pitchFamily="49" charset="0"/>
+              </a:rPr>
+              <a:t>        SET</a:t>
+            </a:r>
+            <a:r>
+              <a:rPr lang="en-US" altLang="zh-CN" sz="1200" dirty="0">
+                <a:latin typeface="Courier New" panose="02070309020205020404" pitchFamily="49" charset="0"/>
+              </a:rPr>
+              <a:t> </a:t>
+            </a:r>
+            <a:r>
+              <a:rPr lang="en-US" altLang="zh-CN" sz="1200" dirty="0" err="1">
+                <a:latin typeface="Courier New" panose="02070309020205020404" pitchFamily="49" charset="0"/>
+              </a:rPr>
+              <a:t>totalM</a:t>
+            </a:r>
+            <a:r>
+              <a:rPr lang="en-US" altLang="zh-CN" sz="1200" dirty="0">
+                <a:latin typeface="Courier New" panose="02070309020205020404" pitchFamily="49" charset="0"/>
+              </a:rPr>
+              <a:t> := </a:t>
+            </a:r>
+            <a:r>
+              <a:rPr lang="en-US" altLang="zh-CN" sz="1200" dirty="0" err="1">
+                <a:latin typeface="Courier New" panose="02070309020205020404" pitchFamily="49" charset="0"/>
+              </a:rPr>
+              <a:t>totalM+m</a:t>
+            </a:r>
+            <a:r>
+              <a:rPr lang="en-US" altLang="zh-CN" sz="1200" dirty="0">
+                <a:latin typeface="Courier New" panose="02070309020205020404" pitchFamily="49" charset="0"/>
+              </a:rPr>
+              <a:t>;</a:t>
+            </a:r>
+          </a:p>
+          <a:p>
+            <a:r>
+              <a:rPr lang="en-US" altLang="zh-CN" sz="1200" b="1" dirty="0">
+                <a:latin typeface="Courier New" panose="02070309020205020404" pitchFamily="49" charset="0"/>
+              </a:rPr>
+              <a:t>        SET</a:t>
+            </a:r>
+            <a:r>
+              <a:rPr lang="en-US" altLang="zh-CN" sz="1200" dirty="0">
+                <a:latin typeface="Courier New" panose="02070309020205020404" pitchFamily="49" charset="0"/>
+              </a:rPr>
+              <a:t> </a:t>
+            </a:r>
+            <a:r>
+              <a:rPr lang="en-US" altLang="zh-CN" sz="1200" dirty="0" err="1">
+                <a:latin typeface="Courier New" panose="02070309020205020404" pitchFamily="49" charset="0"/>
+              </a:rPr>
+              <a:t>totalF</a:t>
+            </a:r>
+            <a:r>
+              <a:rPr lang="en-US" altLang="zh-CN" sz="1200" dirty="0">
+                <a:latin typeface="Courier New" panose="02070309020205020404" pitchFamily="49" charset="0"/>
+              </a:rPr>
+              <a:t> := </a:t>
+            </a:r>
+            <a:r>
+              <a:rPr lang="en-US" altLang="zh-CN" sz="1200" dirty="0" err="1">
+                <a:latin typeface="Courier New" panose="02070309020205020404" pitchFamily="49" charset="0"/>
+              </a:rPr>
+              <a:t>totalF+f</a:t>
+            </a:r>
+            <a:r>
+              <a:rPr lang="en-US" altLang="zh-CN" sz="1200" dirty="0">
+                <a:latin typeface="Courier New" panose="02070309020205020404" pitchFamily="49" charset="0"/>
+              </a:rPr>
+              <a:t>;</a:t>
+            </a:r>
+          </a:p>
+          <a:p>
+            <a:r>
+              <a:rPr lang="en-US" altLang="zh-CN" sz="1200" b="1" dirty="0">
+                <a:latin typeface="Courier New" panose="02070309020205020404" pitchFamily="49" charset="0"/>
+              </a:rPr>
+              <a:t>        SET</a:t>
+            </a:r>
+            <a:r>
+              <a:rPr lang="en-US" altLang="zh-CN" sz="1200" dirty="0">
+                <a:latin typeface="Courier New" panose="02070309020205020404" pitchFamily="49" charset="0"/>
+              </a:rPr>
+              <a:t> total := total+1;</a:t>
+            </a:r>
+          </a:p>
+          <a:p>
+            <a:r>
+              <a:rPr lang="en-US" altLang="zh-CN" sz="1200" b="1" dirty="0">
+                <a:latin typeface="Courier New" panose="02070309020205020404" pitchFamily="49" charset="0"/>
+              </a:rPr>
+              <a:t>    END</a:t>
+            </a:r>
+            <a:r>
+              <a:rPr lang="en-US" altLang="zh-CN" sz="1200" dirty="0">
+                <a:latin typeface="Courier New" panose="02070309020205020404" pitchFamily="49" charset="0"/>
+              </a:rPr>
+              <a:t> </a:t>
+            </a:r>
+            <a:r>
+              <a:rPr lang="en-US" altLang="zh-CN" sz="1200" b="1" dirty="0">
+                <a:latin typeface="Courier New" panose="02070309020205020404" pitchFamily="49" charset="0"/>
+              </a:rPr>
+              <a:t>LOOP</a:t>
+            </a:r>
+            <a:r>
+              <a:rPr lang="en-US" altLang="zh-CN" sz="1200" dirty="0">
+                <a:latin typeface="Courier New" panose="02070309020205020404" pitchFamily="49" charset="0"/>
+              </a:rPr>
+              <a:t>;</a:t>
+            </a:r>
+            <a:endParaRPr lang="zh-CN" altLang="en-US" sz="1200" dirty="0">
+              <a:latin typeface="Courier New" panose="02070309020205020404" pitchFamily="49" charset="0"/>
+            </a:endParaRPr>
+          </a:p>
+          <a:p>
+            <a:r>
+              <a:rPr lang="en-US" altLang="zh-CN" sz="1200" b="1" dirty="0">
+                <a:latin typeface="Courier New" panose="02070309020205020404" pitchFamily="49" charset="0"/>
+              </a:rPr>
+              <a:t>    CLOSE</a:t>
+            </a:r>
+            <a:r>
+              <a:rPr lang="en-US" altLang="zh-CN" sz="1200" dirty="0">
+                <a:latin typeface="Courier New" panose="02070309020205020404" pitchFamily="49" charset="0"/>
+              </a:rPr>
+              <a:t> cur;</a:t>
+            </a:r>
+          </a:p>
+          <a:p>
+            <a:endParaRPr lang="zh-CN" altLang="en-US" sz="1200" dirty="0">
+              <a:latin typeface="Courier New" panose="02070309020205020404" pitchFamily="49" charset="0"/>
+            </a:endParaRPr>
+          </a:p>
+          <a:p>
+            <a:r>
+              <a:rPr lang="en-US" altLang="zh-CN" sz="1200" b="1" dirty="0">
+                <a:latin typeface="Courier New" panose="02070309020205020404" pitchFamily="49" charset="0"/>
+              </a:rPr>
+              <a:t>    DROP</a:t>
+            </a:r>
+            <a:r>
+              <a:rPr lang="en-US" altLang="zh-CN" sz="1200" dirty="0">
+                <a:latin typeface="Courier New" panose="02070309020205020404" pitchFamily="49" charset="0"/>
+              </a:rPr>
+              <a:t> </a:t>
+            </a:r>
+            <a:r>
+              <a:rPr lang="en-US" altLang="zh-CN" sz="1200" b="1" dirty="0">
+                <a:latin typeface="Courier New" panose="02070309020205020404" pitchFamily="49" charset="0"/>
+              </a:rPr>
+              <a:t>TABLE</a:t>
+            </a:r>
+            <a:r>
+              <a:rPr lang="en-US" altLang="zh-CN" sz="1200" dirty="0">
+                <a:latin typeface="Courier New" panose="02070309020205020404" pitchFamily="49" charset="0"/>
+              </a:rPr>
+              <a:t> </a:t>
+            </a:r>
+            <a:r>
+              <a:rPr lang="en-US" altLang="zh-CN" sz="1200" b="1" dirty="0">
+                <a:latin typeface="Courier New" panose="02070309020205020404" pitchFamily="49" charset="0"/>
+              </a:rPr>
+              <a:t>IF</a:t>
+            </a:r>
+            <a:r>
+              <a:rPr lang="en-US" altLang="zh-CN" sz="1200" dirty="0">
+                <a:latin typeface="Courier New" panose="02070309020205020404" pitchFamily="49" charset="0"/>
+              </a:rPr>
+              <a:t> </a:t>
+            </a:r>
+            <a:r>
+              <a:rPr lang="en-US" altLang="zh-CN" sz="1200" b="1" dirty="0">
+                <a:latin typeface="Courier New" panose="02070309020205020404" pitchFamily="49" charset="0"/>
+              </a:rPr>
+              <a:t>EXISTS</a:t>
+            </a:r>
+            <a:r>
+              <a:rPr lang="en-US" altLang="zh-CN" sz="1200" dirty="0">
+                <a:latin typeface="Courier New" panose="02070309020205020404" pitchFamily="49" charset="0"/>
+              </a:rPr>
+              <a:t> tmp_v5proc;</a:t>
+            </a:r>
+          </a:p>
+          <a:p>
+            <a:endParaRPr lang="en-US" altLang="zh-CN" sz="1200" dirty="0">
+              <a:latin typeface="Courier New" panose="02070309020205020404" pitchFamily="49" charset="0"/>
+            </a:endParaRPr>
+          </a:p>
+          <a:p>
+            <a:r>
+              <a:rPr lang="en-US" altLang="zh-CN" sz="1200" dirty="0">
+                <a:latin typeface="Courier New" panose="02070309020205020404" pitchFamily="49" charset="0"/>
+              </a:rPr>
+              <a:t>    </a:t>
+            </a:r>
+            <a:r>
+              <a:rPr lang="en-US" altLang="zh-CN" sz="1200" b="1" dirty="0">
+                <a:latin typeface="Courier New" panose="02070309020205020404" pitchFamily="49" charset="0"/>
+              </a:rPr>
+              <a:t>CREATE</a:t>
+            </a:r>
+            <a:r>
+              <a:rPr lang="en-US" altLang="zh-CN" sz="1200" dirty="0">
+                <a:latin typeface="Courier New" panose="02070309020205020404" pitchFamily="49" charset="0"/>
+              </a:rPr>
+              <a:t> </a:t>
+            </a:r>
+            <a:r>
+              <a:rPr lang="en-US" altLang="zh-CN" sz="1200" b="1" dirty="0">
+                <a:latin typeface="Courier New" panose="02070309020205020404" pitchFamily="49" charset="0"/>
+              </a:rPr>
+              <a:t>TEMPORARY</a:t>
+            </a:r>
+            <a:r>
+              <a:rPr lang="en-US" altLang="zh-CN" sz="1200" dirty="0">
+                <a:latin typeface="Courier New" panose="02070309020205020404" pitchFamily="49" charset="0"/>
+              </a:rPr>
+              <a:t> </a:t>
+            </a:r>
+            <a:r>
+              <a:rPr lang="en-US" altLang="zh-CN" sz="1200" b="1" dirty="0">
+                <a:latin typeface="Courier New" panose="02070309020205020404" pitchFamily="49" charset="0"/>
+              </a:rPr>
+              <a:t>TABLE</a:t>
+            </a:r>
+            <a:r>
+              <a:rPr lang="en-US" altLang="zh-CN" sz="1200" dirty="0">
+                <a:latin typeface="Courier New" panose="02070309020205020404" pitchFamily="49" charset="0"/>
+              </a:rPr>
+              <a:t> tmp_v5proc </a:t>
+            </a:r>
+            <a:r>
+              <a:rPr lang="en-US" altLang="zh-CN" sz="1200" b="1" dirty="0">
+                <a:latin typeface="Courier New" panose="02070309020205020404" pitchFamily="49" charset="0"/>
+              </a:rPr>
+              <a:t>AS</a:t>
+            </a:r>
+          </a:p>
+          <a:p>
+            <a:r>
+              <a:rPr lang="en-US" altLang="zh-CN" sz="1200" dirty="0">
+                <a:latin typeface="Courier New" panose="02070309020205020404" pitchFamily="49" charset="0"/>
+              </a:rPr>
+              <a:t>    </a:t>
+            </a:r>
+            <a:r>
+              <a:rPr lang="en-US" altLang="zh-CN" sz="1200" b="1" dirty="0">
+                <a:latin typeface="Courier New" panose="02070309020205020404" pitchFamily="49" charset="0"/>
+              </a:rPr>
+              <a:t>SELECT</a:t>
+            </a:r>
+            <a:r>
+              <a:rPr lang="en-US" altLang="zh-CN" sz="1200" dirty="0">
+                <a:latin typeface="Courier New" panose="02070309020205020404" pitchFamily="49" charset="0"/>
+              </a:rPr>
+              <a:t> </a:t>
+            </a:r>
+            <a:r>
+              <a:rPr lang="en-US" altLang="zh-CN" sz="1200" dirty="0" err="1">
+                <a:latin typeface="Courier New" panose="02070309020205020404" pitchFamily="49" charset="0"/>
+              </a:rPr>
+              <a:t>brd</a:t>
+            </a:r>
+            <a:r>
+              <a:rPr lang="en-US" altLang="zh-CN" sz="1200" dirty="0">
+                <a:latin typeface="Courier New" panose="02070309020205020404" pitchFamily="49" charset="0"/>
+              </a:rPr>
+              <a:t>, total, </a:t>
+            </a:r>
+            <a:r>
+              <a:rPr lang="en-US" altLang="zh-CN" sz="1200" dirty="0" err="1">
+                <a:latin typeface="Courier New" panose="02070309020205020404" pitchFamily="49" charset="0"/>
+              </a:rPr>
+              <a:t>totalM</a:t>
+            </a:r>
+            <a:r>
+              <a:rPr lang="en-US" altLang="zh-CN" sz="1200" dirty="0">
+                <a:latin typeface="Courier New" panose="02070309020205020404" pitchFamily="49" charset="0"/>
+              </a:rPr>
+              <a:t>, </a:t>
+            </a:r>
+            <a:r>
+              <a:rPr lang="en-US" altLang="zh-CN" sz="1200" dirty="0" err="1">
+                <a:latin typeface="Courier New" panose="02070309020205020404" pitchFamily="49" charset="0"/>
+              </a:rPr>
+              <a:t>totalF</a:t>
+            </a:r>
+            <a:r>
+              <a:rPr lang="en-US" altLang="zh-CN" sz="1200" dirty="0">
+                <a:latin typeface="Courier New" panose="02070309020205020404" pitchFamily="49" charset="0"/>
+              </a:rPr>
+              <a:t>, </a:t>
+            </a:r>
+            <a:r>
+              <a:rPr lang="en-US" altLang="zh-CN" sz="1200" b="1" dirty="0">
+                <a:latin typeface="Courier New" panose="02070309020205020404" pitchFamily="49" charset="0"/>
+              </a:rPr>
+              <a:t>CAST</a:t>
+            </a:r>
+            <a:r>
+              <a:rPr lang="en-US" altLang="zh-CN" sz="1200" dirty="0">
+                <a:latin typeface="Courier New" panose="02070309020205020404" pitchFamily="49" charset="0"/>
+              </a:rPr>
+              <a:t>(100*</a:t>
+            </a:r>
+            <a:r>
+              <a:rPr lang="en-US" altLang="zh-CN" sz="1200" dirty="0" err="1">
+                <a:latin typeface="Courier New" panose="02070309020205020404" pitchFamily="49" charset="0"/>
+              </a:rPr>
+              <a:t>totalF</a:t>
+            </a:r>
+            <a:r>
+              <a:rPr lang="en-US" altLang="zh-CN" sz="1200" dirty="0">
+                <a:latin typeface="Courier New" panose="02070309020205020404" pitchFamily="49" charset="0"/>
+              </a:rPr>
+              <a:t>/</a:t>
+            </a:r>
+            <a:r>
+              <a:rPr lang="en-US" altLang="zh-CN" sz="1200" dirty="0" err="1">
+                <a:latin typeface="Courier New" panose="02070309020205020404" pitchFamily="49" charset="0"/>
+              </a:rPr>
+              <a:t>totalM</a:t>
+            </a:r>
+            <a:r>
+              <a:rPr lang="en-US" altLang="zh-CN" sz="1200" dirty="0">
+                <a:latin typeface="Courier New" panose="02070309020205020404" pitchFamily="49" charset="0"/>
+              </a:rPr>
+              <a:t> </a:t>
+            </a:r>
+            <a:r>
+              <a:rPr lang="en-US" altLang="zh-CN" sz="1200" b="1" dirty="0">
+                <a:latin typeface="Courier New" panose="02070309020205020404" pitchFamily="49" charset="0"/>
+              </a:rPr>
+              <a:t>AS</a:t>
+            </a:r>
+            <a:r>
+              <a:rPr lang="en-US" altLang="zh-CN" sz="1200" dirty="0">
+                <a:latin typeface="Courier New" panose="02070309020205020404" pitchFamily="49" charset="0"/>
+              </a:rPr>
+              <a:t> </a:t>
+            </a:r>
+            <a:r>
+              <a:rPr lang="en-US" altLang="zh-CN" sz="1200" b="1" dirty="0">
+                <a:latin typeface="Courier New" panose="02070309020205020404" pitchFamily="49" charset="0"/>
+              </a:rPr>
+              <a:t>decimal</a:t>
+            </a:r>
+            <a:r>
+              <a:rPr lang="en-US" altLang="zh-CN" sz="1200" dirty="0">
+                <a:latin typeface="Courier New" panose="02070309020205020404" pitchFamily="49" charset="0"/>
+              </a:rPr>
+              <a:t>(5,1)) </a:t>
+            </a:r>
+            <a:r>
+              <a:rPr lang="en-US" altLang="zh-CN" sz="1200" b="1" dirty="0">
+                <a:latin typeface="Courier New" panose="02070309020205020404" pitchFamily="49" charset="0"/>
+              </a:rPr>
+              <a:t>as</a:t>
+            </a:r>
+            <a:r>
+              <a:rPr lang="en-US" altLang="zh-CN" sz="1200" dirty="0">
+                <a:latin typeface="Courier New" panose="02070309020205020404" pitchFamily="49" charset="0"/>
+              </a:rPr>
+              <a:t> </a:t>
+            </a:r>
+            <a:r>
+              <a:rPr lang="en-US" altLang="zh-CN" sz="1200" dirty="0" err="1">
+                <a:latin typeface="Courier New" panose="02070309020205020404" pitchFamily="49" charset="0"/>
+              </a:rPr>
+              <a:t>fuel_ave</a:t>
+            </a:r>
+            <a:r>
+              <a:rPr lang="en-US" altLang="zh-CN" sz="1200" dirty="0">
+                <a:latin typeface="Courier New" panose="02070309020205020404" pitchFamily="49" charset="0"/>
+              </a:rPr>
+              <a:t>;</a:t>
+            </a:r>
+          </a:p>
+          <a:p>
+            <a:endParaRPr lang="en-US" altLang="zh-CN" sz="1200" dirty="0">
+              <a:latin typeface="Courier New" panose="02070309020205020404" pitchFamily="49" charset="0"/>
+            </a:endParaRPr>
+          </a:p>
+          <a:p>
+            <a:r>
+              <a:rPr lang="en-US" altLang="zh-CN" sz="1200" b="1" dirty="0">
+                <a:latin typeface="Courier New" panose="02070309020205020404" pitchFamily="49" charset="0"/>
+              </a:rPr>
+              <a:t>END</a:t>
+            </a:r>
+            <a:r>
+              <a:rPr lang="en-US" altLang="zh-CN" sz="1200" dirty="0">
+                <a:latin typeface="Courier New" panose="02070309020205020404" pitchFamily="49" charset="0"/>
+              </a:rPr>
+              <a:t>$$</a:t>
+            </a:r>
+          </a:p>
+          <a:p>
+            <a:r>
+              <a:rPr lang="en-US" altLang="zh-CN" sz="1200" dirty="0">
+                <a:latin typeface="Courier New" panose="02070309020205020404" pitchFamily="49" charset="0"/>
+              </a:rPr>
+              <a:t>DELIMITER ;</a:t>
+            </a:r>
+          </a:p>
+        </p:txBody>
+      </p:sp>
+    </p:spTree>
+    <p:extLst>
+      <p:ext uri="{BB962C8B-B14F-4D97-AF65-F5344CB8AC3E}">
+        <p14:creationId xmlns:p14="http://schemas.microsoft.com/office/powerpoint/2010/main" val="3631811291"/>
       </p:ext>
     </p:extLst>
   </p:cSld>

--- a/Database/database.pptx
+++ b/Database/database.pptx
@@ -5,7 +5,7 @@
     <p:sldMasterId id="2147483648" r:id="rId1"/>
   </p:sldMasterIdLst>
   <p:notesMasterIdLst>
-    <p:notesMasterId r:id="rId39"/>
+    <p:notesMasterId r:id="rId44"/>
   </p:notesMasterIdLst>
   <p:sldIdLst>
     <p:sldId id="256" r:id="rId2"/>
@@ -45,6 +45,11 @@
     <p:sldId id="291" r:id="rId36"/>
     <p:sldId id="292" r:id="rId37"/>
     <p:sldId id="293" r:id="rId38"/>
+    <p:sldId id="294" r:id="rId39"/>
+    <p:sldId id="298" r:id="rId40"/>
+    <p:sldId id="295" r:id="rId41"/>
+    <p:sldId id="296" r:id="rId42"/>
+    <p:sldId id="297" r:id="rId43"/>
   </p:sldIdLst>
   <p:sldSz cx="12192000" cy="6858000"/>
   <p:notesSz cx="6858000" cy="9144000"/>
@@ -6880,7 +6885,7 @@
           <a:p>
             <a:fld id="{4253A8FE-3173-4767-A71C-0B7CC53597A5}" type="datetimeFigureOut">
               <a:rPr lang="zh-CN" altLang="en-US" smtClean="0"/>
-              <a:t>2018/11/28</a:t>
+              <a:t>2018/12/6</a:t>
             </a:fld>
             <a:endParaRPr lang="zh-CN" altLang="en-US"/>
           </a:p>
@@ -7318,7 +7323,7 @@
           <a:p>
             <a:fld id="{48A87A34-81AB-432B-8DAE-1953F412C126}" type="datetimeFigureOut">
               <a:rPr lang="en-US" dirty="0"/>
-              <a:t>11/28/2018</a:t>
+              <a:t>12/6/2018</a:t>
             </a:fld>
             <a:endParaRPr lang="en-US" dirty="0"/>
           </a:p>
@@ -7580,7 +7585,7 @@
           <a:p>
             <a:fld id="{48A87A34-81AB-432B-8DAE-1953F412C126}" type="datetimeFigureOut">
               <a:rPr lang="en-US" dirty="0"/>
-              <a:t>11/28/2018</a:t>
+              <a:t>12/6/2018</a:t>
             </a:fld>
             <a:endParaRPr lang="en-US" dirty="0"/>
           </a:p>
@@ -7807,7 +7812,7 @@
             <a:fld id="{48A87A34-81AB-432B-8DAE-1953F412C126}" type="datetimeFigureOut">
               <a:rPr lang="en-US" dirty="0"/>
               <a:pPr/>
-              <a:t>11/28/2018</a:t>
+              <a:t>12/6/2018</a:t>
             </a:fld>
             <a:endParaRPr lang="en-US" dirty="0"/>
           </a:p>
@@ -8113,7 +8118,7 @@
             <a:fld id="{48A87A34-81AB-432B-8DAE-1953F412C126}" type="datetimeFigureOut">
               <a:rPr lang="en-US" dirty="0"/>
               <a:pPr/>
-              <a:t>11/28/2018</a:t>
+              <a:t>12/6/2018</a:t>
             </a:fld>
             <a:endParaRPr lang="en-US" dirty="0"/>
           </a:p>
@@ -8582,7 +8587,7 @@
             <a:fld id="{48A87A34-81AB-432B-8DAE-1953F412C126}" type="datetimeFigureOut">
               <a:rPr lang="en-US" dirty="0"/>
               <a:pPr/>
-              <a:t>11/28/2018</a:t>
+              <a:t>12/6/2018</a:t>
             </a:fld>
             <a:endParaRPr lang="en-US" dirty="0"/>
           </a:p>
@@ -9124,7 +9129,7 @@
           <a:p>
             <a:fld id="{48A87A34-81AB-432B-8DAE-1953F412C126}" type="datetimeFigureOut">
               <a:rPr lang="en-US" dirty="0"/>
-              <a:t>11/28/2018</a:t>
+              <a:t>12/6/2018</a:t>
             </a:fld>
             <a:endParaRPr lang="en-US" dirty="0"/>
           </a:p>
@@ -9893,7 +9898,7 @@
           <a:p>
             <a:fld id="{48A87A34-81AB-432B-8DAE-1953F412C126}" type="datetimeFigureOut">
               <a:rPr lang="en-US" dirty="0"/>
-              <a:t>11/28/2018</a:t>
+              <a:t>12/6/2018</a:t>
             </a:fld>
             <a:endParaRPr lang="en-US" dirty="0"/>
           </a:p>
@@ -10063,7 +10068,7 @@
           <a:p>
             <a:fld id="{48A87A34-81AB-432B-8DAE-1953F412C126}" type="datetimeFigureOut">
               <a:rPr lang="en-US" dirty="0"/>
-              <a:t>11/28/2018</a:t>
+              <a:t>12/6/2018</a:t>
             </a:fld>
             <a:endParaRPr lang="en-US" dirty="0"/>
           </a:p>
@@ -10282,7 +10287,7 @@
             <a:fld id="{48A87A34-81AB-432B-8DAE-1953F412C126}" type="datetimeFigureOut">
               <a:rPr lang="en-US" dirty="0"/>
               <a:pPr/>
-              <a:t>11/28/2018</a:t>
+              <a:t>12/6/2018</a:t>
             </a:fld>
             <a:endParaRPr lang="en-US" dirty="0"/>
           </a:p>
@@ -10457,7 +10462,7 @@
           <a:p>
             <a:fld id="{48A87A34-81AB-432B-8DAE-1953F412C126}" type="datetimeFigureOut">
               <a:rPr lang="en-US" dirty="0"/>
-              <a:t>11/28/2018</a:t>
+              <a:t>12/6/2018</a:t>
             </a:fld>
             <a:endParaRPr lang="en-US" dirty="0"/>
           </a:p>
@@ -10742,7 +10747,7 @@
             <a:fld id="{48A87A34-81AB-432B-8DAE-1953F412C126}" type="datetimeFigureOut">
               <a:rPr lang="en-US" dirty="0"/>
               <a:pPr/>
-              <a:t>11/28/2018</a:t>
+              <a:t>12/6/2018</a:t>
             </a:fld>
             <a:endParaRPr lang="en-US" dirty="0"/>
           </a:p>
@@ -10979,7 +10984,7 @@
           <a:p>
             <a:fld id="{48A87A34-81AB-432B-8DAE-1953F412C126}" type="datetimeFigureOut">
               <a:rPr lang="en-US" dirty="0"/>
-              <a:t>11/28/2018</a:t>
+              <a:t>12/6/2018</a:t>
             </a:fld>
             <a:endParaRPr lang="en-US" dirty="0"/>
           </a:p>
@@ -11353,7 +11358,7 @@
           <a:p>
             <a:fld id="{48A87A34-81AB-432B-8DAE-1953F412C126}" type="datetimeFigureOut">
               <a:rPr lang="en-US" dirty="0"/>
-              <a:t>11/28/2018</a:t>
+              <a:t>12/6/2018</a:t>
             </a:fld>
             <a:endParaRPr lang="en-US" dirty="0"/>
           </a:p>
@@ -11466,7 +11471,7 @@
           <a:p>
             <a:fld id="{48A87A34-81AB-432B-8DAE-1953F412C126}" type="datetimeFigureOut">
               <a:rPr lang="en-US" dirty="0"/>
-              <a:t>11/28/2018</a:t>
+              <a:t>12/6/2018</a:t>
             </a:fld>
             <a:endParaRPr lang="en-US" dirty="0"/>
           </a:p>
@@ -11556,7 +11561,7 @@
           <a:p>
             <a:fld id="{48A87A34-81AB-432B-8DAE-1953F412C126}" type="datetimeFigureOut">
               <a:rPr lang="en-US" dirty="0"/>
-              <a:t>11/28/2018</a:t>
+              <a:t>12/6/2018</a:t>
             </a:fld>
             <a:endParaRPr lang="en-US" dirty="0"/>
           </a:p>
@@ -11800,7 +11805,7 @@
           <a:p>
             <a:fld id="{48A87A34-81AB-432B-8DAE-1953F412C126}" type="datetimeFigureOut">
               <a:rPr lang="en-US" dirty="0"/>
-              <a:t>11/28/2018</a:t>
+              <a:t>12/6/2018</a:t>
             </a:fld>
             <a:endParaRPr lang="en-US" dirty="0"/>
           </a:p>
@@ -12052,7 +12057,7 @@
           <a:p>
             <a:fld id="{48A87A34-81AB-432B-8DAE-1953F412C126}" type="datetimeFigureOut">
               <a:rPr lang="en-US" dirty="0"/>
-              <a:t>11/28/2018</a:t>
+              <a:t>12/6/2018</a:t>
             </a:fld>
             <a:endParaRPr lang="en-US" dirty="0"/>
           </a:p>
@@ -12291,7 +12296,7 @@
             <a:fld id="{48A87A34-81AB-432B-8DAE-1953F412C126}" type="datetimeFigureOut">
               <a:rPr lang="en-US" dirty="0"/>
               <a:pPr/>
-              <a:t>11/28/2018</a:t>
+              <a:t>12/6/2018</a:t>
             </a:fld>
             <a:endParaRPr lang="en-US" dirty="0"/>
           </a:p>
@@ -34295,6 +34300,766 @@
 </p:sld>
 </file>
 
+<file path=ppt/slides/slide38.xml><?xml version="1.0" encoding="utf-8"?>
+<p:sld xmlns:a="http://schemas.openxmlformats.org/drawingml/2006/main" xmlns:r="http://schemas.openxmlformats.org/officeDocument/2006/relationships" xmlns:p="http://schemas.openxmlformats.org/presentationml/2006/main">
+  <p:cSld>
+    <p:spTree>
+      <p:nvGrpSpPr>
+        <p:cNvPr id="1" name=""/>
+        <p:cNvGrpSpPr/>
+        <p:nvPr/>
+      </p:nvGrpSpPr>
+      <p:grpSpPr>
+        <a:xfrm>
+          <a:off x="0" y="0"/>
+          <a:ext cx="0" cy="0"/>
+          <a:chOff x="0" y="0"/>
+          <a:chExt cx="0" cy="0"/>
+        </a:xfrm>
+      </p:grpSpPr>
+      <p:sp>
+        <p:nvSpPr>
+          <p:cNvPr id="2" name="Title 1">
+            <a:extLst>
+              <a:ext uri="{FF2B5EF4-FFF2-40B4-BE49-F238E27FC236}">
+                <a16:creationId xmlns:a16="http://schemas.microsoft.com/office/drawing/2014/main" id="{493470F6-5D69-42FC-867E-DFF1659DA407}"/>
+              </a:ext>
+            </a:extLst>
+          </p:cNvPr>
+          <p:cNvSpPr>
+            <a:spLocks noGrp="1"/>
+          </p:cNvSpPr>
+          <p:nvPr>
+            <p:ph type="ctrTitle"/>
+          </p:nvPr>
+        </p:nvSpPr>
+        <p:spPr>
+          <a:xfrm>
+            <a:off x="2966296" y="2522115"/>
+            <a:ext cx="5474253" cy="906885"/>
+          </a:xfrm>
+        </p:spPr>
+        <p:txBody>
+          <a:bodyPr>
+            <a:normAutofit fontScale="90000"/>
+          </a:bodyPr>
+          <a:lstStyle/>
+          <a:p>
+            <a:r>
+              <a:rPr lang="en-US" altLang="zh-CN" dirty="0"/>
+              <a:t>TRANSACTION</a:t>
+            </a:r>
+            <a:endParaRPr lang="zh-CN" altLang="en-US" dirty="0"/>
+          </a:p>
+        </p:txBody>
+      </p:sp>
+    </p:spTree>
+    <p:extLst>
+      <p:ext uri="{BB962C8B-B14F-4D97-AF65-F5344CB8AC3E}">
+        <p14:creationId xmlns:p14="http://schemas.microsoft.com/office/powerpoint/2010/main" val="4091913712"/>
+      </p:ext>
+    </p:extLst>
+  </p:cSld>
+  <p:clrMapOvr>
+    <a:masterClrMapping/>
+  </p:clrMapOvr>
+  <mc:AlternateContent xmlns:mc="http://schemas.openxmlformats.org/markup-compatibility/2006" xmlns:p14="http://schemas.microsoft.com/office/powerpoint/2010/main">
+    <mc:Choice Requires="p14">
+      <p:transition spd="slow" p14:dur="800">
+        <p14:flythrough/>
+      </p:transition>
+    </mc:Choice>
+    <mc:Fallback xmlns="">
+      <p:transition spd="slow">
+        <p:fade/>
+      </p:transition>
+    </mc:Fallback>
+  </mc:AlternateContent>
+</p:sld>
+</file>
+
+<file path=ppt/slides/slide39.xml><?xml version="1.0" encoding="utf-8"?>
+<p:sld xmlns:a="http://schemas.openxmlformats.org/drawingml/2006/main" xmlns:r="http://schemas.openxmlformats.org/officeDocument/2006/relationships" xmlns:p="http://schemas.openxmlformats.org/presentationml/2006/main">
+  <p:cSld>
+    <p:spTree>
+      <p:nvGrpSpPr>
+        <p:cNvPr id="1" name=""/>
+        <p:cNvGrpSpPr/>
+        <p:nvPr/>
+      </p:nvGrpSpPr>
+      <p:grpSpPr>
+        <a:xfrm>
+          <a:off x="0" y="0"/>
+          <a:ext cx="0" cy="0"/>
+          <a:chOff x="0" y="0"/>
+          <a:chExt cx="0" cy="0"/>
+        </a:xfrm>
+      </p:grpSpPr>
+      <p:sp>
+        <p:nvSpPr>
+          <p:cNvPr id="3" name="Rectangle 2">
+            <a:extLst>
+              <a:ext uri="{FF2B5EF4-FFF2-40B4-BE49-F238E27FC236}">
+                <a16:creationId xmlns:a16="http://schemas.microsoft.com/office/drawing/2014/main" id="{281DD5F5-1497-4BD6-B367-B837ACDFF9B2}"/>
+              </a:ext>
+            </a:extLst>
+          </p:cNvPr>
+          <p:cNvSpPr/>
+          <p:nvPr/>
+        </p:nvSpPr>
+        <p:spPr>
+          <a:xfrm>
+            <a:off x="744965" y="1783070"/>
+            <a:ext cx="11321143" cy="2062103"/>
+          </a:xfrm>
+          <a:prstGeom prst="rect">
+            <a:avLst/>
+          </a:prstGeom>
+          <a:ln>
+            <a:solidFill>
+              <a:schemeClr val="accent1"/>
+            </a:solidFill>
+          </a:ln>
+        </p:spPr>
+        <p:txBody>
+          <a:bodyPr wrap="square">
+            <a:spAutoFit/>
+          </a:bodyPr>
+          <a:lstStyle/>
+          <a:p>
+            <a:r>
+              <a:rPr lang="en-US" altLang="zh-CN" sz="3200" b="1" dirty="0">
+                <a:latin typeface="Courier New" panose="02070309020205020404" pitchFamily="49" charset="0"/>
+              </a:rPr>
+              <a:t>START</a:t>
+            </a:r>
+            <a:r>
+              <a:rPr lang="en-US" altLang="zh-CN" sz="3200" dirty="0">
+                <a:latin typeface="Courier New" panose="02070309020205020404" pitchFamily="49" charset="0"/>
+              </a:rPr>
+              <a:t> </a:t>
+            </a:r>
+            <a:r>
+              <a:rPr lang="en-US" altLang="zh-CN" sz="3200" b="1" dirty="0">
+                <a:latin typeface="Courier New" panose="02070309020205020404" pitchFamily="49" charset="0"/>
+              </a:rPr>
+              <a:t>TRANSACTION</a:t>
+            </a:r>
+            <a:r>
+              <a:rPr lang="en-US" altLang="zh-CN" sz="3200" dirty="0">
+                <a:latin typeface="Courier New" panose="02070309020205020404" pitchFamily="49" charset="0"/>
+              </a:rPr>
+              <a:t>;</a:t>
+            </a:r>
+          </a:p>
+          <a:p>
+            <a:r>
+              <a:rPr lang="en-US" altLang="zh-CN" sz="3200" b="1" dirty="0">
+                <a:latin typeface="Courier New" panose="02070309020205020404" pitchFamily="49" charset="0"/>
+              </a:rPr>
+              <a:t>UPDATE</a:t>
+            </a:r>
+            <a:r>
+              <a:rPr lang="en-US" altLang="zh-CN" sz="3200" dirty="0">
+                <a:latin typeface="Courier New" panose="02070309020205020404" pitchFamily="49" charset="0"/>
+              </a:rPr>
+              <a:t> v5 </a:t>
+            </a:r>
+            <a:r>
+              <a:rPr lang="en-US" altLang="zh-CN" sz="3200" b="1" dirty="0">
+                <a:latin typeface="Courier New" panose="02070309020205020404" pitchFamily="49" charset="0"/>
+              </a:rPr>
+              <a:t>SET</a:t>
+            </a:r>
+            <a:r>
+              <a:rPr lang="en-US" altLang="zh-CN" sz="3200" dirty="0">
+                <a:latin typeface="Courier New" panose="02070309020205020404" pitchFamily="49" charset="0"/>
+              </a:rPr>
+              <a:t> </a:t>
+            </a:r>
+            <a:r>
+              <a:rPr lang="en-US" altLang="zh-CN" sz="3200" dirty="0" err="1">
+                <a:latin typeface="Courier New" panose="02070309020205020404" pitchFamily="49" charset="0"/>
+              </a:rPr>
+              <a:t>plateNo</a:t>
+            </a:r>
+            <a:r>
+              <a:rPr lang="en-US" altLang="zh-CN" sz="3200" dirty="0">
+                <a:latin typeface="Courier New" panose="02070309020205020404" pitchFamily="49" charset="0"/>
+              </a:rPr>
+              <a:t>='</a:t>
+            </a:r>
+            <a:r>
+              <a:rPr lang="zh-CN" altLang="en-US" sz="3200" dirty="0">
+                <a:latin typeface="Courier New" panose="02070309020205020404" pitchFamily="49" charset="0"/>
+              </a:rPr>
+              <a:t>鄂</a:t>
+            </a:r>
+            <a:r>
+              <a:rPr lang="en-US" altLang="zh-CN" sz="3200" dirty="0">
+                <a:latin typeface="Courier New" panose="02070309020205020404" pitchFamily="49" charset="0"/>
+              </a:rPr>
+              <a:t>A 938HT' </a:t>
+            </a:r>
+            <a:r>
+              <a:rPr lang="en-US" altLang="zh-CN" sz="3200" b="1" dirty="0">
+                <a:latin typeface="Courier New" panose="02070309020205020404" pitchFamily="49" charset="0"/>
+              </a:rPr>
+              <a:t>WHERE</a:t>
+            </a:r>
+            <a:r>
+              <a:rPr lang="en-US" altLang="zh-CN" sz="3200" dirty="0">
+                <a:latin typeface="Courier New" panose="02070309020205020404" pitchFamily="49" charset="0"/>
+              </a:rPr>
+              <a:t> id=6;</a:t>
+            </a:r>
+          </a:p>
+          <a:p>
+            <a:r>
+              <a:rPr lang="en-US" altLang="zh-CN" sz="3200" b="1" dirty="0">
+                <a:latin typeface="Courier New" panose="02070309020205020404" pitchFamily="49" charset="0"/>
+              </a:rPr>
+              <a:t>UPDATE</a:t>
+            </a:r>
+            <a:r>
+              <a:rPr lang="en-US" altLang="zh-CN" sz="3200" dirty="0">
+                <a:latin typeface="Courier New" panose="02070309020205020404" pitchFamily="49" charset="0"/>
+              </a:rPr>
+              <a:t> v5 </a:t>
+            </a:r>
+            <a:r>
+              <a:rPr lang="en-US" altLang="zh-CN" sz="3200" b="1" dirty="0">
+                <a:latin typeface="Courier New" panose="02070309020205020404" pitchFamily="49" charset="0"/>
+              </a:rPr>
+              <a:t>SET</a:t>
+            </a:r>
+            <a:r>
+              <a:rPr lang="en-US" altLang="zh-CN" sz="3200" dirty="0">
+                <a:latin typeface="Courier New" panose="02070309020205020404" pitchFamily="49" charset="0"/>
+              </a:rPr>
+              <a:t> </a:t>
+            </a:r>
+            <a:r>
+              <a:rPr lang="en-US" altLang="zh-CN" sz="3200" dirty="0" err="1">
+                <a:latin typeface="Courier New" panose="02070309020205020404" pitchFamily="49" charset="0"/>
+              </a:rPr>
+              <a:t>plateNo</a:t>
+            </a:r>
+            <a:r>
+              <a:rPr lang="en-US" altLang="zh-CN" sz="3200" dirty="0">
+                <a:latin typeface="Courier New" panose="02070309020205020404" pitchFamily="49" charset="0"/>
+              </a:rPr>
+              <a:t>=</a:t>
+            </a:r>
+            <a:r>
+              <a:rPr lang="en-US" altLang="zh-CN" sz="3200" b="1" dirty="0">
+                <a:latin typeface="Courier New" panose="02070309020205020404" pitchFamily="49" charset="0"/>
+              </a:rPr>
+              <a:t>NULL</a:t>
+            </a:r>
+            <a:r>
+              <a:rPr lang="en-US" altLang="zh-CN" sz="3200" dirty="0">
+                <a:latin typeface="Courier New" panose="02070309020205020404" pitchFamily="49" charset="0"/>
+              </a:rPr>
+              <a:t> </a:t>
+            </a:r>
+            <a:r>
+              <a:rPr lang="en-US" altLang="zh-CN" sz="3200" b="1" dirty="0">
+                <a:latin typeface="Courier New" panose="02070309020205020404" pitchFamily="49" charset="0"/>
+              </a:rPr>
+              <a:t>WHERE</a:t>
+            </a:r>
+            <a:r>
+              <a:rPr lang="en-US" altLang="zh-CN" sz="3200" dirty="0">
+                <a:latin typeface="Courier New" panose="02070309020205020404" pitchFamily="49" charset="0"/>
+              </a:rPr>
+              <a:t> id=5;</a:t>
+            </a:r>
+          </a:p>
+          <a:p>
+            <a:r>
+              <a:rPr lang="en-US" altLang="zh-CN" sz="3200" b="1" dirty="0">
+                <a:latin typeface="Courier New" panose="02070309020205020404" pitchFamily="49" charset="0"/>
+              </a:rPr>
+              <a:t>COMMIT</a:t>
+            </a:r>
+            <a:r>
+              <a:rPr lang="en-US" altLang="zh-CN" sz="3200" dirty="0">
+                <a:latin typeface="Courier New" panose="02070309020205020404" pitchFamily="49" charset="0"/>
+              </a:rPr>
+              <a:t>;</a:t>
+            </a:r>
+          </a:p>
+        </p:txBody>
+      </p:sp>
+      <p:sp>
+        <p:nvSpPr>
+          <p:cNvPr id="5" name="Title 4">
+            <a:extLst>
+              <a:ext uri="{FF2B5EF4-FFF2-40B4-BE49-F238E27FC236}">
+                <a16:creationId xmlns:a16="http://schemas.microsoft.com/office/drawing/2014/main" id="{9AB7E6B2-3FA0-40A1-8B99-C72B1A4B6953}"/>
+              </a:ext>
+            </a:extLst>
+          </p:cNvPr>
+          <p:cNvSpPr>
+            <a:spLocks noGrp="1"/>
+          </p:cNvSpPr>
+          <p:nvPr>
+            <p:ph type="title"/>
+          </p:nvPr>
+        </p:nvSpPr>
+        <p:spPr>
+          <a:xfrm>
+            <a:off x="9071496" y="591513"/>
+            <a:ext cx="2166257" cy="704675"/>
+          </a:xfrm>
+        </p:spPr>
+        <p:txBody>
+          <a:bodyPr/>
+          <a:lstStyle/>
+          <a:p>
+            <a:r>
+              <a:rPr lang="en-US" altLang="zh-CN" dirty="0"/>
+              <a:t>sample</a:t>
+            </a:r>
+            <a:endParaRPr lang="zh-CN" altLang="en-US" dirty="0"/>
+          </a:p>
+        </p:txBody>
+      </p:sp>
+      <p:sp>
+        <p:nvSpPr>
+          <p:cNvPr id="7" name="Rectangle 6">
+            <a:extLst>
+              <a:ext uri="{FF2B5EF4-FFF2-40B4-BE49-F238E27FC236}">
+                <a16:creationId xmlns:a16="http://schemas.microsoft.com/office/drawing/2014/main" id="{1870C215-75CE-4007-8F87-C58384507358}"/>
+              </a:ext>
+            </a:extLst>
+          </p:cNvPr>
+          <p:cNvSpPr/>
+          <p:nvPr/>
+        </p:nvSpPr>
+        <p:spPr>
+          <a:xfrm>
+            <a:off x="744965" y="4114262"/>
+            <a:ext cx="11321142" cy="2062103"/>
+          </a:xfrm>
+          <a:prstGeom prst="rect">
+            <a:avLst/>
+          </a:prstGeom>
+          <a:ln>
+            <a:solidFill>
+              <a:schemeClr val="accent6"/>
+            </a:solidFill>
+          </a:ln>
+        </p:spPr>
+        <p:txBody>
+          <a:bodyPr wrap="square">
+            <a:spAutoFit/>
+          </a:bodyPr>
+          <a:lstStyle/>
+          <a:p>
+            <a:r>
+              <a:rPr lang="en-US" altLang="zh-CN" sz="3200" b="1" dirty="0">
+                <a:latin typeface="Courier New" panose="02070309020205020404" pitchFamily="49" charset="0"/>
+              </a:rPr>
+              <a:t>START</a:t>
+            </a:r>
+            <a:r>
+              <a:rPr lang="en-US" altLang="zh-CN" sz="3200" dirty="0">
+                <a:latin typeface="Courier New" panose="02070309020205020404" pitchFamily="49" charset="0"/>
+              </a:rPr>
+              <a:t> </a:t>
+            </a:r>
+            <a:r>
+              <a:rPr lang="en-US" altLang="zh-CN" sz="3200" b="1" dirty="0">
+                <a:latin typeface="Courier New" panose="02070309020205020404" pitchFamily="49" charset="0"/>
+              </a:rPr>
+              <a:t>TRANSACTION</a:t>
+            </a:r>
+            <a:r>
+              <a:rPr lang="en-US" altLang="zh-CN" sz="3200" dirty="0">
+                <a:latin typeface="Courier New" panose="02070309020205020404" pitchFamily="49" charset="0"/>
+              </a:rPr>
+              <a:t>;</a:t>
+            </a:r>
+          </a:p>
+          <a:p>
+            <a:r>
+              <a:rPr lang="en-US" altLang="zh-CN" sz="3200" b="1" dirty="0">
+                <a:latin typeface="Courier New" panose="02070309020205020404" pitchFamily="49" charset="0"/>
+              </a:rPr>
+              <a:t>SELECT</a:t>
+            </a:r>
+            <a:r>
+              <a:rPr lang="en-US" altLang="zh-CN" sz="3200" dirty="0">
+                <a:latin typeface="Courier New" panose="02070309020205020404" pitchFamily="49" charset="0"/>
+              </a:rPr>
+              <a:t> * </a:t>
+            </a:r>
+            <a:r>
+              <a:rPr lang="en-US" altLang="zh-CN" sz="3200" b="1" dirty="0">
+                <a:latin typeface="Courier New" panose="02070309020205020404" pitchFamily="49" charset="0"/>
+              </a:rPr>
+              <a:t>FROM</a:t>
+            </a:r>
+            <a:r>
+              <a:rPr lang="en-US" altLang="zh-CN" sz="3200" dirty="0">
+                <a:latin typeface="Courier New" panose="02070309020205020404" pitchFamily="49" charset="0"/>
+              </a:rPr>
+              <a:t> v5 WHERE id in(5,6);</a:t>
+            </a:r>
+          </a:p>
+          <a:p>
+            <a:r>
+              <a:rPr lang="en-US" altLang="zh-CN" sz="3200" b="1" dirty="0">
+                <a:latin typeface="Courier New" panose="02070309020205020404" pitchFamily="49" charset="0"/>
+              </a:rPr>
+              <a:t>SELECT</a:t>
+            </a:r>
+            <a:r>
+              <a:rPr lang="en-US" altLang="zh-CN" sz="3200" dirty="0">
+                <a:latin typeface="Courier New" panose="02070309020205020404" pitchFamily="49" charset="0"/>
+              </a:rPr>
+              <a:t> * </a:t>
+            </a:r>
+            <a:r>
+              <a:rPr lang="en-US" altLang="zh-CN" sz="3200" b="1" dirty="0">
+                <a:latin typeface="Courier New" panose="02070309020205020404" pitchFamily="49" charset="0"/>
+              </a:rPr>
+              <a:t>FROM</a:t>
+            </a:r>
+            <a:r>
+              <a:rPr lang="en-US" altLang="zh-CN" sz="3200" dirty="0">
+                <a:latin typeface="Courier New" panose="02070309020205020404" pitchFamily="49" charset="0"/>
+              </a:rPr>
+              <a:t> v5 WHERE id in(5,6);</a:t>
+            </a:r>
+          </a:p>
+          <a:p>
+            <a:r>
+              <a:rPr lang="en-US" altLang="zh-CN" sz="3200" b="1" dirty="0">
+                <a:latin typeface="Courier New" panose="02070309020205020404" pitchFamily="49" charset="0"/>
+              </a:rPr>
+              <a:t>COMMIT</a:t>
+            </a:r>
+            <a:r>
+              <a:rPr lang="en-US" altLang="zh-CN" sz="3200" dirty="0">
+                <a:latin typeface="Courier New" panose="02070309020205020404" pitchFamily="49" charset="0"/>
+              </a:rPr>
+              <a:t>;</a:t>
+            </a:r>
+          </a:p>
+        </p:txBody>
+      </p:sp>
+      <p:sp>
+        <p:nvSpPr>
+          <p:cNvPr id="8" name="Rectangle 7">
+            <a:extLst>
+              <a:ext uri="{FF2B5EF4-FFF2-40B4-BE49-F238E27FC236}">
+                <a16:creationId xmlns:a16="http://schemas.microsoft.com/office/drawing/2014/main" id="{C3F87691-FA8C-4DBB-9803-0D5BAE907919}"/>
+              </a:ext>
+            </a:extLst>
+          </p:cNvPr>
+          <p:cNvSpPr/>
+          <p:nvPr/>
+        </p:nvSpPr>
+        <p:spPr>
+          <a:xfrm>
+            <a:off x="73648" y="1611571"/>
+            <a:ext cx="599843" cy="923330"/>
+          </a:xfrm>
+          <a:prstGeom prst="rect">
+            <a:avLst/>
+          </a:prstGeom>
+          <a:noFill/>
+        </p:spPr>
+        <p:txBody>
+          <a:bodyPr wrap="none" lIns="91440" tIns="45720" rIns="91440" bIns="45720">
+            <a:spAutoFit/>
+          </a:bodyPr>
+          <a:lstStyle/>
+          <a:p>
+            <a:pPr algn="ctr"/>
+            <a:r>
+              <a:rPr lang="en-US" altLang="zh-CN" sz="5400" b="1" cap="none" spc="0" dirty="0">
+                <a:ln w="9525">
+                  <a:solidFill>
+                    <a:schemeClr val="bg1"/>
+                  </a:solidFill>
+                  <a:prstDash val="solid"/>
+                </a:ln>
+                <a:solidFill>
+                  <a:schemeClr val="accent5"/>
+                </a:solidFill>
+                <a:effectLst>
+                  <a:outerShdw blurRad="12700" dist="38100" dir="2700000" algn="tl" rotWithShape="0">
+                    <a:schemeClr val="accent5">
+                      <a:lumMod val="60000"/>
+                      <a:lumOff val="40000"/>
+                    </a:schemeClr>
+                  </a:outerShdw>
+                </a:effectLst>
+                <a:latin typeface="Courier New" panose="02070309020205020404" pitchFamily="49" charset="0"/>
+              </a:rPr>
+              <a:t>A</a:t>
+            </a:r>
+            <a:endParaRPr lang="zh-CN" altLang="en-US" sz="5400" b="1" cap="none" spc="0" dirty="0">
+              <a:ln w="9525">
+                <a:solidFill>
+                  <a:schemeClr val="bg1"/>
+                </a:solidFill>
+                <a:prstDash val="solid"/>
+              </a:ln>
+              <a:solidFill>
+                <a:schemeClr val="accent5"/>
+              </a:solidFill>
+              <a:effectLst>
+                <a:outerShdw blurRad="12700" dist="38100" dir="2700000" algn="tl" rotWithShape="0">
+                  <a:schemeClr val="accent5">
+                    <a:lumMod val="60000"/>
+                    <a:lumOff val="40000"/>
+                  </a:schemeClr>
+                </a:outerShdw>
+              </a:effectLst>
+            </a:endParaRPr>
+          </a:p>
+        </p:txBody>
+      </p:sp>
+      <p:sp>
+        <p:nvSpPr>
+          <p:cNvPr id="9" name="Rectangle 8">
+            <a:extLst>
+              <a:ext uri="{FF2B5EF4-FFF2-40B4-BE49-F238E27FC236}">
+                <a16:creationId xmlns:a16="http://schemas.microsoft.com/office/drawing/2014/main" id="{1EA2FF30-520D-40BB-8D76-13BFF9812ED7}"/>
+              </a:ext>
+            </a:extLst>
+          </p:cNvPr>
+          <p:cNvSpPr/>
+          <p:nvPr/>
+        </p:nvSpPr>
+        <p:spPr>
+          <a:xfrm>
+            <a:off x="75674" y="2998802"/>
+            <a:ext cx="599843" cy="923330"/>
+          </a:xfrm>
+          <a:prstGeom prst="rect">
+            <a:avLst/>
+          </a:prstGeom>
+          <a:noFill/>
+        </p:spPr>
+        <p:txBody>
+          <a:bodyPr wrap="none" lIns="91440" tIns="45720" rIns="91440" bIns="45720">
+            <a:spAutoFit/>
+          </a:bodyPr>
+          <a:lstStyle/>
+          <a:p>
+            <a:pPr algn="ctr"/>
+            <a:r>
+              <a:rPr lang="en-US" altLang="zh-CN" sz="5400" b="1" cap="none" spc="0" dirty="0">
+                <a:ln w="9525">
+                  <a:solidFill>
+                    <a:schemeClr val="bg1"/>
+                  </a:solidFill>
+                  <a:prstDash val="solid"/>
+                </a:ln>
+                <a:solidFill>
+                  <a:schemeClr val="accent5"/>
+                </a:solidFill>
+                <a:effectLst>
+                  <a:outerShdw blurRad="12700" dist="38100" dir="2700000" algn="tl" rotWithShape="0">
+                    <a:schemeClr val="accent5">
+                      <a:lumMod val="60000"/>
+                      <a:lumOff val="40000"/>
+                    </a:schemeClr>
+                  </a:outerShdw>
+                </a:effectLst>
+                <a:latin typeface="Courier New" panose="02070309020205020404" pitchFamily="49" charset="0"/>
+              </a:rPr>
+              <a:t>B</a:t>
+            </a:r>
+            <a:endParaRPr lang="zh-CN" altLang="en-US" sz="5400" b="1" cap="none" spc="0" dirty="0">
+              <a:ln w="9525">
+                <a:solidFill>
+                  <a:schemeClr val="bg1"/>
+                </a:solidFill>
+                <a:prstDash val="solid"/>
+              </a:ln>
+              <a:solidFill>
+                <a:schemeClr val="accent5"/>
+              </a:solidFill>
+              <a:effectLst>
+                <a:outerShdw blurRad="12700" dist="38100" dir="2700000" algn="tl" rotWithShape="0">
+                  <a:schemeClr val="accent5">
+                    <a:lumMod val="60000"/>
+                    <a:lumOff val="40000"/>
+                  </a:schemeClr>
+                </a:outerShdw>
+              </a:effectLst>
+            </a:endParaRPr>
+          </a:p>
+        </p:txBody>
+      </p:sp>
+      <p:sp>
+        <p:nvSpPr>
+          <p:cNvPr id="11" name="Rectangle 10">
+            <a:extLst>
+              <a:ext uri="{FF2B5EF4-FFF2-40B4-BE49-F238E27FC236}">
+                <a16:creationId xmlns:a16="http://schemas.microsoft.com/office/drawing/2014/main" id="{E80615C9-BB3C-4BE3-A0DE-D87598DC87BB}"/>
+              </a:ext>
+            </a:extLst>
+          </p:cNvPr>
+          <p:cNvSpPr/>
+          <p:nvPr/>
+        </p:nvSpPr>
+        <p:spPr>
+          <a:xfrm>
+            <a:off x="73647" y="3924368"/>
+            <a:ext cx="599844" cy="923330"/>
+          </a:xfrm>
+          <a:prstGeom prst="rect">
+            <a:avLst/>
+          </a:prstGeom>
+          <a:noFill/>
+        </p:spPr>
+        <p:txBody>
+          <a:bodyPr wrap="none" lIns="91440" tIns="45720" rIns="91440" bIns="45720">
+            <a:spAutoFit/>
+          </a:bodyPr>
+          <a:lstStyle/>
+          <a:p>
+            <a:pPr algn="ctr"/>
+            <a:r>
+              <a:rPr lang="en-US" altLang="zh-CN" sz="5400" b="1" cap="none" spc="0" dirty="0">
+                <a:ln w="9525">
+                  <a:solidFill>
+                    <a:schemeClr val="bg1"/>
+                  </a:solidFill>
+                  <a:prstDash val="solid"/>
+                </a:ln>
+                <a:solidFill>
+                  <a:schemeClr val="accent5"/>
+                </a:solidFill>
+                <a:effectLst>
+                  <a:outerShdw blurRad="12700" dist="38100" dir="2700000" algn="tl" rotWithShape="0">
+                    <a:schemeClr val="accent5">
+                      <a:lumMod val="60000"/>
+                      <a:lumOff val="40000"/>
+                    </a:schemeClr>
+                  </a:outerShdw>
+                </a:effectLst>
+                <a:latin typeface="Courier New" panose="02070309020205020404" pitchFamily="49" charset="0"/>
+              </a:rPr>
+              <a:t>C</a:t>
+            </a:r>
+            <a:endParaRPr lang="zh-CN" altLang="en-US" sz="5400" b="1" cap="none" spc="0" dirty="0">
+              <a:ln w="9525">
+                <a:solidFill>
+                  <a:schemeClr val="bg1"/>
+                </a:solidFill>
+                <a:prstDash val="solid"/>
+              </a:ln>
+              <a:solidFill>
+                <a:schemeClr val="accent5"/>
+              </a:solidFill>
+              <a:effectLst>
+                <a:outerShdw blurRad="12700" dist="38100" dir="2700000" algn="tl" rotWithShape="0">
+                  <a:schemeClr val="accent5">
+                    <a:lumMod val="60000"/>
+                    <a:lumOff val="40000"/>
+                  </a:schemeClr>
+                </a:outerShdw>
+              </a:effectLst>
+            </a:endParaRPr>
+          </a:p>
+        </p:txBody>
+      </p:sp>
+      <p:sp>
+        <p:nvSpPr>
+          <p:cNvPr id="12" name="Rectangle 11">
+            <a:extLst>
+              <a:ext uri="{FF2B5EF4-FFF2-40B4-BE49-F238E27FC236}">
+                <a16:creationId xmlns:a16="http://schemas.microsoft.com/office/drawing/2014/main" id="{7568B454-27C9-4928-BB16-644BF1A03818}"/>
+              </a:ext>
+            </a:extLst>
+          </p:cNvPr>
+          <p:cNvSpPr/>
+          <p:nvPr/>
+        </p:nvSpPr>
+        <p:spPr>
+          <a:xfrm>
+            <a:off x="73647" y="5397046"/>
+            <a:ext cx="599844" cy="923330"/>
+          </a:xfrm>
+          <a:prstGeom prst="rect">
+            <a:avLst/>
+          </a:prstGeom>
+          <a:noFill/>
+        </p:spPr>
+        <p:txBody>
+          <a:bodyPr wrap="none" lIns="91440" tIns="45720" rIns="91440" bIns="45720">
+            <a:spAutoFit/>
+          </a:bodyPr>
+          <a:lstStyle/>
+          <a:p>
+            <a:pPr algn="ctr"/>
+            <a:r>
+              <a:rPr lang="en-US" altLang="zh-CN" sz="5400" b="1" dirty="0">
+                <a:ln w="9525">
+                  <a:solidFill>
+                    <a:schemeClr val="bg1"/>
+                  </a:solidFill>
+                  <a:prstDash val="solid"/>
+                </a:ln>
+                <a:solidFill>
+                  <a:schemeClr val="accent5"/>
+                </a:solidFill>
+                <a:effectLst>
+                  <a:outerShdw blurRad="12700" dist="38100" dir="2700000" algn="tl" rotWithShape="0">
+                    <a:schemeClr val="accent5">
+                      <a:lumMod val="60000"/>
+                      <a:lumOff val="40000"/>
+                    </a:schemeClr>
+                  </a:outerShdw>
+                </a:effectLst>
+                <a:latin typeface="Courier New" panose="02070309020205020404" pitchFamily="49" charset="0"/>
+              </a:rPr>
+              <a:t>D</a:t>
+            </a:r>
+            <a:endParaRPr lang="zh-CN" altLang="en-US" sz="5400" b="1" cap="none" spc="0" dirty="0">
+              <a:ln w="9525">
+                <a:solidFill>
+                  <a:schemeClr val="bg1"/>
+                </a:solidFill>
+                <a:prstDash val="solid"/>
+              </a:ln>
+              <a:solidFill>
+                <a:schemeClr val="accent5"/>
+              </a:solidFill>
+              <a:effectLst>
+                <a:outerShdw blurRad="12700" dist="38100" dir="2700000" algn="tl" rotWithShape="0">
+                  <a:schemeClr val="accent5">
+                    <a:lumMod val="60000"/>
+                    <a:lumOff val="40000"/>
+                  </a:schemeClr>
+                </a:outerShdw>
+              </a:effectLst>
+            </a:endParaRPr>
+          </a:p>
+        </p:txBody>
+      </p:sp>
+    </p:spTree>
+    <p:extLst>
+      <p:ext uri="{BB962C8B-B14F-4D97-AF65-F5344CB8AC3E}">
+        <p14:creationId xmlns:p14="http://schemas.microsoft.com/office/powerpoint/2010/main" val="2379692330"/>
+      </p:ext>
+    </p:extLst>
+  </p:cSld>
+  <p:clrMapOvr>
+    <a:masterClrMapping/>
+  </p:clrMapOvr>
+</p:sld>
+</file>
+
 <file path=ppt/slides/slide4.xml><?xml version="1.0" encoding="utf-8"?>
 <p:sld xmlns:a="http://schemas.openxmlformats.org/drawingml/2006/main" xmlns:r="http://schemas.openxmlformats.org/officeDocument/2006/relationships" xmlns:p="http://schemas.openxmlformats.org/presentationml/2006/main">
   <p:cSld>
@@ -34650,6 +35415,1525 @@
       </p:par>
     </p:tnLst>
   </p:timing>
+</p:sld>
+</file>
+
+<file path=ppt/slides/slide40.xml><?xml version="1.0" encoding="utf-8"?>
+<p:sld xmlns:a="http://schemas.openxmlformats.org/drawingml/2006/main" xmlns:r="http://schemas.openxmlformats.org/officeDocument/2006/relationships" xmlns:p="http://schemas.openxmlformats.org/presentationml/2006/main">
+  <p:cSld>
+    <p:spTree>
+      <p:nvGrpSpPr>
+        <p:cNvPr id="1" name=""/>
+        <p:cNvGrpSpPr/>
+        <p:nvPr/>
+      </p:nvGrpSpPr>
+      <p:grpSpPr>
+        <a:xfrm>
+          <a:off x="0" y="0"/>
+          <a:ext cx="0" cy="0"/>
+          <a:chOff x="0" y="0"/>
+          <a:chExt cx="0" cy="0"/>
+        </a:xfrm>
+      </p:grpSpPr>
+      <p:sp>
+        <p:nvSpPr>
+          <p:cNvPr id="3" name="TextBox 2">
+            <a:extLst>
+              <a:ext uri="{FF2B5EF4-FFF2-40B4-BE49-F238E27FC236}">
+                <a16:creationId xmlns:a16="http://schemas.microsoft.com/office/drawing/2014/main" id="{102236C7-F9DE-4BFA-BF11-7A3B35EBE5C6}"/>
+              </a:ext>
+            </a:extLst>
+          </p:cNvPr>
+          <p:cNvSpPr txBox="1"/>
+          <p:nvPr/>
+        </p:nvSpPr>
+        <p:spPr>
+          <a:xfrm>
+            <a:off x="8246377" y="318782"/>
+            <a:ext cx="3214341" cy="646331"/>
+          </a:xfrm>
+          <a:prstGeom prst="rect">
+            <a:avLst/>
+          </a:prstGeom>
+          <a:noFill/>
+        </p:spPr>
+        <p:txBody>
+          <a:bodyPr wrap="none" rtlCol="0">
+            <a:spAutoFit/>
+          </a:bodyPr>
+          <a:lstStyle/>
+          <a:p>
+            <a:r>
+              <a:rPr lang="en-US" altLang="zh-CN" sz="3600" dirty="0"/>
+              <a:t>CHECK POINT</a:t>
+            </a:r>
+            <a:endParaRPr lang="zh-CN" altLang="en-US" sz="3600" dirty="0"/>
+          </a:p>
+        </p:txBody>
+      </p:sp>
+      <p:sp>
+        <p:nvSpPr>
+          <p:cNvPr id="4" name="Rectangle 3">
+            <a:extLst>
+              <a:ext uri="{FF2B5EF4-FFF2-40B4-BE49-F238E27FC236}">
+                <a16:creationId xmlns:a16="http://schemas.microsoft.com/office/drawing/2014/main" id="{D0C08904-69AD-461E-87C3-F0AB8526D0AC}"/>
+              </a:ext>
+            </a:extLst>
+          </p:cNvPr>
+          <p:cNvSpPr/>
+          <p:nvPr/>
+        </p:nvSpPr>
+        <p:spPr>
+          <a:xfrm>
+            <a:off x="1946250" y="1875992"/>
+            <a:ext cx="7432642" cy="1711354"/>
+          </a:xfrm>
+          <a:prstGeom prst="rect">
+            <a:avLst/>
+          </a:prstGeom>
+        </p:spPr>
+        <p:style>
+          <a:lnRef idx="3">
+            <a:schemeClr val="lt1"/>
+          </a:lnRef>
+          <a:fillRef idx="1">
+            <a:schemeClr val="accent3"/>
+          </a:fillRef>
+          <a:effectRef idx="1">
+            <a:schemeClr val="accent3"/>
+          </a:effectRef>
+          <a:fontRef idx="minor">
+            <a:schemeClr val="lt1"/>
+          </a:fontRef>
+        </p:style>
+        <p:txBody>
+          <a:bodyPr rtlCol="0" anchor="ctr"/>
+          <a:lstStyle/>
+          <a:p>
+            <a:pPr algn="ctr"/>
+            <a:endParaRPr lang="zh-CN" altLang="en-US"/>
+          </a:p>
+        </p:txBody>
+      </p:sp>
+      <p:sp>
+        <p:nvSpPr>
+          <p:cNvPr id="5" name="Rectangle 4">
+            <a:extLst>
+              <a:ext uri="{FF2B5EF4-FFF2-40B4-BE49-F238E27FC236}">
+                <a16:creationId xmlns:a16="http://schemas.microsoft.com/office/drawing/2014/main" id="{4BE5ADB9-7539-40C1-940E-3E0EE56A3337}"/>
+              </a:ext>
+            </a:extLst>
+          </p:cNvPr>
+          <p:cNvSpPr/>
+          <p:nvPr/>
+        </p:nvSpPr>
+        <p:spPr>
+          <a:xfrm>
+            <a:off x="2153179" y="2119273"/>
+            <a:ext cx="696285" cy="369115"/>
+          </a:xfrm>
+          <a:prstGeom prst="rect">
+            <a:avLst/>
+          </a:prstGeom>
+          <a:pattFill prst="wdUpDiag">
+            <a:fgClr>
+              <a:schemeClr val="accent2"/>
+            </a:fgClr>
+            <a:bgClr>
+              <a:schemeClr val="bg1"/>
+            </a:bgClr>
+          </a:pattFill>
+        </p:spPr>
+        <p:style>
+          <a:lnRef idx="2">
+            <a:schemeClr val="accent2">
+              <a:shade val="50000"/>
+            </a:schemeClr>
+          </a:lnRef>
+          <a:fillRef idx="1">
+            <a:schemeClr val="accent2"/>
+          </a:fillRef>
+          <a:effectRef idx="0">
+            <a:schemeClr val="accent2"/>
+          </a:effectRef>
+          <a:fontRef idx="minor">
+            <a:schemeClr val="lt1"/>
+          </a:fontRef>
+        </p:style>
+        <p:txBody>
+          <a:bodyPr rtlCol="0" anchor="ctr"/>
+          <a:lstStyle/>
+          <a:p>
+            <a:pPr algn="ctr"/>
+            <a:endParaRPr lang="zh-CN" altLang="en-US"/>
+          </a:p>
+        </p:txBody>
+      </p:sp>
+      <p:sp>
+        <p:nvSpPr>
+          <p:cNvPr id="10" name="Rectangle 9">
+            <a:extLst>
+              <a:ext uri="{FF2B5EF4-FFF2-40B4-BE49-F238E27FC236}">
+                <a16:creationId xmlns:a16="http://schemas.microsoft.com/office/drawing/2014/main" id="{CFCC1628-EC55-4C07-8202-28E3CC50CAEA}"/>
+              </a:ext>
+            </a:extLst>
+          </p:cNvPr>
+          <p:cNvSpPr/>
+          <p:nvPr/>
+        </p:nvSpPr>
+        <p:spPr>
+          <a:xfrm>
+            <a:off x="3056393" y="2119273"/>
+            <a:ext cx="1233182" cy="369115"/>
+          </a:xfrm>
+          <a:prstGeom prst="rect">
+            <a:avLst/>
+          </a:prstGeom>
+          <a:pattFill prst="wdUpDiag">
+            <a:fgClr>
+              <a:schemeClr val="accent2"/>
+            </a:fgClr>
+            <a:bgClr>
+              <a:schemeClr val="bg1"/>
+            </a:bgClr>
+          </a:pattFill>
+        </p:spPr>
+        <p:style>
+          <a:lnRef idx="2">
+            <a:schemeClr val="accent2">
+              <a:shade val="50000"/>
+            </a:schemeClr>
+          </a:lnRef>
+          <a:fillRef idx="1">
+            <a:schemeClr val="accent2"/>
+          </a:fillRef>
+          <a:effectRef idx="0">
+            <a:schemeClr val="accent2"/>
+          </a:effectRef>
+          <a:fontRef idx="minor">
+            <a:schemeClr val="lt1"/>
+          </a:fontRef>
+        </p:style>
+        <p:txBody>
+          <a:bodyPr rtlCol="0" anchor="ctr"/>
+          <a:lstStyle/>
+          <a:p>
+            <a:pPr algn="ctr"/>
+            <a:endParaRPr lang="zh-CN" altLang="en-US"/>
+          </a:p>
+        </p:txBody>
+      </p:sp>
+      <p:sp>
+        <p:nvSpPr>
+          <p:cNvPr id="16" name="Rectangle 15">
+            <a:extLst>
+              <a:ext uri="{FF2B5EF4-FFF2-40B4-BE49-F238E27FC236}">
+                <a16:creationId xmlns:a16="http://schemas.microsoft.com/office/drawing/2014/main" id="{A3D74079-7F94-47FD-9577-A851E8B7B0FD}"/>
+              </a:ext>
+            </a:extLst>
+          </p:cNvPr>
+          <p:cNvSpPr/>
+          <p:nvPr/>
+        </p:nvSpPr>
+        <p:spPr>
+          <a:xfrm>
+            <a:off x="2153178" y="2920421"/>
+            <a:ext cx="2097247" cy="369115"/>
+          </a:xfrm>
+          <a:prstGeom prst="rect">
+            <a:avLst/>
+          </a:prstGeom>
+          <a:pattFill prst="wdUpDiag">
+            <a:fgClr>
+              <a:schemeClr val="accent1"/>
+            </a:fgClr>
+            <a:bgClr>
+              <a:schemeClr val="bg1"/>
+            </a:bgClr>
+          </a:pattFill>
+        </p:spPr>
+        <p:style>
+          <a:lnRef idx="2">
+            <a:schemeClr val="accent1">
+              <a:shade val="50000"/>
+            </a:schemeClr>
+          </a:lnRef>
+          <a:fillRef idx="1">
+            <a:schemeClr val="accent1"/>
+          </a:fillRef>
+          <a:effectRef idx="0">
+            <a:schemeClr val="accent1"/>
+          </a:effectRef>
+          <a:fontRef idx="minor">
+            <a:schemeClr val="lt1"/>
+          </a:fontRef>
+        </p:style>
+        <p:txBody>
+          <a:bodyPr rtlCol="0" anchor="ctr"/>
+          <a:lstStyle/>
+          <a:p>
+            <a:pPr algn="ctr"/>
+            <a:endParaRPr lang="zh-CN" altLang="en-US"/>
+          </a:p>
+        </p:txBody>
+      </p:sp>
+      <p:sp>
+        <p:nvSpPr>
+          <p:cNvPr id="23" name="Rectangle 22">
+            <a:extLst>
+              <a:ext uri="{FF2B5EF4-FFF2-40B4-BE49-F238E27FC236}">
+                <a16:creationId xmlns:a16="http://schemas.microsoft.com/office/drawing/2014/main" id="{EB99FAF1-ABE5-4714-BFB5-1AC5105D9F9A}"/>
+              </a:ext>
+            </a:extLst>
+          </p:cNvPr>
+          <p:cNvSpPr/>
+          <p:nvPr/>
+        </p:nvSpPr>
+        <p:spPr>
+          <a:xfrm>
+            <a:off x="4457353" y="2920420"/>
+            <a:ext cx="1233182" cy="369115"/>
+          </a:xfrm>
+          <a:prstGeom prst="rect">
+            <a:avLst/>
+          </a:prstGeom>
+        </p:spPr>
+        <p:style>
+          <a:lnRef idx="2">
+            <a:schemeClr val="accent1">
+              <a:shade val="50000"/>
+            </a:schemeClr>
+          </a:lnRef>
+          <a:fillRef idx="1">
+            <a:schemeClr val="accent1"/>
+          </a:fillRef>
+          <a:effectRef idx="0">
+            <a:schemeClr val="accent1"/>
+          </a:effectRef>
+          <a:fontRef idx="minor">
+            <a:schemeClr val="lt1"/>
+          </a:fontRef>
+        </p:style>
+        <p:txBody>
+          <a:bodyPr rot="0" spcFirstLastPara="0" vertOverflow="overflow" horzOverflow="overflow" vert="horz" wrap="square" lIns="91440" tIns="45720" rIns="91440" bIns="45720" numCol="1" spcCol="0" rtlCol="0" fromWordArt="0" anchor="ctr" anchorCtr="0" forceAA="0" compatLnSpc="1">
+            <a:prstTxWarp prst="textNoShape">
+              <a:avLst/>
+            </a:prstTxWarp>
+            <a:noAutofit/>
+          </a:bodyPr>
+          <a:lstStyle/>
+          <a:p>
+            <a:pPr algn="ctr"/>
+            <a:endParaRPr lang="zh-CN" altLang="en-US"/>
+          </a:p>
+        </p:txBody>
+      </p:sp>
+      <p:sp>
+        <p:nvSpPr>
+          <p:cNvPr id="25" name="Rectangle 24">
+            <a:extLst>
+              <a:ext uri="{FF2B5EF4-FFF2-40B4-BE49-F238E27FC236}">
+                <a16:creationId xmlns:a16="http://schemas.microsoft.com/office/drawing/2014/main" id="{58BF5514-B701-4EDA-9E1A-DD6AE19F6891}"/>
+              </a:ext>
+            </a:extLst>
+          </p:cNvPr>
+          <p:cNvSpPr/>
+          <p:nvPr/>
+        </p:nvSpPr>
+        <p:spPr>
+          <a:xfrm>
+            <a:off x="4496504" y="2119273"/>
+            <a:ext cx="626377" cy="369115"/>
+          </a:xfrm>
+          <a:prstGeom prst="rect">
+            <a:avLst/>
+          </a:prstGeom>
+          <a:pattFill prst="wdUpDiag">
+            <a:fgClr>
+              <a:schemeClr val="accent2"/>
+            </a:fgClr>
+            <a:bgClr>
+              <a:schemeClr val="bg1"/>
+            </a:bgClr>
+          </a:pattFill>
+        </p:spPr>
+        <p:style>
+          <a:lnRef idx="2">
+            <a:schemeClr val="accent2">
+              <a:shade val="50000"/>
+            </a:schemeClr>
+          </a:lnRef>
+          <a:fillRef idx="1">
+            <a:schemeClr val="accent2"/>
+          </a:fillRef>
+          <a:effectRef idx="0">
+            <a:schemeClr val="accent2"/>
+          </a:effectRef>
+          <a:fontRef idx="minor">
+            <a:schemeClr val="lt1"/>
+          </a:fontRef>
+        </p:style>
+        <p:txBody>
+          <a:bodyPr rtlCol="0" anchor="ctr"/>
+          <a:lstStyle/>
+          <a:p>
+            <a:pPr algn="ctr"/>
+            <a:endParaRPr lang="zh-CN" altLang="en-US"/>
+          </a:p>
+        </p:txBody>
+      </p:sp>
+      <p:sp>
+        <p:nvSpPr>
+          <p:cNvPr id="26" name="Rectangle 25">
+            <a:extLst>
+              <a:ext uri="{FF2B5EF4-FFF2-40B4-BE49-F238E27FC236}">
+                <a16:creationId xmlns:a16="http://schemas.microsoft.com/office/drawing/2014/main" id="{6ECAA56A-E190-4208-A54A-585A310297B4}"/>
+              </a:ext>
+            </a:extLst>
+          </p:cNvPr>
+          <p:cNvSpPr/>
+          <p:nvPr/>
+        </p:nvSpPr>
+        <p:spPr>
+          <a:xfrm>
+            <a:off x="5377346" y="2119272"/>
+            <a:ext cx="1507223" cy="369115"/>
+          </a:xfrm>
+          <a:prstGeom prst="rect">
+            <a:avLst/>
+          </a:prstGeom>
+        </p:spPr>
+        <p:style>
+          <a:lnRef idx="2">
+            <a:schemeClr val="accent2">
+              <a:shade val="50000"/>
+            </a:schemeClr>
+          </a:lnRef>
+          <a:fillRef idx="1">
+            <a:schemeClr val="accent2"/>
+          </a:fillRef>
+          <a:effectRef idx="0">
+            <a:schemeClr val="accent2"/>
+          </a:effectRef>
+          <a:fontRef idx="minor">
+            <a:schemeClr val="lt1"/>
+          </a:fontRef>
+        </p:style>
+        <p:txBody>
+          <a:bodyPr rot="0" spcFirstLastPara="0" vertOverflow="overflow" horzOverflow="overflow" vert="horz" wrap="square" lIns="91440" tIns="45720" rIns="91440" bIns="45720" numCol="1" spcCol="0" rtlCol="0" fromWordArt="0" anchor="ctr" anchorCtr="0" forceAA="0" compatLnSpc="1">
+            <a:prstTxWarp prst="textNoShape">
+              <a:avLst/>
+            </a:prstTxWarp>
+            <a:noAutofit/>
+          </a:bodyPr>
+          <a:lstStyle/>
+          <a:p>
+            <a:pPr algn="ctr"/>
+            <a:endParaRPr lang="zh-CN" altLang="en-US"/>
+          </a:p>
+        </p:txBody>
+      </p:sp>
+      <p:sp>
+        <p:nvSpPr>
+          <p:cNvPr id="27" name="Rectangle 26">
+            <a:extLst>
+              <a:ext uri="{FF2B5EF4-FFF2-40B4-BE49-F238E27FC236}">
+                <a16:creationId xmlns:a16="http://schemas.microsoft.com/office/drawing/2014/main" id="{1F58F985-8E08-4A4C-AFD8-0F7737C81CAD}"/>
+              </a:ext>
+            </a:extLst>
+          </p:cNvPr>
+          <p:cNvSpPr/>
+          <p:nvPr/>
+        </p:nvSpPr>
+        <p:spPr>
+          <a:xfrm>
+            <a:off x="7139034" y="2127660"/>
+            <a:ext cx="1733726" cy="369115"/>
+          </a:xfrm>
+          <a:prstGeom prst="rect">
+            <a:avLst/>
+          </a:prstGeom>
+        </p:spPr>
+        <p:style>
+          <a:lnRef idx="2">
+            <a:schemeClr val="accent2">
+              <a:shade val="50000"/>
+            </a:schemeClr>
+          </a:lnRef>
+          <a:fillRef idx="1">
+            <a:schemeClr val="accent2"/>
+          </a:fillRef>
+          <a:effectRef idx="0">
+            <a:schemeClr val="accent2"/>
+          </a:effectRef>
+          <a:fontRef idx="minor">
+            <a:schemeClr val="lt1"/>
+          </a:fontRef>
+        </p:style>
+        <p:txBody>
+          <a:bodyPr rtlCol="0" anchor="ctr"/>
+          <a:lstStyle/>
+          <a:p>
+            <a:pPr algn="ctr"/>
+            <a:endParaRPr lang="zh-CN" altLang="en-US"/>
+          </a:p>
+        </p:txBody>
+      </p:sp>
+      <p:sp>
+        <p:nvSpPr>
+          <p:cNvPr id="30" name="Rectangle 29">
+            <a:extLst>
+              <a:ext uri="{FF2B5EF4-FFF2-40B4-BE49-F238E27FC236}">
+                <a16:creationId xmlns:a16="http://schemas.microsoft.com/office/drawing/2014/main" id="{578A5F4A-5060-4DF4-A3F3-784EA2919684}"/>
+              </a:ext>
+            </a:extLst>
+          </p:cNvPr>
+          <p:cNvSpPr/>
+          <p:nvPr/>
+        </p:nvSpPr>
+        <p:spPr>
+          <a:xfrm>
+            <a:off x="5897463" y="2924613"/>
+            <a:ext cx="1233182" cy="369115"/>
+          </a:xfrm>
+          <a:prstGeom prst="rect">
+            <a:avLst/>
+          </a:prstGeom>
+        </p:spPr>
+        <p:style>
+          <a:lnRef idx="2">
+            <a:schemeClr val="accent1">
+              <a:shade val="50000"/>
+            </a:schemeClr>
+          </a:lnRef>
+          <a:fillRef idx="1">
+            <a:schemeClr val="accent1"/>
+          </a:fillRef>
+          <a:effectRef idx="0">
+            <a:schemeClr val="accent1"/>
+          </a:effectRef>
+          <a:fontRef idx="minor">
+            <a:schemeClr val="lt1"/>
+          </a:fontRef>
+        </p:style>
+        <p:txBody>
+          <a:bodyPr rot="0" spcFirstLastPara="0" vertOverflow="overflow" horzOverflow="overflow" vert="horz" wrap="square" lIns="91440" tIns="45720" rIns="91440" bIns="45720" numCol="1" spcCol="0" rtlCol="0" fromWordArt="0" anchor="ctr" anchorCtr="0" forceAA="0" compatLnSpc="1">
+            <a:prstTxWarp prst="textNoShape">
+              <a:avLst/>
+            </a:prstTxWarp>
+            <a:noAutofit/>
+          </a:bodyPr>
+          <a:lstStyle/>
+          <a:p>
+            <a:pPr algn="ctr"/>
+            <a:endParaRPr lang="zh-CN" altLang="en-US"/>
+          </a:p>
+        </p:txBody>
+      </p:sp>
+      <p:sp>
+        <p:nvSpPr>
+          <p:cNvPr id="31" name="Rectangle 30">
+            <a:extLst>
+              <a:ext uri="{FF2B5EF4-FFF2-40B4-BE49-F238E27FC236}">
+                <a16:creationId xmlns:a16="http://schemas.microsoft.com/office/drawing/2014/main" id="{281BD43C-5398-425F-8B66-0E0EA1AA9FA4}"/>
+              </a:ext>
+            </a:extLst>
+          </p:cNvPr>
+          <p:cNvSpPr/>
+          <p:nvPr/>
+        </p:nvSpPr>
+        <p:spPr>
+          <a:xfrm>
+            <a:off x="7337573" y="2907835"/>
+            <a:ext cx="864065" cy="369115"/>
+          </a:xfrm>
+          <a:prstGeom prst="rect">
+            <a:avLst/>
+          </a:prstGeom>
+        </p:spPr>
+        <p:style>
+          <a:lnRef idx="2">
+            <a:schemeClr val="accent1">
+              <a:shade val="50000"/>
+            </a:schemeClr>
+          </a:lnRef>
+          <a:fillRef idx="1">
+            <a:schemeClr val="accent1"/>
+          </a:fillRef>
+          <a:effectRef idx="0">
+            <a:schemeClr val="accent1"/>
+          </a:effectRef>
+          <a:fontRef idx="minor">
+            <a:schemeClr val="lt1"/>
+          </a:fontRef>
+        </p:style>
+        <p:txBody>
+          <a:bodyPr rtlCol="0" anchor="ctr"/>
+          <a:lstStyle/>
+          <a:p>
+            <a:pPr algn="ctr"/>
+            <a:endParaRPr lang="zh-CN" altLang="en-US"/>
+          </a:p>
+        </p:txBody>
+      </p:sp>
+      <p:cxnSp>
+        <p:nvCxnSpPr>
+          <p:cNvPr id="34" name="Straight Connector 33">
+            <a:extLst>
+              <a:ext uri="{FF2B5EF4-FFF2-40B4-BE49-F238E27FC236}">
+                <a16:creationId xmlns:a16="http://schemas.microsoft.com/office/drawing/2014/main" id="{DFAD89F5-6FBC-4C5B-B352-100D5910CE09}"/>
+              </a:ext>
+            </a:extLst>
+          </p:cNvPr>
+          <p:cNvCxnSpPr/>
+          <p:nvPr/>
+        </p:nvCxnSpPr>
+        <p:spPr>
+          <a:xfrm>
+            <a:off x="5231938" y="1448153"/>
+            <a:ext cx="0" cy="2718033"/>
+          </a:xfrm>
+          <a:prstGeom prst="line">
+            <a:avLst/>
+          </a:prstGeom>
+          <a:ln w="57150">
+            <a:solidFill>
+              <a:schemeClr val="accent6"/>
+            </a:solidFill>
+            <a:prstDash val="sysDot"/>
+          </a:ln>
+        </p:spPr>
+        <p:style>
+          <a:lnRef idx="1">
+            <a:schemeClr val="accent1"/>
+          </a:lnRef>
+          <a:fillRef idx="0">
+            <a:schemeClr val="accent1"/>
+          </a:fillRef>
+          <a:effectRef idx="0">
+            <a:schemeClr val="accent1"/>
+          </a:effectRef>
+          <a:fontRef idx="minor">
+            <a:schemeClr val="tx1"/>
+          </a:fontRef>
+        </p:style>
+      </p:cxnSp>
+      <p:cxnSp>
+        <p:nvCxnSpPr>
+          <p:cNvPr id="35" name="Straight Connector 34">
+            <a:extLst>
+              <a:ext uri="{FF2B5EF4-FFF2-40B4-BE49-F238E27FC236}">
+                <a16:creationId xmlns:a16="http://schemas.microsoft.com/office/drawing/2014/main" id="{525B5B97-90FE-404D-936D-8E5A87476A90}"/>
+              </a:ext>
+            </a:extLst>
+          </p:cNvPr>
+          <p:cNvCxnSpPr/>
+          <p:nvPr/>
+        </p:nvCxnSpPr>
+        <p:spPr>
+          <a:xfrm>
+            <a:off x="8295317" y="1448153"/>
+            <a:ext cx="0" cy="2718033"/>
+          </a:xfrm>
+          <a:prstGeom prst="line">
+            <a:avLst/>
+          </a:prstGeom>
+          <a:ln w="57150">
+            <a:solidFill>
+              <a:schemeClr val="accent6"/>
+            </a:solidFill>
+          </a:ln>
+        </p:spPr>
+        <p:style>
+          <a:lnRef idx="1">
+            <a:schemeClr val="accent1"/>
+          </a:lnRef>
+          <a:fillRef idx="0">
+            <a:schemeClr val="accent1"/>
+          </a:fillRef>
+          <a:effectRef idx="0">
+            <a:schemeClr val="accent1"/>
+          </a:effectRef>
+          <a:fontRef idx="minor">
+            <a:schemeClr val="tx1"/>
+          </a:fontRef>
+        </p:style>
+      </p:cxnSp>
+      <p:cxnSp>
+        <p:nvCxnSpPr>
+          <p:cNvPr id="37" name="Straight Arrow Connector 36">
+            <a:extLst>
+              <a:ext uri="{FF2B5EF4-FFF2-40B4-BE49-F238E27FC236}">
+                <a16:creationId xmlns:a16="http://schemas.microsoft.com/office/drawing/2014/main" id="{DEDCD692-E818-44E6-8050-26B9FD9710A6}"/>
+              </a:ext>
+            </a:extLst>
+          </p:cNvPr>
+          <p:cNvCxnSpPr/>
+          <p:nvPr/>
+        </p:nvCxnSpPr>
+        <p:spPr>
+          <a:xfrm>
+            <a:off x="1946246" y="4605556"/>
+            <a:ext cx="7432646" cy="0"/>
+          </a:xfrm>
+          <a:prstGeom prst="straightConnector1">
+            <a:avLst/>
+          </a:prstGeom>
+          <a:ln>
+            <a:solidFill>
+              <a:srgbClr val="FFC000"/>
+            </a:solidFill>
+            <a:tailEnd type="triangle"/>
+          </a:ln>
+        </p:spPr>
+        <p:style>
+          <a:lnRef idx="1">
+            <a:schemeClr val="accent1"/>
+          </a:lnRef>
+          <a:fillRef idx="0">
+            <a:schemeClr val="accent1"/>
+          </a:fillRef>
+          <a:effectRef idx="0">
+            <a:schemeClr val="accent1"/>
+          </a:effectRef>
+          <a:fontRef idx="minor">
+            <a:schemeClr val="tx1"/>
+          </a:fontRef>
+        </p:style>
+      </p:cxnSp>
+      <p:sp>
+        <p:nvSpPr>
+          <p:cNvPr id="38" name="Rectangle 37">
+            <a:extLst>
+              <a:ext uri="{FF2B5EF4-FFF2-40B4-BE49-F238E27FC236}">
+                <a16:creationId xmlns:a16="http://schemas.microsoft.com/office/drawing/2014/main" id="{854744DC-3016-4366-BC0F-22A65FE2F395}"/>
+              </a:ext>
+            </a:extLst>
+          </p:cNvPr>
+          <p:cNvSpPr/>
+          <p:nvPr/>
+        </p:nvSpPr>
+        <p:spPr>
+          <a:xfrm>
+            <a:off x="8535801" y="4667276"/>
+            <a:ext cx="673918" cy="338554"/>
+          </a:xfrm>
+          <a:prstGeom prst="rect">
+            <a:avLst/>
+          </a:prstGeom>
+          <a:noFill/>
+        </p:spPr>
+        <p:txBody>
+          <a:bodyPr wrap="square" lIns="91440" tIns="45720" rIns="91440" bIns="45720">
+            <a:spAutoFit/>
+            <a:scene3d>
+              <a:camera prst="orthographicFront"/>
+              <a:lightRig rig="harsh" dir="t"/>
+            </a:scene3d>
+            <a:sp3d extrusionH="57150" prstMaterial="matte">
+              <a:bevelT w="63500" h="12700" prst="angle"/>
+              <a:contourClr>
+                <a:schemeClr val="bg1">
+                  <a:lumMod val="65000"/>
+                </a:schemeClr>
+              </a:contourClr>
+            </a:sp3d>
+          </a:bodyPr>
+          <a:lstStyle/>
+          <a:p>
+            <a:pPr algn="ctr"/>
+            <a:r>
+              <a:rPr lang="en-US" altLang="zh-CN" sz="1600" b="1" cap="none" spc="0" dirty="0">
+                <a:ln/>
+                <a:solidFill>
+                  <a:schemeClr val="accent3"/>
+                </a:solidFill>
+                <a:effectLst/>
+              </a:rPr>
+              <a:t>time</a:t>
+            </a:r>
+          </a:p>
+        </p:txBody>
+      </p:sp>
+      <p:sp>
+        <p:nvSpPr>
+          <p:cNvPr id="39" name="Rectangle 38">
+            <a:extLst>
+              <a:ext uri="{FF2B5EF4-FFF2-40B4-BE49-F238E27FC236}">
+                <a16:creationId xmlns:a16="http://schemas.microsoft.com/office/drawing/2014/main" id="{F14D03C2-F308-4768-AA1E-F5099277AABC}"/>
+              </a:ext>
+            </a:extLst>
+          </p:cNvPr>
+          <p:cNvSpPr/>
+          <p:nvPr/>
+        </p:nvSpPr>
+        <p:spPr>
+          <a:xfrm>
+            <a:off x="4250425" y="4172693"/>
+            <a:ext cx="1925265" cy="338554"/>
+          </a:xfrm>
+          <a:prstGeom prst="rect">
+            <a:avLst/>
+          </a:prstGeom>
+          <a:noFill/>
+        </p:spPr>
+        <p:txBody>
+          <a:bodyPr wrap="square" lIns="91440" tIns="45720" rIns="91440" bIns="45720">
+            <a:spAutoFit/>
+            <a:scene3d>
+              <a:camera prst="orthographicFront"/>
+              <a:lightRig rig="harsh" dir="t"/>
+            </a:scene3d>
+            <a:sp3d extrusionH="57150" prstMaterial="matte">
+              <a:bevelT w="63500" h="12700" prst="angle"/>
+              <a:contourClr>
+                <a:schemeClr val="bg1">
+                  <a:lumMod val="65000"/>
+                </a:schemeClr>
+              </a:contourClr>
+            </a:sp3d>
+          </a:bodyPr>
+          <a:lstStyle/>
+          <a:p>
+            <a:pPr algn="ctr"/>
+            <a:r>
+              <a:rPr lang="en-US" altLang="zh-CN" sz="1600" b="1" cap="none" spc="0" dirty="0">
+                <a:ln/>
+                <a:solidFill>
+                  <a:schemeClr val="accent3"/>
+                </a:solidFill>
+                <a:effectLst/>
+              </a:rPr>
+              <a:t>CHECK POINT</a:t>
+            </a:r>
+          </a:p>
+        </p:txBody>
+      </p:sp>
+      <p:sp>
+        <p:nvSpPr>
+          <p:cNvPr id="40" name="Rectangle 39">
+            <a:extLst>
+              <a:ext uri="{FF2B5EF4-FFF2-40B4-BE49-F238E27FC236}">
+                <a16:creationId xmlns:a16="http://schemas.microsoft.com/office/drawing/2014/main" id="{BB218DFE-7C39-41F0-AE31-57202EB26C15}"/>
+              </a:ext>
+            </a:extLst>
+          </p:cNvPr>
+          <p:cNvSpPr/>
+          <p:nvPr/>
+        </p:nvSpPr>
+        <p:spPr>
+          <a:xfrm>
+            <a:off x="7732611" y="4172825"/>
+            <a:ext cx="1125411" cy="338554"/>
+          </a:xfrm>
+          <a:prstGeom prst="rect">
+            <a:avLst/>
+          </a:prstGeom>
+          <a:noFill/>
+        </p:spPr>
+        <p:txBody>
+          <a:bodyPr wrap="square" lIns="91440" tIns="45720" rIns="91440" bIns="45720">
+            <a:spAutoFit/>
+            <a:scene3d>
+              <a:camera prst="orthographicFront"/>
+              <a:lightRig rig="harsh" dir="t"/>
+            </a:scene3d>
+            <a:sp3d extrusionH="57150" prstMaterial="matte">
+              <a:bevelT w="63500" h="12700" prst="angle"/>
+              <a:contourClr>
+                <a:schemeClr val="bg1">
+                  <a:lumMod val="65000"/>
+                </a:schemeClr>
+              </a:contourClr>
+            </a:sp3d>
+          </a:bodyPr>
+          <a:lstStyle/>
+          <a:p>
+            <a:pPr algn="ctr"/>
+            <a:r>
+              <a:rPr lang="en-US" altLang="zh-CN" sz="1600" b="1" cap="none" spc="0" dirty="0">
+                <a:ln/>
+                <a:solidFill>
+                  <a:schemeClr val="accent3"/>
+                </a:solidFill>
+                <a:effectLst/>
+              </a:rPr>
+              <a:t>NOW</a:t>
+            </a:r>
+          </a:p>
+        </p:txBody>
+      </p:sp>
+      <p:sp>
+        <p:nvSpPr>
+          <p:cNvPr id="41" name="Rectangle 40">
+            <a:extLst>
+              <a:ext uri="{FF2B5EF4-FFF2-40B4-BE49-F238E27FC236}">
+                <a16:creationId xmlns:a16="http://schemas.microsoft.com/office/drawing/2014/main" id="{7211E663-1975-4E48-B192-71A52A9EE9D4}"/>
+              </a:ext>
+            </a:extLst>
+          </p:cNvPr>
+          <p:cNvSpPr/>
+          <p:nvPr/>
+        </p:nvSpPr>
+        <p:spPr>
+          <a:xfrm>
+            <a:off x="3124412" y="4838564"/>
+            <a:ext cx="1459687" cy="369115"/>
+          </a:xfrm>
+          <a:prstGeom prst="rect">
+            <a:avLst/>
+          </a:prstGeom>
+        </p:spPr>
+        <p:style>
+          <a:lnRef idx="2">
+            <a:schemeClr val="accent2">
+              <a:shade val="50000"/>
+            </a:schemeClr>
+          </a:lnRef>
+          <a:fillRef idx="1">
+            <a:schemeClr val="accent2"/>
+          </a:fillRef>
+          <a:effectRef idx="0">
+            <a:schemeClr val="accent2"/>
+          </a:effectRef>
+          <a:fontRef idx="minor">
+            <a:schemeClr val="lt1"/>
+          </a:fontRef>
+        </p:style>
+        <p:txBody>
+          <a:bodyPr rtlCol="0" anchor="ctr"/>
+          <a:lstStyle/>
+          <a:p>
+            <a:pPr algn="ctr"/>
+            <a:r>
+              <a:rPr lang="en-US" altLang="zh-CN" dirty="0"/>
+              <a:t>Session X</a:t>
+            </a:r>
+            <a:endParaRPr lang="zh-CN" altLang="en-US" dirty="0"/>
+          </a:p>
+        </p:txBody>
+      </p:sp>
+      <p:sp>
+        <p:nvSpPr>
+          <p:cNvPr id="42" name="Rectangle 41">
+            <a:extLst>
+              <a:ext uri="{FF2B5EF4-FFF2-40B4-BE49-F238E27FC236}">
+                <a16:creationId xmlns:a16="http://schemas.microsoft.com/office/drawing/2014/main" id="{E3E97960-4882-4B27-8B2E-54674BD314A5}"/>
+              </a:ext>
+            </a:extLst>
+          </p:cNvPr>
+          <p:cNvSpPr/>
+          <p:nvPr/>
+        </p:nvSpPr>
+        <p:spPr>
+          <a:xfrm>
+            <a:off x="4851148" y="4838564"/>
+            <a:ext cx="1501628" cy="369115"/>
+          </a:xfrm>
+          <a:prstGeom prst="rect">
+            <a:avLst/>
+          </a:prstGeom>
+        </p:spPr>
+        <p:style>
+          <a:lnRef idx="2">
+            <a:schemeClr val="accent1">
+              <a:shade val="50000"/>
+            </a:schemeClr>
+          </a:lnRef>
+          <a:fillRef idx="1">
+            <a:schemeClr val="accent1"/>
+          </a:fillRef>
+          <a:effectRef idx="0">
+            <a:schemeClr val="accent1"/>
+          </a:effectRef>
+          <a:fontRef idx="minor">
+            <a:schemeClr val="lt1"/>
+          </a:fontRef>
+        </p:style>
+        <p:txBody>
+          <a:bodyPr rtlCol="0" anchor="ctr"/>
+          <a:lstStyle/>
+          <a:p>
+            <a:pPr algn="ctr"/>
+            <a:r>
+              <a:rPr lang="en-US" altLang="zh-CN" dirty="0"/>
+              <a:t>Session Y</a:t>
+            </a:r>
+            <a:endParaRPr lang="zh-CN" altLang="en-US" dirty="0"/>
+          </a:p>
+        </p:txBody>
+      </p:sp>
+    </p:spTree>
+    <p:extLst>
+      <p:ext uri="{BB962C8B-B14F-4D97-AF65-F5344CB8AC3E}">
+        <p14:creationId xmlns:p14="http://schemas.microsoft.com/office/powerpoint/2010/main" val="2706796568"/>
+      </p:ext>
+    </p:extLst>
+  </p:cSld>
+  <p:clrMapOvr>
+    <a:masterClrMapping/>
+  </p:clrMapOvr>
+  <mc:AlternateContent xmlns:mc="http://schemas.openxmlformats.org/markup-compatibility/2006" xmlns:p14="http://schemas.microsoft.com/office/powerpoint/2010/main">
+    <mc:Choice Requires="p14">
+      <p:transition spd="slow" p14:dur="800">
+        <p14:flythrough/>
+      </p:transition>
+    </mc:Choice>
+    <mc:Fallback xmlns="">
+      <p:transition spd="slow">
+        <p:fade/>
+      </p:transition>
+    </mc:Fallback>
+  </mc:AlternateContent>
+</p:sld>
+</file>
+
+<file path=ppt/slides/slide41.xml><?xml version="1.0" encoding="utf-8"?>
+<p:sld xmlns:a="http://schemas.openxmlformats.org/drawingml/2006/main" xmlns:r="http://schemas.openxmlformats.org/officeDocument/2006/relationships" xmlns:p="http://schemas.openxmlformats.org/presentationml/2006/main">
+  <p:cSld>
+    <p:spTree>
+      <p:nvGrpSpPr>
+        <p:cNvPr id="1" name=""/>
+        <p:cNvGrpSpPr/>
+        <p:nvPr/>
+      </p:nvGrpSpPr>
+      <p:grpSpPr>
+        <a:xfrm>
+          <a:off x="0" y="0"/>
+          <a:ext cx="0" cy="0"/>
+          <a:chOff x="0" y="0"/>
+          <a:chExt cx="0" cy="0"/>
+        </a:xfrm>
+      </p:grpSpPr>
+      <p:sp>
+        <p:nvSpPr>
+          <p:cNvPr id="3" name="TextBox 2">
+            <a:extLst>
+              <a:ext uri="{FF2B5EF4-FFF2-40B4-BE49-F238E27FC236}">
+                <a16:creationId xmlns:a16="http://schemas.microsoft.com/office/drawing/2014/main" id="{102236C7-F9DE-4BFA-BF11-7A3B35EBE5C6}"/>
+              </a:ext>
+            </a:extLst>
+          </p:cNvPr>
+          <p:cNvSpPr txBox="1"/>
+          <p:nvPr/>
+        </p:nvSpPr>
+        <p:spPr>
+          <a:xfrm>
+            <a:off x="5662569" y="369789"/>
+            <a:ext cx="6176691" cy="646331"/>
+          </a:xfrm>
+          <a:prstGeom prst="rect">
+            <a:avLst/>
+          </a:prstGeom>
+          <a:noFill/>
+        </p:spPr>
+        <p:txBody>
+          <a:bodyPr wrap="none" rtlCol="0">
+            <a:spAutoFit/>
+          </a:bodyPr>
+          <a:lstStyle/>
+          <a:p>
+            <a:r>
+              <a:rPr lang="en-US" altLang="zh-CN" sz="3600" dirty="0"/>
+              <a:t>Transaction Isolation Levels</a:t>
+            </a:r>
+            <a:endParaRPr lang="zh-CN" altLang="en-US" sz="3600" dirty="0"/>
+          </a:p>
+        </p:txBody>
+      </p:sp>
+      <p:sp>
+        <p:nvSpPr>
+          <p:cNvPr id="13" name="TextBox 12">
+            <a:extLst>
+              <a:ext uri="{FF2B5EF4-FFF2-40B4-BE49-F238E27FC236}">
+                <a16:creationId xmlns:a16="http://schemas.microsoft.com/office/drawing/2014/main" id="{FF743427-710B-4989-B344-D958DF9C1A6A}"/>
+              </a:ext>
+            </a:extLst>
+          </p:cNvPr>
+          <p:cNvSpPr txBox="1"/>
+          <p:nvPr/>
+        </p:nvSpPr>
+        <p:spPr>
+          <a:xfrm>
+            <a:off x="2576086" y="1879727"/>
+            <a:ext cx="5788764" cy="2554545"/>
+          </a:xfrm>
+          <a:prstGeom prst="rect">
+            <a:avLst/>
+          </a:prstGeom>
+          <a:noFill/>
+        </p:spPr>
+        <p:txBody>
+          <a:bodyPr wrap="none" rtlCol="0">
+            <a:spAutoFit/>
+          </a:bodyPr>
+          <a:lstStyle/>
+          <a:p>
+            <a:pPr marL="285750" indent="-285750">
+              <a:buFont typeface="Wingdings" panose="05000000000000000000" pitchFamily="2" charset="2"/>
+              <a:buChar char="l"/>
+            </a:pPr>
+            <a:r>
+              <a:rPr lang="en-US" altLang="zh-CN" sz="4000" dirty="0"/>
+              <a:t>SERIALIZABLE</a:t>
+            </a:r>
+          </a:p>
+          <a:p>
+            <a:pPr marL="285750" indent="-285750">
+              <a:buFont typeface="Wingdings" panose="05000000000000000000" pitchFamily="2" charset="2"/>
+              <a:buChar char="l"/>
+            </a:pPr>
+            <a:r>
+              <a:rPr lang="en-US" altLang="zh-CN" sz="4000" dirty="0"/>
+              <a:t>REPEATABLE READ</a:t>
+            </a:r>
+          </a:p>
+          <a:p>
+            <a:pPr marL="285750" indent="-285750">
+              <a:buFont typeface="Wingdings" panose="05000000000000000000" pitchFamily="2" charset="2"/>
+              <a:buChar char="l"/>
+            </a:pPr>
+            <a:r>
+              <a:rPr lang="en-US" altLang="zh-CN" sz="4000" dirty="0"/>
+              <a:t>READ COMMITTED</a:t>
+            </a:r>
+          </a:p>
+          <a:p>
+            <a:pPr marL="285750" indent="-285750">
+              <a:buFont typeface="Wingdings" panose="05000000000000000000" pitchFamily="2" charset="2"/>
+              <a:buChar char="l"/>
+            </a:pPr>
+            <a:r>
+              <a:rPr lang="en-US" altLang="zh-CN" sz="4000" dirty="0"/>
+              <a:t>READ UNCOMMITTED</a:t>
+            </a:r>
+            <a:endParaRPr lang="zh-CN" altLang="en-US" dirty="0"/>
+          </a:p>
+        </p:txBody>
+      </p:sp>
+    </p:spTree>
+    <p:extLst>
+      <p:ext uri="{BB962C8B-B14F-4D97-AF65-F5344CB8AC3E}">
+        <p14:creationId xmlns:p14="http://schemas.microsoft.com/office/powerpoint/2010/main" val="416066025"/>
+      </p:ext>
+    </p:extLst>
+  </p:cSld>
+  <p:clrMapOvr>
+    <a:masterClrMapping/>
+  </p:clrMapOvr>
+  <mc:AlternateContent xmlns:mc="http://schemas.openxmlformats.org/markup-compatibility/2006" xmlns:p14="http://schemas.microsoft.com/office/powerpoint/2010/main">
+    <mc:Choice Requires="p14">
+      <p:transition spd="slow" p14:dur="800">
+        <p14:flythrough/>
+      </p:transition>
+    </mc:Choice>
+    <mc:Fallback xmlns="">
+      <p:transition spd="slow">
+        <p:fade/>
+      </p:transition>
+    </mc:Fallback>
+  </mc:AlternateContent>
+</p:sld>
+</file>
+
+<file path=ppt/slides/slide42.xml><?xml version="1.0" encoding="utf-8"?>
+<p:sld xmlns:a="http://schemas.openxmlformats.org/drawingml/2006/main" xmlns:r="http://schemas.openxmlformats.org/officeDocument/2006/relationships" xmlns:p="http://schemas.openxmlformats.org/presentationml/2006/main">
+  <p:cSld>
+    <p:spTree>
+      <p:nvGrpSpPr>
+        <p:cNvPr id="1" name=""/>
+        <p:cNvGrpSpPr/>
+        <p:nvPr/>
+      </p:nvGrpSpPr>
+      <p:grpSpPr>
+        <a:xfrm>
+          <a:off x="0" y="0"/>
+          <a:ext cx="0" cy="0"/>
+          <a:chOff x="0" y="0"/>
+          <a:chExt cx="0" cy="0"/>
+        </a:xfrm>
+      </p:grpSpPr>
+      <p:sp>
+        <p:nvSpPr>
+          <p:cNvPr id="3" name="Rectangle 2">
+            <a:extLst>
+              <a:ext uri="{FF2B5EF4-FFF2-40B4-BE49-F238E27FC236}">
+                <a16:creationId xmlns:a16="http://schemas.microsoft.com/office/drawing/2014/main" id="{13A652D9-667A-4FE1-920B-97DBB6A3A8BE}"/>
+              </a:ext>
+            </a:extLst>
+          </p:cNvPr>
+          <p:cNvSpPr/>
+          <p:nvPr/>
+        </p:nvSpPr>
+        <p:spPr>
+          <a:xfrm>
+            <a:off x="696124" y="1872734"/>
+            <a:ext cx="11046614" cy="3016210"/>
+          </a:xfrm>
+          <a:prstGeom prst="rect">
+            <a:avLst/>
+          </a:prstGeom>
+        </p:spPr>
+        <p:txBody>
+          <a:bodyPr wrap="none">
+            <a:spAutoFit/>
+          </a:bodyPr>
+          <a:lstStyle/>
+          <a:p>
+            <a:r>
+              <a:rPr lang="en-US" altLang="zh-CN" sz="3200" b="1" dirty="0">
+                <a:latin typeface="Courier New" panose="02070309020205020404" pitchFamily="49" charset="0"/>
+              </a:rPr>
+              <a:t>SHOW</a:t>
+            </a:r>
+            <a:r>
+              <a:rPr lang="en-US" altLang="zh-CN" sz="3200" dirty="0">
+                <a:latin typeface="Courier New" panose="02070309020205020404" pitchFamily="49" charset="0"/>
+              </a:rPr>
+              <a:t> </a:t>
+            </a:r>
+            <a:r>
+              <a:rPr lang="en-US" altLang="zh-CN" sz="3200" b="1" dirty="0">
+                <a:latin typeface="Courier New" panose="02070309020205020404" pitchFamily="49" charset="0"/>
+              </a:rPr>
+              <a:t>VARIABLES</a:t>
+            </a:r>
+            <a:r>
+              <a:rPr lang="en-US" altLang="zh-CN" sz="3200" dirty="0">
+                <a:latin typeface="Courier New" panose="02070309020205020404" pitchFamily="49" charset="0"/>
+              </a:rPr>
+              <a:t> </a:t>
+            </a:r>
+            <a:r>
+              <a:rPr lang="en-US" altLang="zh-CN" sz="3200" b="1" dirty="0">
+                <a:latin typeface="Courier New" panose="02070309020205020404" pitchFamily="49" charset="0"/>
+              </a:rPr>
+              <a:t>LIKE</a:t>
+            </a:r>
+            <a:r>
+              <a:rPr lang="en-US" altLang="zh-CN" sz="3200" dirty="0">
+                <a:latin typeface="Courier New" panose="02070309020205020404" pitchFamily="49" charset="0"/>
+              </a:rPr>
+              <a:t> '</a:t>
+            </a:r>
+            <a:r>
+              <a:rPr lang="en-US" altLang="zh-CN" sz="3200" dirty="0" err="1">
+                <a:latin typeface="Courier New" panose="02070309020205020404" pitchFamily="49" charset="0"/>
+              </a:rPr>
+              <a:t>transaction_isolation</a:t>
+            </a:r>
+            <a:r>
+              <a:rPr lang="en-US" altLang="zh-CN" sz="3200" dirty="0">
+                <a:latin typeface="Courier New" panose="02070309020205020404" pitchFamily="49" charset="0"/>
+              </a:rPr>
+              <a:t>';</a:t>
+            </a:r>
+          </a:p>
+          <a:p>
+            <a:endParaRPr lang="en-US" altLang="zh-CN" sz="3200" dirty="0">
+              <a:latin typeface="Courier New" panose="02070309020205020404" pitchFamily="49" charset="0"/>
+            </a:endParaRPr>
+          </a:p>
+          <a:p>
+            <a:r>
+              <a:rPr lang="en-US" altLang="zh-CN" b="1" dirty="0"/>
+              <a:t>SET</a:t>
+            </a:r>
+            <a:r>
+              <a:rPr lang="en-US" altLang="zh-CN" dirty="0"/>
+              <a:t> </a:t>
+            </a:r>
+            <a:r>
+              <a:rPr lang="en-US" altLang="zh-CN" b="1" dirty="0"/>
+              <a:t>TRANSACTION</a:t>
+            </a:r>
+            <a:r>
+              <a:rPr lang="en-US" altLang="zh-CN" dirty="0"/>
+              <a:t> </a:t>
+            </a:r>
+            <a:r>
+              <a:rPr lang="en-US" altLang="zh-CN" b="1" dirty="0"/>
+              <a:t>ISOLATION</a:t>
+            </a:r>
+            <a:r>
+              <a:rPr lang="en-US" altLang="zh-CN" dirty="0"/>
+              <a:t> </a:t>
+            </a:r>
+            <a:r>
+              <a:rPr lang="en-US" altLang="zh-CN" b="1" dirty="0"/>
+              <a:t>LEVEL</a:t>
+            </a:r>
+            <a:r>
+              <a:rPr lang="en-US" altLang="zh-CN" dirty="0"/>
+              <a:t> </a:t>
+            </a:r>
+            <a:r>
+              <a:rPr lang="en-US" altLang="zh-CN" b="1" dirty="0">
+                <a:solidFill>
+                  <a:schemeClr val="accent3"/>
+                </a:solidFill>
+              </a:rPr>
+              <a:t>READ UNCOMMITTED;</a:t>
+            </a:r>
+          </a:p>
+          <a:p>
+            <a:r>
+              <a:rPr lang="en-US" altLang="zh-CN" b="1" dirty="0"/>
+              <a:t>SET</a:t>
+            </a:r>
+            <a:r>
+              <a:rPr lang="en-US" altLang="zh-CN" dirty="0"/>
+              <a:t> </a:t>
+            </a:r>
+            <a:r>
+              <a:rPr lang="en-US" altLang="zh-CN" b="1" dirty="0">
+                <a:solidFill>
+                  <a:schemeClr val="accent3"/>
+                </a:solidFill>
+              </a:rPr>
+              <a:t>SESSION</a:t>
+            </a:r>
+            <a:r>
+              <a:rPr lang="en-US" altLang="zh-CN" dirty="0"/>
+              <a:t> </a:t>
+            </a:r>
+            <a:r>
+              <a:rPr lang="en-US" altLang="zh-CN" b="1" dirty="0"/>
+              <a:t>TRANSACTION</a:t>
+            </a:r>
+            <a:r>
+              <a:rPr lang="en-US" altLang="zh-CN" dirty="0"/>
+              <a:t> </a:t>
+            </a:r>
+            <a:r>
+              <a:rPr lang="en-US" altLang="zh-CN" b="1" dirty="0"/>
+              <a:t>ISOLATION</a:t>
+            </a:r>
+            <a:r>
+              <a:rPr lang="en-US" altLang="zh-CN" dirty="0"/>
+              <a:t> </a:t>
+            </a:r>
+            <a:r>
+              <a:rPr lang="en-US" altLang="zh-CN" b="1" dirty="0"/>
+              <a:t>LEVEL</a:t>
+            </a:r>
+            <a:r>
+              <a:rPr lang="en-US" altLang="zh-CN" dirty="0"/>
+              <a:t> </a:t>
+            </a:r>
+            <a:r>
+              <a:rPr lang="en-US" altLang="zh-CN" b="1" dirty="0">
+                <a:solidFill>
+                  <a:schemeClr val="accent3"/>
+                </a:solidFill>
+              </a:rPr>
+              <a:t>READ</a:t>
+            </a:r>
+            <a:r>
+              <a:rPr lang="en-US" altLang="zh-CN" dirty="0">
+                <a:solidFill>
+                  <a:schemeClr val="accent3"/>
+                </a:solidFill>
+              </a:rPr>
+              <a:t> </a:t>
+            </a:r>
+            <a:r>
+              <a:rPr lang="en-US" altLang="zh-CN" b="1" dirty="0">
+                <a:solidFill>
+                  <a:schemeClr val="accent3"/>
+                </a:solidFill>
+              </a:rPr>
+              <a:t>COMMITTED;</a:t>
+            </a:r>
+          </a:p>
+          <a:p>
+            <a:r>
+              <a:rPr lang="en-US" altLang="zh-CN" b="1" dirty="0"/>
+              <a:t>SET</a:t>
+            </a:r>
+            <a:r>
+              <a:rPr lang="en-US" altLang="zh-CN" dirty="0"/>
+              <a:t> </a:t>
+            </a:r>
+            <a:r>
+              <a:rPr lang="en-US" altLang="zh-CN" b="1" dirty="0">
+                <a:solidFill>
+                  <a:schemeClr val="accent3"/>
+                </a:solidFill>
+              </a:rPr>
+              <a:t>SESSION</a:t>
+            </a:r>
+            <a:r>
+              <a:rPr lang="en-US" altLang="zh-CN" dirty="0"/>
+              <a:t> </a:t>
+            </a:r>
+            <a:r>
+              <a:rPr lang="en-US" altLang="zh-CN" b="1" dirty="0"/>
+              <a:t>TRANSACTION</a:t>
+            </a:r>
+            <a:r>
+              <a:rPr lang="en-US" altLang="zh-CN" dirty="0"/>
+              <a:t> </a:t>
+            </a:r>
+            <a:r>
+              <a:rPr lang="en-US" altLang="zh-CN" b="1" dirty="0"/>
+              <a:t>ISOLATION</a:t>
+            </a:r>
+            <a:r>
+              <a:rPr lang="en-US" altLang="zh-CN" dirty="0"/>
+              <a:t> </a:t>
+            </a:r>
+            <a:r>
+              <a:rPr lang="en-US" altLang="zh-CN" b="1" dirty="0"/>
+              <a:t>LEVEL</a:t>
+            </a:r>
+            <a:r>
+              <a:rPr lang="en-US" altLang="zh-CN" dirty="0"/>
+              <a:t> </a:t>
+            </a:r>
+            <a:r>
+              <a:rPr lang="en-US" altLang="zh-CN" b="1" dirty="0">
+                <a:solidFill>
+                  <a:schemeClr val="accent3"/>
+                </a:solidFill>
+              </a:rPr>
+              <a:t>REPEATABLE READ;</a:t>
+            </a:r>
+          </a:p>
+          <a:p>
+            <a:r>
+              <a:rPr lang="en-US" altLang="zh-CN" b="1" dirty="0"/>
+              <a:t>SET</a:t>
+            </a:r>
+            <a:r>
+              <a:rPr lang="en-US" altLang="zh-CN" dirty="0"/>
+              <a:t> </a:t>
+            </a:r>
+            <a:r>
+              <a:rPr lang="en-US" altLang="zh-CN" b="1" dirty="0">
+                <a:solidFill>
+                  <a:schemeClr val="accent3"/>
+                </a:solidFill>
+              </a:rPr>
+              <a:t>GLOBAL</a:t>
+            </a:r>
+            <a:r>
+              <a:rPr lang="en-US" altLang="zh-CN" dirty="0"/>
+              <a:t> </a:t>
+            </a:r>
+            <a:r>
+              <a:rPr lang="en-US" altLang="zh-CN" b="1" dirty="0"/>
+              <a:t>TRANSACTION</a:t>
+            </a:r>
+            <a:r>
+              <a:rPr lang="en-US" altLang="zh-CN" dirty="0"/>
+              <a:t> </a:t>
+            </a:r>
+            <a:r>
+              <a:rPr lang="en-US" altLang="zh-CN" b="1" dirty="0"/>
+              <a:t>ISOLATION</a:t>
+            </a:r>
+            <a:r>
+              <a:rPr lang="en-US" altLang="zh-CN" dirty="0"/>
+              <a:t> </a:t>
+            </a:r>
+            <a:r>
+              <a:rPr lang="en-US" altLang="zh-CN" b="1" dirty="0"/>
+              <a:t>LEVEL</a:t>
+            </a:r>
+            <a:r>
+              <a:rPr lang="en-US" altLang="zh-CN" dirty="0"/>
+              <a:t> </a:t>
+            </a:r>
+            <a:r>
+              <a:rPr lang="en-US" altLang="zh-CN" b="1" dirty="0">
+                <a:solidFill>
+                  <a:schemeClr val="accent3"/>
+                </a:solidFill>
+              </a:rPr>
+              <a:t>SERIALIZABLE;</a:t>
+            </a:r>
+          </a:p>
+          <a:p>
+            <a:endParaRPr lang="en-US" altLang="zh-CN" b="1" dirty="0">
+              <a:solidFill>
+                <a:schemeClr val="accent3"/>
+              </a:solidFill>
+            </a:endParaRPr>
+          </a:p>
+          <a:p>
+            <a:r>
+              <a:rPr lang="en-US" altLang="zh-CN" b="1" dirty="0"/>
+              <a:t>SET AUTOCOMMIT=0;</a:t>
+            </a:r>
+          </a:p>
+          <a:p>
+            <a:endParaRPr lang="en-US" altLang="zh-CN" b="1" dirty="0">
+              <a:solidFill>
+                <a:schemeClr val="accent3"/>
+              </a:solidFill>
+            </a:endParaRPr>
+          </a:p>
+        </p:txBody>
+      </p:sp>
+      <p:sp>
+        <p:nvSpPr>
+          <p:cNvPr id="4" name="TextBox 3">
+            <a:extLst>
+              <a:ext uri="{FF2B5EF4-FFF2-40B4-BE49-F238E27FC236}">
+                <a16:creationId xmlns:a16="http://schemas.microsoft.com/office/drawing/2014/main" id="{D2373C06-8983-4E83-B7F7-720001385860}"/>
+              </a:ext>
+            </a:extLst>
+          </p:cNvPr>
+          <p:cNvSpPr txBox="1"/>
+          <p:nvPr/>
+        </p:nvSpPr>
+        <p:spPr>
+          <a:xfrm>
+            <a:off x="4991449" y="394956"/>
+            <a:ext cx="6991016" cy="646331"/>
+          </a:xfrm>
+          <a:prstGeom prst="rect">
+            <a:avLst/>
+          </a:prstGeom>
+          <a:noFill/>
+        </p:spPr>
+        <p:txBody>
+          <a:bodyPr wrap="none" rtlCol="0">
+            <a:spAutoFit/>
+          </a:bodyPr>
+          <a:lstStyle/>
+          <a:p>
+            <a:r>
+              <a:rPr lang="en-US" altLang="zh-CN" sz="3600" dirty="0"/>
+              <a:t>Set Transaction Isolation Level</a:t>
+            </a:r>
+            <a:endParaRPr lang="zh-CN" altLang="en-US" sz="3600" dirty="0"/>
+          </a:p>
+        </p:txBody>
+      </p:sp>
+    </p:spTree>
+    <p:extLst>
+      <p:ext uri="{BB962C8B-B14F-4D97-AF65-F5344CB8AC3E}">
+        <p14:creationId xmlns:p14="http://schemas.microsoft.com/office/powerpoint/2010/main" val="3936101597"/>
+      </p:ext>
+    </p:extLst>
+  </p:cSld>
+  <p:clrMapOvr>
+    <a:masterClrMapping/>
+  </p:clrMapOvr>
+  <mc:AlternateContent xmlns:mc="http://schemas.openxmlformats.org/markup-compatibility/2006" xmlns:p14="http://schemas.microsoft.com/office/powerpoint/2010/main">
+    <mc:Choice Requires="p14">
+      <p:transition spd="slow" p14:dur="800">
+        <p14:flythrough/>
+      </p:transition>
+    </mc:Choice>
+    <mc:Fallback xmlns="">
+      <p:transition spd="slow">
+        <p:fade/>
+      </p:transition>
+    </mc:Fallback>
+  </mc:AlternateContent>
 </p:sld>
 </file>
 
